--- a/Figures/Powerpoints/3 plots.pptx
+++ b/Figures/Powerpoints/3 plots.pptx
@@ -5,7 +5,7 @@
     <p:sldMasterId id="2147483672" r:id="rId1"/>
   </p:sldMasterIdLst>
   <p:notesMasterIdLst>
-    <p:notesMasterId r:id="rId7"/>
+    <p:notesMasterId r:id="rId10"/>
   </p:notesMasterIdLst>
   <p:sldIdLst>
     <p:sldId id="256" r:id="rId2"/>
@@ -13,6 +13,9 @@
     <p:sldId id="258" r:id="rId4"/>
     <p:sldId id="259" r:id="rId5"/>
     <p:sldId id="260" r:id="rId6"/>
+    <p:sldId id="261" r:id="rId7"/>
+    <p:sldId id="262" r:id="rId8"/>
+    <p:sldId id="263" r:id="rId9"/>
   </p:sldIdLst>
   <p:sldSz cx="10799763" cy="3959225"/>
   <p:notesSz cx="6858000" cy="9144000"/>
@@ -111,6 +114,11 @@
       </a:defRPr>
     </a:lvl9pPr>
   </p:defaultTextStyle>
+  <p:extLst>
+    <p:ext uri="{EFAFB233-063F-42B5-8137-9DF3F51BA10A}">
+      <p15:sldGuideLst xmlns:p15="http://schemas.microsoft.com/office/powerpoint/2012/main"/>
+    </p:ext>
+  </p:extLst>
 </p:presentation>
 </file>
 
@@ -196,7 +204,7 @@
           <a:p>
             <a:fld id="{32F7D83B-ADDA-4ECB-B692-7302BE334C8B}" type="datetimeFigureOut">
               <a:rPr lang="en-GB" smtClean="0"/>
-              <a:t>24/07/2015</a:t>
+              <a:t>30/07/2015</a:t>
             </a:fld>
             <a:endParaRPr lang="en-GB"/>
           </a:p>
@@ -818,6 +826,190 @@
 </p:notes>
 </file>
 
+<file path=ppt/notesSlides/notesSlide5.xml><?xml version="1.0" encoding="utf-8"?>
+<p:notes xmlns:a="http://schemas.openxmlformats.org/drawingml/2006/main" xmlns:r="http://schemas.openxmlformats.org/officeDocument/2006/relationships" xmlns:p="http://schemas.openxmlformats.org/presentationml/2006/main">
+  <p:cSld>
+    <p:spTree>
+      <p:nvGrpSpPr>
+        <p:cNvPr id="1" name=""/>
+        <p:cNvGrpSpPr/>
+        <p:nvPr/>
+      </p:nvGrpSpPr>
+      <p:grpSpPr>
+        <a:xfrm>
+          <a:off x="0" y="0"/>
+          <a:ext cx="0" cy="0"/>
+          <a:chOff x="0" y="0"/>
+          <a:chExt cx="0" cy="0"/>
+        </a:xfrm>
+      </p:grpSpPr>
+      <p:sp>
+        <p:nvSpPr>
+          <p:cNvPr id="2" name="Slide Image Placeholder 1"/>
+          <p:cNvSpPr>
+            <a:spLocks noGrp="1" noRot="1" noChangeAspect="1"/>
+          </p:cNvSpPr>
+          <p:nvPr>
+            <p:ph type="sldImg"/>
+          </p:nvPr>
+        </p:nvSpPr>
+        <p:spPr/>
+      </p:sp>
+      <p:sp>
+        <p:nvSpPr>
+          <p:cNvPr id="3" name="Notes Placeholder 2"/>
+          <p:cNvSpPr>
+            <a:spLocks noGrp="1"/>
+          </p:cNvSpPr>
+          <p:nvPr>
+            <p:ph type="body" idx="1"/>
+          </p:nvPr>
+        </p:nvSpPr>
+        <p:spPr/>
+        <p:txBody>
+          <a:bodyPr/>
+          <a:lstStyle/>
+          <a:p>
+            <a:r>
+              <a:rPr lang="en-GB" smtClean="0"/>
+              <a:t>NOD (Mouse 11 20</a:t>
+            </a:r>
+            <a:r>
+              <a:rPr lang="en-GB" baseline="30000" smtClean="0"/>
+              <a:t>th</a:t>
+            </a:r>
+            <a:r>
+              <a:rPr lang="en-GB" smtClean="0"/>
+              <a:t> July)</a:t>
+            </a:r>
+            <a:endParaRPr lang="en-GB"/>
+          </a:p>
+        </p:txBody>
+      </p:sp>
+      <p:sp>
+        <p:nvSpPr>
+          <p:cNvPr id="4" name="Slide Number Placeholder 3"/>
+          <p:cNvSpPr>
+            <a:spLocks noGrp="1"/>
+          </p:cNvSpPr>
+          <p:nvPr>
+            <p:ph type="sldNum" sz="quarter" idx="10"/>
+          </p:nvPr>
+        </p:nvSpPr>
+        <p:spPr/>
+        <p:txBody>
+          <a:bodyPr/>
+          <a:lstStyle/>
+          <a:p>
+            <a:fld id="{F9FE1E78-BF79-4B81-BC92-5B601D8D92F9}" type="slidenum">
+              <a:rPr lang="en-GB" smtClean="0"/>
+              <a:t>6</a:t>
+            </a:fld>
+            <a:endParaRPr lang="en-GB"/>
+          </a:p>
+        </p:txBody>
+      </p:sp>
+    </p:spTree>
+    <p:extLst>
+      <p:ext uri="{BB962C8B-B14F-4D97-AF65-F5344CB8AC3E}">
+        <p14:creationId xmlns:p14="http://schemas.microsoft.com/office/powerpoint/2010/main" val="3959180494"/>
+      </p:ext>
+    </p:extLst>
+  </p:cSld>
+  <p:clrMapOvr>
+    <a:masterClrMapping/>
+  </p:clrMapOvr>
+</p:notes>
+</file>
+
+<file path=ppt/notesSlides/notesSlide6.xml><?xml version="1.0" encoding="utf-8"?>
+<p:notes xmlns:a="http://schemas.openxmlformats.org/drawingml/2006/main" xmlns:r="http://schemas.openxmlformats.org/officeDocument/2006/relationships" xmlns:p="http://schemas.openxmlformats.org/presentationml/2006/main">
+  <p:cSld>
+    <p:spTree>
+      <p:nvGrpSpPr>
+        <p:cNvPr id="1" name=""/>
+        <p:cNvGrpSpPr/>
+        <p:nvPr/>
+      </p:nvGrpSpPr>
+      <p:grpSpPr>
+        <a:xfrm>
+          <a:off x="0" y="0"/>
+          <a:ext cx="0" cy="0"/>
+          <a:chOff x="0" y="0"/>
+          <a:chExt cx="0" cy="0"/>
+        </a:xfrm>
+      </p:grpSpPr>
+      <p:sp>
+        <p:nvSpPr>
+          <p:cNvPr id="2" name="Slide Image Placeholder 1"/>
+          <p:cNvSpPr>
+            <a:spLocks noGrp="1" noRot="1" noChangeAspect="1"/>
+          </p:cNvSpPr>
+          <p:nvPr>
+            <p:ph type="sldImg"/>
+          </p:nvPr>
+        </p:nvSpPr>
+        <p:spPr/>
+      </p:sp>
+      <p:sp>
+        <p:nvSpPr>
+          <p:cNvPr id="3" name="Notes Placeholder 2"/>
+          <p:cNvSpPr>
+            <a:spLocks noGrp="1"/>
+          </p:cNvSpPr>
+          <p:nvPr>
+            <p:ph type="body" idx="1"/>
+          </p:nvPr>
+        </p:nvSpPr>
+        <p:spPr/>
+        <p:txBody>
+          <a:bodyPr/>
+          <a:lstStyle/>
+          <a:p>
+            <a:r>
+              <a:rPr lang="en-GB" smtClean="0"/>
+              <a:t>B6</a:t>
+            </a:r>
+            <a:endParaRPr lang="en-GB"/>
+          </a:p>
+        </p:txBody>
+      </p:sp>
+      <p:sp>
+        <p:nvSpPr>
+          <p:cNvPr id="4" name="Slide Number Placeholder 3"/>
+          <p:cNvSpPr>
+            <a:spLocks noGrp="1"/>
+          </p:cNvSpPr>
+          <p:nvPr>
+            <p:ph type="sldNum" sz="quarter" idx="10"/>
+          </p:nvPr>
+        </p:nvSpPr>
+        <p:spPr/>
+        <p:txBody>
+          <a:bodyPr/>
+          <a:lstStyle/>
+          <a:p>
+            <a:fld id="{F9FE1E78-BF79-4B81-BC92-5B601D8D92F9}" type="slidenum">
+              <a:rPr lang="en-GB" smtClean="0"/>
+              <a:t>7</a:t>
+            </a:fld>
+            <a:endParaRPr lang="en-GB"/>
+          </a:p>
+        </p:txBody>
+      </p:sp>
+    </p:spTree>
+    <p:extLst>
+      <p:ext uri="{BB962C8B-B14F-4D97-AF65-F5344CB8AC3E}">
+        <p14:creationId xmlns:p14="http://schemas.microsoft.com/office/powerpoint/2010/main" val="2820628976"/>
+      </p:ext>
+    </p:extLst>
+  </p:cSld>
+  <p:clrMapOvr>
+    <a:masterClrMapping/>
+  </p:clrMapOvr>
+</p:notes>
+</file>
+
 <file path=ppt/slideLayouts/slideLayout1.xml><?xml version="1.0" encoding="utf-8"?>
 <p:sldLayout xmlns:a="http://schemas.openxmlformats.org/drawingml/2006/main" xmlns:r="http://schemas.openxmlformats.org/officeDocument/2006/relationships" xmlns:p="http://schemas.openxmlformats.org/presentationml/2006/main" type="title" preserve="1">
   <p:cSld name="Title Slide">
@@ -949,7 +1141,7 @@
           <a:p>
             <a:fld id="{5FFCCEB8-80C3-44AA-83D7-DF78E6311A10}" type="datetimeFigureOut">
               <a:rPr lang="en-GB" smtClean="0"/>
-              <a:t>24/07/2015</a:t>
+              <a:t>30/07/2015</a:t>
             </a:fld>
             <a:endParaRPr lang="en-GB"/>
           </a:p>
@@ -1119,7 +1311,7 @@
           <a:p>
             <a:fld id="{5FFCCEB8-80C3-44AA-83D7-DF78E6311A10}" type="datetimeFigureOut">
               <a:rPr lang="en-GB" smtClean="0"/>
-              <a:t>24/07/2015</a:t>
+              <a:t>30/07/2015</a:t>
             </a:fld>
             <a:endParaRPr lang="en-GB"/>
           </a:p>
@@ -1299,7 +1491,7 @@
           <a:p>
             <a:fld id="{5FFCCEB8-80C3-44AA-83D7-DF78E6311A10}" type="datetimeFigureOut">
               <a:rPr lang="en-GB" smtClean="0"/>
-              <a:t>24/07/2015</a:t>
+              <a:t>30/07/2015</a:t>
             </a:fld>
             <a:endParaRPr lang="en-GB"/>
           </a:p>
@@ -1469,7 +1661,7 @@
           <a:p>
             <a:fld id="{5FFCCEB8-80C3-44AA-83D7-DF78E6311A10}" type="datetimeFigureOut">
               <a:rPr lang="en-GB" smtClean="0"/>
-              <a:t>24/07/2015</a:t>
+              <a:t>30/07/2015</a:t>
             </a:fld>
             <a:endParaRPr lang="en-GB"/>
           </a:p>
@@ -1715,7 +1907,7 @@
           <a:p>
             <a:fld id="{5FFCCEB8-80C3-44AA-83D7-DF78E6311A10}" type="datetimeFigureOut">
               <a:rPr lang="en-GB" smtClean="0"/>
-              <a:t>24/07/2015</a:t>
+              <a:t>30/07/2015</a:t>
             </a:fld>
             <a:endParaRPr lang="en-GB"/>
           </a:p>
@@ -1947,7 +2139,7 @@
           <a:p>
             <a:fld id="{5FFCCEB8-80C3-44AA-83D7-DF78E6311A10}" type="datetimeFigureOut">
               <a:rPr lang="en-GB" smtClean="0"/>
-              <a:t>24/07/2015</a:t>
+              <a:t>30/07/2015</a:t>
             </a:fld>
             <a:endParaRPr lang="en-GB"/>
           </a:p>
@@ -2314,7 +2506,7 @@
           <a:p>
             <a:fld id="{5FFCCEB8-80C3-44AA-83D7-DF78E6311A10}" type="datetimeFigureOut">
               <a:rPr lang="en-GB" smtClean="0"/>
-              <a:t>24/07/2015</a:t>
+              <a:t>30/07/2015</a:t>
             </a:fld>
             <a:endParaRPr lang="en-GB"/>
           </a:p>
@@ -2432,7 +2624,7 @@
           <a:p>
             <a:fld id="{5FFCCEB8-80C3-44AA-83D7-DF78E6311A10}" type="datetimeFigureOut">
               <a:rPr lang="en-GB" smtClean="0"/>
-              <a:t>24/07/2015</a:t>
+              <a:t>30/07/2015</a:t>
             </a:fld>
             <a:endParaRPr lang="en-GB"/>
           </a:p>
@@ -2527,7 +2719,7 @@
           <a:p>
             <a:fld id="{5FFCCEB8-80C3-44AA-83D7-DF78E6311A10}" type="datetimeFigureOut">
               <a:rPr lang="en-GB" smtClean="0"/>
-              <a:t>24/07/2015</a:t>
+              <a:t>30/07/2015</a:t>
             </a:fld>
             <a:endParaRPr lang="en-GB"/>
           </a:p>
@@ -2804,7 +2996,7 @@
           <a:p>
             <a:fld id="{5FFCCEB8-80C3-44AA-83D7-DF78E6311A10}" type="datetimeFigureOut">
               <a:rPr lang="en-GB" smtClean="0"/>
-              <a:t>24/07/2015</a:t>
+              <a:t>30/07/2015</a:t>
             </a:fld>
             <a:endParaRPr lang="en-GB"/>
           </a:p>
@@ -3061,7 +3253,7 @@
           <a:p>
             <a:fld id="{5FFCCEB8-80C3-44AA-83D7-DF78E6311A10}" type="datetimeFigureOut">
               <a:rPr lang="en-GB" smtClean="0"/>
-              <a:t>24/07/2015</a:t>
+              <a:t>30/07/2015</a:t>
             </a:fld>
             <a:endParaRPr lang="en-GB"/>
           </a:p>
@@ -3274,7 +3466,7 @@
           <a:p>
             <a:fld id="{5FFCCEB8-80C3-44AA-83D7-DF78E6311A10}" type="datetimeFigureOut">
               <a:rPr lang="en-GB" smtClean="0"/>
-              <a:t>24/07/2015</a:t>
+              <a:t>30/07/2015</a:t>
             </a:fld>
             <a:endParaRPr lang="en-GB"/>
           </a:p>
@@ -5283,6 +5475,1116 @@
     <p:extLst>
       <p:ext uri="{BB962C8B-B14F-4D97-AF65-F5344CB8AC3E}">
         <p14:creationId xmlns:p14="http://schemas.microsoft.com/office/powerpoint/2010/main" val="4291415283"/>
+      </p:ext>
+    </p:extLst>
+  </p:cSld>
+  <p:clrMapOvr>
+    <a:masterClrMapping/>
+  </p:clrMapOvr>
+</p:sld>
+</file>
+
+<file path=ppt/slides/slide6.xml><?xml version="1.0" encoding="utf-8"?>
+<p:sld xmlns:a="http://schemas.openxmlformats.org/drawingml/2006/main" xmlns:r="http://schemas.openxmlformats.org/officeDocument/2006/relationships" xmlns:p="http://schemas.openxmlformats.org/presentationml/2006/main">
+  <p:cSld>
+    <p:spTree>
+      <p:nvGrpSpPr>
+        <p:cNvPr id="1" name=""/>
+        <p:cNvGrpSpPr/>
+        <p:nvPr/>
+      </p:nvGrpSpPr>
+      <p:grpSpPr>
+        <a:xfrm>
+          <a:off x="0" y="0"/>
+          <a:ext cx="0" cy="0"/>
+          <a:chOff x="0" y="0"/>
+          <a:chExt cx="0" cy="0"/>
+        </a:xfrm>
+      </p:grpSpPr>
+      <p:pic>
+        <p:nvPicPr>
+          <p:cNvPr id="2" name="Picture 1"/>
+          <p:cNvPicPr>
+            <a:picLocks noChangeAspect="1"/>
+          </p:cNvPicPr>
+          <p:nvPr/>
+        </p:nvPicPr>
+        <p:blipFill>
+          <a:blip r:embed="rId3"/>
+          <a:stretch>
+            <a:fillRect/>
+          </a:stretch>
+        </p:blipFill>
+        <p:spPr>
+          <a:xfrm>
+            <a:off x="7055500" y="160337"/>
+            <a:ext cx="3505200" cy="3638550"/>
+          </a:xfrm>
+          <a:prstGeom prst="rect">
+            <a:avLst/>
+          </a:prstGeom>
+        </p:spPr>
+      </p:pic>
+      <p:pic>
+        <p:nvPicPr>
+          <p:cNvPr id="3" name="Picture 2"/>
+          <p:cNvPicPr>
+            <a:picLocks noChangeAspect="1"/>
+          </p:cNvPicPr>
+          <p:nvPr/>
+        </p:nvPicPr>
+        <p:blipFill>
+          <a:blip r:embed="rId4"/>
+          <a:stretch>
+            <a:fillRect/>
+          </a:stretch>
+        </p:blipFill>
+        <p:spPr>
+          <a:xfrm>
+            <a:off x="3647281" y="160337"/>
+            <a:ext cx="3505200" cy="3638550"/>
+          </a:xfrm>
+          <a:prstGeom prst="rect">
+            <a:avLst/>
+          </a:prstGeom>
+        </p:spPr>
+      </p:pic>
+      <p:pic>
+        <p:nvPicPr>
+          <p:cNvPr id="4" name="Picture 3"/>
+          <p:cNvPicPr>
+            <a:picLocks noChangeAspect="1"/>
+          </p:cNvPicPr>
+          <p:nvPr/>
+        </p:nvPicPr>
+        <p:blipFill>
+          <a:blip r:embed="rId5"/>
+          <a:stretch>
+            <a:fillRect/>
+          </a:stretch>
+        </p:blipFill>
+        <p:spPr>
+          <a:xfrm>
+            <a:off x="239062" y="160337"/>
+            <a:ext cx="3505200" cy="3638550"/>
+          </a:xfrm>
+          <a:prstGeom prst="rect">
+            <a:avLst/>
+          </a:prstGeom>
+        </p:spPr>
+      </p:pic>
+      <p:sp>
+        <p:nvSpPr>
+          <p:cNvPr id="5" name="TextBox 4"/>
+          <p:cNvSpPr txBox="1"/>
+          <p:nvPr/>
+        </p:nvSpPr>
+        <p:spPr>
+          <a:xfrm rot="16200000">
+            <a:off x="-571108" y="1738424"/>
+            <a:ext cx="2176216" cy="461665"/>
+          </a:xfrm>
+          <a:prstGeom prst="rect">
+            <a:avLst/>
+          </a:prstGeom>
+          <a:solidFill>
+            <a:schemeClr val="bg1"/>
+          </a:solidFill>
+        </p:spPr>
+        <p:txBody>
+          <a:bodyPr wrap="square" rtlCol="0">
+            <a:spAutoFit/>
+          </a:bodyPr>
+          <a:lstStyle/>
+          <a:p>
+            <a:r>
+              <a:rPr lang="en-GB" sz="2400" smtClean="0"/>
+              <a:t>IgM</a:t>
+            </a:r>
+            <a:endParaRPr lang="en-GB" sz="2400" dirty="0"/>
+          </a:p>
+        </p:txBody>
+      </p:sp>
+      <p:sp>
+        <p:nvSpPr>
+          <p:cNvPr id="6" name="TextBox 5"/>
+          <p:cNvSpPr txBox="1"/>
+          <p:nvPr/>
+        </p:nvSpPr>
+        <p:spPr>
+          <a:xfrm rot="16200000">
+            <a:off x="2845424" y="1738424"/>
+            <a:ext cx="2176216" cy="461665"/>
+          </a:xfrm>
+          <a:prstGeom prst="rect">
+            <a:avLst/>
+          </a:prstGeom>
+          <a:solidFill>
+            <a:schemeClr val="bg1"/>
+          </a:solidFill>
+        </p:spPr>
+        <p:txBody>
+          <a:bodyPr wrap="square" rtlCol="0">
+            <a:spAutoFit/>
+          </a:bodyPr>
+          <a:lstStyle/>
+          <a:p>
+            <a:r>
+              <a:rPr lang="en-GB" sz="2400" smtClean="0"/>
+              <a:t>CD43</a:t>
+            </a:r>
+            <a:endParaRPr lang="en-GB" sz="2400" dirty="0"/>
+          </a:p>
+        </p:txBody>
+      </p:sp>
+      <p:sp>
+        <p:nvSpPr>
+          <p:cNvPr id="7" name="TextBox 6"/>
+          <p:cNvSpPr txBox="1"/>
+          <p:nvPr/>
+        </p:nvSpPr>
+        <p:spPr>
+          <a:xfrm rot="16200000">
+            <a:off x="6262719" y="1738423"/>
+            <a:ext cx="2176216" cy="461665"/>
+          </a:xfrm>
+          <a:prstGeom prst="rect">
+            <a:avLst/>
+          </a:prstGeom>
+          <a:solidFill>
+            <a:schemeClr val="bg1"/>
+          </a:solidFill>
+        </p:spPr>
+        <p:txBody>
+          <a:bodyPr wrap="square" rtlCol="0">
+            <a:spAutoFit/>
+          </a:bodyPr>
+          <a:lstStyle/>
+          <a:p>
+            <a:r>
+              <a:rPr lang="en-GB" sz="2400" smtClean="0"/>
+              <a:t>CD19</a:t>
+            </a:r>
+            <a:endParaRPr lang="en-GB" sz="2400" dirty="0"/>
+          </a:p>
+        </p:txBody>
+      </p:sp>
+      <p:sp>
+        <p:nvSpPr>
+          <p:cNvPr id="8" name="TextBox 7"/>
+          <p:cNvSpPr txBox="1"/>
+          <p:nvPr/>
+        </p:nvSpPr>
+        <p:spPr>
+          <a:xfrm>
+            <a:off x="1030778" y="3241963"/>
+            <a:ext cx="1652697" cy="461665"/>
+          </a:xfrm>
+          <a:prstGeom prst="rect">
+            <a:avLst/>
+          </a:prstGeom>
+          <a:solidFill>
+            <a:schemeClr val="bg1"/>
+          </a:solidFill>
+        </p:spPr>
+        <p:txBody>
+          <a:bodyPr wrap="none" rtlCol="0">
+            <a:spAutoFit/>
+          </a:bodyPr>
+          <a:lstStyle/>
+          <a:p>
+            <a:r>
+              <a:rPr lang="en-GB" sz="2400" dirty="0" smtClean="0"/>
+              <a:t>Side Scatter</a:t>
+            </a:r>
+            <a:endParaRPr lang="en-GB" sz="2400" dirty="0"/>
+          </a:p>
+        </p:txBody>
+      </p:sp>
+      <p:sp>
+        <p:nvSpPr>
+          <p:cNvPr id="9" name="TextBox 8"/>
+          <p:cNvSpPr txBox="1"/>
+          <p:nvPr/>
+        </p:nvSpPr>
+        <p:spPr>
+          <a:xfrm>
+            <a:off x="4447309" y="3241962"/>
+            <a:ext cx="1652697" cy="461665"/>
+          </a:xfrm>
+          <a:prstGeom prst="rect">
+            <a:avLst/>
+          </a:prstGeom>
+          <a:solidFill>
+            <a:schemeClr val="bg1"/>
+          </a:solidFill>
+        </p:spPr>
+        <p:txBody>
+          <a:bodyPr wrap="none" rtlCol="0">
+            <a:spAutoFit/>
+          </a:bodyPr>
+          <a:lstStyle/>
+          <a:p>
+            <a:r>
+              <a:rPr lang="en-GB" sz="2400" dirty="0" smtClean="0"/>
+              <a:t>Side Scatter</a:t>
+            </a:r>
+            <a:endParaRPr lang="en-GB" sz="2400" dirty="0"/>
+          </a:p>
+        </p:txBody>
+      </p:sp>
+      <p:sp>
+        <p:nvSpPr>
+          <p:cNvPr id="10" name="TextBox 9"/>
+          <p:cNvSpPr txBox="1"/>
+          <p:nvPr/>
+        </p:nvSpPr>
+        <p:spPr>
+          <a:xfrm>
+            <a:off x="7833696" y="3241961"/>
+            <a:ext cx="1965431" cy="461665"/>
+          </a:xfrm>
+          <a:prstGeom prst="rect">
+            <a:avLst/>
+          </a:prstGeom>
+          <a:solidFill>
+            <a:schemeClr val="bg1"/>
+          </a:solidFill>
+        </p:spPr>
+        <p:txBody>
+          <a:bodyPr wrap="square" rtlCol="0">
+            <a:spAutoFit/>
+          </a:bodyPr>
+          <a:lstStyle/>
+          <a:p>
+            <a:r>
+              <a:rPr lang="en-GB" sz="2400" dirty="0" err="1" smtClean="0"/>
+              <a:t>TcR</a:t>
+            </a:r>
+            <a:r>
+              <a:rPr lang="el-GR" sz="2400" dirty="0" smtClean="0"/>
+              <a:t>β</a:t>
+            </a:r>
+            <a:endParaRPr lang="en-GB" sz="2400" dirty="0"/>
+          </a:p>
+        </p:txBody>
+      </p:sp>
+      <p:cxnSp>
+        <p:nvCxnSpPr>
+          <p:cNvPr id="11" name="Straight Arrow Connector 10"/>
+          <p:cNvCxnSpPr/>
+          <p:nvPr/>
+        </p:nvCxnSpPr>
+        <p:spPr>
+          <a:xfrm>
+            <a:off x="5925660" y="1413168"/>
+            <a:ext cx="1656000" cy="0"/>
+          </a:xfrm>
+          <a:prstGeom prst="straightConnector1">
+            <a:avLst/>
+          </a:prstGeom>
+          <a:ln>
+            <a:solidFill>
+              <a:schemeClr val="tx1"/>
+            </a:solidFill>
+            <a:tailEnd type="triangle"/>
+          </a:ln>
+        </p:spPr>
+        <p:style>
+          <a:lnRef idx="1">
+            <a:schemeClr val="accent1"/>
+          </a:lnRef>
+          <a:fillRef idx="0">
+            <a:schemeClr val="accent1"/>
+          </a:fillRef>
+          <a:effectRef idx="0">
+            <a:schemeClr val="accent1"/>
+          </a:effectRef>
+          <a:fontRef idx="minor">
+            <a:schemeClr val="tx1"/>
+          </a:fontRef>
+        </p:style>
+      </p:cxnSp>
+      <p:cxnSp>
+        <p:nvCxnSpPr>
+          <p:cNvPr id="12" name="Straight Arrow Connector 11"/>
+          <p:cNvCxnSpPr/>
+          <p:nvPr/>
+        </p:nvCxnSpPr>
+        <p:spPr>
+          <a:xfrm>
+            <a:off x="2544365" y="2114208"/>
+            <a:ext cx="1620000" cy="0"/>
+          </a:xfrm>
+          <a:prstGeom prst="straightConnector1">
+            <a:avLst/>
+          </a:prstGeom>
+          <a:ln>
+            <a:solidFill>
+              <a:schemeClr val="tx1"/>
+            </a:solidFill>
+            <a:tailEnd type="triangle"/>
+          </a:ln>
+        </p:spPr>
+        <p:style>
+          <a:lnRef idx="1">
+            <a:schemeClr val="accent1"/>
+          </a:lnRef>
+          <a:fillRef idx="0">
+            <a:schemeClr val="accent1"/>
+          </a:fillRef>
+          <a:effectRef idx="0">
+            <a:schemeClr val="accent1"/>
+          </a:effectRef>
+          <a:fontRef idx="minor">
+            <a:schemeClr val="tx1"/>
+          </a:fontRef>
+        </p:style>
+      </p:cxnSp>
+    </p:spTree>
+    <p:extLst>
+      <p:ext uri="{BB962C8B-B14F-4D97-AF65-F5344CB8AC3E}">
+        <p14:creationId xmlns:p14="http://schemas.microsoft.com/office/powerpoint/2010/main" val="2610462127"/>
+      </p:ext>
+    </p:extLst>
+  </p:cSld>
+  <p:clrMapOvr>
+    <a:masterClrMapping/>
+  </p:clrMapOvr>
+</p:sld>
+</file>
+
+<file path=ppt/slides/slide7.xml><?xml version="1.0" encoding="utf-8"?>
+<p:sld xmlns:a="http://schemas.openxmlformats.org/drawingml/2006/main" xmlns:r="http://schemas.openxmlformats.org/officeDocument/2006/relationships" xmlns:p="http://schemas.openxmlformats.org/presentationml/2006/main">
+  <p:cSld>
+    <p:spTree>
+      <p:nvGrpSpPr>
+        <p:cNvPr id="1" name=""/>
+        <p:cNvGrpSpPr/>
+        <p:nvPr/>
+      </p:nvGrpSpPr>
+      <p:grpSpPr>
+        <a:xfrm>
+          <a:off x="0" y="0"/>
+          <a:ext cx="0" cy="0"/>
+          <a:chOff x="0" y="0"/>
+          <a:chExt cx="0" cy="0"/>
+        </a:xfrm>
+      </p:grpSpPr>
+      <p:pic>
+        <p:nvPicPr>
+          <p:cNvPr id="2" name="Picture 1"/>
+          <p:cNvPicPr>
+            <a:picLocks noChangeAspect="1"/>
+          </p:cNvPicPr>
+          <p:nvPr/>
+        </p:nvPicPr>
+        <p:blipFill>
+          <a:blip r:embed="rId3"/>
+          <a:stretch>
+            <a:fillRect/>
+          </a:stretch>
+        </p:blipFill>
+        <p:spPr>
+          <a:xfrm>
+            <a:off x="7077664" y="160337"/>
+            <a:ext cx="3505200" cy="3638550"/>
+          </a:xfrm>
+          <a:prstGeom prst="rect">
+            <a:avLst/>
+          </a:prstGeom>
+        </p:spPr>
+      </p:pic>
+      <p:pic>
+        <p:nvPicPr>
+          <p:cNvPr id="3" name="Picture 2"/>
+          <p:cNvPicPr>
+            <a:picLocks noChangeAspect="1"/>
+          </p:cNvPicPr>
+          <p:nvPr/>
+        </p:nvPicPr>
+        <p:blipFill>
+          <a:blip r:embed="rId4"/>
+          <a:stretch>
+            <a:fillRect/>
+          </a:stretch>
+        </p:blipFill>
+        <p:spPr>
+          <a:xfrm>
+            <a:off x="3647281" y="160337"/>
+            <a:ext cx="3505200" cy="3638550"/>
+          </a:xfrm>
+          <a:prstGeom prst="rect">
+            <a:avLst/>
+          </a:prstGeom>
+        </p:spPr>
+      </p:pic>
+      <p:pic>
+        <p:nvPicPr>
+          <p:cNvPr id="4" name="Picture 3"/>
+          <p:cNvPicPr>
+            <a:picLocks noChangeAspect="1"/>
+          </p:cNvPicPr>
+          <p:nvPr/>
+        </p:nvPicPr>
+        <p:blipFill>
+          <a:blip r:embed="rId5"/>
+          <a:stretch>
+            <a:fillRect/>
+          </a:stretch>
+        </p:blipFill>
+        <p:spPr>
+          <a:xfrm>
+            <a:off x="225211" y="160337"/>
+            <a:ext cx="3505200" cy="3638550"/>
+          </a:xfrm>
+          <a:prstGeom prst="rect">
+            <a:avLst/>
+          </a:prstGeom>
+        </p:spPr>
+      </p:pic>
+      <p:sp>
+        <p:nvSpPr>
+          <p:cNvPr id="5" name="TextBox 4"/>
+          <p:cNvSpPr txBox="1"/>
+          <p:nvPr/>
+        </p:nvSpPr>
+        <p:spPr>
+          <a:xfrm rot="16200000">
+            <a:off x="-571108" y="1738424"/>
+            <a:ext cx="2176216" cy="461665"/>
+          </a:xfrm>
+          <a:prstGeom prst="rect">
+            <a:avLst/>
+          </a:prstGeom>
+          <a:solidFill>
+            <a:schemeClr val="bg1"/>
+          </a:solidFill>
+        </p:spPr>
+        <p:txBody>
+          <a:bodyPr wrap="square" rtlCol="0">
+            <a:spAutoFit/>
+          </a:bodyPr>
+          <a:lstStyle/>
+          <a:p>
+            <a:r>
+              <a:rPr lang="en-GB" sz="2400" smtClean="0"/>
+              <a:t>IgM</a:t>
+            </a:r>
+            <a:endParaRPr lang="en-GB" sz="2400" dirty="0"/>
+          </a:p>
+        </p:txBody>
+      </p:sp>
+      <p:sp>
+        <p:nvSpPr>
+          <p:cNvPr id="6" name="TextBox 5"/>
+          <p:cNvSpPr txBox="1"/>
+          <p:nvPr/>
+        </p:nvSpPr>
+        <p:spPr>
+          <a:xfrm rot="16200000">
+            <a:off x="2845424" y="1738424"/>
+            <a:ext cx="2176216" cy="461665"/>
+          </a:xfrm>
+          <a:prstGeom prst="rect">
+            <a:avLst/>
+          </a:prstGeom>
+          <a:solidFill>
+            <a:schemeClr val="bg1"/>
+          </a:solidFill>
+        </p:spPr>
+        <p:txBody>
+          <a:bodyPr wrap="square" rtlCol="0">
+            <a:spAutoFit/>
+          </a:bodyPr>
+          <a:lstStyle/>
+          <a:p>
+            <a:r>
+              <a:rPr lang="en-GB" sz="2400" smtClean="0"/>
+              <a:t>CD43</a:t>
+            </a:r>
+            <a:endParaRPr lang="en-GB" sz="2400" dirty="0"/>
+          </a:p>
+        </p:txBody>
+      </p:sp>
+      <p:sp>
+        <p:nvSpPr>
+          <p:cNvPr id="7" name="TextBox 6"/>
+          <p:cNvSpPr txBox="1"/>
+          <p:nvPr/>
+        </p:nvSpPr>
+        <p:spPr>
+          <a:xfrm rot="16200000">
+            <a:off x="6262719" y="1738423"/>
+            <a:ext cx="2176216" cy="461665"/>
+          </a:xfrm>
+          <a:prstGeom prst="rect">
+            <a:avLst/>
+          </a:prstGeom>
+          <a:solidFill>
+            <a:schemeClr val="bg1"/>
+          </a:solidFill>
+        </p:spPr>
+        <p:txBody>
+          <a:bodyPr wrap="square" rtlCol="0">
+            <a:spAutoFit/>
+          </a:bodyPr>
+          <a:lstStyle/>
+          <a:p>
+            <a:r>
+              <a:rPr lang="en-GB" sz="2400" smtClean="0"/>
+              <a:t>CD19</a:t>
+            </a:r>
+            <a:endParaRPr lang="en-GB" sz="2400" dirty="0"/>
+          </a:p>
+        </p:txBody>
+      </p:sp>
+      <p:sp>
+        <p:nvSpPr>
+          <p:cNvPr id="8" name="TextBox 7"/>
+          <p:cNvSpPr txBox="1"/>
+          <p:nvPr/>
+        </p:nvSpPr>
+        <p:spPr>
+          <a:xfrm>
+            <a:off x="1030778" y="3241963"/>
+            <a:ext cx="1652697" cy="461665"/>
+          </a:xfrm>
+          <a:prstGeom prst="rect">
+            <a:avLst/>
+          </a:prstGeom>
+          <a:solidFill>
+            <a:schemeClr val="bg1"/>
+          </a:solidFill>
+        </p:spPr>
+        <p:txBody>
+          <a:bodyPr wrap="none" rtlCol="0">
+            <a:spAutoFit/>
+          </a:bodyPr>
+          <a:lstStyle/>
+          <a:p>
+            <a:r>
+              <a:rPr lang="en-GB" sz="2400" dirty="0" smtClean="0"/>
+              <a:t>Side Scatter</a:t>
+            </a:r>
+            <a:endParaRPr lang="en-GB" sz="2400" dirty="0"/>
+          </a:p>
+        </p:txBody>
+      </p:sp>
+      <p:sp>
+        <p:nvSpPr>
+          <p:cNvPr id="9" name="TextBox 8"/>
+          <p:cNvSpPr txBox="1"/>
+          <p:nvPr/>
+        </p:nvSpPr>
+        <p:spPr>
+          <a:xfrm>
+            <a:off x="4447309" y="3241962"/>
+            <a:ext cx="1652697" cy="461665"/>
+          </a:xfrm>
+          <a:prstGeom prst="rect">
+            <a:avLst/>
+          </a:prstGeom>
+          <a:solidFill>
+            <a:schemeClr val="bg1"/>
+          </a:solidFill>
+        </p:spPr>
+        <p:txBody>
+          <a:bodyPr wrap="none" rtlCol="0">
+            <a:spAutoFit/>
+          </a:bodyPr>
+          <a:lstStyle/>
+          <a:p>
+            <a:r>
+              <a:rPr lang="en-GB" sz="2400" dirty="0" smtClean="0"/>
+              <a:t>Side Scatter</a:t>
+            </a:r>
+            <a:endParaRPr lang="en-GB" sz="2400" dirty="0"/>
+          </a:p>
+        </p:txBody>
+      </p:sp>
+      <p:sp>
+        <p:nvSpPr>
+          <p:cNvPr id="10" name="TextBox 9"/>
+          <p:cNvSpPr txBox="1"/>
+          <p:nvPr/>
+        </p:nvSpPr>
+        <p:spPr>
+          <a:xfrm>
+            <a:off x="7833696" y="3241961"/>
+            <a:ext cx="1965431" cy="461665"/>
+          </a:xfrm>
+          <a:prstGeom prst="rect">
+            <a:avLst/>
+          </a:prstGeom>
+          <a:solidFill>
+            <a:schemeClr val="bg1"/>
+          </a:solidFill>
+        </p:spPr>
+        <p:txBody>
+          <a:bodyPr wrap="square" rtlCol="0">
+            <a:spAutoFit/>
+          </a:bodyPr>
+          <a:lstStyle/>
+          <a:p>
+            <a:r>
+              <a:rPr lang="en-GB" sz="2400" dirty="0" err="1" smtClean="0"/>
+              <a:t>TcR</a:t>
+            </a:r>
+            <a:r>
+              <a:rPr lang="el-GR" sz="2400" dirty="0" smtClean="0"/>
+              <a:t>β</a:t>
+            </a:r>
+            <a:endParaRPr lang="en-GB" sz="2400" dirty="0"/>
+          </a:p>
+        </p:txBody>
+      </p:sp>
+      <p:cxnSp>
+        <p:nvCxnSpPr>
+          <p:cNvPr id="11" name="Straight Arrow Connector 10"/>
+          <p:cNvCxnSpPr/>
+          <p:nvPr/>
+        </p:nvCxnSpPr>
+        <p:spPr>
+          <a:xfrm>
+            <a:off x="5925660" y="1413168"/>
+            <a:ext cx="1656000" cy="0"/>
+          </a:xfrm>
+          <a:prstGeom prst="straightConnector1">
+            <a:avLst/>
+          </a:prstGeom>
+          <a:ln>
+            <a:solidFill>
+              <a:schemeClr val="tx1"/>
+            </a:solidFill>
+            <a:tailEnd type="triangle"/>
+          </a:ln>
+        </p:spPr>
+        <p:style>
+          <a:lnRef idx="1">
+            <a:schemeClr val="accent1"/>
+          </a:lnRef>
+          <a:fillRef idx="0">
+            <a:schemeClr val="accent1"/>
+          </a:fillRef>
+          <a:effectRef idx="0">
+            <a:schemeClr val="accent1"/>
+          </a:effectRef>
+          <a:fontRef idx="minor">
+            <a:schemeClr val="tx1"/>
+          </a:fontRef>
+        </p:style>
+      </p:cxnSp>
+      <p:cxnSp>
+        <p:nvCxnSpPr>
+          <p:cNvPr id="12" name="Straight Arrow Connector 11"/>
+          <p:cNvCxnSpPr/>
+          <p:nvPr/>
+        </p:nvCxnSpPr>
+        <p:spPr>
+          <a:xfrm>
+            <a:off x="2544365" y="2114208"/>
+            <a:ext cx="1620000" cy="0"/>
+          </a:xfrm>
+          <a:prstGeom prst="straightConnector1">
+            <a:avLst/>
+          </a:prstGeom>
+          <a:ln>
+            <a:solidFill>
+              <a:schemeClr val="tx1"/>
+            </a:solidFill>
+            <a:tailEnd type="triangle"/>
+          </a:ln>
+        </p:spPr>
+        <p:style>
+          <a:lnRef idx="1">
+            <a:schemeClr val="accent1"/>
+          </a:lnRef>
+          <a:fillRef idx="0">
+            <a:schemeClr val="accent1"/>
+          </a:fillRef>
+          <a:effectRef idx="0">
+            <a:schemeClr val="accent1"/>
+          </a:effectRef>
+          <a:fontRef idx="minor">
+            <a:schemeClr val="tx1"/>
+          </a:fontRef>
+        </p:style>
+      </p:cxnSp>
+    </p:spTree>
+    <p:extLst>
+      <p:ext uri="{BB962C8B-B14F-4D97-AF65-F5344CB8AC3E}">
+        <p14:creationId xmlns:p14="http://schemas.microsoft.com/office/powerpoint/2010/main" val="1377753689"/>
+      </p:ext>
+    </p:extLst>
+  </p:cSld>
+  <p:clrMapOvr>
+    <a:masterClrMapping/>
+  </p:clrMapOvr>
+</p:sld>
+</file>
+
+<file path=ppt/slides/slide8.xml><?xml version="1.0" encoding="utf-8"?>
+<p:sld xmlns:a="http://schemas.openxmlformats.org/drawingml/2006/main" xmlns:r="http://schemas.openxmlformats.org/officeDocument/2006/relationships" xmlns:p="http://schemas.openxmlformats.org/presentationml/2006/main">
+  <p:cSld>
+    <p:spTree>
+      <p:nvGrpSpPr>
+        <p:cNvPr id="1" name=""/>
+        <p:cNvGrpSpPr/>
+        <p:nvPr/>
+      </p:nvGrpSpPr>
+      <p:grpSpPr>
+        <a:xfrm>
+          <a:off x="0" y="0"/>
+          <a:ext cx="0" cy="0"/>
+          <a:chOff x="0" y="0"/>
+          <a:chExt cx="0" cy="0"/>
+        </a:xfrm>
+      </p:grpSpPr>
+      <p:pic>
+        <p:nvPicPr>
+          <p:cNvPr id="2" name="Picture 1"/>
+          <p:cNvPicPr>
+            <a:picLocks noChangeAspect="1"/>
+          </p:cNvPicPr>
+          <p:nvPr/>
+        </p:nvPicPr>
+        <p:blipFill>
+          <a:blip r:embed="rId2"/>
+          <a:stretch>
+            <a:fillRect/>
+          </a:stretch>
+        </p:blipFill>
+        <p:spPr>
+          <a:xfrm>
+            <a:off x="7072127" y="160337"/>
+            <a:ext cx="3505200" cy="3638550"/>
+          </a:xfrm>
+          <a:prstGeom prst="rect">
+            <a:avLst/>
+          </a:prstGeom>
+        </p:spPr>
+      </p:pic>
+      <p:pic>
+        <p:nvPicPr>
+          <p:cNvPr id="3" name="Picture 2"/>
+          <p:cNvPicPr>
+            <a:picLocks noChangeAspect="1"/>
+          </p:cNvPicPr>
+          <p:nvPr/>
+        </p:nvPicPr>
+        <p:blipFill>
+          <a:blip r:embed="rId3"/>
+          <a:stretch>
+            <a:fillRect/>
+          </a:stretch>
+        </p:blipFill>
+        <p:spPr>
+          <a:xfrm>
+            <a:off x="3647281" y="160337"/>
+            <a:ext cx="3505200" cy="3638550"/>
+          </a:xfrm>
+          <a:prstGeom prst="rect">
+            <a:avLst/>
+          </a:prstGeom>
+        </p:spPr>
+      </p:pic>
+      <p:pic>
+        <p:nvPicPr>
+          <p:cNvPr id="4" name="Picture 3"/>
+          <p:cNvPicPr>
+            <a:picLocks noChangeAspect="1"/>
+          </p:cNvPicPr>
+          <p:nvPr/>
+        </p:nvPicPr>
+        <p:blipFill>
+          <a:blip r:embed="rId4"/>
+          <a:stretch>
+            <a:fillRect/>
+          </a:stretch>
+        </p:blipFill>
+        <p:spPr>
+          <a:xfrm>
+            <a:off x="225211" y="160337"/>
+            <a:ext cx="3505200" cy="3638550"/>
+          </a:xfrm>
+          <a:prstGeom prst="rect">
+            <a:avLst/>
+          </a:prstGeom>
+        </p:spPr>
+      </p:pic>
+      <p:sp>
+        <p:nvSpPr>
+          <p:cNvPr id="5" name="TextBox 4"/>
+          <p:cNvSpPr txBox="1"/>
+          <p:nvPr/>
+        </p:nvSpPr>
+        <p:spPr>
+          <a:xfrm rot="16200000">
+            <a:off x="-571108" y="1738424"/>
+            <a:ext cx="2176216" cy="461665"/>
+          </a:xfrm>
+          <a:prstGeom prst="rect">
+            <a:avLst/>
+          </a:prstGeom>
+          <a:solidFill>
+            <a:schemeClr val="bg1"/>
+          </a:solidFill>
+        </p:spPr>
+        <p:txBody>
+          <a:bodyPr wrap="square" rtlCol="0">
+            <a:spAutoFit/>
+          </a:bodyPr>
+          <a:lstStyle/>
+          <a:p>
+            <a:r>
+              <a:rPr lang="en-GB" sz="2400" smtClean="0"/>
+              <a:t>IgM</a:t>
+            </a:r>
+            <a:endParaRPr lang="en-GB" sz="2400" dirty="0"/>
+          </a:p>
+        </p:txBody>
+      </p:sp>
+      <p:sp>
+        <p:nvSpPr>
+          <p:cNvPr id="6" name="TextBox 5"/>
+          <p:cNvSpPr txBox="1"/>
+          <p:nvPr/>
+        </p:nvSpPr>
+        <p:spPr>
+          <a:xfrm rot="16200000">
+            <a:off x="2845424" y="1738424"/>
+            <a:ext cx="2176216" cy="461665"/>
+          </a:xfrm>
+          <a:prstGeom prst="rect">
+            <a:avLst/>
+          </a:prstGeom>
+          <a:solidFill>
+            <a:schemeClr val="bg1"/>
+          </a:solidFill>
+        </p:spPr>
+        <p:txBody>
+          <a:bodyPr wrap="square" rtlCol="0">
+            <a:spAutoFit/>
+          </a:bodyPr>
+          <a:lstStyle/>
+          <a:p>
+            <a:r>
+              <a:rPr lang="en-GB" sz="2400" smtClean="0"/>
+              <a:t>CD43</a:t>
+            </a:r>
+            <a:endParaRPr lang="en-GB" sz="2400" dirty="0"/>
+          </a:p>
+        </p:txBody>
+      </p:sp>
+      <p:sp>
+        <p:nvSpPr>
+          <p:cNvPr id="7" name="TextBox 6"/>
+          <p:cNvSpPr txBox="1"/>
+          <p:nvPr/>
+        </p:nvSpPr>
+        <p:spPr>
+          <a:xfrm rot="16200000">
+            <a:off x="6262719" y="1738423"/>
+            <a:ext cx="2176216" cy="461665"/>
+          </a:xfrm>
+          <a:prstGeom prst="rect">
+            <a:avLst/>
+          </a:prstGeom>
+          <a:solidFill>
+            <a:schemeClr val="bg1"/>
+          </a:solidFill>
+        </p:spPr>
+        <p:txBody>
+          <a:bodyPr wrap="square" rtlCol="0">
+            <a:spAutoFit/>
+          </a:bodyPr>
+          <a:lstStyle/>
+          <a:p>
+            <a:r>
+              <a:rPr lang="en-GB" sz="2400" smtClean="0"/>
+              <a:t>CD19</a:t>
+            </a:r>
+            <a:endParaRPr lang="en-GB" sz="2400" dirty="0"/>
+          </a:p>
+        </p:txBody>
+      </p:sp>
+      <p:sp>
+        <p:nvSpPr>
+          <p:cNvPr id="8" name="TextBox 7"/>
+          <p:cNvSpPr txBox="1"/>
+          <p:nvPr/>
+        </p:nvSpPr>
+        <p:spPr>
+          <a:xfrm>
+            <a:off x="1030778" y="3241963"/>
+            <a:ext cx="1652697" cy="461665"/>
+          </a:xfrm>
+          <a:prstGeom prst="rect">
+            <a:avLst/>
+          </a:prstGeom>
+          <a:solidFill>
+            <a:schemeClr val="bg1"/>
+          </a:solidFill>
+        </p:spPr>
+        <p:txBody>
+          <a:bodyPr wrap="none" rtlCol="0">
+            <a:spAutoFit/>
+          </a:bodyPr>
+          <a:lstStyle/>
+          <a:p>
+            <a:r>
+              <a:rPr lang="en-GB" sz="2400" dirty="0" smtClean="0"/>
+              <a:t>Side Scatter</a:t>
+            </a:r>
+            <a:endParaRPr lang="en-GB" sz="2400" dirty="0"/>
+          </a:p>
+        </p:txBody>
+      </p:sp>
+      <p:sp>
+        <p:nvSpPr>
+          <p:cNvPr id="9" name="TextBox 8"/>
+          <p:cNvSpPr txBox="1"/>
+          <p:nvPr/>
+        </p:nvSpPr>
+        <p:spPr>
+          <a:xfrm>
+            <a:off x="4447309" y="3241962"/>
+            <a:ext cx="1652697" cy="461665"/>
+          </a:xfrm>
+          <a:prstGeom prst="rect">
+            <a:avLst/>
+          </a:prstGeom>
+          <a:solidFill>
+            <a:schemeClr val="bg1"/>
+          </a:solidFill>
+        </p:spPr>
+        <p:txBody>
+          <a:bodyPr wrap="none" rtlCol="0">
+            <a:spAutoFit/>
+          </a:bodyPr>
+          <a:lstStyle/>
+          <a:p>
+            <a:r>
+              <a:rPr lang="en-GB" sz="2400" dirty="0" smtClean="0"/>
+              <a:t>Side Scatter</a:t>
+            </a:r>
+            <a:endParaRPr lang="en-GB" sz="2400" dirty="0"/>
+          </a:p>
+        </p:txBody>
+      </p:sp>
+      <p:sp>
+        <p:nvSpPr>
+          <p:cNvPr id="10" name="TextBox 9"/>
+          <p:cNvSpPr txBox="1"/>
+          <p:nvPr/>
+        </p:nvSpPr>
+        <p:spPr>
+          <a:xfrm>
+            <a:off x="7833696" y="3241961"/>
+            <a:ext cx="1965431" cy="461665"/>
+          </a:xfrm>
+          <a:prstGeom prst="rect">
+            <a:avLst/>
+          </a:prstGeom>
+          <a:solidFill>
+            <a:schemeClr val="bg1"/>
+          </a:solidFill>
+        </p:spPr>
+        <p:txBody>
+          <a:bodyPr wrap="square" rtlCol="0">
+            <a:spAutoFit/>
+          </a:bodyPr>
+          <a:lstStyle/>
+          <a:p>
+            <a:r>
+              <a:rPr lang="en-GB" sz="2400" dirty="0" err="1" smtClean="0"/>
+              <a:t>TcR</a:t>
+            </a:r>
+            <a:r>
+              <a:rPr lang="el-GR" sz="2400" dirty="0" smtClean="0"/>
+              <a:t>β</a:t>
+            </a:r>
+            <a:endParaRPr lang="en-GB" sz="2400" dirty="0"/>
+          </a:p>
+        </p:txBody>
+      </p:sp>
+      <p:cxnSp>
+        <p:nvCxnSpPr>
+          <p:cNvPr id="11" name="Straight Arrow Connector 10"/>
+          <p:cNvCxnSpPr/>
+          <p:nvPr/>
+        </p:nvCxnSpPr>
+        <p:spPr>
+          <a:xfrm>
+            <a:off x="5925660" y="1413168"/>
+            <a:ext cx="1656000" cy="0"/>
+          </a:xfrm>
+          <a:prstGeom prst="straightConnector1">
+            <a:avLst/>
+          </a:prstGeom>
+          <a:ln>
+            <a:solidFill>
+              <a:schemeClr val="tx1"/>
+            </a:solidFill>
+            <a:tailEnd type="triangle"/>
+          </a:ln>
+        </p:spPr>
+        <p:style>
+          <a:lnRef idx="1">
+            <a:schemeClr val="accent1"/>
+          </a:lnRef>
+          <a:fillRef idx="0">
+            <a:schemeClr val="accent1"/>
+          </a:fillRef>
+          <a:effectRef idx="0">
+            <a:schemeClr val="accent1"/>
+          </a:effectRef>
+          <a:fontRef idx="minor">
+            <a:schemeClr val="tx1"/>
+          </a:fontRef>
+        </p:style>
+      </p:cxnSp>
+      <p:cxnSp>
+        <p:nvCxnSpPr>
+          <p:cNvPr id="12" name="Straight Arrow Connector 11"/>
+          <p:cNvCxnSpPr/>
+          <p:nvPr/>
+        </p:nvCxnSpPr>
+        <p:spPr>
+          <a:xfrm>
+            <a:off x="2544365" y="2114208"/>
+            <a:ext cx="1620000" cy="0"/>
+          </a:xfrm>
+          <a:prstGeom prst="straightConnector1">
+            <a:avLst/>
+          </a:prstGeom>
+          <a:ln>
+            <a:solidFill>
+              <a:schemeClr val="tx1"/>
+            </a:solidFill>
+            <a:tailEnd type="triangle"/>
+          </a:ln>
+        </p:spPr>
+        <p:style>
+          <a:lnRef idx="1">
+            <a:schemeClr val="accent1"/>
+          </a:lnRef>
+          <a:fillRef idx="0">
+            <a:schemeClr val="accent1"/>
+          </a:fillRef>
+          <a:effectRef idx="0">
+            <a:schemeClr val="accent1"/>
+          </a:effectRef>
+          <a:fontRef idx="minor">
+            <a:schemeClr val="tx1"/>
+          </a:fontRef>
+        </p:style>
+      </p:cxnSp>
+    </p:spTree>
+    <p:extLst>
+      <p:ext uri="{BB962C8B-B14F-4D97-AF65-F5344CB8AC3E}">
+        <p14:creationId xmlns:p14="http://schemas.microsoft.com/office/powerpoint/2010/main" val="144376015"/>
       </p:ext>
     </p:extLst>
   </p:cSld>

--- a/Figures/Powerpoints/3 plots.pptx
+++ b/Figures/Powerpoints/3 plots.pptx
@@ -5,7 +5,7 @@
     <p:sldMasterId id="2147483672" r:id="rId1"/>
   </p:sldMasterIdLst>
   <p:notesMasterIdLst>
-    <p:notesMasterId r:id="rId10"/>
+    <p:notesMasterId r:id="rId13"/>
   </p:notesMasterIdLst>
   <p:sldIdLst>
     <p:sldId id="256" r:id="rId2"/>
@@ -16,6 +16,9 @@
     <p:sldId id="261" r:id="rId7"/>
     <p:sldId id="262" r:id="rId8"/>
     <p:sldId id="263" r:id="rId9"/>
+    <p:sldId id="265" r:id="rId10"/>
+    <p:sldId id="266" r:id="rId11"/>
+    <p:sldId id="268" r:id="rId12"/>
   </p:sldIdLst>
   <p:sldSz cx="10799763" cy="3959225"/>
   <p:notesSz cx="6858000" cy="9144000"/>
@@ -204,7 +207,7 @@
           <a:p>
             <a:fld id="{32F7D83B-ADDA-4ECB-B692-7302BE334C8B}" type="datetimeFigureOut">
               <a:rPr lang="en-GB" smtClean="0"/>
-              <a:t>30/07/2015</a:t>
+              <a:t>05/08/2015</a:t>
             </a:fld>
             <a:endParaRPr lang="en-GB"/>
           </a:p>
@@ -1010,6 +1013,301 @@
 </p:notes>
 </file>
 
+<file path=ppt/notesSlides/notesSlide7.xml><?xml version="1.0" encoding="utf-8"?>
+<p:notes xmlns:a="http://schemas.openxmlformats.org/drawingml/2006/main" xmlns:r="http://schemas.openxmlformats.org/officeDocument/2006/relationships" xmlns:p="http://schemas.openxmlformats.org/presentationml/2006/main">
+  <p:cSld>
+    <p:spTree>
+      <p:nvGrpSpPr>
+        <p:cNvPr id="1" name=""/>
+        <p:cNvGrpSpPr/>
+        <p:nvPr/>
+      </p:nvGrpSpPr>
+      <p:grpSpPr>
+        <a:xfrm>
+          <a:off x="0" y="0"/>
+          <a:ext cx="0" cy="0"/>
+          <a:chOff x="0" y="0"/>
+          <a:chExt cx="0" cy="0"/>
+        </a:xfrm>
+      </p:grpSpPr>
+      <p:sp>
+        <p:nvSpPr>
+          <p:cNvPr id="2" name="Slide Image Placeholder 1"/>
+          <p:cNvSpPr>
+            <a:spLocks noGrp="1" noRot="1" noChangeAspect="1"/>
+          </p:cNvSpPr>
+          <p:nvPr>
+            <p:ph type="sldImg"/>
+          </p:nvPr>
+        </p:nvSpPr>
+        <p:spPr/>
+      </p:sp>
+      <p:sp>
+        <p:nvSpPr>
+          <p:cNvPr id="3" name="Notes Placeholder 2"/>
+          <p:cNvSpPr>
+            <a:spLocks noGrp="1"/>
+          </p:cNvSpPr>
+          <p:nvPr>
+            <p:ph type="body" idx="1"/>
+          </p:nvPr>
+        </p:nvSpPr>
+        <p:spPr/>
+        <p:txBody>
+          <a:bodyPr/>
+          <a:lstStyle/>
+          <a:p>
+            <a:r>
+              <a:rPr lang="en-GB" dirty="0" smtClean="0"/>
+              <a:t>Thy 1 24.10.14,   Thy 3 </a:t>
+            </a:r>
+            <a:r>
+              <a:rPr lang="en-GB" dirty="0" smtClean="0"/>
+              <a:t>31.10.14, Thy 12 10.7.15</a:t>
+            </a:r>
+          </a:p>
+          <a:p>
+            <a:r>
+              <a:rPr lang="en-GB" dirty="0" smtClean="0"/>
+              <a:t>NOD Pro pre presence</a:t>
+            </a:r>
+            <a:endParaRPr lang="en-GB" dirty="0"/>
+          </a:p>
+        </p:txBody>
+      </p:sp>
+      <p:sp>
+        <p:nvSpPr>
+          <p:cNvPr id="4" name="Slide Number Placeholder 3"/>
+          <p:cNvSpPr>
+            <a:spLocks noGrp="1"/>
+          </p:cNvSpPr>
+          <p:nvPr>
+            <p:ph type="sldNum" sz="quarter" idx="10"/>
+          </p:nvPr>
+        </p:nvSpPr>
+        <p:spPr/>
+        <p:txBody>
+          <a:bodyPr/>
+          <a:lstStyle/>
+          <a:p>
+            <a:fld id="{F9FE1E78-BF79-4B81-BC92-5B601D8D92F9}" type="slidenum">
+              <a:rPr lang="en-GB" smtClean="0"/>
+              <a:t>9</a:t>
+            </a:fld>
+            <a:endParaRPr lang="en-GB"/>
+          </a:p>
+        </p:txBody>
+      </p:sp>
+    </p:spTree>
+    <p:extLst>
+      <p:ext uri="{BB962C8B-B14F-4D97-AF65-F5344CB8AC3E}">
+        <p14:creationId xmlns:p14="http://schemas.microsoft.com/office/powerpoint/2010/main" val="2674970101"/>
+      </p:ext>
+    </p:extLst>
+  </p:cSld>
+  <p:clrMapOvr>
+    <a:masterClrMapping/>
+  </p:clrMapOvr>
+</p:notes>
+</file>
+
+<file path=ppt/notesSlides/notesSlide8.xml><?xml version="1.0" encoding="utf-8"?>
+<p:notes xmlns:a="http://schemas.openxmlformats.org/drawingml/2006/main" xmlns:r="http://schemas.openxmlformats.org/officeDocument/2006/relationships" xmlns:p="http://schemas.openxmlformats.org/presentationml/2006/main">
+  <p:cSld>
+    <p:spTree>
+      <p:nvGrpSpPr>
+        <p:cNvPr id="1" name=""/>
+        <p:cNvGrpSpPr/>
+        <p:nvPr/>
+      </p:nvGrpSpPr>
+      <p:grpSpPr>
+        <a:xfrm>
+          <a:off x="0" y="0"/>
+          <a:ext cx="0" cy="0"/>
+          <a:chOff x="0" y="0"/>
+          <a:chExt cx="0" cy="0"/>
+        </a:xfrm>
+      </p:grpSpPr>
+      <p:sp>
+        <p:nvSpPr>
+          <p:cNvPr id="2" name="Slide Image Placeholder 1"/>
+          <p:cNvSpPr>
+            <a:spLocks noGrp="1" noRot="1" noChangeAspect="1"/>
+          </p:cNvSpPr>
+          <p:nvPr>
+            <p:ph type="sldImg"/>
+          </p:nvPr>
+        </p:nvSpPr>
+        <p:spPr/>
+      </p:sp>
+      <p:sp>
+        <p:nvSpPr>
+          <p:cNvPr id="3" name="Notes Placeholder 2"/>
+          <p:cNvSpPr>
+            <a:spLocks noGrp="1"/>
+          </p:cNvSpPr>
+          <p:nvPr>
+            <p:ph type="body" idx="1"/>
+          </p:nvPr>
+        </p:nvSpPr>
+        <p:spPr/>
+        <p:txBody>
+          <a:bodyPr/>
+          <a:lstStyle/>
+          <a:p>
+            <a:r>
+              <a:rPr lang="en-GB" dirty="0" smtClean="0"/>
+              <a:t>Thy 1 24.10.14, Thy</a:t>
+            </a:r>
+            <a:r>
+              <a:rPr lang="en-GB" baseline="0" dirty="0" smtClean="0"/>
+              <a:t> 1 31.10.14</a:t>
+            </a:r>
+            <a:r>
+              <a:rPr lang="en-GB" dirty="0" smtClean="0"/>
+              <a:t> &amp; Thy</a:t>
+            </a:r>
+            <a:r>
+              <a:rPr lang="en-GB" baseline="0" dirty="0" smtClean="0"/>
+              <a:t> 5 24.11.14</a:t>
+            </a:r>
+            <a:endParaRPr lang="en-GB" dirty="0" smtClean="0"/>
+          </a:p>
+          <a:p>
+            <a:endParaRPr lang="en-GB" dirty="0"/>
+          </a:p>
+        </p:txBody>
+      </p:sp>
+      <p:sp>
+        <p:nvSpPr>
+          <p:cNvPr id="4" name="Slide Number Placeholder 3"/>
+          <p:cNvSpPr>
+            <a:spLocks noGrp="1"/>
+          </p:cNvSpPr>
+          <p:nvPr>
+            <p:ph type="sldNum" sz="quarter" idx="10"/>
+          </p:nvPr>
+        </p:nvSpPr>
+        <p:spPr/>
+        <p:txBody>
+          <a:bodyPr/>
+          <a:lstStyle/>
+          <a:p>
+            <a:fld id="{F9FE1E78-BF79-4B81-BC92-5B601D8D92F9}" type="slidenum">
+              <a:rPr lang="en-GB" smtClean="0"/>
+              <a:t>10</a:t>
+            </a:fld>
+            <a:endParaRPr lang="en-GB"/>
+          </a:p>
+        </p:txBody>
+      </p:sp>
+    </p:spTree>
+    <p:extLst>
+      <p:ext uri="{BB962C8B-B14F-4D97-AF65-F5344CB8AC3E}">
+        <p14:creationId xmlns:p14="http://schemas.microsoft.com/office/powerpoint/2010/main" val="2783587525"/>
+      </p:ext>
+    </p:extLst>
+  </p:cSld>
+  <p:clrMapOvr>
+    <a:masterClrMapping/>
+  </p:clrMapOvr>
+</p:notes>
+</file>
+
+<file path=ppt/notesSlides/notesSlide9.xml><?xml version="1.0" encoding="utf-8"?>
+<p:notes xmlns:a="http://schemas.openxmlformats.org/drawingml/2006/main" xmlns:r="http://schemas.openxmlformats.org/officeDocument/2006/relationships" xmlns:p="http://schemas.openxmlformats.org/presentationml/2006/main">
+  <p:cSld>
+    <p:spTree>
+      <p:nvGrpSpPr>
+        <p:cNvPr id="1" name=""/>
+        <p:cNvGrpSpPr/>
+        <p:nvPr/>
+      </p:nvGrpSpPr>
+      <p:grpSpPr>
+        <a:xfrm>
+          <a:off x="0" y="0"/>
+          <a:ext cx="0" cy="0"/>
+          <a:chOff x="0" y="0"/>
+          <a:chExt cx="0" cy="0"/>
+        </a:xfrm>
+      </p:grpSpPr>
+      <p:sp>
+        <p:nvSpPr>
+          <p:cNvPr id="2" name="Slide Image Placeholder 1"/>
+          <p:cNvSpPr>
+            <a:spLocks noGrp="1" noRot="1" noChangeAspect="1"/>
+          </p:cNvSpPr>
+          <p:nvPr>
+            <p:ph type="sldImg"/>
+          </p:nvPr>
+        </p:nvSpPr>
+        <p:spPr/>
+      </p:sp>
+      <p:sp>
+        <p:nvSpPr>
+          <p:cNvPr id="3" name="Notes Placeholder 2"/>
+          <p:cNvSpPr>
+            <a:spLocks noGrp="1"/>
+          </p:cNvSpPr>
+          <p:nvPr>
+            <p:ph type="body" idx="1"/>
+          </p:nvPr>
+        </p:nvSpPr>
+        <p:spPr/>
+        <p:txBody>
+          <a:bodyPr/>
+          <a:lstStyle/>
+          <a:p>
+            <a:r>
+              <a:rPr lang="en-GB" dirty="0" smtClean="0"/>
+              <a:t>Thy 1 24.10.14, Thy 1 31.10.14, Thy 5 24.11.14</a:t>
+            </a:r>
+          </a:p>
+          <a:p>
+            <a:r>
+              <a:rPr lang="en-GB" dirty="0" smtClean="0"/>
+              <a:t>Total thymus</a:t>
+            </a:r>
+            <a:endParaRPr lang="en-GB" dirty="0"/>
+          </a:p>
+        </p:txBody>
+      </p:sp>
+      <p:sp>
+        <p:nvSpPr>
+          <p:cNvPr id="4" name="Slide Number Placeholder 3"/>
+          <p:cNvSpPr>
+            <a:spLocks noGrp="1"/>
+          </p:cNvSpPr>
+          <p:nvPr>
+            <p:ph type="sldNum" sz="quarter" idx="10"/>
+          </p:nvPr>
+        </p:nvSpPr>
+        <p:spPr/>
+        <p:txBody>
+          <a:bodyPr/>
+          <a:lstStyle/>
+          <a:p>
+            <a:fld id="{F9FE1E78-BF79-4B81-BC92-5B601D8D92F9}" type="slidenum">
+              <a:rPr lang="en-GB" smtClean="0"/>
+              <a:t>11</a:t>
+            </a:fld>
+            <a:endParaRPr lang="en-GB"/>
+          </a:p>
+        </p:txBody>
+      </p:sp>
+    </p:spTree>
+    <p:extLst>
+      <p:ext uri="{BB962C8B-B14F-4D97-AF65-F5344CB8AC3E}">
+        <p14:creationId xmlns:p14="http://schemas.microsoft.com/office/powerpoint/2010/main" val="3817339002"/>
+      </p:ext>
+    </p:extLst>
+  </p:cSld>
+  <p:clrMapOvr>
+    <a:masterClrMapping/>
+  </p:clrMapOvr>
+</p:notes>
+</file>
+
 <file path=ppt/slideLayouts/slideLayout1.xml><?xml version="1.0" encoding="utf-8"?>
 <p:sldLayout xmlns:a="http://schemas.openxmlformats.org/drawingml/2006/main" xmlns:r="http://schemas.openxmlformats.org/officeDocument/2006/relationships" xmlns:p="http://schemas.openxmlformats.org/presentationml/2006/main" type="title" preserve="1">
   <p:cSld name="Title Slide">
@@ -1141,7 +1439,7 @@
           <a:p>
             <a:fld id="{5FFCCEB8-80C3-44AA-83D7-DF78E6311A10}" type="datetimeFigureOut">
               <a:rPr lang="en-GB" smtClean="0"/>
-              <a:t>30/07/2015</a:t>
+              <a:t>05/08/2015</a:t>
             </a:fld>
             <a:endParaRPr lang="en-GB"/>
           </a:p>
@@ -1311,7 +1609,7 @@
           <a:p>
             <a:fld id="{5FFCCEB8-80C3-44AA-83D7-DF78E6311A10}" type="datetimeFigureOut">
               <a:rPr lang="en-GB" smtClean="0"/>
-              <a:t>30/07/2015</a:t>
+              <a:t>05/08/2015</a:t>
             </a:fld>
             <a:endParaRPr lang="en-GB"/>
           </a:p>
@@ -1491,7 +1789,7 @@
           <a:p>
             <a:fld id="{5FFCCEB8-80C3-44AA-83D7-DF78E6311A10}" type="datetimeFigureOut">
               <a:rPr lang="en-GB" smtClean="0"/>
-              <a:t>30/07/2015</a:t>
+              <a:t>05/08/2015</a:t>
             </a:fld>
             <a:endParaRPr lang="en-GB"/>
           </a:p>
@@ -1661,7 +1959,7 @@
           <a:p>
             <a:fld id="{5FFCCEB8-80C3-44AA-83D7-DF78E6311A10}" type="datetimeFigureOut">
               <a:rPr lang="en-GB" smtClean="0"/>
-              <a:t>30/07/2015</a:t>
+              <a:t>05/08/2015</a:t>
             </a:fld>
             <a:endParaRPr lang="en-GB"/>
           </a:p>
@@ -1907,7 +2205,7 @@
           <a:p>
             <a:fld id="{5FFCCEB8-80C3-44AA-83D7-DF78E6311A10}" type="datetimeFigureOut">
               <a:rPr lang="en-GB" smtClean="0"/>
-              <a:t>30/07/2015</a:t>
+              <a:t>05/08/2015</a:t>
             </a:fld>
             <a:endParaRPr lang="en-GB"/>
           </a:p>
@@ -2139,7 +2437,7 @@
           <a:p>
             <a:fld id="{5FFCCEB8-80C3-44AA-83D7-DF78E6311A10}" type="datetimeFigureOut">
               <a:rPr lang="en-GB" smtClean="0"/>
-              <a:t>30/07/2015</a:t>
+              <a:t>05/08/2015</a:t>
             </a:fld>
             <a:endParaRPr lang="en-GB"/>
           </a:p>
@@ -2506,7 +2804,7 @@
           <a:p>
             <a:fld id="{5FFCCEB8-80C3-44AA-83D7-DF78E6311A10}" type="datetimeFigureOut">
               <a:rPr lang="en-GB" smtClean="0"/>
-              <a:t>30/07/2015</a:t>
+              <a:t>05/08/2015</a:t>
             </a:fld>
             <a:endParaRPr lang="en-GB"/>
           </a:p>
@@ -2624,7 +2922,7 @@
           <a:p>
             <a:fld id="{5FFCCEB8-80C3-44AA-83D7-DF78E6311A10}" type="datetimeFigureOut">
               <a:rPr lang="en-GB" smtClean="0"/>
-              <a:t>30/07/2015</a:t>
+              <a:t>05/08/2015</a:t>
             </a:fld>
             <a:endParaRPr lang="en-GB"/>
           </a:p>
@@ -2719,7 +3017,7 @@
           <a:p>
             <a:fld id="{5FFCCEB8-80C3-44AA-83D7-DF78E6311A10}" type="datetimeFigureOut">
               <a:rPr lang="en-GB" smtClean="0"/>
-              <a:t>30/07/2015</a:t>
+              <a:t>05/08/2015</a:t>
             </a:fld>
             <a:endParaRPr lang="en-GB"/>
           </a:p>
@@ -2996,7 +3294,7 @@
           <a:p>
             <a:fld id="{5FFCCEB8-80C3-44AA-83D7-DF78E6311A10}" type="datetimeFigureOut">
               <a:rPr lang="en-GB" smtClean="0"/>
-              <a:t>30/07/2015</a:t>
+              <a:t>05/08/2015</a:t>
             </a:fld>
             <a:endParaRPr lang="en-GB"/>
           </a:p>
@@ -3253,7 +3551,7 @@
           <a:p>
             <a:fld id="{5FFCCEB8-80C3-44AA-83D7-DF78E6311A10}" type="datetimeFigureOut">
               <a:rPr lang="en-GB" smtClean="0"/>
-              <a:t>30/07/2015</a:t>
+              <a:t>05/08/2015</a:t>
             </a:fld>
             <a:endParaRPr lang="en-GB"/>
           </a:p>
@@ -3466,7 +3764,7 @@
           <a:p>
             <a:fld id="{5FFCCEB8-80C3-44AA-83D7-DF78E6311A10}" type="datetimeFigureOut">
               <a:rPr lang="en-GB" smtClean="0"/>
-              <a:t>30/07/2015</a:t>
+              <a:t>05/08/2015</a:t>
             </a:fld>
             <a:endParaRPr lang="en-GB"/>
           </a:p>
@@ -3913,6 +4211,1562 @@
     <p:extLst>
       <p:ext uri="{BB962C8B-B14F-4D97-AF65-F5344CB8AC3E}">
         <p14:creationId xmlns:p14="http://schemas.microsoft.com/office/powerpoint/2010/main" val="1144489369"/>
+      </p:ext>
+    </p:extLst>
+  </p:cSld>
+  <p:clrMapOvr>
+    <a:masterClrMapping/>
+  </p:clrMapOvr>
+</p:sld>
+</file>
+
+<file path=ppt/slides/slide10.xml><?xml version="1.0" encoding="utf-8"?>
+<p:sld xmlns:a="http://schemas.openxmlformats.org/drawingml/2006/main" xmlns:r="http://schemas.openxmlformats.org/officeDocument/2006/relationships" xmlns:p="http://schemas.openxmlformats.org/presentationml/2006/main">
+  <p:cSld>
+    <p:spTree>
+      <p:nvGrpSpPr>
+        <p:cNvPr id="1" name=""/>
+        <p:cNvGrpSpPr/>
+        <p:nvPr/>
+      </p:nvGrpSpPr>
+      <p:grpSpPr>
+        <a:xfrm>
+          <a:off x="0" y="0"/>
+          <a:ext cx="0" cy="0"/>
+          <a:chOff x="0" y="0"/>
+          <a:chExt cx="0" cy="0"/>
+        </a:xfrm>
+      </p:grpSpPr>
+      <p:pic>
+        <p:nvPicPr>
+          <p:cNvPr id="28" name="Picture 27"/>
+          <p:cNvPicPr>
+            <a:picLocks noChangeAspect="1"/>
+          </p:cNvPicPr>
+          <p:nvPr/>
+        </p:nvPicPr>
+        <p:blipFill>
+          <a:blip r:embed="rId3"/>
+          <a:stretch>
+            <a:fillRect/>
+          </a:stretch>
+        </p:blipFill>
+        <p:spPr>
+          <a:xfrm>
+            <a:off x="3574004" y="260091"/>
+            <a:ext cx="3505200" cy="3638550"/>
+          </a:xfrm>
+          <a:prstGeom prst="rect">
+            <a:avLst/>
+          </a:prstGeom>
+        </p:spPr>
+      </p:pic>
+      <p:pic>
+        <p:nvPicPr>
+          <p:cNvPr id="27" name="Picture 26"/>
+          <p:cNvPicPr>
+            <a:picLocks noChangeAspect="1"/>
+          </p:cNvPicPr>
+          <p:nvPr/>
+        </p:nvPicPr>
+        <p:blipFill>
+          <a:blip r:embed="rId4"/>
+          <a:stretch>
+            <a:fillRect/>
+          </a:stretch>
+        </p:blipFill>
+        <p:spPr>
+          <a:xfrm>
+            <a:off x="103901" y="260091"/>
+            <a:ext cx="3505200" cy="3638550"/>
+          </a:xfrm>
+          <a:prstGeom prst="rect">
+            <a:avLst/>
+          </a:prstGeom>
+        </p:spPr>
+      </p:pic>
+      <p:pic>
+        <p:nvPicPr>
+          <p:cNvPr id="26" name="Picture 25"/>
+          <p:cNvPicPr>
+            <a:picLocks noChangeAspect="1"/>
+          </p:cNvPicPr>
+          <p:nvPr/>
+        </p:nvPicPr>
+        <p:blipFill>
+          <a:blip r:embed="rId5"/>
+          <a:stretch>
+            <a:fillRect/>
+          </a:stretch>
+        </p:blipFill>
+        <p:spPr>
+          <a:xfrm>
+            <a:off x="7112456" y="260091"/>
+            <a:ext cx="3505200" cy="3638550"/>
+          </a:xfrm>
+          <a:prstGeom prst="rect">
+            <a:avLst/>
+          </a:prstGeom>
+        </p:spPr>
+      </p:pic>
+      <p:sp>
+        <p:nvSpPr>
+          <p:cNvPr id="3" name="TextBox 2"/>
+          <p:cNvSpPr txBox="1"/>
+          <p:nvPr/>
+        </p:nvSpPr>
+        <p:spPr>
+          <a:xfrm>
+            <a:off x="955963" y="798020"/>
+            <a:ext cx="758541" cy="646331"/>
+          </a:xfrm>
+          <a:prstGeom prst="rect">
+            <a:avLst/>
+          </a:prstGeom>
+          <a:solidFill>
+            <a:schemeClr val="bg1"/>
+          </a:solidFill>
+        </p:spPr>
+        <p:txBody>
+          <a:bodyPr wrap="none" rtlCol="0">
+            <a:spAutoFit/>
+          </a:bodyPr>
+          <a:lstStyle/>
+          <a:p>
+            <a:pPr algn="ctr"/>
+            <a:r>
+              <a:rPr lang="en-GB" dirty="0" smtClean="0"/>
+              <a:t>RAG-</a:t>
+            </a:r>
+          </a:p>
+          <a:p>
+            <a:pPr algn="ctr"/>
+            <a:r>
+              <a:rPr lang="en-GB" dirty="0" smtClean="0"/>
+              <a:t>59.4%</a:t>
+            </a:r>
+            <a:endParaRPr lang="en-GB" dirty="0"/>
+          </a:p>
+        </p:txBody>
+      </p:sp>
+      <p:sp>
+        <p:nvSpPr>
+          <p:cNvPr id="4" name="TextBox 3"/>
+          <p:cNvSpPr txBox="1"/>
+          <p:nvPr/>
+        </p:nvSpPr>
+        <p:spPr>
+          <a:xfrm>
+            <a:off x="1625465" y="798019"/>
+            <a:ext cx="814005" cy="646331"/>
+          </a:xfrm>
+          <a:prstGeom prst="rect">
+            <a:avLst/>
+          </a:prstGeom>
+          <a:solidFill>
+            <a:schemeClr val="bg1"/>
+          </a:solidFill>
+        </p:spPr>
+        <p:txBody>
+          <a:bodyPr wrap="none" rtlCol="0">
+            <a:spAutoFit/>
+          </a:bodyPr>
+          <a:lstStyle/>
+          <a:p>
+            <a:pPr algn="ctr"/>
+            <a:r>
+              <a:rPr lang="en-GB" dirty="0" err="1" smtClean="0"/>
+              <a:t>RAG</a:t>
+            </a:r>
+            <a:r>
+              <a:rPr lang="en-GB" baseline="30000" dirty="0" err="1" smtClean="0"/>
+              <a:t>low</a:t>
+            </a:r>
+            <a:endParaRPr lang="en-GB" baseline="30000" dirty="0" smtClean="0"/>
+          </a:p>
+          <a:p>
+            <a:pPr algn="ctr"/>
+            <a:r>
+              <a:rPr lang="en-GB" dirty="0" smtClean="0"/>
+              <a:t>32.3%</a:t>
+            </a:r>
+            <a:endParaRPr lang="en-GB" dirty="0"/>
+          </a:p>
+        </p:txBody>
+      </p:sp>
+      <p:sp>
+        <p:nvSpPr>
+          <p:cNvPr id="5" name="TextBox 4"/>
+          <p:cNvSpPr txBox="1"/>
+          <p:nvPr/>
+        </p:nvSpPr>
+        <p:spPr>
+          <a:xfrm>
+            <a:off x="2348027" y="798018"/>
+            <a:ext cx="854658" cy="646331"/>
+          </a:xfrm>
+          <a:prstGeom prst="rect">
+            <a:avLst/>
+          </a:prstGeom>
+          <a:solidFill>
+            <a:schemeClr val="bg1"/>
+          </a:solidFill>
+        </p:spPr>
+        <p:txBody>
+          <a:bodyPr wrap="none" rtlCol="0">
+            <a:spAutoFit/>
+          </a:bodyPr>
+          <a:lstStyle/>
+          <a:p>
+            <a:pPr algn="ctr"/>
+            <a:r>
+              <a:rPr lang="en-GB" dirty="0" err="1" smtClean="0"/>
+              <a:t>RAG</a:t>
+            </a:r>
+            <a:r>
+              <a:rPr lang="en-GB" baseline="30000" dirty="0" err="1" smtClean="0"/>
+              <a:t>high</a:t>
+            </a:r>
+            <a:endParaRPr lang="en-GB" baseline="30000" dirty="0" smtClean="0"/>
+          </a:p>
+          <a:p>
+            <a:pPr algn="ctr"/>
+            <a:r>
+              <a:rPr lang="en-GB" dirty="0" smtClean="0"/>
+              <a:t>3.49%</a:t>
+            </a:r>
+            <a:endParaRPr lang="en-GB" dirty="0"/>
+          </a:p>
+        </p:txBody>
+      </p:sp>
+      <p:sp>
+        <p:nvSpPr>
+          <p:cNvPr id="7" name="TextBox 6"/>
+          <p:cNvSpPr txBox="1"/>
+          <p:nvPr/>
+        </p:nvSpPr>
+        <p:spPr>
+          <a:xfrm>
+            <a:off x="4433787" y="809105"/>
+            <a:ext cx="758541" cy="646331"/>
+          </a:xfrm>
+          <a:prstGeom prst="rect">
+            <a:avLst/>
+          </a:prstGeom>
+          <a:solidFill>
+            <a:schemeClr val="bg1"/>
+          </a:solidFill>
+        </p:spPr>
+        <p:txBody>
+          <a:bodyPr wrap="none" rtlCol="0">
+            <a:spAutoFit/>
+          </a:bodyPr>
+          <a:lstStyle/>
+          <a:p>
+            <a:pPr algn="ctr"/>
+            <a:r>
+              <a:rPr lang="en-GB" dirty="0" smtClean="0"/>
+              <a:t>RAG-</a:t>
+            </a:r>
+          </a:p>
+          <a:p>
+            <a:pPr algn="ctr"/>
+            <a:r>
+              <a:rPr lang="en-GB" dirty="0" smtClean="0"/>
+              <a:t>76.2%</a:t>
+            </a:r>
+            <a:endParaRPr lang="en-GB" dirty="0"/>
+          </a:p>
+        </p:txBody>
+      </p:sp>
+      <p:sp>
+        <p:nvSpPr>
+          <p:cNvPr id="8" name="TextBox 7"/>
+          <p:cNvSpPr txBox="1"/>
+          <p:nvPr/>
+        </p:nvSpPr>
+        <p:spPr>
+          <a:xfrm>
+            <a:off x="5152832" y="809105"/>
+            <a:ext cx="814005" cy="646331"/>
+          </a:xfrm>
+          <a:prstGeom prst="rect">
+            <a:avLst/>
+          </a:prstGeom>
+          <a:solidFill>
+            <a:schemeClr val="bg1"/>
+          </a:solidFill>
+        </p:spPr>
+        <p:txBody>
+          <a:bodyPr wrap="none" rtlCol="0">
+            <a:spAutoFit/>
+          </a:bodyPr>
+          <a:lstStyle/>
+          <a:p>
+            <a:pPr algn="ctr"/>
+            <a:r>
+              <a:rPr lang="en-GB" dirty="0" err="1" smtClean="0"/>
+              <a:t>RAG</a:t>
+            </a:r>
+            <a:r>
+              <a:rPr lang="en-GB" baseline="30000" dirty="0" err="1" smtClean="0"/>
+              <a:t>low</a:t>
+            </a:r>
+            <a:endParaRPr lang="en-GB" baseline="30000" dirty="0" smtClean="0"/>
+          </a:p>
+          <a:p>
+            <a:pPr algn="ctr"/>
+            <a:r>
+              <a:rPr lang="en-GB" dirty="0" smtClean="0"/>
+              <a:t>17.1%</a:t>
+            </a:r>
+            <a:endParaRPr lang="en-GB" dirty="0"/>
+          </a:p>
+        </p:txBody>
+      </p:sp>
+      <p:sp>
+        <p:nvSpPr>
+          <p:cNvPr id="9" name="TextBox 8"/>
+          <p:cNvSpPr txBox="1"/>
+          <p:nvPr/>
+        </p:nvSpPr>
+        <p:spPr>
+          <a:xfrm>
+            <a:off x="5966837" y="809105"/>
+            <a:ext cx="854658" cy="646331"/>
+          </a:xfrm>
+          <a:prstGeom prst="rect">
+            <a:avLst/>
+          </a:prstGeom>
+          <a:solidFill>
+            <a:schemeClr val="bg1"/>
+          </a:solidFill>
+        </p:spPr>
+        <p:txBody>
+          <a:bodyPr wrap="none" rtlCol="0">
+            <a:spAutoFit/>
+          </a:bodyPr>
+          <a:lstStyle/>
+          <a:p>
+            <a:pPr algn="ctr"/>
+            <a:r>
+              <a:rPr lang="en-GB" dirty="0" err="1" smtClean="0"/>
+              <a:t>RAG</a:t>
+            </a:r>
+            <a:r>
+              <a:rPr lang="en-GB" baseline="30000" dirty="0" err="1" smtClean="0"/>
+              <a:t>high</a:t>
+            </a:r>
+            <a:endParaRPr lang="en-GB" baseline="30000" dirty="0" smtClean="0"/>
+          </a:p>
+          <a:p>
+            <a:pPr algn="ctr"/>
+            <a:r>
+              <a:rPr lang="en-GB" dirty="0" smtClean="0"/>
+              <a:t>3.03%</a:t>
+            </a:r>
+            <a:endParaRPr lang="en-GB" dirty="0"/>
+          </a:p>
+        </p:txBody>
+      </p:sp>
+      <p:sp>
+        <p:nvSpPr>
+          <p:cNvPr id="11" name="TextBox 10"/>
+          <p:cNvSpPr txBox="1"/>
+          <p:nvPr/>
+        </p:nvSpPr>
+        <p:spPr>
+          <a:xfrm>
+            <a:off x="7964621" y="809451"/>
+            <a:ext cx="758541" cy="646331"/>
+          </a:xfrm>
+          <a:prstGeom prst="rect">
+            <a:avLst/>
+          </a:prstGeom>
+          <a:solidFill>
+            <a:schemeClr val="bg1"/>
+          </a:solidFill>
+        </p:spPr>
+        <p:txBody>
+          <a:bodyPr wrap="none" rtlCol="0">
+            <a:spAutoFit/>
+          </a:bodyPr>
+          <a:lstStyle/>
+          <a:p>
+            <a:pPr algn="ctr"/>
+            <a:r>
+              <a:rPr lang="en-GB" dirty="0" smtClean="0"/>
+              <a:t>RAG-</a:t>
+            </a:r>
+          </a:p>
+          <a:p>
+            <a:pPr algn="ctr"/>
+            <a:r>
+              <a:rPr lang="en-GB" dirty="0" smtClean="0"/>
+              <a:t>83.4%</a:t>
+            </a:r>
+            <a:endParaRPr lang="en-GB" dirty="0"/>
+          </a:p>
+        </p:txBody>
+      </p:sp>
+      <p:sp>
+        <p:nvSpPr>
+          <p:cNvPr id="12" name="TextBox 11"/>
+          <p:cNvSpPr txBox="1"/>
+          <p:nvPr/>
+        </p:nvSpPr>
+        <p:spPr>
+          <a:xfrm>
+            <a:off x="8683666" y="809451"/>
+            <a:ext cx="814005" cy="646331"/>
+          </a:xfrm>
+          <a:prstGeom prst="rect">
+            <a:avLst/>
+          </a:prstGeom>
+          <a:solidFill>
+            <a:schemeClr val="bg1"/>
+          </a:solidFill>
+        </p:spPr>
+        <p:txBody>
+          <a:bodyPr wrap="none" rtlCol="0">
+            <a:spAutoFit/>
+          </a:bodyPr>
+          <a:lstStyle/>
+          <a:p>
+            <a:pPr algn="ctr"/>
+            <a:r>
+              <a:rPr lang="en-GB" dirty="0" err="1" smtClean="0"/>
+              <a:t>RAG</a:t>
+            </a:r>
+            <a:r>
+              <a:rPr lang="en-GB" baseline="30000" dirty="0" err="1" smtClean="0"/>
+              <a:t>low</a:t>
+            </a:r>
+            <a:endParaRPr lang="en-GB" baseline="30000" dirty="0" smtClean="0"/>
+          </a:p>
+          <a:p>
+            <a:pPr algn="ctr"/>
+            <a:r>
+              <a:rPr lang="en-GB" dirty="0" smtClean="0"/>
+              <a:t>12.4%</a:t>
+            </a:r>
+            <a:endParaRPr lang="en-GB" dirty="0"/>
+          </a:p>
+        </p:txBody>
+      </p:sp>
+      <p:sp>
+        <p:nvSpPr>
+          <p:cNvPr id="13" name="TextBox 12"/>
+          <p:cNvSpPr txBox="1"/>
+          <p:nvPr/>
+        </p:nvSpPr>
+        <p:spPr>
+          <a:xfrm>
+            <a:off x="9487220" y="809451"/>
+            <a:ext cx="875561" cy="646331"/>
+          </a:xfrm>
+          <a:prstGeom prst="rect">
+            <a:avLst/>
+          </a:prstGeom>
+          <a:solidFill>
+            <a:schemeClr val="bg1"/>
+          </a:solidFill>
+        </p:spPr>
+        <p:txBody>
+          <a:bodyPr wrap="none" rtlCol="0">
+            <a:spAutoFit/>
+          </a:bodyPr>
+          <a:lstStyle/>
+          <a:p>
+            <a:pPr algn="ctr"/>
+            <a:r>
+              <a:rPr lang="en-GB" dirty="0" err="1" smtClean="0"/>
+              <a:t>RAG</a:t>
+            </a:r>
+            <a:r>
+              <a:rPr lang="en-GB" baseline="30000" dirty="0" err="1" smtClean="0"/>
+              <a:t>high</a:t>
+            </a:r>
+            <a:endParaRPr lang="en-GB" baseline="30000" dirty="0" smtClean="0"/>
+          </a:p>
+          <a:p>
+            <a:pPr algn="ctr"/>
+            <a:r>
+              <a:rPr lang="en-GB" dirty="0" smtClean="0"/>
+              <a:t>1.17%</a:t>
+            </a:r>
+            <a:endParaRPr lang="en-GB" dirty="0"/>
+          </a:p>
+        </p:txBody>
+      </p:sp>
+      <p:sp>
+        <p:nvSpPr>
+          <p:cNvPr id="14" name="TextBox 13"/>
+          <p:cNvSpPr txBox="1"/>
+          <p:nvPr/>
+        </p:nvSpPr>
+        <p:spPr>
+          <a:xfrm rot="16200000">
+            <a:off x="-457590" y="2059265"/>
+            <a:ext cx="1652697" cy="461665"/>
+          </a:xfrm>
+          <a:prstGeom prst="rect">
+            <a:avLst/>
+          </a:prstGeom>
+          <a:solidFill>
+            <a:schemeClr val="bg1"/>
+          </a:solidFill>
+        </p:spPr>
+        <p:txBody>
+          <a:bodyPr wrap="none" rtlCol="0">
+            <a:spAutoFit/>
+          </a:bodyPr>
+          <a:lstStyle/>
+          <a:p>
+            <a:r>
+              <a:rPr lang="en-GB" sz="2400" dirty="0" smtClean="0"/>
+              <a:t>Side Scatter</a:t>
+            </a:r>
+            <a:endParaRPr lang="en-GB" sz="2400" dirty="0"/>
+          </a:p>
+        </p:txBody>
+      </p:sp>
+      <p:sp>
+        <p:nvSpPr>
+          <p:cNvPr id="15" name="TextBox 14"/>
+          <p:cNvSpPr txBox="1"/>
+          <p:nvPr/>
+        </p:nvSpPr>
+        <p:spPr>
+          <a:xfrm rot="16200000">
+            <a:off x="3042294" y="2059265"/>
+            <a:ext cx="1652697" cy="461665"/>
+          </a:xfrm>
+          <a:prstGeom prst="rect">
+            <a:avLst/>
+          </a:prstGeom>
+          <a:solidFill>
+            <a:schemeClr val="bg1"/>
+          </a:solidFill>
+        </p:spPr>
+        <p:txBody>
+          <a:bodyPr wrap="none" rtlCol="0">
+            <a:spAutoFit/>
+          </a:bodyPr>
+          <a:lstStyle/>
+          <a:p>
+            <a:r>
+              <a:rPr lang="en-GB" sz="2400" dirty="0" smtClean="0"/>
+              <a:t>Side Scatter</a:t>
+            </a:r>
+            <a:endParaRPr lang="en-GB" sz="2400" dirty="0"/>
+          </a:p>
+        </p:txBody>
+      </p:sp>
+      <p:sp>
+        <p:nvSpPr>
+          <p:cNvPr id="16" name="TextBox 15"/>
+          <p:cNvSpPr txBox="1"/>
+          <p:nvPr/>
+        </p:nvSpPr>
+        <p:spPr>
+          <a:xfrm rot="16200000">
+            <a:off x="6526869" y="2059265"/>
+            <a:ext cx="1652697" cy="461665"/>
+          </a:xfrm>
+          <a:prstGeom prst="rect">
+            <a:avLst/>
+          </a:prstGeom>
+          <a:solidFill>
+            <a:schemeClr val="bg1"/>
+          </a:solidFill>
+        </p:spPr>
+        <p:txBody>
+          <a:bodyPr wrap="none" rtlCol="0">
+            <a:spAutoFit/>
+          </a:bodyPr>
+          <a:lstStyle/>
+          <a:p>
+            <a:r>
+              <a:rPr lang="en-GB" sz="2400" dirty="0" smtClean="0"/>
+              <a:t>Side Scatter</a:t>
+            </a:r>
+            <a:endParaRPr lang="en-GB" sz="2400" dirty="0"/>
+          </a:p>
+        </p:txBody>
+      </p:sp>
+      <p:sp>
+        <p:nvSpPr>
+          <p:cNvPr id="17" name="TextBox 16"/>
+          <p:cNvSpPr txBox="1"/>
+          <p:nvPr/>
+        </p:nvSpPr>
+        <p:spPr>
+          <a:xfrm>
+            <a:off x="931022" y="3341719"/>
+            <a:ext cx="2402382" cy="461665"/>
+          </a:xfrm>
+          <a:prstGeom prst="rect">
+            <a:avLst/>
+          </a:prstGeom>
+          <a:solidFill>
+            <a:schemeClr val="bg1"/>
+          </a:solidFill>
+        </p:spPr>
+        <p:txBody>
+          <a:bodyPr wrap="square" rtlCol="0">
+            <a:spAutoFit/>
+          </a:bodyPr>
+          <a:lstStyle/>
+          <a:p>
+            <a:r>
+              <a:rPr lang="en-GB" sz="2400" dirty="0" smtClean="0"/>
+              <a:t>RAG</a:t>
+            </a:r>
+            <a:endParaRPr lang="en-GB" sz="2400" dirty="0"/>
+          </a:p>
+        </p:txBody>
+      </p:sp>
+      <p:sp>
+        <p:nvSpPr>
+          <p:cNvPr id="18" name="TextBox 17"/>
+          <p:cNvSpPr txBox="1"/>
+          <p:nvPr/>
+        </p:nvSpPr>
+        <p:spPr>
+          <a:xfrm>
+            <a:off x="4444535" y="3341719"/>
+            <a:ext cx="2189020" cy="461665"/>
+          </a:xfrm>
+          <a:prstGeom prst="rect">
+            <a:avLst/>
+          </a:prstGeom>
+          <a:solidFill>
+            <a:schemeClr val="bg1"/>
+          </a:solidFill>
+        </p:spPr>
+        <p:txBody>
+          <a:bodyPr wrap="square" rtlCol="0">
+            <a:spAutoFit/>
+          </a:bodyPr>
+          <a:lstStyle/>
+          <a:p>
+            <a:r>
+              <a:rPr lang="en-GB" sz="2400" dirty="0" smtClean="0"/>
+              <a:t>RAG</a:t>
+            </a:r>
+            <a:endParaRPr lang="en-GB" sz="2400" dirty="0"/>
+          </a:p>
+        </p:txBody>
+      </p:sp>
+      <p:sp>
+        <p:nvSpPr>
+          <p:cNvPr id="19" name="TextBox 18"/>
+          <p:cNvSpPr txBox="1"/>
+          <p:nvPr/>
+        </p:nvSpPr>
+        <p:spPr>
+          <a:xfrm>
+            <a:off x="7924796" y="3346187"/>
+            <a:ext cx="1965431" cy="461665"/>
+          </a:xfrm>
+          <a:prstGeom prst="rect">
+            <a:avLst/>
+          </a:prstGeom>
+          <a:solidFill>
+            <a:schemeClr val="bg1"/>
+          </a:solidFill>
+        </p:spPr>
+        <p:txBody>
+          <a:bodyPr wrap="square" rtlCol="0">
+            <a:spAutoFit/>
+          </a:bodyPr>
+          <a:lstStyle/>
+          <a:p>
+            <a:r>
+              <a:rPr lang="en-GB" sz="2400" dirty="0" smtClean="0"/>
+              <a:t>RAG</a:t>
+            </a:r>
+            <a:endParaRPr lang="en-GB" sz="2400" dirty="0"/>
+          </a:p>
+        </p:txBody>
+      </p:sp>
+      <p:sp>
+        <p:nvSpPr>
+          <p:cNvPr id="20" name="TextBox 19"/>
+          <p:cNvSpPr txBox="1"/>
+          <p:nvPr/>
+        </p:nvSpPr>
+        <p:spPr>
+          <a:xfrm>
+            <a:off x="1380182" y="99753"/>
+            <a:ext cx="940322" cy="369332"/>
+          </a:xfrm>
+          <a:prstGeom prst="rect">
+            <a:avLst/>
+          </a:prstGeom>
+          <a:noFill/>
+        </p:spPr>
+        <p:txBody>
+          <a:bodyPr wrap="none" rtlCol="0">
+            <a:spAutoFit/>
+          </a:bodyPr>
+          <a:lstStyle/>
+          <a:p>
+            <a:r>
+              <a:rPr lang="en-GB" dirty="0" smtClean="0"/>
+              <a:t>4 weeks</a:t>
+            </a:r>
+            <a:endParaRPr lang="en-GB" dirty="0"/>
+          </a:p>
+        </p:txBody>
+      </p:sp>
+      <p:sp>
+        <p:nvSpPr>
+          <p:cNvPr id="21" name="TextBox 20"/>
+          <p:cNvSpPr txBox="1"/>
+          <p:nvPr/>
+        </p:nvSpPr>
+        <p:spPr>
+          <a:xfrm>
+            <a:off x="5068884" y="99753"/>
+            <a:ext cx="940322" cy="369332"/>
+          </a:xfrm>
+          <a:prstGeom prst="rect">
+            <a:avLst/>
+          </a:prstGeom>
+          <a:noFill/>
+        </p:spPr>
+        <p:txBody>
+          <a:bodyPr wrap="none" rtlCol="0">
+            <a:spAutoFit/>
+          </a:bodyPr>
+          <a:lstStyle/>
+          <a:p>
+            <a:r>
+              <a:rPr lang="en-GB" dirty="0"/>
+              <a:t>7</a:t>
+            </a:r>
+            <a:r>
+              <a:rPr lang="en-GB" dirty="0" smtClean="0"/>
+              <a:t> weeks</a:t>
+            </a:r>
+            <a:endParaRPr lang="en-GB" dirty="0"/>
+          </a:p>
+        </p:txBody>
+      </p:sp>
+      <p:sp>
+        <p:nvSpPr>
+          <p:cNvPr id="22" name="TextBox 21"/>
+          <p:cNvSpPr txBox="1"/>
+          <p:nvPr/>
+        </p:nvSpPr>
+        <p:spPr>
+          <a:xfrm>
+            <a:off x="8520432" y="99753"/>
+            <a:ext cx="1057341" cy="369332"/>
+          </a:xfrm>
+          <a:prstGeom prst="rect">
+            <a:avLst/>
+          </a:prstGeom>
+          <a:noFill/>
+        </p:spPr>
+        <p:txBody>
+          <a:bodyPr wrap="none" rtlCol="0">
+            <a:spAutoFit/>
+          </a:bodyPr>
+          <a:lstStyle/>
+          <a:p>
+            <a:r>
+              <a:rPr lang="en-GB" dirty="0" smtClean="0"/>
+              <a:t>11 weeks</a:t>
+            </a:r>
+            <a:endParaRPr lang="en-GB" dirty="0"/>
+          </a:p>
+        </p:txBody>
+      </p:sp>
+    </p:spTree>
+    <p:extLst>
+      <p:ext uri="{BB962C8B-B14F-4D97-AF65-F5344CB8AC3E}">
+        <p14:creationId xmlns:p14="http://schemas.microsoft.com/office/powerpoint/2010/main" val="3986142516"/>
+      </p:ext>
+    </p:extLst>
+  </p:cSld>
+  <p:clrMapOvr>
+    <a:masterClrMapping/>
+  </p:clrMapOvr>
+</p:sld>
+</file>
+
+<file path=ppt/slides/slide11.xml><?xml version="1.0" encoding="utf-8"?>
+<p:sld xmlns:a="http://schemas.openxmlformats.org/drawingml/2006/main" xmlns:r="http://schemas.openxmlformats.org/officeDocument/2006/relationships" xmlns:p="http://schemas.openxmlformats.org/presentationml/2006/main">
+  <p:cSld>
+    <p:spTree>
+      <p:nvGrpSpPr>
+        <p:cNvPr id="1" name=""/>
+        <p:cNvGrpSpPr/>
+        <p:nvPr/>
+      </p:nvGrpSpPr>
+      <p:grpSpPr>
+        <a:xfrm>
+          <a:off x="0" y="0"/>
+          <a:ext cx="0" cy="0"/>
+          <a:chOff x="0" y="0"/>
+          <a:chExt cx="0" cy="0"/>
+        </a:xfrm>
+      </p:grpSpPr>
+      <p:pic>
+        <p:nvPicPr>
+          <p:cNvPr id="28" name="Picture 27"/>
+          <p:cNvPicPr>
+            <a:picLocks noChangeAspect="1"/>
+          </p:cNvPicPr>
+          <p:nvPr/>
+        </p:nvPicPr>
+        <p:blipFill>
+          <a:blip r:embed="rId3"/>
+          <a:stretch>
+            <a:fillRect/>
+          </a:stretch>
+        </p:blipFill>
+        <p:spPr>
+          <a:xfrm>
+            <a:off x="3576812" y="260091"/>
+            <a:ext cx="3505200" cy="3638550"/>
+          </a:xfrm>
+          <a:prstGeom prst="rect">
+            <a:avLst/>
+          </a:prstGeom>
+        </p:spPr>
+      </p:pic>
+      <p:pic>
+        <p:nvPicPr>
+          <p:cNvPr id="27" name="Picture 26"/>
+          <p:cNvPicPr>
+            <a:picLocks noChangeAspect="1"/>
+          </p:cNvPicPr>
+          <p:nvPr/>
+        </p:nvPicPr>
+        <p:blipFill>
+          <a:blip r:embed="rId4"/>
+          <a:stretch>
+            <a:fillRect/>
+          </a:stretch>
+        </p:blipFill>
+        <p:spPr>
+          <a:xfrm>
+            <a:off x="97743" y="260091"/>
+            <a:ext cx="3505200" cy="3638550"/>
+          </a:xfrm>
+          <a:prstGeom prst="rect">
+            <a:avLst/>
+          </a:prstGeom>
+        </p:spPr>
+      </p:pic>
+      <p:pic>
+        <p:nvPicPr>
+          <p:cNvPr id="26" name="Picture 25"/>
+          <p:cNvPicPr>
+            <a:picLocks noChangeAspect="1"/>
+          </p:cNvPicPr>
+          <p:nvPr/>
+        </p:nvPicPr>
+        <p:blipFill>
+          <a:blip r:embed="rId5"/>
+          <a:stretch>
+            <a:fillRect/>
+          </a:stretch>
+        </p:blipFill>
+        <p:spPr>
+          <a:xfrm>
+            <a:off x="7122385" y="260091"/>
+            <a:ext cx="3505200" cy="3638550"/>
+          </a:xfrm>
+          <a:prstGeom prst="rect">
+            <a:avLst/>
+          </a:prstGeom>
+        </p:spPr>
+      </p:pic>
+      <p:sp>
+        <p:nvSpPr>
+          <p:cNvPr id="3" name="TextBox 2"/>
+          <p:cNvSpPr txBox="1"/>
+          <p:nvPr/>
+        </p:nvSpPr>
+        <p:spPr>
+          <a:xfrm>
+            <a:off x="955963" y="798020"/>
+            <a:ext cx="758541" cy="646331"/>
+          </a:xfrm>
+          <a:prstGeom prst="rect">
+            <a:avLst/>
+          </a:prstGeom>
+          <a:solidFill>
+            <a:schemeClr val="bg1"/>
+          </a:solidFill>
+        </p:spPr>
+        <p:txBody>
+          <a:bodyPr wrap="none" rtlCol="0">
+            <a:spAutoFit/>
+          </a:bodyPr>
+          <a:lstStyle/>
+          <a:p>
+            <a:pPr algn="ctr"/>
+            <a:r>
+              <a:rPr lang="en-GB" dirty="0" smtClean="0"/>
+              <a:t>RAG-</a:t>
+            </a:r>
+          </a:p>
+          <a:p>
+            <a:pPr algn="ctr"/>
+            <a:r>
+              <a:rPr lang="en-GB" dirty="0" smtClean="0"/>
+              <a:t>44.1%</a:t>
+            </a:r>
+            <a:endParaRPr lang="en-GB" dirty="0"/>
+          </a:p>
+        </p:txBody>
+      </p:sp>
+      <p:sp>
+        <p:nvSpPr>
+          <p:cNvPr id="4" name="TextBox 3"/>
+          <p:cNvSpPr txBox="1"/>
+          <p:nvPr/>
+        </p:nvSpPr>
+        <p:spPr>
+          <a:xfrm>
+            <a:off x="1625465" y="798019"/>
+            <a:ext cx="814005" cy="646331"/>
+          </a:xfrm>
+          <a:prstGeom prst="rect">
+            <a:avLst/>
+          </a:prstGeom>
+          <a:solidFill>
+            <a:schemeClr val="bg1"/>
+          </a:solidFill>
+        </p:spPr>
+        <p:txBody>
+          <a:bodyPr wrap="none" rtlCol="0">
+            <a:spAutoFit/>
+          </a:bodyPr>
+          <a:lstStyle/>
+          <a:p>
+            <a:pPr algn="ctr"/>
+            <a:r>
+              <a:rPr lang="en-GB" dirty="0" err="1" smtClean="0"/>
+              <a:t>RAG</a:t>
+            </a:r>
+            <a:r>
+              <a:rPr lang="en-GB" baseline="30000" dirty="0" err="1" smtClean="0"/>
+              <a:t>low</a:t>
+            </a:r>
+            <a:endParaRPr lang="en-GB" baseline="30000" dirty="0" smtClean="0"/>
+          </a:p>
+          <a:p>
+            <a:pPr algn="ctr"/>
+            <a:r>
+              <a:rPr lang="en-GB" dirty="0" smtClean="0"/>
+              <a:t>17.3%</a:t>
+            </a:r>
+            <a:endParaRPr lang="en-GB" dirty="0"/>
+          </a:p>
+        </p:txBody>
+      </p:sp>
+      <p:sp>
+        <p:nvSpPr>
+          <p:cNvPr id="5" name="TextBox 4"/>
+          <p:cNvSpPr txBox="1"/>
+          <p:nvPr/>
+        </p:nvSpPr>
+        <p:spPr>
+          <a:xfrm>
+            <a:off x="2348027" y="798018"/>
+            <a:ext cx="854658" cy="646331"/>
+          </a:xfrm>
+          <a:prstGeom prst="rect">
+            <a:avLst/>
+          </a:prstGeom>
+          <a:solidFill>
+            <a:schemeClr val="bg1"/>
+          </a:solidFill>
+        </p:spPr>
+        <p:txBody>
+          <a:bodyPr wrap="none" rtlCol="0">
+            <a:spAutoFit/>
+          </a:bodyPr>
+          <a:lstStyle/>
+          <a:p>
+            <a:pPr algn="ctr"/>
+            <a:r>
+              <a:rPr lang="en-GB" dirty="0" err="1" smtClean="0"/>
+              <a:t>RAG</a:t>
+            </a:r>
+            <a:r>
+              <a:rPr lang="en-GB" baseline="30000" dirty="0" err="1" smtClean="0"/>
+              <a:t>high</a:t>
+            </a:r>
+            <a:endParaRPr lang="en-GB" baseline="30000" dirty="0" smtClean="0"/>
+          </a:p>
+          <a:p>
+            <a:pPr algn="ctr"/>
+            <a:r>
+              <a:rPr lang="en-GB" dirty="0" smtClean="0"/>
+              <a:t>34.4%</a:t>
+            </a:r>
+            <a:endParaRPr lang="en-GB" dirty="0"/>
+          </a:p>
+        </p:txBody>
+      </p:sp>
+      <p:sp>
+        <p:nvSpPr>
+          <p:cNvPr id="7" name="TextBox 6"/>
+          <p:cNvSpPr txBox="1"/>
+          <p:nvPr/>
+        </p:nvSpPr>
+        <p:spPr>
+          <a:xfrm>
+            <a:off x="4433787" y="809105"/>
+            <a:ext cx="758541" cy="646331"/>
+          </a:xfrm>
+          <a:prstGeom prst="rect">
+            <a:avLst/>
+          </a:prstGeom>
+          <a:solidFill>
+            <a:schemeClr val="bg1"/>
+          </a:solidFill>
+        </p:spPr>
+        <p:txBody>
+          <a:bodyPr wrap="none" rtlCol="0">
+            <a:spAutoFit/>
+          </a:bodyPr>
+          <a:lstStyle/>
+          <a:p>
+            <a:pPr algn="ctr"/>
+            <a:r>
+              <a:rPr lang="en-GB" dirty="0" smtClean="0"/>
+              <a:t>RAG-</a:t>
+            </a:r>
+          </a:p>
+          <a:p>
+            <a:pPr algn="ctr"/>
+            <a:r>
+              <a:rPr lang="en-GB" dirty="0" smtClean="0"/>
+              <a:t>36.7%</a:t>
+            </a:r>
+            <a:endParaRPr lang="en-GB" dirty="0"/>
+          </a:p>
+        </p:txBody>
+      </p:sp>
+      <p:sp>
+        <p:nvSpPr>
+          <p:cNvPr id="8" name="TextBox 7"/>
+          <p:cNvSpPr txBox="1"/>
+          <p:nvPr/>
+        </p:nvSpPr>
+        <p:spPr>
+          <a:xfrm>
+            <a:off x="5152832" y="809105"/>
+            <a:ext cx="814005" cy="646331"/>
+          </a:xfrm>
+          <a:prstGeom prst="rect">
+            <a:avLst/>
+          </a:prstGeom>
+          <a:solidFill>
+            <a:schemeClr val="bg1"/>
+          </a:solidFill>
+        </p:spPr>
+        <p:txBody>
+          <a:bodyPr wrap="none" rtlCol="0">
+            <a:spAutoFit/>
+          </a:bodyPr>
+          <a:lstStyle/>
+          <a:p>
+            <a:pPr algn="ctr"/>
+            <a:r>
+              <a:rPr lang="en-GB" dirty="0" err="1" smtClean="0"/>
+              <a:t>RAG</a:t>
+            </a:r>
+            <a:r>
+              <a:rPr lang="en-GB" baseline="30000" dirty="0" err="1" smtClean="0"/>
+              <a:t>low</a:t>
+            </a:r>
+            <a:endParaRPr lang="en-GB" baseline="30000" dirty="0" smtClean="0"/>
+          </a:p>
+          <a:p>
+            <a:pPr algn="ctr"/>
+            <a:r>
+              <a:rPr lang="en-GB" dirty="0" smtClean="0"/>
+              <a:t>9.47%</a:t>
+            </a:r>
+            <a:endParaRPr lang="en-GB" dirty="0"/>
+          </a:p>
+        </p:txBody>
+      </p:sp>
+      <p:sp>
+        <p:nvSpPr>
+          <p:cNvPr id="9" name="TextBox 8"/>
+          <p:cNvSpPr txBox="1"/>
+          <p:nvPr/>
+        </p:nvSpPr>
+        <p:spPr>
+          <a:xfrm>
+            <a:off x="5966837" y="809105"/>
+            <a:ext cx="854658" cy="646331"/>
+          </a:xfrm>
+          <a:prstGeom prst="rect">
+            <a:avLst/>
+          </a:prstGeom>
+          <a:solidFill>
+            <a:schemeClr val="bg1"/>
+          </a:solidFill>
+        </p:spPr>
+        <p:txBody>
+          <a:bodyPr wrap="none" rtlCol="0">
+            <a:spAutoFit/>
+          </a:bodyPr>
+          <a:lstStyle/>
+          <a:p>
+            <a:pPr algn="ctr"/>
+            <a:r>
+              <a:rPr lang="en-GB" dirty="0" err="1" smtClean="0"/>
+              <a:t>RAG</a:t>
+            </a:r>
+            <a:r>
+              <a:rPr lang="en-GB" baseline="30000" dirty="0" err="1" smtClean="0"/>
+              <a:t>high</a:t>
+            </a:r>
+            <a:endParaRPr lang="en-GB" baseline="30000" dirty="0" smtClean="0"/>
+          </a:p>
+          <a:p>
+            <a:pPr algn="ctr"/>
+            <a:r>
+              <a:rPr lang="en-GB" dirty="0" smtClean="0"/>
+              <a:t>51.5%</a:t>
+            </a:r>
+            <a:endParaRPr lang="en-GB" dirty="0"/>
+          </a:p>
+        </p:txBody>
+      </p:sp>
+      <p:sp>
+        <p:nvSpPr>
+          <p:cNvPr id="11" name="TextBox 10"/>
+          <p:cNvSpPr txBox="1"/>
+          <p:nvPr/>
+        </p:nvSpPr>
+        <p:spPr>
+          <a:xfrm>
+            <a:off x="7972934" y="809451"/>
+            <a:ext cx="758541" cy="646331"/>
+          </a:xfrm>
+          <a:prstGeom prst="rect">
+            <a:avLst/>
+          </a:prstGeom>
+          <a:solidFill>
+            <a:schemeClr val="bg1"/>
+          </a:solidFill>
+        </p:spPr>
+        <p:txBody>
+          <a:bodyPr wrap="none" rtlCol="0">
+            <a:spAutoFit/>
+          </a:bodyPr>
+          <a:lstStyle/>
+          <a:p>
+            <a:pPr algn="ctr"/>
+            <a:r>
+              <a:rPr lang="en-GB" dirty="0" smtClean="0"/>
+              <a:t>RAG-</a:t>
+            </a:r>
+          </a:p>
+          <a:p>
+            <a:pPr algn="ctr"/>
+            <a:r>
+              <a:rPr lang="en-GB" dirty="0" smtClean="0"/>
+              <a:t>49.4%</a:t>
+            </a:r>
+            <a:endParaRPr lang="en-GB" dirty="0"/>
+          </a:p>
+        </p:txBody>
+      </p:sp>
+      <p:sp>
+        <p:nvSpPr>
+          <p:cNvPr id="12" name="TextBox 11"/>
+          <p:cNvSpPr txBox="1"/>
+          <p:nvPr/>
+        </p:nvSpPr>
+        <p:spPr>
+          <a:xfrm>
+            <a:off x="8691979" y="809451"/>
+            <a:ext cx="814005" cy="646331"/>
+          </a:xfrm>
+          <a:prstGeom prst="rect">
+            <a:avLst/>
+          </a:prstGeom>
+          <a:solidFill>
+            <a:schemeClr val="bg1"/>
+          </a:solidFill>
+        </p:spPr>
+        <p:txBody>
+          <a:bodyPr wrap="none" rtlCol="0">
+            <a:spAutoFit/>
+          </a:bodyPr>
+          <a:lstStyle/>
+          <a:p>
+            <a:pPr algn="ctr"/>
+            <a:r>
+              <a:rPr lang="en-GB" dirty="0" err="1" smtClean="0"/>
+              <a:t>RAG</a:t>
+            </a:r>
+            <a:r>
+              <a:rPr lang="en-GB" baseline="30000" dirty="0" err="1" smtClean="0"/>
+              <a:t>low</a:t>
+            </a:r>
+            <a:endParaRPr lang="en-GB" baseline="30000" dirty="0" smtClean="0"/>
+          </a:p>
+          <a:p>
+            <a:pPr algn="ctr"/>
+            <a:r>
+              <a:rPr lang="en-GB" dirty="0" smtClean="0"/>
+              <a:t>9.81%</a:t>
+            </a:r>
+            <a:endParaRPr lang="en-GB" dirty="0"/>
+          </a:p>
+        </p:txBody>
+      </p:sp>
+      <p:sp>
+        <p:nvSpPr>
+          <p:cNvPr id="13" name="TextBox 12"/>
+          <p:cNvSpPr txBox="1"/>
+          <p:nvPr/>
+        </p:nvSpPr>
+        <p:spPr>
+          <a:xfrm>
+            <a:off x="9495533" y="809451"/>
+            <a:ext cx="875561" cy="646331"/>
+          </a:xfrm>
+          <a:prstGeom prst="rect">
+            <a:avLst/>
+          </a:prstGeom>
+          <a:solidFill>
+            <a:schemeClr val="bg1"/>
+          </a:solidFill>
+        </p:spPr>
+        <p:txBody>
+          <a:bodyPr wrap="none" rtlCol="0">
+            <a:spAutoFit/>
+          </a:bodyPr>
+          <a:lstStyle/>
+          <a:p>
+            <a:pPr algn="ctr"/>
+            <a:r>
+              <a:rPr lang="en-GB" dirty="0" err="1" smtClean="0"/>
+              <a:t>RAG</a:t>
+            </a:r>
+            <a:r>
+              <a:rPr lang="en-GB" baseline="30000" dirty="0" err="1" smtClean="0"/>
+              <a:t>high</a:t>
+            </a:r>
+            <a:endParaRPr lang="en-GB" baseline="30000" dirty="0" smtClean="0"/>
+          </a:p>
+          <a:p>
+            <a:pPr algn="ctr"/>
+            <a:r>
+              <a:rPr lang="en-GB" dirty="0" smtClean="0"/>
+              <a:t>38.2%</a:t>
+            </a:r>
+            <a:endParaRPr lang="en-GB" dirty="0"/>
+          </a:p>
+        </p:txBody>
+      </p:sp>
+      <p:sp>
+        <p:nvSpPr>
+          <p:cNvPr id="14" name="TextBox 13"/>
+          <p:cNvSpPr txBox="1"/>
+          <p:nvPr/>
+        </p:nvSpPr>
+        <p:spPr>
+          <a:xfrm rot="16200000">
+            <a:off x="-457590" y="2059265"/>
+            <a:ext cx="1652697" cy="461665"/>
+          </a:xfrm>
+          <a:prstGeom prst="rect">
+            <a:avLst/>
+          </a:prstGeom>
+          <a:solidFill>
+            <a:schemeClr val="bg1"/>
+          </a:solidFill>
+        </p:spPr>
+        <p:txBody>
+          <a:bodyPr wrap="none" rtlCol="0">
+            <a:spAutoFit/>
+          </a:bodyPr>
+          <a:lstStyle/>
+          <a:p>
+            <a:r>
+              <a:rPr lang="en-GB" sz="2400" dirty="0" smtClean="0"/>
+              <a:t>Side Scatter</a:t>
+            </a:r>
+            <a:endParaRPr lang="en-GB" sz="2400" dirty="0"/>
+          </a:p>
+        </p:txBody>
+      </p:sp>
+      <p:sp>
+        <p:nvSpPr>
+          <p:cNvPr id="15" name="TextBox 14"/>
+          <p:cNvSpPr txBox="1"/>
+          <p:nvPr/>
+        </p:nvSpPr>
+        <p:spPr>
+          <a:xfrm rot="16200000">
+            <a:off x="3042294" y="2059265"/>
+            <a:ext cx="1652697" cy="461665"/>
+          </a:xfrm>
+          <a:prstGeom prst="rect">
+            <a:avLst/>
+          </a:prstGeom>
+          <a:solidFill>
+            <a:schemeClr val="bg1"/>
+          </a:solidFill>
+        </p:spPr>
+        <p:txBody>
+          <a:bodyPr wrap="none" rtlCol="0">
+            <a:spAutoFit/>
+          </a:bodyPr>
+          <a:lstStyle/>
+          <a:p>
+            <a:r>
+              <a:rPr lang="en-GB" sz="2400" dirty="0" smtClean="0"/>
+              <a:t>Side Scatter</a:t>
+            </a:r>
+            <a:endParaRPr lang="en-GB" sz="2400" dirty="0"/>
+          </a:p>
+        </p:txBody>
+      </p:sp>
+      <p:sp>
+        <p:nvSpPr>
+          <p:cNvPr id="16" name="TextBox 15"/>
+          <p:cNvSpPr txBox="1"/>
+          <p:nvPr/>
+        </p:nvSpPr>
+        <p:spPr>
+          <a:xfrm rot="16200000">
+            <a:off x="6526869" y="2059265"/>
+            <a:ext cx="1652697" cy="461665"/>
+          </a:xfrm>
+          <a:prstGeom prst="rect">
+            <a:avLst/>
+          </a:prstGeom>
+          <a:solidFill>
+            <a:schemeClr val="bg1"/>
+          </a:solidFill>
+        </p:spPr>
+        <p:txBody>
+          <a:bodyPr wrap="none" rtlCol="0">
+            <a:spAutoFit/>
+          </a:bodyPr>
+          <a:lstStyle/>
+          <a:p>
+            <a:r>
+              <a:rPr lang="en-GB" sz="2400" dirty="0" smtClean="0"/>
+              <a:t>Side Scatter</a:t>
+            </a:r>
+            <a:endParaRPr lang="en-GB" sz="2400" dirty="0"/>
+          </a:p>
+        </p:txBody>
+      </p:sp>
+      <p:sp>
+        <p:nvSpPr>
+          <p:cNvPr id="17" name="TextBox 16"/>
+          <p:cNvSpPr txBox="1"/>
+          <p:nvPr/>
+        </p:nvSpPr>
+        <p:spPr>
+          <a:xfrm>
+            <a:off x="931022" y="3341719"/>
+            <a:ext cx="2402382" cy="461665"/>
+          </a:xfrm>
+          <a:prstGeom prst="rect">
+            <a:avLst/>
+          </a:prstGeom>
+          <a:solidFill>
+            <a:schemeClr val="bg1"/>
+          </a:solidFill>
+        </p:spPr>
+        <p:txBody>
+          <a:bodyPr wrap="square" rtlCol="0">
+            <a:spAutoFit/>
+          </a:bodyPr>
+          <a:lstStyle/>
+          <a:p>
+            <a:r>
+              <a:rPr lang="en-GB" sz="2400" dirty="0" smtClean="0"/>
+              <a:t>RAG</a:t>
+            </a:r>
+            <a:endParaRPr lang="en-GB" sz="2400" dirty="0"/>
+          </a:p>
+        </p:txBody>
+      </p:sp>
+      <p:sp>
+        <p:nvSpPr>
+          <p:cNvPr id="18" name="TextBox 17"/>
+          <p:cNvSpPr txBox="1"/>
+          <p:nvPr/>
+        </p:nvSpPr>
+        <p:spPr>
+          <a:xfrm>
+            <a:off x="4444535" y="3341719"/>
+            <a:ext cx="2189020" cy="461665"/>
+          </a:xfrm>
+          <a:prstGeom prst="rect">
+            <a:avLst/>
+          </a:prstGeom>
+          <a:solidFill>
+            <a:schemeClr val="bg1"/>
+          </a:solidFill>
+        </p:spPr>
+        <p:txBody>
+          <a:bodyPr wrap="square" rtlCol="0">
+            <a:spAutoFit/>
+          </a:bodyPr>
+          <a:lstStyle/>
+          <a:p>
+            <a:r>
+              <a:rPr lang="en-GB" sz="2400" dirty="0" smtClean="0"/>
+              <a:t>RAG</a:t>
+            </a:r>
+            <a:endParaRPr lang="en-GB" sz="2400" dirty="0"/>
+          </a:p>
+        </p:txBody>
+      </p:sp>
+      <p:sp>
+        <p:nvSpPr>
+          <p:cNvPr id="19" name="TextBox 18"/>
+          <p:cNvSpPr txBox="1"/>
+          <p:nvPr/>
+        </p:nvSpPr>
+        <p:spPr>
+          <a:xfrm>
+            <a:off x="7924796" y="3346187"/>
+            <a:ext cx="1965431" cy="461665"/>
+          </a:xfrm>
+          <a:prstGeom prst="rect">
+            <a:avLst/>
+          </a:prstGeom>
+          <a:solidFill>
+            <a:schemeClr val="bg1"/>
+          </a:solidFill>
+        </p:spPr>
+        <p:txBody>
+          <a:bodyPr wrap="square" rtlCol="0">
+            <a:spAutoFit/>
+          </a:bodyPr>
+          <a:lstStyle/>
+          <a:p>
+            <a:r>
+              <a:rPr lang="en-GB" sz="2400" dirty="0" smtClean="0"/>
+              <a:t>RAG</a:t>
+            </a:r>
+            <a:endParaRPr lang="en-GB" sz="2400" dirty="0"/>
+          </a:p>
+        </p:txBody>
+      </p:sp>
+      <p:sp>
+        <p:nvSpPr>
+          <p:cNvPr id="20" name="TextBox 19"/>
+          <p:cNvSpPr txBox="1"/>
+          <p:nvPr/>
+        </p:nvSpPr>
+        <p:spPr>
+          <a:xfrm>
+            <a:off x="1380182" y="99753"/>
+            <a:ext cx="940322" cy="369332"/>
+          </a:xfrm>
+          <a:prstGeom prst="rect">
+            <a:avLst/>
+          </a:prstGeom>
+          <a:noFill/>
+        </p:spPr>
+        <p:txBody>
+          <a:bodyPr wrap="none" rtlCol="0">
+            <a:spAutoFit/>
+          </a:bodyPr>
+          <a:lstStyle/>
+          <a:p>
+            <a:r>
+              <a:rPr lang="en-GB" dirty="0" smtClean="0"/>
+              <a:t>4 weeks</a:t>
+            </a:r>
+            <a:endParaRPr lang="en-GB" dirty="0"/>
+          </a:p>
+        </p:txBody>
+      </p:sp>
+      <p:sp>
+        <p:nvSpPr>
+          <p:cNvPr id="21" name="TextBox 20"/>
+          <p:cNvSpPr txBox="1"/>
+          <p:nvPr/>
+        </p:nvSpPr>
+        <p:spPr>
+          <a:xfrm>
+            <a:off x="5068884" y="99753"/>
+            <a:ext cx="940322" cy="369332"/>
+          </a:xfrm>
+          <a:prstGeom prst="rect">
+            <a:avLst/>
+          </a:prstGeom>
+          <a:noFill/>
+        </p:spPr>
+        <p:txBody>
+          <a:bodyPr wrap="none" rtlCol="0">
+            <a:spAutoFit/>
+          </a:bodyPr>
+          <a:lstStyle/>
+          <a:p>
+            <a:r>
+              <a:rPr lang="en-GB" dirty="0"/>
+              <a:t>7</a:t>
+            </a:r>
+            <a:r>
+              <a:rPr lang="en-GB" dirty="0" smtClean="0"/>
+              <a:t> weeks</a:t>
+            </a:r>
+            <a:endParaRPr lang="en-GB" dirty="0"/>
+          </a:p>
+        </p:txBody>
+      </p:sp>
+      <p:sp>
+        <p:nvSpPr>
+          <p:cNvPr id="22" name="TextBox 21"/>
+          <p:cNvSpPr txBox="1"/>
+          <p:nvPr/>
+        </p:nvSpPr>
+        <p:spPr>
+          <a:xfrm>
+            <a:off x="8520432" y="99753"/>
+            <a:ext cx="1057341" cy="369332"/>
+          </a:xfrm>
+          <a:prstGeom prst="rect">
+            <a:avLst/>
+          </a:prstGeom>
+          <a:noFill/>
+        </p:spPr>
+        <p:txBody>
+          <a:bodyPr wrap="none" rtlCol="0">
+            <a:spAutoFit/>
+          </a:bodyPr>
+          <a:lstStyle/>
+          <a:p>
+            <a:r>
+              <a:rPr lang="en-GB" dirty="0" smtClean="0"/>
+              <a:t>11 weeks</a:t>
+            </a:r>
+            <a:endParaRPr lang="en-GB" dirty="0"/>
+          </a:p>
+        </p:txBody>
+      </p:sp>
+    </p:spTree>
+    <p:extLst>
+      <p:ext uri="{BB962C8B-B14F-4D97-AF65-F5344CB8AC3E}">
+        <p14:creationId xmlns:p14="http://schemas.microsoft.com/office/powerpoint/2010/main" val="1273586035"/>
       </p:ext>
     </p:extLst>
   </p:cSld>
@@ -6338,7 +8192,7 @@
           <a:lstStyle/>
           <a:p>
             <a:r>
-              <a:rPr lang="en-GB" sz="2400" smtClean="0"/>
+              <a:rPr lang="en-GB" sz="2400" dirty="0" smtClean="0"/>
               <a:t>IgM</a:t>
             </a:r>
             <a:endParaRPr lang="en-GB" sz="2400" dirty="0"/>
@@ -6585,6 +8439,586 @@
     <p:extLst>
       <p:ext uri="{BB962C8B-B14F-4D97-AF65-F5344CB8AC3E}">
         <p14:creationId xmlns:p14="http://schemas.microsoft.com/office/powerpoint/2010/main" val="144376015"/>
+      </p:ext>
+    </p:extLst>
+  </p:cSld>
+  <p:clrMapOvr>
+    <a:masterClrMapping/>
+  </p:clrMapOvr>
+</p:sld>
+</file>
+
+<file path=ppt/slides/slide9.xml><?xml version="1.0" encoding="utf-8"?>
+<p:sld xmlns:a="http://schemas.openxmlformats.org/drawingml/2006/main" xmlns:r="http://schemas.openxmlformats.org/officeDocument/2006/relationships" xmlns:p="http://schemas.openxmlformats.org/presentationml/2006/main">
+  <p:cSld>
+    <p:spTree>
+      <p:nvGrpSpPr>
+        <p:cNvPr id="1" name=""/>
+        <p:cNvGrpSpPr/>
+        <p:nvPr/>
+      </p:nvGrpSpPr>
+      <p:grpSpPr>
+        <a:xfrm>
+          <a:off x="0" y="0"/>
+          <a:ext cx="0" cy="0"/>
+          <a:chOff x="0" y="0"/>
+          <a:chExt cx="0" cy="0"/>
+        </a:xfrm>
+      </p:grpSpPr>
+      <p:pic>
+        <p:nvPicPr>
+          <p:cNvPr id="22" name="Picture 21"/>
+          <p:cNvPicPr>
+            <a:picLocks noChangeAspect="1"/>
+          </p:cNvPicPr>
+          <p:nvPr/>
+        </p:nvPicPr>
+        <p:blipFill>
+          <a:blip r:embed="rId3"/>
+          <a:stretch>
+            <a:fillRect/>
+          </a:stretch>
+        </p:blipFill>
+        <p:spPr>
+          <a:xfrm>
+            <a:off x="97747" y="260093"/>
+            <a:ext cx="3505200" cy="3638550"/>
+          </a:xfrm>
+          <a:prstGeom prst="rect">
+            <a:avLst/>
+          </a:prstGeom>
+        </p:spPr>
+      </p:pic>
+      <p:pic>
+        <p:nvPicPr>
+          <p:cNvPr id="21" name="Picture 20"/>
+          <p:cNvPicPr>
+            <a:picLocks noChangeAspect="1"/>
+          </p:cNvPicPr>
+          <p:nvPr/>
+        </p:nvPicPr>
+        <p:blipFill>
+          <a:blip r:embed="rId4"/>
+          <a:stretch>
+            <a:fillRect/>
+          </a:stretch>
+        </p:blipFill>
+        <p:spPr>
+          <a:xfrm>
+            <a:off x="3649297" y="260093"/>
+            <a:ext cx="3505200" cy="3638550"/>
+          </a:xfrm>
+          <a:prstGeom prst="rect">
+            <a:avLst/>
+          </a:prstGeom>
+        </p:spPr>
+      </p:pic>
+      <p:pic>
+        <p:nvPicPr>
+          <p:cNvPr id="20" name="Picture 19"/>
+          <p:cNvPicPr>
+            <a:picLocks noChangeAspect="1"/>
+          </p:cNvPicPr>
+          <p:nvPr/>
+        </p:nvPicPr>
+        <p:blipFill>
+          <a:blip r:embed="rId5"/>
+          <a:stretch>
+            <a:fillRect/>
+          </a:stretch>
+        </p:blipFill>
+        <p:spPr>
+          <a:xfrm>
+            <a:off x="7196815" y="260093"/>
+            <a:ext cx="3505200" cy="3638550"/>
+          </a:xfrm>
+          <a:prstGeom prst="rect">
+            <a:avLst/>
+          </a:prstGeom>
+        </p:spPr>
+      </p:pic>
+      <p:sp>
+        <p:nvSpPr>
+          <p:cNvPr id="5" name="TextBox 4"/>
+          <p:cNvSpPr txBox="1"/>
+          <p:nvPr/>
+        </p:nvSpPr>
+        <p:spPr>
+          <a:xfrm>
+            <a:off x="1380186" y="99753"/>
+            <a:ext cx="940322" cy="369332"/>
+          </a:xfrm>
+          <a:prstGeom prst="rect">
+            <a:avLst/>
+          </a:prstGeom>
+          <a:noFill/>
+        </p:spPr>
+        <p:txBody>
+          <a:bodyPr wrap="none" rtlCol="0">
+            <a:spAutoFit/>
+          </a:bodyPr>
+          <a:lstStyle/>
+          <a:p>
+            <a:r>
+              <a:rPr lang="en-GB" dirty="0" smtClean="0"/>
+              <a:t>4 weeks</a:t>
+            </a:r>
+            <a:endParaRPr lang="en-GB" dirty="0"/>
+          </a:p>
+        </p:txBody>
+      </p:sp>
+      <p:sp>
+        <p:nvSpPr>
+          <p:cNvPr id="6" name="TextBox 5"/>
+          <p:cNvSpPr txBox="1"/>
+          <p:nvPr/>
+        </p:nvSpPr>
+        <p:spPr>
+          <a:xfrm>
+            <a:off x="4929720" y="99753"/>
+            <a:ext cx="940322" cy="369332"/>
+          </a:xfrm>
+          <a:prstGeom prst="rect">
+            <a:avLst/>
+          </a:prstGeom>
+          <a:noFill/>
+        </p:spPr>
+        <p:txBody>
+          <a:bodyPr wrap="none" rtlCol="0">
+            <a:spAutoFit/>
+          </a:bodyPr>
+          <a:lstStyle/>
+          <a:p>
+            <a:r>
+              <a:rPr lang="en-GB" dirty="0"/>
+              <a:t>7</a:t>
+            </a:r>
+            <a:r>
+              <a:rPr lang="en-GB" dirty="0" smtClean="0"/>
+              <a:t> weeks</a:t>
+            </a:r>
+            <a:endParaRPr lang="en-GB" dirty="0"/>
+          </a:p>
+        </p:txBody>
+      </p:sp>
+      <p:sp>
+        <p:nvSpPr>
+          <p:cNvPr id="7" name="TextBox 6"/>
+          <p:cNvSpPr txBox="1"/>
+          <p:nvPr/>
+        </p:nvSpPr>
+        <p:spPr>
+          <a:xfrm>
+            <a:off x="8420744" y="99753"/>
+            <a:ext cx="1057341" cy="369332"/>
+          </a:xfrm>
+          <a:prstGeom prst="rect">
+            <a:avLst/>
+          </a:prstGeom>
+          <a:noFill/>
+        </p:spPr>
+        <p:txBody>
+          <a:bodyPr wrap="none" rtlCol="0">
+            <a:spAutoFit/>
+          </a:bodyPr>
+          <a:lstStyle/>
+          <a:p>
+            <a:r>
+              <a:rPr lang="en-GB" dirty="0" smtClean="0"/>
+              <a:t>11 weeks</a:t>
+            </a:r>
+            <a:endParaRPr lang="en-GB" dirty="0"/>
+          </a:p>
+        </p:txBody>
+      </p:sp>
+      <p:sp>
+        <p:nvSpPr>
+          <p:cNvPr id="8" name="TextBox 7"/>
+          <p:cNvSpPr txBox="1"/>
+          <p:nvPr/>
+        </p:nvSpPr>
+        <p:spPr>
+          <a:xfrm rot="16200000">
+            <a:off x="-704110" y="1769957"/>
+            <a:ext cx="2176216" cy="461665"/>
+          </a:xfrm>
+          <a:prstGeom prst="rect">
+            <a:avLst/>
+          </a:prstGeom>
+          <a:solidFill>
+            <a:schemeClr val="bg1"/>
+          </a:solidFill>
+        </p:spPr>
+        <p:txBody>
+          <a:bodyPr wrap="square" rtlCol="0">
+            <a:spAutoFit/>
+          </a:bodyPr>
+          <a:lstStyle/>
+          <a:p>
+            <a:r>
+              <a:rPr lang="en-GB" sz="2400" dirty="0" smtClean="0"/>
+              <a:t>IgM</a:t>
+            </a:r>
+            <a:endParaRPr lang="en-GB" sz="2400" dirty="0"/>
+          </a:p>
+        </p:txBody>
+      </p:sp>
+      <p:sp>
+        <p:nvSpPr>
+          <p:cNvPr id="9" name="TextBox 8"/>
+          <p:cNvSpPr txBox="1"/>
+          <p:nvPr/>
+        </p:nvSpPr>
+        <p:spPr>
+          <a:xfrm rot="16200000">
+            <a:off x="2845424" y="1771676"/>
+            <a:ext cx="2176216" cy="461665"/>
+          </a:xfrm>
+          <a:prstGeom prst="rect">
+            <a:avLst/>
+          </a:prstGeom>
+          <a:solidFill>
+            <a:schemeClr val="bg1"/>
+          </a:solidFill>
+        </p:spPr>
+        <p:txBody>
+          <a:bodyPr wrap="square" rtlCol="0">
+            <a:spAutoFit/>
+          </a:bodyPr>
+          <a:lstStyle/>
+          <a:p>
+            <a:r>
+              <a:rPr lang="en-GB" sz="2400" dirty="0" smtClean="0"/>
+              <a:t>IgM</a:t>
+            </a:r>
+            <a:endParaRPr lang="en-GB" sz="2400" dirty="0"/>
+          </a:p>
+        </p:txBody>
+      </p:sp>
+      <p:sp>
+        <p:nvSpPr>
+          <p:cNvPr id="10" name="TextBox 9"/>
+          <p:cNvSpPr txBox="1"/>
+          <p:nvPr/>
+        </p:nvSpPr>
+        <p:spPr>
+          <a:xfrm rot="16200000">
+            <a:off x="6386649" y="1769957"/>
+            <a:ext cx="2176216" cy="461665"/>
+          </a:xfrm>
+          <a:prstGeom prst="rect">
+            <a:avLst/>
+          </a:prstGeom>
+          <a:solidFill>
+            <a:schemeClr val="bg1"/>
+          </a:solidFill>
+        </p:spPr>
+        <p:txBody>
+          <a:bodyPr wrap="square" rtlCol="0">
+            <a:spAutoFit/>
+          </a:bodyPr>
+          <a:lstStyle/>
+          <a:p>
+            <a:r>
+              <a:rPr lang="en-GB" sz="2400" dirty="0" smtClean="0"/>
+              <a:t>IgM</a:t>
+            </a:r>
+            <a:endParaRPr lang="en-GB" sz="2400" dirty="0"/>
+          </a:p>
+        </p:txBody>
+      </p:sp>
+      <p:sp>
+        <p:nvSpPr>
+          <p:cNvPr id="11" name="TextBox 10"/>
+          <p:cNvSpPr txBox="1"/>
+          <p:nvPr/>
+        </p:nvSpPr>
+        <p:spPr>
+          <a:xfrm>
+            <a:off x="931022" y="3341719"/>
+            <a:ext cx="2402382" cy="461665"/>
+          </a:xfrm>
+          <a:prstGeom prst="rect">
+            <a:avLst/>
+          </a:prstGeom>
+          <a:solidFill>
+            <a:schemeClr val="bg1"/>
+          </a:solidFill>
+        </p:spPr>
+        <p:txBody>
+          <a:bodyPr wrap="square" rtlCol="0">
+            <a:spAutoFit/>
+          </a:bodyPr>
+          <a:lstStyle/>
+          <a:p>
+            <a:r>
+              <a:rPr lang="en-GB" sz="2400" dirty="0" smtClean="0"/>
+              <a:t>CD43</a:t>
+            </a:r>
+            <a:endParaRPr lang="en-GB" sz="2400" dirty="0"/>
+          </a:p>
+        </p:txBody>
+      </p:sp>
+      <p:sp>
+        <p:nvSpPr>
+          <p:cNvPr id="12" name="TextBox 11"/>
+          <p:cNvSpPr txBox="1"/>
+          <p:nvPr/>
+        </p:nvSpPr>
+        <p:spPr>
+          <a:xfrm>
+            <a:off x="4486100" y="3341719"/>
+            <a:ext cx="2189020" cy="461665"/>
+          </a:xfrm>
+          <a:prstGeom prst="rect">
+            <a:avLst/>
+          </a:prstGeom>
+          <a:solidFill>
+            <a:schemeClr val="bg1"/>
+          </a:solidFill>
+        </p:spPr>
+        <p:txBody>
+          <a:bodyPr wrap="square" rtlCol="0">
+            <a:spAutoFit/>
+          </a:bodyPr>
+          <a:lstStyle/>
+          <a:p>
+            <a:r>
+              <a:rPr lang="en-GB" sz="2400" dirty="0" smtClean="0"/>
+              <a:t>CD43</a:t>
+            </a:r>
+            <a:endParaRPr lang="en-GB" sz="2400" dirty="0"/>
+          </a:p>
+        </p:txBody>
+      </p:sp>
+      <p:sp>
+        <p:nvSpPr>
+          <p:cNvPr id="13" name="TextBox 12"/>
+          <p:cNvSpPr txBox="1"/>
+          <p:nvPr/>
+        </p:nvSpPr>
+        <p:spPr>
+          <a:xfrm>
+            <a:off x="8016239" y="3346187"/>
+            <a:ext cx="1965431" cy="461665"/>
+          </a:xfrm>
+          <a:prstGeom prst="rect">
+            <a:avLst/>
+          </a:prstGeom>
+          <a:solidFill>
+            <a:schemeClr val="bg1"/>
+          </a:solidFill>
+        </p:spPr>
+        <p:txBody>
+          <a:bodyPr wrap="square" rtlCol="0">
+            <a:spAutoFit/>
+          </a:bodyPr>
+          <a:lstStyle/>
+          <a:p>
+            <a:r>
+              <a:rPr lang="en-GB" sz="2400" dirty="0" smtClean="0"/>
+              <a:t>CD43</a:t>
+            </a:r>
+            <a:endParaRPr lang="en-GB" sz="2400" dirty="0"/>
+          </a:p>
+        </p:txBody>
+      </p:sp>
+      <p:sp>
+        <p:nvSpPr>
+          <p:cNvPr id="14" name="TextBox 13"/>
+          <p:cNvSpPr txBox="1"/>
+          <p:nvPr/>
+        </p:nvSpPr>
+        <p:spPr>
+          <a:xfrm>
+            <a:off x="2823543" y="2682612"/>
+            <a:ext cx="501548" cy="369332"/>
+          </a:xfrm>
+          <a:prstGeom prst="rect">
+            <a:avLst/>
+          </a:prstGeom>
+          <a:solidFill>
+            <a:schemeClr val="bg1"/>
+          </a:solidFill>
+        </p:spPr>
+        <p:txBody>
+          <a:bodyPr wrap="none" rtlCol="0">
+            <a:spAutoFit/>
+          </a:bodyPr>
+          <a:lstStyle/>
+          <a:p>
+            <a:r>
+              <a:rPr lang="en-GB" dirty="0" smtClean="0"/>
+              <a:t>Pro</a:t>
+            </a:r>
+            <a:endParaRPr lang="en-GB" dirty="0"/>
+          </a:p>
+        </p:txBody>
+      </p:sp>
+      <p:sp>
+        <p:nvSpPr>
+          <p:cNvPr id="15" name="TextBox 14"/>
+          <p:cNvSpPr txBox="1"/>
+          <p:nvPr/>
+        </p:nvSpPr>
+        <p:spPr>
+          <a:xfrm>
+            <a:off x="6379374" y="2682612"/>
+            <a:ext cx="501548" cy="369332"/>
+          </a:xfrm>
+          <a:prstGeom prst="rect">
+            <a:avLst/>
+          </a:prstGeom>
+          <a:solidFill>
+            <a:schemeClr val="bg1"/>
+          </a:solidFill>
+        </p:spPr>
+        <p:txBody>
+          <a:bodyPr wrap="none" rtlCol="0">
+            <a:spAutoFit/>
+          </a:bodyPr>
+          <a:lstStyle/>
+          <a:p>
+            <a:r>
+              <a:rPr lang="en-GB" dirty="0" smtClean="0"/>
+              <a:t>Pro</a:t>
+            </a:r>
+            <a:endParaRPr lang="en-GB" dirty="0"/>
+          </a:p>
+        </p:txBody>
+      </p:sp>
+      <p:sp>
+        <p:nvSpPr>
+          <p:cNvPr id="16" name="TextBox 15"/>
+          <p:cNvSpPr txBox="1"/>
+          <p:nvPr/>
+        </p:nvSpPr>
+        <p:spPr>
+          <a:xfrm>
+            <a:off x="9925383" y="2682612"/>
+            <a:ext cx="501548" cy="369332"/>
+          </a:xfrm>
+          <a:prstGeom prst="rect">
+            <a:avLst/>
+          </a:prstGeom>
+          <a:solidFill>
+            <a:schemeClr val="bg1"/>
+          </a:solidFill>
+        </p:spPr>
+        <p:txBody>
+          <a:bodyPr wrap="none" rtlCol="0">
+            <a:spAutoFit/>
+          </a:bodyPr>
+          <a:lstStyle/>
+          <a:p>
+            <a:r>
+              <a:rPr lang="en-GB" dirty="0" smtClean="0"/>
+              <a:t>Pro</a:t>
+            </a:r>
+            <a:endParaRPr lang="en-GB" dirty="0"/>
+          </a:p>
+        </p:txBody>
+      </p:sp>
+      <p:sp>
+        <p:nvSpPr>
+          <p:cNvPr id="17" name="TextBox 16"/>
+          <p:cNvSpPr txBox="1"/>
+          <p:nvPr/>
+        </p:nvSpPr>
+        <p:spPr>
+          <a:xfrm>
+            <a:off x="8059182" y="2678767"/>
+            <a:ext cx="495841" cy="369332"/>
+          </a:xfrm>
+          <a:prstGeom prst="rect">
+            <a:avLst/>
+          </a:prstGeom>
+          <a:solidFill>
+            <a:schemeClr val="bg1"/>
+          </a:solidFill>
+        </p:spPr>
+        <p:txBody>
+          <a:bodyPr wrap="none" rtlCol="0">
+            <a:spAutoFit/>
+          </a:bodyPr>
+          <a:lstStyle/>
+          <a:p>
+            <a:r>
+              <a:rPr lang="en-GB" dirty="0" smtClean="0"/>
+              <a:t>Pre</a:t>
+            </a:r>
+            <a:endParaRPr lang="en-GB" dirty="0"/>
+          </a:p>
+        </p:txBody>
+      </p:sp>
+      <p:sp>
+        <p:nvSpPr>
+          <p:cNvPr id="18" name="TextBox 17"/>
+          <p:cNvSpPr txBox="1"/>
+          <p:nvPr/>
+        </p:nvSpPr>
+        <p:spPr>
+          <a:xfrm>
+            <a:off x="4502726" y="2675811"/>
+            <a:ext cx="495841" cy="369332"/>
+          </a:xfrm>
+          <a:prstGeom prst="rect">
+            <a:avLst/>
+          </a:prstGeom>
+          <a:solidFill>
+            <a:schemeClr val="bg1"/>
+          </a:solidFill>
+        </p:spPr>
+        <p:txBody>
+          <a:bodyPr wrap="none" rtlCol="0">
+            <a:spAutoFit/>
+          </a:bodyPr>
+          <a:lstStyle/>
+          <a:p>
+            <a:r>
+              <a:rPr lang="en-GB" dirty="0" smtClean="0"/>
+              <a:t>Pre</a:t>
+            </a:r>
+            <a:endParaRPr lang="en-GB" dirty="0"/>
+          </a:p>
+        </p:txBody>
+      </p:sp>
+      <p:sp>
+        <p:nvSpPr>
+          <p:cNvPr id="19" name="TextBox 18"/>
+          <p:cNvSpPr txBox="1"/>
+          <p:nvPr/>
+        </p:nvSpPr>
+        <p:spPr>
+          <a:xfrm>
+            <a:off x="952878" y="2675811"/>
+            <a:ext cx="495841" cy="369332"/>
+          </a:xfrm>
+          <a:prstGeom prst="rect">
+            <a:avLst/>
+          </a:prstGeom>
+          <a:solidFill>
+            <a:schemeClr val="bg1"/>
+          </a:solidFill>
+        </p:spPr>
+        <p:txBody>
+          <a:bodyPr wrap="none" rtlCol="0">
+            <a:spAutoFit/>
+          </a:bodyPr>
+          <a:lstStyle/>
+          <a:p>
+            <a:r>
+              <a:rPr lang="en-GB" dirty="0" smtClean="0"/>
+              <a:t>Pre</a:t>
+            </a:r>
+            <a:endParaRPr lang="en-GB" dirty="0"/>
+          </a:p>
+        </p:txBody>
+      </p:sp>
+    </p:spTree>
+    <p:extLst>
+      <p:ext uri="{BB962C8B-B14F-4D97-AF65-F5344CB8AC3E}">
+        <p14:creationId xmlns:p14="http://schemas.microsoft.com/office/powerpoint/2010/main" val="431469332"/>
       </p:ext>
     </p:extLst>
   </p:cSld>

--- a/Figures/Powerpoints/3 plots.pptx
+++ b/Figures/Powerpoints/3 plots.pptx
@@ -5,7 +5,7 @@
     <p:sldMasterId id="2147483672" r:id="rId1"/>
   </p:sldMasterIdLst>
   <p:notesMasterIdLst>
-    <p:notesMasterId r:id="rId13"/>
+    <p:notesMasterId r:id="rId14"/>
   </p:notesMasterIdLst>
   <p:sldIdLst>
     <p:sldId id="256" r:id="rId2"/>
@@ -19,6 +19,7 @@
     <p:sldId id="265" r:id="rId10"/>
     <p:sldId id="266" r:id="rId11"/>
     <p:sldId id="268" r:id="rId12"/>
+    <p:sldId id="269" r:id="rId13"/>
   </p:sldIdLst>
   <p:sldSz cx="10799763" cy="3959225"/>
   <p:notesSz cx="6858000" cy="9144000"/>
@@ -563,6 +564,100 @@
 </p:notes>
 </file>
 
+<file path=ppt/notesSlides/notesSlide10.xml><?xml version="1.0" encoding="utf-8"?>
+<p:notes xmlns:a="http://schemas.openxmlformats.org/drawingml/2006/main" xmlns:r="http://schemas.openxmlformats.org/officeDocument/2006/relationships" xmlns:p="http://schemas.openxmlformats.org/presentationml/2006/main">
+  <p:cSld>
+    <p:spTree>
+      <p:nvGrpSpPr>
+        <p:cNvPr id="1" name=""/>
+        <p:cNvGrpSpPr/>
+        <p:nvPr/>
+      </p:nvGrpSpPr>
+      <p:grpSpPr>
+        <a:xfrm>
+          <a:off x="0" y="0"/>
+          <a:ext cx="0" cy="0"/>
+          <a:chOff x="0" y="0"/>
+          <a:chExt cx="0" cy="0"/>
+        </a:xfrm>
+      </p:grpSpPr>
+      <p:sp>
+        <p:nvSpPr>
+          <p:cNvPr id="2" name="Slide Image Placeholder 1"/>
+          <p:cNvSpPr>
+            <a:spLocks noGrp="1" noRot="1" noChangeAspect="1"/>
+          </p:cNvSpPr>
+          <p:nvPr>
+            <p:ph type="sldImg"/>
+          </p:nvPr>
+        </p:nvSpPr>
+        <p:spPr/>
+      </p:sp>
+      <p:sp>
+        <p:nvSpPr>
+          <p:cNvPr id="3" name="Notes Placeholder 2"/>
+          <p:cNvSpPr>
+            <a:spLocks noGrp="1"/>
+          </p:cNvSpPr>
+          <p:nvPr>
+            <p:ph type="body" idx="1"/>
+          </p:nvPr>
+        </p:nvSpPr>
+        <p:spPr/>
+        <p:txBody>
+          <a:bodyPr/>
+          <a:lstStyle/>
+          <a:p>
+            <a:r>
+              <a:rPr lang="en-GB" dirty="0" smtClean="0"/>
+              <a:t>Mature B cell increases pro B cells</a:t>
+            </a:r>
+          </a:p>
+          <a:p>
+            <a:r>
+              <a:rPr lang="en-GB" dirty="0" smtClean="0"/>
+              <a:t>B6 (2), NOD (8), KO (5)</a:t>
+            </a:r>
+            <a:endParaRPr lang="en-GB" dirty="0"/>
+          </a:p>
+        </p:txBody>
+      </p:sp>
+      <p:sp>
+        <p:nvSpPr>
+          <p:cNvPr id="4" name="Slide Number Placeholder 3"/>
+          <p:cNvSpPr>
+            <a:spLocks noGrp="1"/>
+          </p:cNvSpPr>
+          <p:nvPr>
+            <p:ph type="sldNum" sz="quarter" idx="10"/>
+          </p:nvPr>
+        </p:nvSpPr>
+        <p:spPr/>
+        <p:txBody>
+          <a:bodyPr/>
+          <a:lstStyle/>
+          <a:p>
+            <a:fld id="{F9FE1E78-BF79-4B81-BC92-5B601D8D92F9}" type="slidenum">
+              <a:rPr lang="en-GB" smtClean="0"/>
+              <a:t>12</a:t>
+            </a:fld>
+            <a:endParaRPr lang="en-GB"/>
+          </a:p>
+        </p:txBody>
+      </p:sp>
+    </p:spTree>
+    <p:extLst>
+      <p:ext uri="{BB962C8B-B14F-4D97-AF65-F5344CB8AC3E}">
+        <p14:creationId xmlns:p14="http://schemas.microsoft.com/office/powerpoint/2010/main" val="2779991501"/>
+      </p:ext>
+    </p:extLst>
+  </p:cSld>
+  <p:clrMapOvr>
+    <a:masterClrMapping/>
+  </p:clrMapOvr>
+</p:notes>
+</file>
+
 <file path=ppt/notesSlides/notesSlide2.xml><?xml version="1.0" encoding="utf-8"?>
 <p:notes xmlns:a="http://schemas.openxmlformats.org/drawingml/2006/main" xmlns:r="http://schemas.openxmlformats.org/officeDocument/2006/relationships" xmlns:p="http://schemas.openxmlformats.org/presentationml/2006/main">
   <p:cSld>
@@ -5767,6 +5862,510 @@
     <p:extLst>
       <p:ext uri="{BB962C8B-B14F-4D97-AF65-F5344CB8AC3E}">
         <p14:creationId xmlns:p14="http://schemas.microsoft.com/office/powerpoint/2010/main" val="1273586035"/>
+      </p:ext>
+    </p:extLst>
+  </p:cSld>
+  <p:clrMapOvr>
+    <a:masterClrMapping/>
+  </p:clrMapOvr>
+</p:sld>
+</file>
+
+<file path=ppt/slides/slide12.xml><?xml version="1.0" encoding="utf-8"?>
+<p:sld xmlns:a="http://schemas.openxmlformats.org/drawingml/2006/main" xmlns:r="http://schemas.openxmlformats.org/officeDocument/2006/relationships" xmlns:p="http://schemas.openxmlformats.org/presentationml/2006/main">
+  <p:cSld>
+    <p:spTree>
+      <p:nvGrpSpPr>
+        <p:cNvPr id="1" name=""/>
+        <p:cNvGrpSpPr/>
+        <p:nvPr/>
+      </p:nvGrpSpPr>
+      <p:grpSpPr>
+        <a:xfrm>
+          <a:off x="0" y="0"/>
+          <a:ext cx="0" cy="0"/>
+          <a:chOff x="0" y="0"/>
+          <a:chExt cx="0" cy="0"/>
+        </a:xfrm>
+      </p:grpSpPr>
+      <p:pic>
+        <p:nvPicPr>
+          <p:cNvPr id="2" name="Picture 1"/>
+          <p:cNvPicPr>
+            <a:picLocks noChangeAspect="1"/>
+          </p:cNvPicPr>
+          <p:nvPr/>
+        </p:nvPicPr>
+        <p:blipFill>
+          <a:blip r:embed="rId3"/>
+          <a:stretch>
+            <a:fillRect/>
+          </a:stretch>
+        </p:blipFill>
+        <p:spPr>
+          <a:xfrm>
+            <a:off x="99752" y="260090"/>
+            <a:ext cx="3505200" cy="3638550"/>
+          </a:xfrm>
+          <a:prstGeom prst="rect">
+            <a:avLst/>
+          </a:prstGeom>
+        </p:spPr>
+      </p:pic>
+      <p:sp>
+        <p:nvSpPr>
+          <p:cNvPr id="3" name="TextBox 2"/>
+          <p:cNvSpPr txBox="1"/>
+          <p:nvPr/>
+        </p:nvSpPr>
+        <p:spPr>
+          <a:xfrm>
+            <a:off x="968378" y="1155473"/>
+            <a:ext cx="800220" cy="646331"/>
+          </a:xfrm>
+          <a:prstGeom prst="rect">
+            <a:avLst/>
+          </a:prstGeom>
+          <a:solidFill>
+            <a:schemeClr val="bg1"/>
+          </a:solidFill>
+        </p:spPr>
+        <p:txBody>
+          <a:bodyPr wrap="none" rtlCol="0">
+            <a:spAutoFit/>
+          </a:bodyPr>
+          <a:lstStyle/>
+          <a:p>
+            <a:pPr algn="ctr"/>
+            <a:r>
+              <a:rPr lang="en-GB" dirty="0" smtClean="0"/>
+              <a:t>CD19+</a:t>
+            </a:r>
+          </a:p>
+          <a:p>
+            <a:pPr algn="ctr"/>
+            <a:r>
+              <a:rPr lang="en-GB" dirty="0" smtClean="0"/>
+              <a:t>3.43%</a:t>
+            </a:r>
+            <a:endParaRPr lang="en-GB" dirty="0"/>
+          </a:p>
+        </p:txBody>
+      </p:sp>
+      <p:pic>
+        <p:nvPicPr>
+          <p:cNvPr id="4" name="Picture 3"/>
+          <p:cNvPicPr>
+            <a:picLocks noChangeAspect="1"/>
+          </p:cNvPicPr>
+          <p:nvPr/>
+        </p:nvPicPr>
+        <p:blipFill>
+          <a:blip r:embed="rId4"/>
+          <a:stretch>
+            <a:fillRect/>
+          </a:stretch>
+        </p:blipFill>
+        <p:spPr>
+          <a:xfrm>
+            <a:off x="7122001" y="260090"/>
+            <a:ext cx="3505200" cy="3638550"/>
+          </a:xfrm>
+          <a:prstGeom prst="rect">
+            <a:avLst/>
+          </a:prstGeom>
+        </p:spPr>
+      </p:pic>
+      <p:sp>
+        <p:nvSpPr>
+          <p:cNvPr id="5" name="TextBox 4"/>
+          <p:cNvSpPr txBox="1"/>
+          <p:nvPr/>
+        </p:nvSpPr>
+        <p:spPr>
+          <a:xfrm>
+            <a:off x="7987091" y="1155473"/>
+            <a:ext cx="800220" cy="646331"/>
+          </a:xfrm>
+          <a:prstGeom prst="rect">
+            <a:avLst/>
+          </a:prstGeom>
+          <a:solidFill>
+            <a:schemeClr val="bg1"/>
+          </a:solidFill>
+        </p:spPr>
+        <p:txBody>
+          <a:bodyPr wrap="none" rtlCol="0">
+            <a:spAutoFit/>
+          </a:bodyPr>
+          <a:lstStyle/>
+          <a:p>
+            <a:pPr algn="ctr"/>
+            <a:r>
+              <a:rPr lang="en-GB" dirty="0" smtClean="0"/>
+              <a:t>CD19+</a:t>
+            </a:r>
+          </a:p>
+          <a:p>
+            <a:pPr algn="ctr"/>
+            <a:r>
+              <a:rPr lang="en-GB" dirty="0" smtClean="0"/>
+              <a:t>1.24%</a:t>
+            </a:r>
+            <a:endParaRPr lang="en-GB" dirty="0"/>
+          </a:p>
+        </p:txBody>
+      </p:sp>
+      <p:sp>
+        <p:nvSpPr>
+          <p:cNvPr id="6" name="TextBox 5"/>
+          <p:cNvSpPr txBox="1"/>
+          <p:nvPr/>
+        </p:nvSpPr>
+        <p:spPr>
+          <a:xfrm rot="16200000">
+            <a:off x="-707645" y="1840948"/>
+            <a:ext cx="2176216" cy="461665"/>
+          </a:xfrm>
+          <a:prstGeom prst="rect">
+            <a:avLst/>
+          </a:prstGeom>
+          <a:solidFill>
+            <a:schemeClr val="bg1"/>
+          </a:solidFill>
+        </p:spPr>
+        <p:txBody>
+          <a:bodyPr wrap="square" rtlCol="0">
+            <a:spAutoFit/>
+          </a:bodyPr>
+          <a:lstStyle/>
+          <a:p>
+            <a:r>
+              <a:rPr lang="en-GB" sz="2400" dirty="0" smtClean="0"/>
+              <a:t>CD19</a:t>
+            </a:r>
+            <a:endParaRPr lang="en-GB" sz="2400" dirty="0"/>
+          </a:p>
+        </p:txBody>
+      </p:sp>
+      <p:sp>
+        <p:nvSpPr>
+          <p:cNvPr id="7" name="TextBox 6"/>
+          <p:cNvSpPr txBox="1"/>
+          <p:nvPr/>
+        </p:nvSpPr>
+        <p:spPr>
+          <a:xfrm>
+            <a:off x="894241" y="3344487"/>
+            <a:ext cx="1652697" cy="461665"/>
+          </a:xfrm>
+          <a:prstGeom prst="rect">
+            <a:avLst/>
+          </a:prstGeom>
+          <a:solidFill>
+            <a:schemeClr val="bg1"/>
+          </a:solidFill>
+        </p:spPr>
+        <p:txBody>
+          <a:bodyPr wrap="none" rtlCol="0">
+            <a:spAutoFit/>
+          </a:bodyPr>
+          <a:lstStyle/>
+          <a:p>
+            <a:r>
+              <a:rPr lang="en-GB" sz="2400" dirty="0" smtClean="0"/>
+              <a:t>Side Scatter</a:t>
+            </a:r>
+            <a:endParaRPr lang="en-GB" sz="2400" dirty="0"/>
+          </a:p>
+        </p:txBody>
+      </p:sp>
+      <p:sp>
+        <p:nvSpPr>
+          <p:cNvPr id="8" name="TextBox 7"/>
+          <p:cNvSpPr txBox="1"/>
+          <p:nvPr/>
+        </p:nvSpPr>
+        <p:spPr>
+          <a:xfrm rot="16200000">
+            <a:off x="6314604" y="1840948"/>
+            <a:ext cx="2176216" cy="461665"/>
+          </a:xfrm>
+          <a:prstGeom prst="rect">
+            <a:avLst/>
+          </a:prstGeom>
+          <a:solidFill>
+            <a:schemeClr val="bg1"/>
+          </a:solidFill>
+        </p:spPr>
+        <p:txBody>
+          <a:bodyPr wrap="square" rtlCol="0">
+            <a:spAutoFit/>
+          </a:bodyPr>
+          <a:lstStyle/>
+          <a:p>
+            <a:r>
+              <a:rPr lang="en-GB" sz="2400" dirty="0" smtClean="0"/>
+              <a:t>CD19</a:t>
+            </a:r>
+            <a:endParaRPr lang="en-GB" sz="2400" dirty="0"/>
+          </a:p>
+        </p:txBody>
+      </p:sp>
+      <p:sp>
+        <p:nvSpPr>
+          <p:cNvPr id="9" name="TextBox 8"/>
+          <p:cNvSpPr txBox="1"/>
+          <p:nvPr/>
+        </p:nvSpPr>
+        <p:spPr>
+          <a:xfrm>
+            <a:off x="7916490" y="3344487"/>
+            <a:ext cx="1652697" cy="461665"/>
+          </a:xfrm>
+          <a:prstGeom prst="rect">
+            <a:avLst/>
+          </a:prstGeom>
+          <a:solidFill>
+            <a:schemeClr val="bg1"/>
+          </a:solidFill>
+        </p:spPr>
+        <p:txBody>
+          <a:bodyPr wrap="none" rtlCol="0">
+            <a:spAutoFit/>
+          </a:bodyPr>
+          <a:lstStyle/>
+          <a:p>
+            <a:r>
+              <a:rPr lang="en-GB" sz="2400" dirty="0" smtClean="0"/>
+              <a:t>Side Scatter</a:t>
+            </a:r>
+            <a:endParaRPr lang="en-GB" sz="2400" dirty="0"/>
+          </a:p>
+        </p:txBody>
+      </p:sp>
+      <p:pic>
+        <p:nvPicPr>
+          <p:cNvPr id="11" name="Picture 10"/>
+          <p:cNvPicPr>
+            <a:picLocks noChangeAspect="1"/>
+          </p:cNvPicPr>
+          <p:nvPr/>
+        </p:nvPicPr>
+        <p:blipFill>
+          <a:blip r:embed="rId5"/>
+          <a:stretch>
+            <a:fillRect/>
+          </a:stretch>
+        </p:blipFill>
+        <p:spPr>
+          <a:xfrm>
+            <a:off x="3610877" y="260090"/>
+            <a:ext cx="3505200" cy="3638550"/>
+          </a:xfrm>
+          <a:prstGeom prst="rect">
+            <a:avLst/>
+          </a:prstGeom>
+        </p:spPr>
+      </p:pic>
+      <p:sp>
+        <p:nvSpPr>
+          <p:cNvPr id="12" name="TextBox 11"/>
+          <p:cNvSpPr txBox="1"/>
+          <p:nvPr/>
+        </p:nvSpPr>
+        <p:spPr>
+          <a:xfrm>
+            <a:off x="4471566" y="1155473"/>
+            <a:ext cx="800220" cy="646331"/>
+          </a:xfrm>
+          <a:prstGeom prst="rect">
+            <a:avLst/>
+          </a:prstGeom>
+          <a:solidFill>
+            <a:schemeClr val="bg1"/>
+          </a:solidFill>
+        </p:spPr>
+        <p:txBody>
+          <a:bodyPr wrap="none" rtlCol="0">
+            <a:spAutoFit/>
+          </a:bodyPr>
+          <a:lstStyle/>
+          <a:p>
+            <a:pPr algn="ctr"/>
+            <a:r>
+              <a:rPr lang="en-GB" dirty="0" smtClean="0"/>
+              <a:t>CD19+</a:t>
+            </a:r>
+          </a:p>
+          <a:p>
+            <a:pPr algn="ctr"/>
+            <a:r>
+              <a:rPr lang="en-GB" dirty="0" smtClean="0"/>
+              <a:t>3.48%</a:t>
+            </a:r>
+            <a:endParaRPr lang="en-GB" dirty="0"/>
+          </a:p>
+        </p:txBody>
+      </p:sp>
+      <p:sp>
+        <p:nvSpPr>
+          <p:cNvPr id="13" name="TextBox 12"/>
+          <p:cNvSpPr txBox="1"/>
+          <p:nvPr/>
+        </p:nvSpPr>
+        <p:spPr>
+          <a:xfrm rot="16200000">
+            <a:off x="2809404" y="1840947"/>
+            <a:ext cx="2176216" cy="461665"/>
+          </a:xfrm>
+          <a:prstGeom prst="rect">
+            <a:avLst/>
+          </a:prstGeom>
+          <a:solidFill>
+            <a:schemeClr val="bg1"/>
+          </a:solidFill>
+        </p:spPr>
+        <p:txBody>
+          <a:bodyPr wrap="square" rtlCol="0">
+            <a:spAutoFit/>
+          </a:bodyPr>
+          <a:lstStyle/>
+          <a:p>
+            <a:r>
+              <a:rPr lang="en-GB" sz="2400" dirty="0" smtClean="0"/>
+              <a:t>CD19</a:t>
+            </a:r>
+            <a:endParaRPr lang="en-GB" sz="2400" dirty="0"/>
+          </a:p>
+        </p:txBody>
+      </p:sp>
+      <p:sp>
+        <p:nvSpPr>
+          <p:cNvPr id="14" name="TextBox 13"/>
+          <p:cNvSpPr txBox="1"/>
+          <p:nvPr/>
+        </p:nvSpPr>
+        <p:spPr>
+          <a:xfrm>
+            <a:off x="4411290" y="3344486"/>
+            <a:ext cx="1652697" cy="461665"/>
+          </a:xfrm>
+          <a:prstGeom prst="rect">
+            <a:avLst/>
+          </a:prstGeom>
+          <a:solidFill>
+            <a:schemeClr val="bg1"/>
+          </a:solidFill>
+        </p:spPr>
+        <p:txBody>
+          <a:bodyPr wrap="none" rtlCol="0">
+            <a:spAutoFit/>
+          </a:bodyPr>
+          <a:lstStyle/>
+          <a:p>
+            <a:r>
+              <a:rPr lang="en-GB" sz="2400" dirty="0" smtClean="0"/>
+              <a:t>Side Scatter</a:t>
+            </a:r>
+            <a:endParaRPr lang="en-GB" sz="2400" dirty="0"/>
+          </a:p>
+        </p:txBody>
+      </p:sp>
+      <p:sp>
+        <p:nvSpPr>
+          <p:cNvPr id="15" name="TextBox 14"/>
+          <p:cNvSpPr txBox="1"/>
+          <p:nvPr/>
+        </p:nvSpPr>
+        <p:spPr>
+          <a:xfrm>
+            <a:off x="1638992" y="182255"/>
+            <a:ext cx="426720" cy="369332"/>
+          </a:xfrm>
+          <a:prstGeom prst="rect">
+            <a:avLst/>
+          </a:prstGeom>
+          <a:noFill/>
+        </p:spPr>
+        <p:txBody>
+          <a:bodyPr wrap="none" rtlCol="0">
+            <a:spAutoFit/>
+          </a:bodyPr>
+          <a:lstStyle/>
+          <a:p>
+            <a:r>
+              <a:rPr lang="en-GB" dirty="0" smtClean="0"/>
+              <a:t>B6</a:t>
+            </a:r>
+            <a:endParaRPr lang="en-GB" dirty="0"/>
+          </a:p>
+        </p:txBody>
+      </p:sp>
+      <p:sp>
+        <p:nvSpPr>
+          <p:cNvPr id="16" name="TextBox 15"/>
+          <p:cNvSpPr txBox="1"/>
+          <p:nvPr/>
+        </p:nvSpPr>
+        <p:spPr>
+          <a:xfrm>
+            <a:off x="4863981" y="182255"/>
+            <a:ext cx="998991" cy="369332"/>
+          </a:xfrm>
+          <a:prstGeom prst="rect">
+            <a:avLst/>
+          </a:prstGeom>
+          <a:noFill/>
+        </p:spPr>
+        <p:txBody>
+          <a:bodyPr wrap="none" rtlCol="0">
+            <a:spAutoFit/>
+          </a:bodyPr>
+          <a:lstStyle/>
+          <a:p>
+            <a:r>
+              <a:rPr lang="en-GB" dirty="0" smtClean="0"/>
+              <a:t>NOD WT</a:t>
+            </a:r>
+            <a:endParaRPr lang="en-GB" dirty="0"/>
+          </a:p>
+        </p:txBody>
+      </p:sp>
+      <p:sp>
+        <p:nvSpPr>
+          <p:cNvPr id="17" name="TextBox 16"/>
+          <p:cNvSpPr txBox="1"/>
+          <p:nvPr/>
+        </p:nvSpPr>
+        <p:spPr>
+          <a:xfrm>
+            <a:off x="8403029" y="176889"/>
+            <a:ext cx="943143" cy="369332"/>
+          </a:xfrm>
+          <a:prstGeom prst="rect">
+            <a:avLst/>
+          </a:prstGeom>
+          <a:noFill/>
+        </p:spPr>
+        <p:txBody>
+          <a:bodyPr wrap="none" rtlCol="0">
+            <a:spAutoFit/>
+          </a:bodyPr>
+          <a:lstStyle/>
+          <a:p>
+            <a:r>
+              <a:rPr lang="en-GB" dirty="0" smtClean="0"/>
+              <a:t>NOD KO</a:t>
+            </a:r>
+            <a:endParaRPr lang="en-GB" dirty="0"/>
+          </a:p>
+        </p:txBody>
+      </p:sp>
+    </p:spTree>
+    <p:extLst>
+      <p:ext uri="{BB962C8B-B14F-4D97-AF65-F5344CB8AC3E}">
+        <p14:creationId xmlns:p14="http://schemas.microsoft.com/office/powerpoint/2010/main" val="724265835"/>
       </p:ext>
     </p:extLst>
   </p:cSld>

--- a/Figures/Powerpoints/3 plots.pptx
+++ b/Figures/Powerpoints/3 plots.pptx
@@ -5,7 +5,7 @@
     <p:sldMasterId id="2147483672" r:id="rId1"/>
   </p:sldMasterIdLst>
   <p:notesMasterIdLst>
-    <p:notesMasterId r:id="rId14"/>
+    <p:notesMasterId r:id="rId15"/>
   </p:notesMasterIdLst>
   <p:sldIdLst>
     <p:sldId id="256" r:id="rId2"/>
@@ -20,6 +20,7 @@
     <p:sldId id="266" r:id="rId11"/>
     <p:sldId id="268" r:id="rId12"/>
     <p:sldId id="269" r:id="rId13"/>
+    <p:sldId id="270" r:id="rId14"/>
   </p:sldIdLst>
   <p:sldSz cx="10799763" cy="3959225"/>
   <p:notesSz cx="6858000" cy="9144000"/>
@@ -6366,6 +6367,510 @@
     <p:extLst>
       <p:ext uri="{BB962C8B-B14F-4D97-AF65-F5344CB8AC3E}">
         <p14:creationId xmlns:p14="http://schemas.microsoft.com/office/powerpoint/2010/main" val="724265835"/>
+      </p:ext>
+    </p:extLst>
+  </p:cSld>
+  <p:clrMapOvr>
+    <a:masterClrMapping/>
+  </p:clrMapOvr>
+</p:sld>
+</file>
+
+<file path=ppt/slides/slide13.xml><?xml version="1.0" encoding="utf-8"?>
+<p:sld xmlns:a="http://schemas.openxmlformats.org/drawingml/2006/main" xmlns:r="http://schemas.openxmlformats.org/officeDocument/2006/relationships" xmlns:p="http://schemas.openxmlformats.org/presentationml/2006/main">
+  <p:cSld>
+    <p:spTree>
+      <p:nvGrpSpPr>
+        <p:cNvPr id="1" name=""/>
+        <p:cNvGrpSpPr/>
+        <p:nvPr/>
+      </p:nvGrpSpPr>
+      <p:grpSpPr>
+        <a:xfrm>
+          <a:off x="0" y="0"/>
+          <a:ext cx="0" cy="0"/>
+          <a:chOff x="0" y="0"/>
+          <a:chExt cx="0" cy="0"/>
+        </a:xfrm>
+      </p:grpSpPr>
+      <p:pic>
+        <p:nvPicPr>
+          <p:cNvPr id="4" name="Picture 3"/>
+          <p:cNvPicPr>
+            <a:picLocks noChangeAspect="1"/>
+          </p:cNvPicPr>
+          <p:nvPr/>
+        </p:nvPicPr>
+        <p:blipFill>
+          <a:blip r:embed="rId2"/>
+          <a:stretch>
+            <a:fillRect/>
+          </a:stretch>
+        </p:blipFill>
+        <p:spPr>
+          <a:xfrm>
+            <a:off x="7124773" y="254171"/>
+            <a:ext cx="3505200" cy="3638550"/>
+          </a:xfrm>
+          <a:prstGeom prst="rect">
+            <a:avLst/>
+          </a:prstGeom>
+        </p:spPr>
+      </p:pic>
+      <p:sp>
+        <p:nvSpPr>
+          <p:cNvPr id="5" name="TextBox 4"/>
+          <p:cNvSpPr txBox="1"/>
+          <p:nvPr/>
+        </p:nvSpPr>
+        <p:spPr>
+          <a:xfrm>
+            <a:off x="7978778" y="1188723"/>
+            <a:ext cx="800220" cy="646331"/>
+          </a:xfrm>
+          <a:prstGeom prst="rect">
+            <a:avLst/>
+          </a:prstGeom>
+          <a:solidFill>
+            <a:schemeClr val="bg1"/>
+          </a:solidFill>
+        </p:spPr>
+        <p:txBody>
+          <a:bodyPr wrap="none" rtlCol="0">
+            <a:spAutoFit/>
+          </a:bodyPr>
+          <a:lstStyle/>
+          <a:p>
+            <a:pPr algn="ctr"/>
+            <a:r>
+              <a:rPr lang="en-GB" dirty="0" smtClean="0"/>
+              <a:t>CD43+</a:t>
+            </a:r>
+          </a:p>
+          <a:p>
+            <a:pPr algn="ctr"/>
+            <a:r>
+              <a:rPr lang="en-GB" dirty="0" smtClean="0"/>
+              <a:t>82.7%</a:t>
+            </a:r>
+            <a:endParaRPr lang="en-GB" dirty="0"/>
+          </a:p>
+        </p:txBody>
+      </p:sp>
+      <p:pic>
+        <p:nvPicPr>
+          <p:cNvPr id="6" name="Picture 5"/>
+          <p:cNvPicPr>
+            <a:picLocks noChangeAspect="1"/>
+          </p:cNvPicPr>
+          <p:nvPr/>
+        </p:nvPicPr>
+        <p:blipFill>
+          <a:blip r:embed="rId3"/>
+          <a:stretch>
+            <a:fillRect/>
+          </a:stretch>
+        </p:blipFill>
+        <p:spPr>
+          <a:xfrm>
+            <a:off x="97746" y="254171"/>
+            <a:ext cx="3505200" cy="3638550"/>
+          </a:xfrm>
+          <a:prstGeom prst="rect">
+            <a:avLst/>
+          </a:prstGeom>
+        </p:spPr>
+      </p:pic>
+      <p:sp>
+        <p:nvSpPr>
+          <p:cNvPr id="7" name="TextBox 6"/>
+          <p:cNvSpPr txBox="1"/>
+          <p:nvPr/>
+        </p:nvSpPr>
+        <p:spPr>
+          <a:xfrm>
+            <a:off x="957294" y="1188722"/>
+            <a:ext cx="800220" cy="646331"/>
+          </a:xfrm>
+          <a:prstGeom prst="rect">
+            <a:avLst/>
+          </a:prstGeom>
+          <a:solidFill>
+            <a:schemeClr val="bg1"/>
+          </a:solidFill>
+        </p:spPr>
+        <p:txBody>
+          <a:bodyPr wrap="none" rtlCol="0">
+            <a:spAutoFit/>
+          </a:bodyPr>
+          <a:lstStyle/>
+          <a:p>
+            <a:pPr algn="ctr"/>
+            <a:r>
+              <a:rPr lang="en-GB" dirty="0" smtClean="0"/>
+              <a:t>CD43+</a:t>
+            </a:r>
+          </a:p>
+          <a:p>
+            <a:pPr algn="ctr"/>
+            <a:r>
+              <a:rPr lang="en-GB" dirty="0" smtClean="0"/>
+              <a:t>13.4%</a:t>
+            </a:r>
+            <a:endParaRPr lang="en-GB" dirty="0"/>
+          </a:p>
+        </p:txBody>
+      </p:sp>
+      <p:pic>
+        <p:nvPicPr>
+          <p:cNvPr id="8" name="Picture 7"/>
+          <p:cNvPicPr>
+            <a:picLocks noChangeAspect="1"/>
+          </p:cNvPicPr>
+          <p:nvPr/>
+        </p:nvPicPr>
+        <p:blipFill>
+          <a:blip r:embed="rId4"/>
+          <a:stretch>
+            <a:fillRect/>
+          </a:stretch>
+        </p:blipFill>
+        <p:spPr>
+          <a:xfrm>
+            <a:off x="3647281" y="254171"/>
+            <a:ext cx="3505200" cy="3638550"/>
+          </a:xfrm>
+          <a:prstGeom prst="rect">
+            <a:avLst/>
+          </a:prstGeom>
+        </p:spPr>
+      </p:pic>
+      <p:sp>
+        <p:nvSpPr>
+          <p:cNvPr id="9" name="TextBox 8"/>
+          <p:cNvSpPr txBox="1"/>
+          <p:nvPr/>
+        </p:nvSpPr>
+        <p:spPr>
+          <a:xfrm>
+            <a:off x="4506830" y="1188721"/>
+            <a:ext cx="800220" cy="646331"/>
+          </a:xfrm>
+          <a:prstGeom prst="rect">
+            <a:avLst/>
+          </a:prstGeom>
+          <a:solidFill>
+            <a:schemeClr val="bg1"/>
+          </a:solidFill>
+        </p:spPr>
+        <p:txBody>
+          <a:bodyPr wrap="none" rtlCol="0">
+            <a:spAutoFit/>
+          </a:bodyPr>
+          <a:lstStyle/>
+          <a:p>
+            <a:pPr algn="ctr"/>
+            <a:r>
+              <a:rPr lang="en-GB" dirty="0" smtClean="0"/>
+              <a:t>CD43+</a:t>
+            </a:r>
+          </a:p>
+          <a:p>
+            <a:pPr algn="ctr"/>
+            <a:r>
+              <a:rPr lang="en-GB" dirty="0" smtClean="0"/>
+              <a:t>80.5%</a:t>
+            </a:r>
+            <a:endParaRPr lang="en-GB" dirty="0"/>
+          </a:p>
+        </p:txBody>
+      </p:sp>
+      <p:sp>
+        <p:nvSpPr>
+          <p:cNvPr id="10" name="TextBox 9"/>
+          <p:cNvSpPr txBox="1"/>
+          <p:nvPr/>
+        </p:nvSpPr>
+        <p:spPr>
+          <a:xfrm>
+            <a:off x="1638992" y="182255"/>
+            <a:ext cx="426720" cy="369332"/>
+          </a:xfrm>
+          <a:prstGeom prst="rect">
+            <a:avLst/>
+          </a:prstGeom>
+          <a:noFill/>
+        </p:spPr>
+        <p:txBody>
+          <a:bodyPr wrap="none" rtlCol="0">
+            <a:spAutoFit/>
+          </a:bodyPr>
+          <a:lstStyle/>
+          <a:p>
+            <a:r>
+              <a:rPr lang="en-GB" dirty="0" smtClean="0"/>
+              <a:t>B6</a:t>
+            </a:r>
+            <a:endParaRPr lang="en-GB" dirty="0"/>
+          </a:p>
+        </p:txBody>
+      </p:sp>
+      <p:sp>
+        <p:nvSpPr>
+          <p:cNvPr id="11" name="TextBox 10"/>
+          <p:cNvSpPr txBox="1"/>
+          <p:nvPr/>
+        </p:nvSpPr>
+        <p:spPr>
+          <a:xfrm>
+            <a:off x="4863981" y="182255"/>
+            <a:ext cx="998991" cy="369332"/>
+          </a:xfrm>
+          <a:prstGeom prst="rect">
+            <a:avLst/>
+          </a:prstGeom>
+          <a:noFill/>
+        </p:spPr>
+        <p:txBody>
+          <a:bodyPr wrap="none" rtlCol="0">
+            <a:spAutoFit/>
+          </a:bodyPr>
+          <a:lstStyle/>
+          <a:p>
+            <a:r>
+              <a:rPr lang="en-GB" dirty="0" smtClean="0"/>
+              <a:t>NOD WT</a:t>
+            </a:r>
+            <a:endParaRPr lang="en-GB" dirty="0"/>
+          </a:p>
+        </p:txBody>
+      </p:sp>
+      <p:sp>
+        <p:nvSpPr>
+          <p:cNvPr id="12" name="TextBox 11"/>
+          <p:cNvSpPr txBox="1"/>
+          <p:nvPr/>
+        </p:nvSpPr>
+        <p:spPr>
+          <a:xfrm>
+            <a:off x="8403029" y="176889"/>
+            <a:ext cx="943143" cy="369332"/>
+          </a:xfrm>
+          <a:prstGeom prst="rect">
+            <a:avLst/>
+          </a:prstGeom>
+          <a:noFill/>
+        </p:spPr>
+        <p:txBody>
+          <a:bodyPr wrap="none" rtlCol="0">
+            <a:spAutoFit/>
+          </a:bodyPr>
+          <a:lstStyle/>
+          <a:p>
+            <a:r>
+              <a:rPr lang="en-GB" dirty="0" smtClean="0"/>
+              <a:t>NOD KO</a:t>
+            </a:r>
+            <a:endParaRPr lang="en-GB" dirty="0"/>
+          </a:p>
+        </p:txBody>
+      </p:sp>
+      <p:sp>
+        <p:nvSpPr>
+          <p:cNvPr id="13" name="TextBox 12"/>
+          <p:cNvSpPr txBox="1"/>
+          <p:nvPr/>
+        </p:nvSpPr>
+        <p:spPr>
+          <a:xfrm rot="16200000">
+            <a:off x="-707645" y="1840948"/>
+            <a:ext cx="2176216" cy="461665"/>
+          </a:xfrm>
+          <a:prstGeom prst="rect">
+            <a:avLst/>
+          </a:prstGeom>
+          <a:solidFill>
+            <a:schemeClr val="bg1"/>
+          </a:solidFill>
+        </p:spPr>
+        <p:txBody>
+          <a:bodyPr wrap="square" rtlCol="0">
+            <a:spAutoFit/>
+          </a:bodyPr>
+          <a:lstStyle/>
+          <a:p>
+            <a:r>
+              <a:rPr lang="en-GB" sz="2400" dirty="0" smtClean="0"/>
+              <a:t>CD43</a:t>
+            </a:r>
+            <a:endParaRPr lang="en-GB" sz="2400" dirty="0"/>
+          </a:p>
+        </p:txBody>
+      </p:sp>
+      <p:sp>
+        <p:nvSpPr>
+          <p:cNvPr id="14" name="TextBox 13"/>
+          <p:cNvSpPr txBox="1"/>
+          <p:nvPr/>
+        </p:nvSpPr>
+        <p:spPr>
+          <a:xfrm>
+            <a:off x="894241" y="3344487"/>
+            <a:ext cx="1652697" cy="461665"/>
+          </a:xfrm>
+          <a:prstGeom prst="rect">
+            <a:avLst/>
+          </a:prstGeom>
+          <a:solidFill>
+            <a:schemeClr val="bg1"/>
+          </a:solidFill>
+        </p:spPr>
+        <p:txBody>
+          <a:bodyPr wrap="none" rtlCol="0">
+            <a:spAutoFit/>
+          </a:bodyPr>
+          <a:lstStyle/>
+          <a:p>
+            <a:r>
+              <a:rPr lang="en-GB" sz="2400" dirty="0" smtClean="0"/>
+              <a:t>Side Scatter</a:t>
+            </a:r>
+            <a:endParaRPr lang="en-GB" sz="2400" dirty="0"/>
+          </a:p>
+        </p:txBody>
+      </p:sp>
+      <p:sp>
+        <p:nvSpPr>
+          <p:cNvPr id="15" name="TextBox 14"/>
+          <p:cNvSpPr txBox="1"/>
+          <p:nvPr/>
+        </p:nvSpPr>
+        <p:spPr>
+          <a:xfrm rot="16200000">
+            <a:off x="6314604" y="1840948"/>
+            <a:ext cx="2176216" cy="461665"/>
+          </a:xfrm>
+          <a:prstGeom prst="rect">
+            <a:avLst/>
+          </a:prstGeom>
+          <a:solidFill>
+            <a:schemeClr val="bg1"/>
+          </a:solidFill>
+        </p:spPr>
+        <p:txBody>
+          <a:bodyPr wrap="square" rtlCol="0">
+            <a:spAutoFit/>
+          </a:bodyPr>
+          <a:lstStyle/>
+          <a:p>
+            <a:r>
+              <a:rPr lang="en-GB" sz="2400" dirty="0" smtClean="0"/>
+              <a:t>CD43</a:t>
+            </a:r>
+            <a:endParaRPr lang="en-GB" sz="2400" dirty="0"/>
+          </a:p>
+        </p:txBody>
+      </p:sp>
+      <p:sp>
+        <p:nvSpPr>
+          <p:cNvPr id="16" name="TextBox 15"/>
+          <p:cNvSpPr txBox="1"/>
+          <p:nvPr/>
+        </p:nvSpPr>
+        <p:spPr>
+          <a:xfrm>
+            <a:off x="7916490" y="3344487"/>
+            <a:ext cx="1652697" cy="461665"/>
+          </a:xfrm>
+          <a:prstGeom prst="rect">
+            <a:avLst/>
+          </a:prstGeom>
+          <a:solidFill>
+            <a:schemeClr val="bg1"/>
+          </a:solidFill>
+        </p:spPr>
+        <p:txBody>
+          <a:bodyPr wrap="none" rtlCol="0">
+            <a:spAutoFit/>
+          </a:bodyPr>
+          <a:lstStyle/>
+          <a:p>
+            <a:r>
+              <a:rPr lang="en-GB" sz="2400" dirty="0" smtClean="0"/>
+              <a:t>Side Scatter</a:t>
+            </a:r>
+            <a:endParaRPr lang="en-GB" sz="2400" dirty="0"/>
+          </a:p>
+        </p:txBody>
+      </p:sp>
+      <p:sp>
+        <p:nvSpPr>
+          <p:cNvPr id="17" name="TextBox 16"/>
+          <p:cNvSpPr txBox="1"/>
+          <p:nvPr/>
+        </p:nvSpPr>
+        <p:spPr>
+          <a:xfrm rot="16200000">
+            <a:off x="2809404" y="1840947"/>
+            <a:ext cx="2176216" cy="461665"/>
+          </a:xfrm>
+          <a:prstGeom prst="rect">
+            <a:avLst/>
+          </a:prstGeom>
+          <a:solidFill>
+            <a:schemeClr val="bg1"/>
+          </a:solidFill>
+        </p:spPr>
+        <p:txBody>
+          <a:bodyPr wrap="square" rtlCol="0">
+            <a:spAutoFit/>
+          </a:bodyPr>
+          <a:lstStyle/>
+          <a:p>
+            <a:r>
+              <a:rPr lang="en-GB" sz="2400" dirty="0" smtClean="0"/>
+              <a:t>CD43</a:t>
+            </a:r>
+            <a:endParaRPr lang="en-GB" sz="2400" dirty="0"/>
+          </a:p>
+        </p:txBody>
+      </p:sp>
+      <p:sp>
+        <p:nvSpPr>
+          <p:cNvPr id="18" name="TextBox 17"/>
+          <p:cNvSpPr txBox="1"/>
+          <p:nvPr/>
+        </p:nvSpPr>
+        <p:spPr>
+          <a:xfrm>
+            <a:off x="4411290" y="3344486"/>
+            <a:ext cx="1652697" cy="461665"/>
+          </a:xfrm>
+          <a:prstGeom prst="rect">
+            <a:avLst/>
+          </a:prstGeom>
+          <a:solidFill>
+            <a:schemeClr val="bg1"/>
+          </a:solidFill>
+        </p:spPr>
+        <p:txBody>
+          <a:bodyPr wrap="none" rtlCol="0">
+            <a:spAutoFit/>
+          </a:bodyPr>
+          <a:lstStyle/>
+          <a:p>
+            <a:r>
+              <a:rPr lang="en-GB" sz="2400" dirty="0" smtClean="0"/>
+              <a:t>Side Scatter</a:t>
+            </a:r>
+            <a:endParaRPr lang="en-GB" sz="2400" dirty="0"/>
+          </a:p>
+        </p:txBody>
+      </p:sp>
+    </p:spTree>
+    <p:extLst>
+      <p:ext uri="{BB962C8B-B14F-4D97-AF65-F5344CB8AC3E}">
+        <p14:creationId xmlns:p14="http://schemas.microsoft.com/office/powerpoint/2010/main" val="973265494"/>
       </p:ext>
     </p:extLst>
   </p:cSld>

--- a/Figures/Powerpoints/3 plots.pptx
+++ b/Figures/Powerpoints/3 plots.pptx
@@ -5,7 +5,7 @@
     <p:sldMasterId id="2147483672" r:id="rId1"/>
   </p:sldMasterIdLst>
   <p:notesMasterIdLst>
-    <p:notesMasterId r:id="rId15"/>
+    <p:notesMasterId r:id="rId17"/>
   </p:notesMasterIdLst>
   <p:sldIdLst>
     <p:sldId id="256" r:id="rId2"/>
@@ -21,6 +21,8 @@
     <p:sldId id="268" r:id="rId12"/>
     <p:sldId id="269" r:id="rId13"/>
     <p:sldId id="270" r:id="rId14"/>
+    <p:sldId id="271" r:id="rId15"/>
+    <p:sldId id="272" r:id="rId16"/>
   </p:sldIdLst>
   <p:sldSz cx="10799763" cy="3959225"/>
   <p:notesSz cx="6858000" cy="9144000"/>
@@ -209,7 +211,7 @@
           <a:p>
             <a:fld id="{32F7D83B-ADDA-4ECB-B692-7302BE334C8B}" type="datetimeFigureOut">
               <a:rPr lang="en-GB" smtClean="0"/>
-              <a:t>05/08/2015</a:t>
+              <a:t>07/08/2015</a:t>
             </a:fld>
             <a:endParaRPr lang="en-GB"/>
           </a:p>
@@ -523,7 +525,7 @@
           <a:p>
             <a:r>
               <a:rPr lang="en-GB" dirty="0" smtClean="0"/>
-              <a:t>Thymus</a:t>
+              <a:t>Thymus 1 20150722 24.10.14</a:t>
             </a:r>
             <a:endParaRPr lang="en-GB" dirty="0"/>
           </a:p>
@@ -659,6 +661,220 @@
 </p:notes>
 </file>
 
+<file path=ppt/notesSlides/notesSlide11.xml><?xml version="1.0" encoding="utf-8"?>
+<p:notes xmlns:a="http://schemas.openxmlformats.org/drawingml/2006/main" xmlns:r="http://schemas.openxmlformats.org/officeDocument/2006/relationships" xmlns:p="http://schemas.openxmlformats.org/presentationml/2006/main">
+  <p:cSld>
+    <p:spTree>
+      <p:nvGrpSpPr>
+        <p:cNvPr id="1" name=""/>
+        <p:cNvGrpSpPr/>
+        <p:nvPr/>
+      </p:nvGrpSpPr>
+      <p:grpSpPr>
+        <a:xfrm>
+          <a:off x="0" y="0"/>
+          <a:ext cx="0" cy="0"/>
+          <a:chOff x="0" y="0"/>
+          <a:chExt cx="0" cy="0"/>
+        </a:xfrm>
+      </p:grpSpPr>
+      <p:sp>
+        <p:nvSpPr>
+          <p:cNvPr id="2" name="Slide Image Placeholder 1"/>
+          <p:cNvSpPr>
+            <a:spLocks noGrp="1" noRot="1" noChangeAspect="1"/>
+          </p:cNvSpPr>
+          <p:nvPr>
+            <p:ph type="sldImg"/>
+          </p:nvPr>
+        </p:nvSpPr>
+        <p:spPr/>
+      </p:sp>
+      <p:sp>
+        <p:nvSpPr>
+          <p:cNvPr id="3" name="Notes Placeholder 2"/>
+          <p:cNvSpPr>
+            <a:spLocks noGrp="1"/>
+          </p:cNvSpPr>
+          <p:nvPr>
+            <p:ph type="body" idx="1"/>
+          </p:nvPr>
+        </p:nvSpPr>
+        <p:spPr/>
+        <p:txBody>
+          <a:bodyPr/>
+          <a:lstStyle/>
+          <a:p>
+            <a:pPr marL="0" marR="0" indent="0" algn="l" defTabSz="914400" rtl="0" eaLnBrk="1" fontAlgn="auto" latinLnBrk="0" hangingPunct="1">
+              <a:lnSpc>
+                <a:spcPct val="100000"/>
+              </a:lnSpc>
+              <a:spcBef>
+                <a:spcPts val="0"/>
+              </a:spcBef>
+              <a:spcAft>
+                <a:spcPts val="0"/>
+              </a:spcAft>
+              <a:buClrTx/>
+              <a:buSzTx/>
+              <a:buFontTx/>
+              <a:buNone/>
+              <a:tabLst/>
+              <a:defRPr/>
+            </a:pPr>
+            <a:r>
+              <a:rPr lang="en-GB" dirty="0" smtClean="0"/>
+              <a:t>Thymus 1 20150722 24.10.14</a:t>
+            </a:r>
+          </a:p>
+          <a:p>
+            <a:endParaRPr lang="en-GB" dirty="0"/>
+          </a:p>
+        </p:txBody>
+      </p:sp>
+      <p:sp>
+        <p:nvSpPr>
+          <p:cNvPr id="4" name="Slide Number Placeholder 3"/>
+          <p:cNvSpPr>
+            <a:spLocks noGrp="1"/>
+          </p:cNvSpPr>
+          <p:nvPr>
+            <p:ph type="sldNum" sz="quarter" idx="10"/>
+          </p:nvPr>
+        </p:nvSpPr>
+        <p:spPr/>
+        <p:txBody>
+          <a:bodyPr/>
+          <a:lstStyle/>
+          <a:p>
+            <a:fld id="{F9FE1E78-BF79-4B81-BC92-5B601D8D92F9}" type="slidenum">
+              <a:rPr lang="en-GB" smtClean="0"/>
+              <a:t>14</a:t>
+            </a:fld>
+            <a:endParaRPr lang="en-GB"/>
+          </a:p>
+        </p:txBody>
+      </p:sp>
+    </p:spTree>
+    <p:extLst>
+      <p:ext uri="{BB962C8B-B14F-4D97-AF65-F5344CB8AC3E}">
+        <p14:creationId xmlns:p14="http://schemas.microsoft.com/office/powerpoint/2010/main" val="745065316"/>
+      </p:ext>
+    </p:extLst>
+  </p:cSld>
+  <p:clrMapOvr>
+    <a:masterClrMapping/>
+  </p:clrMapOvr>
+</p:notes>
+</file>
+
+<file path=ppt/notesSlides/notesSlide12.xml><?xml version="1.0" encoding="utf-8"?>
+<p:notes xmlns:a="http://schemas.openxmlformats.org/drawingml/2006/main" xmlns:r="http://schemas.openxmlformats.org/officeDocument/2006/relationships" xmlns:p="http://schemas.openxmlformats.org/presentationml/2006/main">
+  <p:cSld>
+    <p:spTree>
+      <p:nvGrpSpPr>
+        <p:cNvPr id="1" name=""/>
+        <p:cNvGrpSpPr/>
+        <p:nvPr/>
+      </p:nvGrpSpPr>
+      <p:grpSpPr>
+        <a:xfrm>
+          <a:off x="0" y="0"/>
+          <a:ext cx="0" cy="0"/>
+          <a:chOff x="0" y="0"/>
+          <a:chExt cx="0" cy="0"/>
+        </a:xfrm>
+      </p:grpSpPr>
+      <p:sp>
+        <p:nvSpPr>
+          <p:cNvPr id="2" name="Slide Image Placeholder 1"/>
+          <p:cNvSpPr>
+            <a:spLocks noGrp="1" noRot="1" noChangeAspect="1"/>
+          </p:cNvSpPr>
+          <p:nvPr>
+            <p:ph type="sldImg"/>
+          </p:nvPr>
+        </p:nvSpPr>
+        <p:spPr/>
+      </p:sp>
+      <p:sp>
+        <p:nvSpPr>
+          <p:cNvPr id="3" name="Notes Placeholder 2"/>
+          <p:cNvSpPr>
+            <a:spLocks noGrp="1"/>
+          </p:cNvSpPr>
+          <p:nvPr>
+            <p:ph type="body" idx="1"/>
+          </p:nvPr>
+        </p:nvSpPr>
+        <p:spPr/>
+        <p:txBody>
+          <a:bodyPr/>
+          <a:lstStyle/>
+          <a:p>
+            <a:pPr marL="0" marR="0" indent="0" algn="l" defTabSz="914400" rtl="0" eaLnBrk="1" fontAlgn="auto" latinLnBrk="0" hangingPunct="1">
+              <a:lnSpc>
+                <a:spcPct val="100000"/>
+              </a:lnSpc>
+              <a:spcBef>
+                <a:spcPts val="0"/>
+              </a:spcBef>
+              <a:spcAft>
+                <a:spcPts val="0"/>
+              </a:spcAft>
+              <a:buClrTx/>
+              <a:buSzTx/>
+              <a:buFontTx/>
+              <a:buNone/>
+              <a:tabLst/>
+              <a:defRPr/>
+            </a:pPr>
+            <a:r>
+              <a:rPr lang="en-GB" dirty="0" smtClean="0"/>
+              <a:t>BM 1 20150722 24.10.14</a:t>
+            </a:r>
+          </a:p>
+          <a:p>
+            <a:endParaRPr lang="en-GB" dirty="0"/>
+          </a:p>
+        </p:txBody>
+      </p:sp>
+      <p:sp>
+        <p:nvSpPr>
+          <p:cNvPr id="4" name="Slide Number Placeholder 3"/>
+          <p:cNvSpPr>
+            <a:spLocks noGrp="1"/>
+          </p:cNvSpPr>
+          <p:nvPr>
+            <p:ph type="sldNum" sz="quarter" idx="10"/>
+          </p:nvPr>
+        </p:nvSpPr>
+        <p:spPr/>
+        <p:txBody>
+          <a:bodyPr/>
+          <a:lstStyle/>
+          <a:p>
+            <a:fld id="{F9FE1E78-BF79-4B81-BC92-5B601D8D92F9}" type="slidenum">
+              <a:rPr lang="en-GB" smtClean="0"/>
+              <a:t>15</a:t>
+            </a:fld>
+            <a:endParaRPr lang="en-GB"/>
+          </a:p>
+        </p:txBody>
+      </p:sp>
+    </p:spTree>
+    <p:extLst>
+      <p:ext uri="{BB962C8B-B14F-4D97-AF65-F5344CB8AC3E}">
+        <p14:creationId xmlns:p14="http://schemas.microsoft.com/office/powerpoint/2010/main" val="419691917"/>
+      </p:ext>
+    </p:extLst>
+  </p:cSld>
+  <p:clrMapOvr>
+    <a:masterClrMapping/>
+  </p:clrMapOvr>
+</p:notes>
+</file>
+
 <file path=ppt/notesSlides/notesSlide2.xml><?xml version="1.0" encoding="utf-8"?>
 <p:notes xmlns:a="http://schemas.openxmlformats.org/drawingml/2006/main" xmlns:r="http://schemas.openxmlformats.org/officeDocument/2006/relationships" xmlns:p="http://schemas.openxmlformats.org/presentationml/2006/main">
   <p:cSld>
@@ -1155,11 +1371,7 @@
           <a:p>
             <a:r>
               <a:rPr lang="en-GB" dirty="0" smtClean="0"/>
-              <a:t>Thy 1 24.10.14,   Thy 3 </a:t>
-            </a:r>
-            <a:r>
-              <a:rPr lang="en-GB" dirty="0" smtClean="0"/>
-              <a:t>31.10.14, Thy 12 10.7.15</a:t>
+              <a:t>Thy 1 24.10.14,   Thy 3 31.10.14, Thy 12 10.7.15</a:t>
             </a:r>
           </a:p>
           <a:p>
@@ -1535,7 +1747,7 @@
           <a:p>
             <a:fld id="{5FFCCEB8-80C3-44AA-83D7-DF78E6311A10}" type="datetimeFigureOut">
               <a:rPr lang="en-GB" smtClean="0"/>
-              <a:t>05/08/2015</a:t>
+              <a:t>07/08/2015</a:t>
             </a:fld>
             <a:endParaRPr lang="en-GB"/>
           </a:p>
@@ -1705,7 +1917,7 @@
           <a:p>
             <a:fld id="{5FFCCEB8-80C3-44AA-83D7-DF78E6311A10}" type="datetimeFigureOut">
               <a:rPr lang="en-GB" smtClean="0"/>
-              <a:t>05/08/2015</a:t>
+              <a:t>07/08/2015</a:t>
             </a:fld>
             <a:endParaRPr lang="en-GB"/>
           </a:p>
@@ -1885,7 +2097,7 @@
           <a:p>
             <a:fld id="{5FFCCEB8-80C3-44AA-83D7-DF78E6311A10}" type="datetimeFigureOut">
               <a:rPr lang="en-GB" smtClean="0"/>
-              <a:t>05/08/2015</a:t>
+              <a:t>07/08/2015</a:t>
             </a:fld>
             <a:endParaRPr lang="en-GB"/>
           </a:p>
@@ -2055,7 +2267,7 @@
           <a:p>
             <a:fld id="{5FFCCEB8-80C3-44AA-83D7-DF78E6311A10}" type="datetimeFigureOut">
               <a:rPr lang="en-GB" smtClean="0"/>
-              <a:t>05/08/2015</a:t>
+              <a:t>07/08/2015</a:t>
             </a:fld>
             <a:endParaRPr lang="en-GB"/>
           </a:p>
@@ -2301,7 +2513,7 @@
           <a:p>
             <a:fld id="{5FFCCEB8-80C3-44AA-83D7-DF78E6311A10}" type="datetimeFigureOut">
               <a:rPr lang="en-GB" smtClean="0"/>
-              <a:t>05/08/2015</a:t>
+              <a:t>07/08/2015</a:t>
             </a:fld>
             <a:endParaRPr lang="en-GB"/>
           </a:p>
@@ -2533,7 +2745,7 @@
           <a:p>
             <a:fld id="{5FFCCEB8-80C3-44AA-83D7-DF78E6311A10}" type="datetimeFigureOut">
               <a:rPr lang="en-GB" smtClean="0"/>
-              <a:t>05/08/2015</a:t>
+              <a:t>07/08/2015</a:t>
             </a:fld>
             <a:endParaRPr lang="en-GB"/>
           </a:p>
@@ -2900,7 +3112,7 @@
           <a:p>
             <a:fld id="{5FFCCEB8-80C3-44AA-83D7-DF78E6311A10}" type="datetimeFigureOut">
               <a:rPr lang="en-GB" smtClean="0"/>
-              <a:t>05/08/2015</a:t>
+              <a:t>07/08/2015</a:t>
             </a:fld>
             <a:endParaRPr lang="en-GB"/>
           </a:p>
@@ -3018,7 +3230,7 @@
           <a:p>
             <a:fld id="{5FFCCEB8-80C3-44AA-83D7-DF78E6311A10}" type="datetimeFigureOut">
               <a:rPr lang="en-GB" smtClean="0"/>
-              <a:t>05/08/2015</a:t>
+              <a:t>07/08/2015</a:t>
             </a:fld>
             <a:endParaRPr lang="en-GB"/>
           </a:p>
@@ -3113,7 +3325,7 @@
           <a:p>
             <a:fld id="{5FFCCEB8-80C3-44AA-83D7-DF78E6311A10}" type="datetimeFigureOut">
               <a:rPr lang="en-GB" smtClean="0"/>
-              <a:t>05/08/2015</a:t>
+              <a:t>07/08/2015</a:t>
             </a:fld>
             <a:endParaRPr lang="en-GB"/>
           </a:p>
@@ -3390,7 +3602,7 @@
           <a:p>
             <a:fld id="{5FFCCEB8-80C3-44AA-83D7-DF78E6311A10}" type="datetimeFigureOut">
               <a:rPr lang="en-GB" smtClean="0"/>
-              <a:t>05/08/2015</a:t>
+              <a:t>07/08/2015</a:t>
             </a:fld>
             <a:endParaRPr lang="en-GB"/>
           </a:p>
@@ -3647,7 +3859,7 @@
           <a:p>
             <a:fld id="{5FFCCEB8-80C3-44AA-83D7-DF78E6311A10}" type="datetimeFigureOut">
               <a:rPr lang="en-GB" smtClean="0"/>
-              <a:t>05/08/2015</a:t>
+              <a:t>07/08/2015</a:t>
             </a:fld>
             <a:endParaRPr lang="en-GB"/>
           </a:p>
@@ -3860,7 +4072,7 @@
           <a:p>
             <a:fld id="{5FFCCEB8-80C3-44AA-83D7-DF78E6311A10}" type="datetimeFigureOut">
               <a:rPr lang="en-GB" smtClean="0"/>
-              <a:t>05/08/2015</a:t>
+              <a:t>07/08/2015</a:t>
             </a:fld>
             <a:endParaRPr lang="en-GB"/>
           </a:p>
@@ -6880,6 +7092,984 @@
 </p:sld>
 </file>
 
+<file path=ppt/slides/slide14.xml><?xml version="1.0" encoding="utf-8"?>
+<p:sld xmlns:a="http://schemas.openxmlformats.org/drawingml/2006/main" xmlns:r="http://schemas.openxmlformats.org/officeDocument/2006/relationships" xmlns:p="http://schemas.openxmlformats.org/presentationml/2006/main">
+  <p:cSld>
+    <p:spTree>
+      <p:nvGrpSpPr>
+        <p:cNvPr id="1" name=""/>
+        <p:cNvGrpSpPr/>
+        <p:nvPr/>
+      </p:nvGrpSpPr>
+      <p:grpSpPr>
+        <a:xfrm>
+          <a:off x="0" y="0"/>
+          <a:ext cx="0" cy="0"/>
+          <a:chOff x="0" y="0"/>
+          <a:chExt cx="0" cy="0"/>
+        </a:xfrm>
+      </p:grpSpPr>
+      <p:pic>
+        <p:nvPicPr>
+          <p:cNvPr id="2" name="Picture 1"/>
+          <p:cNvPicPr>
+            <a:picLocks noChangeAspect="1"/>
+          </p:cNvPicPr>
+          <p:nvPr/>
+        </p:nvPicPr>
+        <p:blipFill>
+          <a:blip r:embed="rId3"/>
+          <a:stretch>
+            <a:fillRect/>
+          </a:stretch>
+        </p:blipFill>
+        <p:spPr>
+          <a:xfrm>
+            <a:off x="7130313" y="160337"/>
+            <a:ext cx="3505200" cy="3638550"/>
+          </a:xfrm>
+          <a:prstGeom prst="rect">
+            <a:avLst/>
+          </a:prstGeom>
+        </p:spPr>
+      </p:pic>
+      <p:sp>
+        <p:nvSpPr>
+          <p:cNvPr id="3" name="TextBox 2"/>
+          <p:cNvSpPr txBox="1"/>
+          <p:nvPr/>
+        </p:nvSpPr>
+        <p:spPr>
+          <a:xfrm>
+            <a:off x="9637222" y="556956"/>
+            <a:ext cx="758542" cy="369332"/>
+          </a:xfrm>
+          <a:prstGeom prst="rect">
+            <a:avLst/>
+          </a:prstGeom>
+          <a:noFill/>
+        </p:spPr>
+        <p:txBody>
+          <a:bodyPr wrap="none" rtlCol="0">
+            <a:spAutoFit/>
+          </a:bodyPr>
+          <a:lstStyle/>
+          <a:p>
+            <a:pPr algn="ctr"/>
+            <a:r>
+              <a:rPr lang="en-GB" dirty="0" smtClean="0"/>
+              <a:t>72.0</a:t>
+            </a:r>
+            <a:r>
+              <a:rPr lang="en-GB" dirty="0" smtClean="0"/>
+              <a:t>%</a:t>
+            </a:r>
+            <a:endParaRPr lang="en-GB" dirty="0"/>
+          </a:p>
+        </p:txBody>
+      </p:sp>
+      <p:pic>
+        <p:nvPicPr>
+          <p:cNvPr id="4" name="Picture 3"/>
+          <p:cNvPicPr>
+            <a:picLocks noChangeAspect="1"/>
+          </p:cNvPicPr>
+          <p:nvPr/>
+        </p:nvPicPr>
+        <p:blipFill>
+          <a:blip r:embed="rId4"/>
+          <a:stretch>
+            <a:fillRect/>
+          </a:stretch>
+        </p:blipFill>
+        <p:spPr>
+          <a:xfrm>
+            <a:off x="3613335" y="160337"/>
+            <a:ext cx="3505200" cy="3638550"/>
+          </a:xfrm>
+          <a:prstGeom prst="rect">
+            <a:avLst/>
+          </a:prstGeom>
+        </p:spPr>
+      </p:pic>
+      <p:sp>
+        <p:nvSpPr>
+          <p:cNvPr id="5" name="TextBox 4"/>
+          <p:cNvSpPr txBox="1"/>
+          <p:nvPr/>
+        </p:nvSpPr>
+        <p:spPr>
+          <a:xfrm>
+            <a:off x="4531769" y="1188721"/>
+            <a:ext cx="800220" cy="646331"/>
+          </a:xfrm>
+          <a:prstGeom prst="rect">
+            <a:avLst/>
+          </a:prstGeom>
+          <a:solidFill>
+            <a:schemeClr val="bg1"/>
+          </a:solidFill>
+        </p:spPr>
+        <p:txBody>
+          <a:bodyPr wrap="none" rtlCol="0">
+            <a:spAutoFit/>
+          </a:bodyPr>
+          <a:lstStyle/>
+          <a:p>
+            <a:pPr algn="ctr"/>
+            <a:r>
+              <a:rPr lang="en-GB" dirty="0" smtClean="0"/>
+              <a:t>CD19+</a:t>
+            </a:r>
+            <a:endParaRPr lang="en-GB" dirty="0" smtClean="0"/>
+          </a:p>
+          <a:p>
+            <a:pPr algn="ctr"/>
+            <a:r>
+              <a:rPr lang="en-GB" dirty="0" smtClean="0"/>
+              <a:t>5.06</a:t>
+            </a:r>
+            <a:r>
+              <a:rPr lang="en-GB" dirty="0" smtClean="0"/>
+              <a:t>%</a:t>
+            </a:r>
+            <a:endParaRPr lang="en-GB" dirty="0"/>
+          </a:p>
+        </p:txBody>
+      </p:sp>
+      <p:pic>
+        <p:nvPicPr>
+          <p:cNvPr id="6" name="Picture 5"/>
+          <p:cNvPicPr>
+            <a:picLocks noChangeAspect="1"/>
+          </p:cNvPicPr>
+          <p:nvPr/>
+        </p:nvPicPr>
+        <p:blipFill>
+          <a:blip r:embed="rId5"/>
+          <a:stretch>
+            <a:fillRect/>
+          </a:stretch>
+        </p:blipFill>
+        <p:spPr>
+          <a:xfrm>
+            <a:off x="96357" y="160337"/>
+            <a:ext cx="3505200" cy="3638550"/>
+          </a:xfrm>
+          <a:prstGeom prst="rect">
+            <a:avLst/>
+          </a:prstGeom>
+        </p:spPr>
+      </p:pic>
+      <p:sp>
+        <p:nvSpPr>
+          <p:cNvPr id="7" name="TextBox 6"/>
+          <p:cNvSpPr txBox="1"/>
+          <p:nvPr/>
+        </p:nvSpPr>
+        <p:spPr>
+          <a:xfrm>
+            <a:off x="936570" y="876410"/>
+            <a:ext cx="758542" cy="646331"/>
+          </a:xfrm>
+          <a:prstGeom prst="rect">
+            <a:avLst/>
+          </a:prstGeom>
+          <a:solidFill>
+            <a:schemeClr val="bg1"/>
+          </a:solidFill>
+        </p:spPr>
+        <p:txBody>
+          <a:bodyPr wrap="none" rtlCol="0">
+            <a:spAutoFit/>
+          </a:bodyPr>
+          <a:lstStyle/>
+          <a:p>
+            <a:pPr algn="ctr"/>
+            <a:r>
+              <a:rPr lang="en-GB" dirty="0" smtClean="0"/>
+              <a:t>RAG</a:t>
+            </a:r>
+            <a:r>
+              <a:rPr lang="en-GB" dirty="0" smtClean="0"/>
+              <a:t>+</a:t>
+            </a:r>
+            <a:endParaRPr lang="en-GB" dirty="0" smtClean="0"/>
+          </a:p>
+          <a:p>
+            <a:pPr algn="ctr"/>
+            <a:r>
+              <a:rPr lang="en-GB" dirty="0" smtClean="0"/>
+              <a:t>39.1</a:t>
+            </a:r>
+            <a:r>
+              <a:rPr lang="en-GB" dirty="0" smtClean="0"/>
+              <a:t>%</a:t>
+            </a:r>
+            <a:endParaRPr lang="en-GB" dirty="0"/>
+          </a:p>
+        </p:txBody>
+      </p:sp>
+      <p:sp>
+        <p:nvSpPr>
+          <p:cNvPr id="10" name="TextBox 9"/>
+          <p:cNvSpPr txBox="1"/>
+          <p:nvPr/>
+        </p:nvSpPr>
+        <p:spPr>
+          <a:xfrm rot="16200000">
+            <a:off x="-707645" y="1732879"/>
+            <a:ext cx="2176216" cy="461665"/>
+          </a:xfrm>
+          <a:prstGeom prst="rect">
+            <a:avLst/>
+          </a:prstGeom>
+          <a:solidFill>
+            <a:schemeClr val="bg1"/>
+          </a:solidFill>
+        </p:spPr>
+        <p:txBody>
+          <a:bodyPr wrap="square" rtlCol="0">
+            <a:spAutoFit/>
+          </a:bodyPr>
+          <a:lstStyle/>
+          <a:p>
+            <a:r>
+              <a:rPr lang="en-GB" sz="2400" dirty="0" smtClean="0"/>
+              <a:t>RAG</a:t>
+            </a:r>
+            <a:endParaRPr lang="en-GB" sz="2400" dirty="0"/>
+          </a:p>
+        </p:txBody>
+      </p:sp>
+      <p:sp>
+        <p:nvSpPr>
+          <p:cNvPr id="11" name="TextBox 10"/>
+          <p:cNvSpPr txBox="1"/>
+          <p:nvPr/>
+        </p:nvSpPr>
+        <p:spPr>
+          <a:xfrm>
+            <a:off x="894241" y="3236418"/>
+            <a:ext cx="1652697" cy="461665"/>
+          </a:xfrm>
+          <a:prstGeom prst="rect">
+            <a:avLst/>
+          </a:prstGeom>
+          <a:solidFill>
+            <a:schemeClr val="bg1"/>
+          </a:solidFill>
+        </p:spPr>
+        <p:txBody>
+          <a:bodyPr wrap="none" rtlCol="0">
+            <a:spAutoFit/>
+          </a:bodyPr>
+          <a:lstStyle/>
+          <a:p>
+            <a:r>
+              <a:rPr lang="en-GB" sz="2400" dirty="0" smtClean="0"/>
+              <a:t>Side Scatter</a:t>
+            </a:r>
+            <a:endParaRPr lang="en-GB" sz="2400" dirty="0"/>
+          </a:p>
+        </p:txBody>
+      </p:sp>
+      <p:sp>
+        <p:nvSpPr>
+          <p:cNvPr id="12" name="TextBox 11"/>
+          <p:cNvSpPr txBox="1"/>
+          <p:nvPr/>
+        </p:nvSpPr>
+        <p:spPr>
+          <a:xfrm rot="16200000">
+            <a:off x="6314604" y="1732879"/>
+            <a:ext cx="2176216" cy="461665"/>
+          </a:xfrm>
+          <a:prstGeom prst="rect">
+            <a:avLst/>
+          </a:prstGeom>
+          <a:solidFill>
+            <a:schemeClr val="bg1"/>
+          </a:solidFill>
+        </p:spPr>
+        <p:txBody>
+          <a:bodyPr wrap="square" rtlCol="0">
+            <a:spAutoFit/>
+          </a:bodyPr>
+          <a:lstStyle/>
+          <a:p>
+            <a:r>
+              <a:rPr lang="en-GB" sz="2400" dirty="0" smtClean="0"/>
+              <a:t>CD8</a:t>
+            </a:r>
+            <a:endParaRPr lang="en-GB" sz="2400" dirty="0"/>
+          </a:p>
+        </p:txBody>
+      </p:sp>
+      <p:sp>
+        <p:nvSpPr>
+          <p:cNvPr id="13" name="TextBox 12"/>
+          <p:cNvSpPr txBox="1"/>
+          <p:nvPr/>
+        </p:nvSpPr>
+        <p:spPr>
+          <a:xfrm>
+            <a:off x="7916489" y="3236418"/>
+            <a:ext cx="2125285" cy="461665"/>
+          </a:xfrm>
+          <a:prstGeom prst="rect">
+            <a:avLst/>
+          </a:prstGeom>
+          <a:solidFill>
+            <a:schemeClr val="bg1"/>
+          </a:solidFill>
+        </p:spPr>
+        <p:txBody>
+          <a:bodyPr wrap="square" rtlCol="0">
+            <a:spAutoFit/>
+          </a:bodyPr>
+          <a:lstStyle/>
+          <a:p>
+            <a:r>
+              <a:rPr lang="en-GB" sz="2400" dirty="0" smtClean="0"/>
+              <a:t>CD4</a:t>
+            </a:r>
+            <a:endParaRPr lang="en-GB" sz="2400" dirty="0"/>
+          </a:p>
+        </p:txBody>
+      </p:sp>
+      <p:sp>
+        <p:nvSpPr>
+          <p:cNvPr id="14" name="TextBox 13"/>
+          <p:cNvSpPr txBox="1"/>
+          <p:nvPr/>
+        </p:nvSpPr>
+        <p:spPr>
+          <a:xfrm rot="16200000">
+            <a:off x="2801091" y="1732878"/>
+            <a:ext cx="2176216" cy="461665"/>
+          </a:xfrm>
+          <a:prstGeom prst="rect">
+            <a:avLst/>
+          </a:prstGeom>
+          <a:solidFill>
+            <a:schemeClr val="bg1"/>
+          </a:solidFill>
+        </p:spPr>
+        <p:txBody>
+          <a:bodyPr wrap="square" rtlCol="0">
+            <a:spAutoFit/>
+          </a:bodyPr>
+          <a:lstStyle/>
+          <a:p>
+            <a:r>
+              <a:rPr lang="en-GB" sz="2400" dirty="0" smtClean="0"/>
+              <a:t>CD19</a:t>
+            </a:r>
+            <a:endParaRPr lang="en-GB" sz="2400" dirty="0"/>
+          </a:p>
+        </p:txBody>
+      </p:sp>
+      <p:sp>
+        <p:nvSpPr>
+          <p:cNvPr id="15" name="TextBox 14"/>
+          <p:cNvSpPr txBox="1"/>
+          <p:nvPr/>
+        </p:nvSpPr>
+        <p:spPr>
+          <a:xfrm>
+            <a:off x="4411290" y="3236417"/>
+            <a:ext cx="1652697" cy="461665"/>
+          </a:xfrm>
+          <a:prstGeom prst="rect">
+            <a:avLst/>
+          </a:prstGeom>
+          <a:solidFill>
+            <a:schemeClr val="bg1"/>
+          </a:solidFill>
+        </p:spPr>
+        <p:txBody>
+          <a:bodyPr wrap="none" rtlCol="0">
+            <a:spAutoFit/>
+          </a:bodyPr>
+          <a:lstStyle/>
+          <a:p>
+            <a:r>
+              <a:rPr lang="en-GB" sz="2400" dirty="0" smtClean="0"/>
+              <a:t>Side Scatter</a:t>
+            </a:r>
+            <a:endParaRPr lang="en-GB" sz="2400" dirty="0"/>
+          </a:p>
+        </p:txBody>
+      </p:sp>
+      <p:cxnSp>
+        <p:nvCxnSpPr>
+          <p:cNvPr id="8" name="Straight Arrow Connector 7"/>
+          <p:cNvCxnSpPr/>
+          <p:nvPr/>
+        </p:nvCxnSpPr>
+        <p:spPr>
+          <a:xfrm>
+            <a:off x="2302625" y="1113910"/>
+            <a:ext cx="1587731" cy="0"/>
+          </a:xfrm>
+          <a:prstGeom prst="straightConnector1">
+            <a:avLst/>
+          </a:prstGeom>
+          <a:ln>
+            <a:solidFill>
+              <a:schemeClr val="tx1"/>
+            </a:solidFill>
+            <a:tailEnd type="triangle"/>
+          </a:ln>
+        </p:spPr>
+        <p:style>
+          <a:lnRef idx="1">
+            <a:schemeClr val="accent1"/>
+          </a:lnRef>
+          <a:fillRef idx="0">
+            <a:schemeClr val="accent1"/>
+          </a:fillRef>
+          <a:effectRef idx="0">
+            <a:schemeClr val="accent1"/>
+          </a:effectRef>
+          <a:fontRef idx="minor">
+            <a:schemeClr val="tx1"/>
+          </a:fontRef>
+        </p:style>
+      </p:cxnSp>
+      <p:cxnSp>
+        <p:nvCxnSpPr>
+          <p:cNvPr id="9" name="Straight Arrow Connector 8"/>
+          <p:cNvCxnSpPr/>
+          <p:nvPr/>
+        </p:nvCxnSpPr>
+        <p:spPr>
+          <a:xfrm>
+            <a:off x="5811718" y="1424252"/>
+            <a:ext cx="1620000" cy="0"/>
+          </a:xfrm>
+          <a:prstGeom prst="straightConnector1">
+            <a:avLst/>
+          </a:prstGeom>
+          <a:ln>
+            <a:solidFill>
+              <a:schemeClr val="tx1"/>
+            </a:solidFill>
+            <a:tailEnd type="triangle"/>
+          </a:ln>
+        </p:spPr>
+        <p:style>
+          <a:lnRef idx="1">
+            <a:schemeClr val="accent1"/>
+          </a:lnRef>
+          <a:fillRef idx="0">
+            <a:schemeClr val="accent1"/>
+          </a:fillRef>
+          <a:effectRef idx="0">
+            <a:schemeClr val="accent1"/>
+          </a:effectRef>
+          <a:fontRef idx="minor">
+            <a:schemeClr val="tx1"/>
+          </a:fontRef>
+        </p:style>
+      </p:cxnSp>
+    </p:spTree>
+    <p:extLst>
+      <p:ext uri="{BB962C8B-B14F-4D97-AF65-F5344CB8AC3E}">
+        <p14:creationId xmlns:p14="http://schemas.microsoft.com/office/powerpoint/2010/main" val="4018891802"/>
+      </p:ext>
+    </p:extLst>
+  </p:cSld>
+  <p:clrMapOvr>
+    <a:masterClrMapping/>
+  </p:clrMapOvr>
+</p:sld>
+</file>
+
+<file path=ppt/slides/slide15.xml><?xml version="1.0" encoding="utf-8"?>
+<p:sld xmlns:a="http://schemas.openxmlformats.org/drawingml/2006/main" xmlns:r="http://schemas.openxmlformats.org/officeDocument/2006/relationships" xmlns:p="http://schemas.openxmlformats.org/presentationml/2006/main">
+  <p:cSld>
+    <p:spTree>
+      <p:nvGrpSpPr>
+        <p:cNvPr id="1" name=""/>
+        <p:cNvGrpSpPr/>
+        <p:nvPr/>
+      </p:nvGrpSpPr>
+      <p:grpSpPr>
+        <a:xfrm>
+          <a:off x="0" y="0"/>
+          <a:ext cx="0" cy="0"/>
+          <a:chOff x="0" y="0"/>
+          <a:chExt cx="0" cy="0"/>
+        </a:xfrm>
+      </p:grpSpPr>
+      <p:pic>
+        <p:nvPicPr>
+          <p:cNvPr id="18" name="Picture 17"/>
+          <p:cNvPicPr>
+            <a:picLocks noChangeAspect="1"/>
+          </p:cNvPicPr>
+          <p:nvPr/>
+        </p:nvPicPr>
+        <p:blipFill>
+          <a:blip r:embed="rId3"/>
+          <a:stretch>
+            <a:fillRect/>
+          </a:stretch>
+        </p:blipFill>
+        <p:spPr>
+          <a:xfrm>
+            <a:off x="7126775" y="160337"/>
+            <a:ext cx="3505200" cy="3638550"/>
+          </a:xfrm>
+          <a:prstGeom prst="rect">
+            <a:avLst/>
+          </a:prstGeom>
+        </p:spPr>
+      </p:pic>
+      <p:pic>
+        <p:nvPicPr>
+          <p:cNvPr id="17" name="Picture 16"/>
+          <p:cNvPicPr>
+            <a:picLocks noChangeAspect="1"/>
+          </p:cNvPicPr>
+          <p:nvPr/>
+        </p:nvPicPr>
+        <p:blipFill>
+          <a:blip r:embed="rId4"/>
+          <a:stretch>
+            <a:fillRect/>
+          </a:stretch>
+        </p:blipFill>
+        <p:spPr>
+          <a:xfrm>
+            <a:off x="3613263" y="160337"/>
+            <a:ext cx="3505200" cy="3638550"/>
+          </a:xfrm>
+          <a:prstGeom prst="rect">
+            <a:avLst/>
+          </a:prstGeom>
+        </p:spPr>
+      </p:pic>
+      <p:pic>
+        <p:nvPicPr>
+          <p:cNvPr id="16" name="Picture 15"/>
+          <p:cNvPicPr>
+            <a:picLocks noChangeAspect="1"/>
+          </p:cNvPicPr>
+          <p:nvPr/>
+        </p:nvPicPr>
+        <p:blipFill>
+          <a:blip r:embed="rId5"/>
+          <a:stretch>
+            <a:fillRect/>
+          </a:stretch>
+        </p:blipFill>
+        <p:spPr>
+          <a:xfrm>
+            <a:off x="99752" y="160337"/>
+            <a:ext cx="3505200" cy="3638550"/>
+          </a:xfrm>
+          <a:prstGeom prst="rect">
+            <a:avLst/>
+          </a:prstGeom>
+        </p:spPr>
+      </p:pic>
+      <p:sp>
+        <p:nvSpPr>
+          <p:cNvPr id="3" name="TextBox 2"/>
+          <p:cNvSpPr txBox="1"/>
+          <p:nvPr/>
+        </p:nvSpPr>
+        <p:spPr>
+          <a:xfrm>
+            <a:off x="9578712" y="556956"/>
+            <a:ext cx="875561" cy="369332"/>
+          </a:xfrm>
+          <a:prstGeom prst="rect">
+            <a:avLst/>
+          </a:prstGeom>
+          <a:noFill/>
+        </p:spPr>
+        <p:txBody>
+          <a:bodyPr wrap="none" rtlCol="0">
+            <a:spAutoFit/>
+          </a:bodyPr>
+          <a:lstStyle/>
+          <a:p>
+            <a:pPr algn="ctr"/>
+            <a:r>
+              <a:rPr lang="en-GB" dirty="0" smtClean="0"/>
+              <a:t>0.024%</a:t>
+            </a:r>
+            <a:endParaRPr lang="en-GB" dirty="0"/>
+          </a:p>
+        </p:txBody>
+      </p:sp>
+      <p:sp>
+        <p:nvSpPr>
+          <p:cNvPr id="5" name="TextBox 4"/>
+          <p:cNvSpPr txBox="1"/>
+          <p:nvPr/>
+        </p:nvSpPr>
+        <p:spPr>
+          <a:xfrm>
+            <a:off x="4531769" y="1188721"/>
+            <a:ext cx="800220" cy="646331"/>
+          </a:xfrm>
+          <a:prstGeom prst="rect">
+            <a:avLst/>
+          </a:prstGeom>
+          <a:solidFill>
+            <a:schemeClr val="bg1"/>
+          </a:solidFill>
+        </p:spPr>
+        <p:txBody>
+          <a:bodyPr wrap="none" rtlCol="0">
+            <a:spAutoFit/>
+          </a:bodyPr>
+          <a:lstStyle/>
+          <a:p>
+            <a:pPr algn="ctr"/>
+            <a:r>
+              <a:rPr lang="en-GB" dirty="0" smtClean="0"/>
+              <a:t>CD19+</a:t>
+            </a:r>
+            <a:endParaRPr lang="en-GB" dirty="0" smtClean="0"/>
+          </a:p>
+          <a:p>
+            <a:pPr algn="ctr"/>
+            <a:r>
+              <a:rPr lang="en-GB" dirty="0" smtClean="0"/>
+              <a:t>90.1%</a:t>
+            </a:r>
+            <a:endParaRPr lang="en-GB" dirty="0"/>
+          </a:p>
+        </p:txBody>
+      </p:sp>
+      <p:sp>
+        <p:nvSpPr>
+          <p:cNvPr id="7" name="TextBox 6"/>
+          <p:cNvSpPr txBox="1"/>
+          <p:nvPr/>
+        </p:nvSpPr>
+        <p:spPr>
+          <a:xfrm>
+            <a:off x="936570" y="876410"/>
+            <a:ext cx="758542" cy="646331"/>
+          </a:xfrm>
+          <a:prstGeom prst="rect">
+            <a:avLst/>
+          </a:prstGeom>
+          <a:solidFill>
+            <a:schemeClr val="bg1"/>
+          </a:solidFill>
+        </p:spPr>
+        <p:txBody>
+          <a:bodyPr wrap="none" rtlCol="0">
+            <a:spAutoFit/>
+          </a:bodyPr>
+          <a:lstStyle/>
+          <a:p>
+            <a:pPr algn="ctr"/>
+            <a:r>
+              <a:rPr lang="en-GB" dirty="0" smtClean="0"/>
+              <a:t>RAG</a:t>
+            </a:r>
+            <a:r>
+              <a:rPr lang="en-GB" dirty="0" smtClean="0"/>
+              <a:t>+</a:t>
+            </a:r>
+            <a:endParaRPr lang="en-GB" dirty="0" smtClean="0"/>
+          </a:p>
+          <a:p>
+            <a:pPr algn="ctr"/>
+            <a:r>
+              <a:rPr lang="en-GB" dirty="0" smtClean="0"/>
+              <a:t>19.0%</a:t>
+            </a:r>
+            <a:endParaRPr lang="en-GB" dirty="0"/>
+          </a:p>
+        </p:txBody>
+      </p:sp>
+      <p:sp>
+        <p:nvSpPr>
+          <p:cNvPr id="10" name="TextBox 9"/>
+          <p:cNvSpPr txBox="1"/>
+          <p:nvPr/>
+        </p:nvSpPr>
+        <p:spPr>
+          <a:xfrm rot="16200000">
+            <a:off x="-707645" y="1732879"/>
+            <a:ext cx="2176216" cy="461665"/>
+          </a:xfrm>
+          <a:prstGeom prst="rect">
+            <a:avLst/>
+          </a:prstGeom>
+          <a:solidFill>
+            <a:schemeClr val="bg1"/>
+          </a:solidFill>
+        </p:spPr>
+        <p:txBody>
+          <a:bodyPr wrap="square" rtlCol="0">
+            <a:spAutoFit/>
+          </a:bodyPr>
+          <a:lstStyle/>
+          <a:p>
+            <a:r>
+              <a:rPr lang="en-GB" sz="2400" dirty="0" smtClean="0"/>
+              <a:t>RAG</a:t>
+            </a:r>
+            <a:endParaRPr lang="en-GB" sz="2400" dirty="0"/>
+          </a:p>
+        </p:txBody>
+      </p:sp>
+      <p:sp>
+        <p:nvSpPr>
+          <p:cNvPr id="11" name="TextBox 10"/>
+          <p:cNvSpPr txBox="1"/>
+          <p:nvPr/>
+        </p:nvSpPr>
+        <p:spPr>
+          <a:xfrm>
+            <a:off x="894241" y="3236418"/>
+            <a:ext cx="1652697" cy="461665"/>
+          </a:xfrm>
+          <a:prstGeom prst="rect">
+            <a:avLst/>
+          </a:prstGeom>
+          <a:solidFill>
+            <a:schemeClr val="bg1"/>
+          </a:solidFill>
+        </p:spPr>
+        <p:txBody>
+          <a:bodyPr wrap="none" rtlCol="0">
+            <a:spAutoFit/>
+          </a:bodyPr>
+          <a:lstStyle/>
+          <a:p>
+            <a:r>
+              <a:rPr lang="en-GB" sz="2400" dirty="0" smtClean="0"/>
+              <a:t>Side Scatter</a:t>
+            </a:r>
+            <a:endParaRPr lang="en-GB" sz="2400" dirty="0"/>
+          </a:p>
+        </p:txBody>
+      </p:sp>
+      <p:sp>
+        <p:nvSpPr>
+          <p:cNvPr id="12" name="TextBox 11"/>
+          <p:cNvSpPr txBox="1"/>
+          <p:nvPr/>
+        </p:nvSpPr>
+        <p:spPr>
+          <a:xfrm rot="16200000">
+            <a:off x="6314604" y="1732879"/>
+            <a:ext cx="2176216" cy="461665"/>
+          </a:xfrm>
+          <a:prstGeom prst="rect">
+            <a:avLst/>
+          </a:prstGeom>
+          <a:solidFill>
+            <a:schemeClr val="bg1"/>
+          </a:solidFill>
+        </p:spPr>
+        <p:txBody>
+          <a:bodyPr wrap="square" rtlCol="0">
+            <a:spAutoFit/>
+          </a:bodyPr>
+          <a:lstStyle/>
+          <a:p>
+            <a:r>
+              <a:rPr lang="en-GB" sz="2400" dirty="0" smtClean="0"/>
+              <a:t>CD8</a:t>
+            </a:r>
+            <a:endParaRPr lang="en-GB" sz="2400" dirty="0"/>
+          </a:p>
+        </p:txBody>
+      </p:sp>
+      <p:sp>
+        <p:nvSpPr>
+          <p:cNvPr id="13" name="TextBox 12"/>
+          <p:cNvSpPr txBox="1"/>
+          <p:nvPr/>
+        </p:nvSpPr>
+        <p:spPr>
+          <a:xfrm>
+            <a:off x="7916489" y="3236418"/>
+            <a:ext cx="2125285" cy="461665"/>
+          </a:xfrm>
+          <a:prstGeom prst="rect">
+            <a:avLst/>
+          </a:prstGeom>
+          <a:solidFill>
+            <a:schemeClr val="bg1"/>
+          </a:solidFill>
+        </p:spPr>
+        <p:txBody>
+          <a:bodyPr wrap="square" rtlCol="0">
+            <a:spAutoFit/>
+          </a:bodyPr>
+          <a:lstStyle/>
+          <a:p>
+            <a:r>
+              <a:rPr lang="en-GB" sz="2400" dirty="0" smtClean="0"/>
+              <a:t>CD4</a:t>
+            </a:r>
+            <a:endParaRPr lang="en-GB" sz="2400" dirty="0"/>
+          </a:p>
+        </p:txBody>
+      </p:sp>
+      <p:sp>
+        <p:nvSpPr>
+          <p:cNvPr id="14" name="TextBox 13"/>
+          <p:cNvSpPr txBox="1"/>
+          <p:nvPr/>
+        </p:nvSpPr>
+        <p:spPr>
+          <a:xfrm rot="16200000">
+            <a:off x="2809404" y="1732878"/>
+            <a:ext cx="2176216" cy="461665"/>
+          </a:xfrm>
+          <a:prstGeom prst="rect">
+            <a:avLst/>
+          </a:prstGeom>
+          <a:solidFill>
+            <a:schemeClr val="bg1"/>
+          </a:solidFill>
+        </p:spPr>
+        <p:txBody>
+          <a:bodyPr wrap="square" rtlCol="0">
+            <a:spAutoFit/>
+          </a:bodyPr>
+          <a:lstStyle/>
+          <a:p>
+            <a:r>
+              <a:rPr lang="en-GB" sz="2400" dirty="0" smtClean="0"/>
+              <a:t>CD19</a:t>
+            </a:r>
+            <a:endParaRPr lang="en-GB" sz="2400" dirty="0"/>
+          </a:p>
+        </p:txBody>
+      </p:sp>
+      <p:sp>
+        <p:nvSpPr>
+          <p:cNvPr id="15" name="TextBox 14"/>
+          <p:cNvSpPr txBox="1"/>
+          <p:nvPr/>
+        </p:nvSpPr>
+        <p:spPr>
+          <a:xfrm>
+            <a:off x="4411290" y="3236417"/>
+            <a:ext cx="1652697" cy="461665"/>
+          </a:xfrm>
+          <a:prstGeom prst="rect">
+            <a:avLst/>
+          </a:prstGeom>
+          <a:solidFill>
+            <a:schemeClr val="bg1"/>
+          </a:solidFill>
+        </p:spPr>
+        <p:txBody>
+          <a:bodyPr wrap="none" rtlCol="0">
+            <a:spAutoFit/>
+          </a:bodyPr>
+          <a:lstStyle/>
+          <a:p>
+            <a:r>
+              <a:rPr lang="en-GB" sz="2400" dirty="0" smtClean="0"/>
+              <a:t>Side Scatter</a:t>
+            </a:r>
+            <a:endParaRPr lang="en-GB" sz="2400" dirty="0"/>
+          </a:p>
+        </p:txBody>
+      </p:sp>
+      <p:cxnSp>
+        <p:nvCxnSpPr>
+          <p:cNvPr id="8" name="Straight Arrow Connector 7"/>
+          <p:cNvCxnSpPr/>
+          <p:nvPr/>
+        </p:nvCxnSpPr>
+        <p:spPr>
+          <a:xfrm>
+            <a:off x="2302625" y="1113910"/>
+            <a:ext cx="1587731" cy="0"/>
+          </a:xfrm>
+          <a:prstGeom prst="straightConnector1">
+            <a:avLst/>
+          </a:prstGeom>
+          <a:ln>
+            <a:solidFill>
+              <a:schemeClr val="tx1"/>
+            </a:solidFill>
+            <a:tailEnd type="triangle"/>
+          </a:ln>
+        </p:spPr>
+        <p:style>
+          <a:lnRef idx="1">
+            <a:schemeClr val="accent1"/>
+          </a:lnRef>
+          <a:fillRef idx="0">
+            <a:schemeClr val="accent1"/>
+          </a:fillRef>
+          <a:effectRef idx="0">
+            <a:schemeClr val="accent1"/>
+          </a:effectRef>
+          <a:fontRef idx="minor">
+            <a:schemeClr val="tx1"/>
+          </a:fontRef>
+        </p:style>
+      </p:cxnSp>
+      <p:cxnSp>
+        <p:nvCxnSpPr>
+          <p:cNvPr id="9" name="Straight Arrow Connector 8"/>
+          <p:cNvCxnSpPr/>
+          <p:nvPr/>
+        </p:nvCxnSpPr>
+        <p:spPr>
+          <a:xfrm>
+            <a:off x="5811718" y="1424252"/>
+            <a:ext cx="1620000" cy="0"/>
+          </a:xfrm>
+          <a:prstGeom prst="straightConnector1">
+            <a:avLst/>
+          </a:prstGeom>
+          <a:ln>
+            <a:solidFill>
+              <a:schemeClr val="tx1"/>
+            </a:solidFill>
+            <a:tailEnd type="triangle"/>
+          </a:ln>
+        </p:spPr>
+        <p:style>
+          <a:lnRef idx="1">
+            <a:schemeClr val="accent1"/>
+          </a:lnRef>
+          <a:fillRef idx="0">
+            <a:schemeClr val="accent1"/>
+          </a:fillRef>
+          <a:effectRef idx="0">
+            <a:schemeClr val="accent1"/>
+          </a:effectRef>
+          <a:fontRef idx="minor">
+            <a:schemeClr val="tx1"/>
+          </a:fontRef>
+        </p:style>
+      </p:cxnSp>
+    </p:spTree>
+    <p:extLst>
+      <p:ext uri="{BB962C8B-B14F-4D97-AF65-F5344CB8AC3E}">
+        <p14:creationId xmlns:p14="http://schemas.microsoft.com/office/powerpoint/2010/main" val="704057349"/>
+      </p:ext>
+    </p:extLst>
+  </p:cSld>
+  <p:clrMapOvr>
+    <a:masterClrMapping/>
+  </p:clrMapOvr>
+</p:sld>
+</file>
+
 <file path=ppt/slides/slide2.xml><?xml version="1.0" encoding="utf-8"?>
 <p:sld xmlns:a="http://schemas.openxmlformats.org/drawingml/2006/main" xmlns:r="http://schemas.openxmlformats.org/officeDocument/2006/relationships" xmlns:p="http://schemas.openxmlformats.org/presentationml/2006/main">
   <p:cSld>
@@ -6899,6 +8089,30 @@
       </p:grpSpPr>
       <p:pic>
         <p:nvPicPr>
+          <p:cNvPr id="2" name="Picture 1"/>
+          <p:cNvPicPr>
+            <a:picLocks noChangeAspect="1"/>
+          </p:cNvPicPr>
+          <p:nvPr/>
+        </p:nvPicPr>
+        <p:blipFill>
+          <a:blip r:embed="rId3"/>
+          <a:stretch>
+            <a:fillRect/>
+          </a:stretch>
+        </p:blipFill>
+        <p:spPr>
+          <a:xfrm>
+            <a:off x="7003618" y="124695"/>
+            <a:ext cx="3505200" cy="3638550"/>
+          </a:xfrm>
+          <a:prstGeom prst="rect">
+            <a:avLst/>
+          </a:prstGeom>
+        </p:spPr>
+      </p:pic>
+      <p:pic>
+        <p:nvPicPr>
           <p:cNvPr id="5" name="Picture 4"/>
           <p:cNvPicPr>
             <a:picLocks noChangeAspect="1"/>
@@ -6906,7 +8120,7 @@
           <p:nvPr/>
         </p:nvPicPr>
         <p:blipFill rotWithShape="1">
-          <a:blip r:embed="rId3"/>
+          <a:blip r:embed="rId4"/>
           <a:srcRect l="13755" b="13870"/>
           <a:stretch/>
         </p:blipFill>
@@ -6929,7 +8143,7 @@
           <p:nvPr/>
         </p:nvPicPr>
         <p:blipFill rotWithShape="1">
-          <a:blip r:embed="rId4"/>
+          <a:blip r:embed="rId5"/>
           <a:srcRect l="12886" b="13870"/>
           <a:stretch/>
         </p:blipFill>
@@ -6943,29 +8157,6 @@
           </a:prstGeom>
         </p:spPr>
       </p:pic>
-      <p:pic>
-        <p:nvPicPr>
-          <p:cNvPr id="7" name="Picture 6"/>
-          <p:cNvPicPr>
-            <a:picLocks noChangeAspect="1"/>
-          </p:cNvPicPr>
-          <p:nvPr/>
-        </p:nvPicPr>
-        <p:blipFill rotWithShape="1">
-          <a:blip r:embed="rId5"/>
-          <a:srcRect l="13202" b="14293"/>
-          <a:stretch/>
-        </p:blipFill>
-        <p:spPr>
-          <a:xfrm>
-            <a:off x="7431577" y="123483"/>
-            <a:ext cx="3042458" cy="3118485"/>
-          </a:xfrm>
-          <a:prstGeom prst="rect">
-            <a:avLst/>
-          </a:prstGeom>
-        </p:spPr>
-      </p:pic>
       <p:sp>
         <p:nvSpPr>
           <p:cNvPr id="8" name="TextBox 7"/>
@@ -7034,16 +8225,18 @@
         </p:nvSpPr>
         <p:spPr>
           <a:xfrm rot="16200000">
-            <a:off x="6965220" y="2413119"/>
-            <a:ext cx="692818" cy="461665"/>
-          </a:xfrm>
-          <a:prstGeom prst="rect">
-            <a:avLst/>
-          </a:prstGeom>
-          <a:noFill/>
-        </p:spPr>
-        <p:txBody>
-          <a:bodyPr wrap="none" rtlCol="0">
+            <a:off x="6319369" y="1783893"/>
+            <a:ext cx="1951270" cy="461665"/>
+          </a:xfrm>
+          <a:prstGeom prst="rect">
+            <a:avLst/>
+          </a:prstGeom>
+          <a:solidFill>
+            <a:schemeClr val="bg1"/>
+          </a:solidFill>
+        </p:spPr>
+        <p:txBody>
+          <a:bodyPr wrap="square" rtlCol="0">
             <a:spAutoFit/>
           </a:bodyPr>
           <a:lstStyle/>
@@ -7243,6 +8436,91 @@
             <a:r>
               <a:rPr lang="en-GB" dirty="0" smtClean="0"/>
               <a:t>Thymus</a:t>
+            </a:r>
+            <a:endParaRPr lang="en-GB" dirty="0"/>
+          </a:p>
+        </p:txBody>
+      </p:sp>
+      <p:sp>
+        <p:nvSpPr>
+          <p:cNvPr id="15" name="TextBox 14"/>
+          <p:cNvSpPr txBox="1"/>
+          <p:nvPr/>
+        </p:nvSpPr>
+        <p:spPr>
+          <a:xfrm>
+            <a:off x="849110" y="844467"/>
+            <a:ext cx="738621" cy="615553"/>
+          </a:xfrm>
+          <a:prstGeom prst="rect">
+            <a:avLst/>
+          </a:prstGeom>
+          <a:solidFill>
+            <a:schemeClr val="bg1"/>
+          </a:solidFill>
+        </p:spPr>
+        <p:txBody>
+          <a:bodyPr wrap="square" rtlCol="0">
+            <a:spAutoFit/>
+          </a:bodyPr>
+          <a:lstStyle/>
+          <a:p>
+            <a:pPr algn="ctr"/>
+            <a:r>
+              <a:rPr lang="en-GB" sz="1700" dirty="0" smtClean="0"/>
+              <a:t>RAG+</a:t>
+            </a:r>
+            <a:endParaRPr lang="en-GB" sz="1700" dirty="0" smtClean="0"/>
+          </a:p>
+          <a:p>
+            <a:pPr algn="ctr"/>
+            <a:r>
+              <a:rPr lang="en-GB" sz="1700" dirty="0" smtClean="0"/>
+              <a:t>39.1%</a:t>
+            </a:r>
+            <a:endParaRPr lang="en-GB" sz="1700" dirty="0"/>
+          </a:p>
+        </p:txBody>
+      </p:sp>
+      <p:sp>
+        <p:nvSpPr>
+          <p:cNvPr id="19" name="TextBox 18"/>
+          <p:cNvSpPr txBox="1"/>
+          <p:nvPr/>
+        </p:nvSpPr>
+        <p:spPr>
+          <a:xfrm>
+            <a:off x="4385421" y="1152243"/>
+            <a:ext cx="800220" cy="646331"/>
+          </a:xfrm>
+          <a:prstGeom prst="rect">
+            <a:avLst/>
+          </a:prstGeom>
+          <a:solidFill>
+            <a:schemeClr val="bg1"/>
+          </a:solidFill>
+        </p:spPr>
+        <p:txBody>
+          <a:bodyPr wrap="none" rtlCol="0">
+            <a:spAutoFit/>
+          </a:bodyPr>
+          <a:lstStyle/>
+          <a:p>
+            <a:pPr algn="ctr"/>
+            <a:r>
+              <a:rPr lang="en-GB" dirty="0" smtClean="0"/>
+              <a:t>CD19+</a:t>
+            </a:r>
+          </a:p>
+          <a:p>
+            <a:pPr algn="ctr"/>
+            <a:r>
+              <a:rPr lang="en-GB" dirty="0" smtClean="0"/>
+              <a:t>5.06</a:t>
+            </a:r>
+            <a:r>
+              <a:rPr lang="en-GB" dirty="0" smtClean="0"/>
+              <a:t>%</a:t>
             </a:r>
             <a:endParaRPr lang="en-GB" dirty="0"/>
           </a:p>

--- a/Figures/Powerpoints/3 plots.pptx
+++ b/Figures/Powerpoints/3 plots.pptx
@@ -5,7 +5,7 @@
     <p:sldMasterId id="2147483672" r:id="rId1"/>
   </p:sldMasterIdLst>
   <p:notesMasterIdLst>
-    <p:notesMasterId r:id="rId17"/>
+    <p:notesMasterId r:id="rId20"/>
   </p:notesMasterIdLst>
   <p:sldIdLst>
     <p:sldId id="256" r:id="rId2"/>
@@ -23,6 +23,9 @@
     <p:sldId id="270" r:id="rId14"/>
     <p:sldId id="271" r:id="rId15"/>
     <p:sldId id="272" r:id="rId16"/>
+    <p:sldId id="273" r:id="rId17"/>
+    <p:sldId id="274" r:id="rId18"/>
+    <p:sldId id="275" r:id="rId19"/>
   </p:sldIdLst>
   <p:sldSz cx="10799763" cy="3959225"/>
   <p:notesSz cx="6858000" cy="9144000"/>
@@ -211,7 +214,7 @@
           <a:p>
             <a:fld id="{32F7D83B-ADDA-4ECB-B692-7302BE334C8B}" type="datetimeFigureOut">
               <a:rPr lang="en-GB" smtClean="0"/>
-              <a:t>07/08/2015</a:t>
+              <a:t>08/08/2015</a:t>
             </a:fld>
             <a:endParaRPr lang="en-GB"/>
           </a:p>
@@ -875,6 +878,282 @@
 </p:notes>
 </file>
 
+<file path=ppt/notesSlides/notesSlide13.xml><?xml version="1.0" encoding="utf-8"?>
+<p:notes xmlns:a="http://schemas.openxmlformats.org/drawingml/2006/main" xmlns:r="http://schemas.openxmlformats.org/officeDocument/2006/relationships" xmlns:p="http://schemas.openxmlformats.org/presentationml/2006/main">
+  <p:cSld>
+    <p:spTree>
+      <p:nvGrpSpPr>
+        <p:cNvPr id="1" name=""/>
+        <p:cNvGrpSpPr/>
+        <p:nvPr/>
+      </p:nvGrpSpPr>
+      <p:grpSpPr>
+        <a:xfrm>
+          <a:off x="0" y="0"/>
+          <a:ext cx="0" cy="0"/>
+          <a:chOff x="0" y="0"/>
+          <a:chExt cx="0" cy="0"/>
+        </a:xfrm>
+      </p:grpSpPr>
+      <p:sp>
+        <p:nvSpPr>
+          <p:cNvPr id="2" name="Slide Image Placeholder 1"/>
+          <p:cNvSpPr>
+            <a:spLocks noGrp="1" noRot="1" noChangeAspect="1"/>
+          </p:cNvSpPr>
+          <p:nvPr>
+            <p:ph type="sldImg"/>
+          </p:nvPr>
+        </p:nvSpPr>
+        <p:spPr/>
+      </p:sp>
+      <p:sp>
+        <p:nvSpPr>
+          <p:cNvPr id="3" name="Notes Placeholder 2"/>
+          <p:cNvSpPr>
+            <a:spLocks noGrp="1"/>
+          </p:cNvSpPr>
+          <p:nvPr>
+            <p:ph type="body" idx="1"/>
+          </p:nvPr>
+        </p:nvSpPr>
+        <p:spPr/>
+        <p:txBody>
+          <a:bodyPr/>
+          <a:lstStyle/>
+          <a:p>
+            <a:r>
+              <a:rPr lang="en-GB" dirty="0" smtClean="0"/>
+              <a:t>GFP </a:t>
+            </a:r>
+            <a:r>
+              <a:rPr lang="en-GB" dirty="0" smtClean="0">
+                <a:sym typeface="Wingdings" panose="05000000000000000000" pitchFamily="2" charset="2"/>
+              </a:rPr>
+              <a:t></a:t>
+            </a:r>
+            <a:r>
+              <a:rPr lang="en-GB" dirty="0" smtClean="0"/>
+              <a:t> WT</a:t>
+            </a:r>
+            <a:endParaRPr lang="en-GB" dirty="0"/>
+          </a:p>
+        </p:txBody>
+      </p:sp>
+      <p:sp>
+        <p:nvSpPr>
+          <p:cNvPr id="4" name="Slide Number Placeholder 3"/>
+          <p:cNvSpPr>
+            <a:spLocks noGrp="1"/>
+          </p:cNvSpPr>
+          <p:nvPr>
+            <p:ph type="sldNum" sz="quarter" idx="10"/>
+          </p:nvPr>
+        </p:nvSpPr>
+        <p:spPr/>
+        <p:txBody>
+          <a:bodyPr/>
+          <a:lstStyle/>
+          <a:p>
+            <a:fld id="{F9FE1E78-BF79-4B81-BC92-5B601D8D92F9}" type="slidenum">
+              <a:rPr lang="en-GB" smtClean="0"/>
+              <a:t>16</a:t>
+            </a:fld>
+            <a:endParaRPr lang="en-GB"/>
+          </a:p>
+        </p:txBody>
+      </p:sp>
+    </p:spTree>
+    <p:extLst>
+      <p:ext uri="{BB962C8B-B14F-4D97-AF65-F5344CB8AC3E}">
+        <p14:creationId xmlns:p14="http://schemas.microsoft.com/office/powerpoint/2010/main" val="1154455101"/>
+      </p:ext>
+    </p:extLst>
+  </p:cSld>
+  <p:clrMapOvr>
+    <a:masterClrMapping/>
+  </p:clrMapOvr>
+</p:notes>
+</file>
+
+<file path=ppt/notesSlides/notesSlide14.xml><?xml version="1.0" encoding="utf-8"?>
+<p:notes xmlns:a="http://schemas.openxmlformats.org/drawingml/2006/main" xmlns:r="http://schemas.openxmlformats.org/officeDocument/2006/relationships" xmlns:p="http://schemas.openxmlformats.org/presentationml/2006/main">
+  <p:cSld>
+    <p:spTree>
+      <p:nvGrpSpPr>
+        <p:cNvPr id="1" name=""/>
+        <p:cNvGrpSpPr/>
+        <p:nvPr/>
+      </p:nvGrpSpPr>
+      <p:grpSpPr>
+        <a:xfrm>
+          <a:off x="0" y="0"/>
+          <a:ext cx="0" cy="0"/>
+          <a:chOff x="0" y="0"/>
+          <a:chExt cx="0" cy="0"/>
+        </a:xfrm>
+      </p:grpSpPr>
+      <p:sp>
+        <p:nvSpPr>
+          <p:cNvPr id="2" name="Slide Image Placeholder 1"/>
+          <p:cNvSpPr>
+            <a:spLocks noGrp="1" noRot="1" noChangeAspect="1"/>
+          </p:cNvSpPr>
+          <p:nvPr>
+            <p:ph type="sldImg"/>
+          </p:nvPr>
+        </p:nvSpPr>
+        <p:spPr/>
+      </p:sp>
+      <p:sp>
+        <p:nvSpPr>
+          <p:cNvPr id="3" name="Notes Placeholder 2"/>
+          <p:cNvSpPr>
+            <a:spLocks noGrp="1"/>
+          </p:cNvSpPr>
+          <p:nvPr>
+            <p:ph type="body" idx="1"/>
+          </p:nvPr>
+        </p:nvSpPr>
+        <p:spPr/>
+        <p:txBody>
+          <a:bodyPr/>
+          <a:lstStyle/>
+          <a:p>
+            <a:r>
+              <a:rPr lang="en-GB" dirty="0" smtClean="0"/>
+              <a:t>NOD </a:t>
+            </a:r>
+            <a:r>
+              <a:rPr lang="en-GB" dirty="0" smtClean="0">
+                <a:sym typeface="Wingdings" panose="05000000000000000000" pitchFamily="2" charset="2"/>
+              </a:rPr>
+              <a:t> KO</a:t>
+            </a:r>
+            <a:endParaRPr lang="en-GB" dirty="0"/>
+          </a:p>
+        </p:txBody>
+      </p:sp>
+      <p:sp>
+        <p:nvSpPr>
+          <p:cNvPr id="4" name="Slide Number Placeholder 3"/>
+          <p:cNvSpPr>
+            <a:spLocks noGrp="1"/>
+          </p:cNvSpPr>
+          <p:nvPr>
+            <p:ph type="sldNum" sz="quarter" idx="10"/>
+          </p:nvPr>
+        </p:nvSpPr>
+        <p:spPr/>
+        <p:txBody>
+          <a:bodyPr/>
+          <a:lstStyle/>
+          <a:p>
+            <a:fld id="{F9FE1E78-BF79-4B81-BC92-5B601D8D92F9}" type="slidenum">
+              <a:rPr lang="en-GB" smtClean="0"/>
+              <a:t>17</a:t>
+            </a:fld>
+            <a:endParaRPr lang="en-GB"/>
+          </a:p>
+        </p:txBody>
+      </p:sp>
+    </p:spTree>
+    <p:extLst>
+      <p:ext uri="{BB962C8B-B14F-4D97-AF65-F5344CB8AC3E}">
+        <p14:creationId xmlns:p14="http://schemas.microsoft.com/office/powerpoint/2010/main" val="924632535"/>
+      </p:ext>
+    </p:extLst>
+  </p:cSld>
+  <p:clrMapOvr>
+    <a:masterClrMapping/>
+  </p:clrMapOvr>
+</p:notes>
+</file>
+
+<file path=ppt/notesSlides/notesSlide15.xml><?xml version="1.0" encoding="utf-8"?>
+<p:notes xmlns:a="http://schemas.openxmlformats.org/drawingml/2006/main" xmlns:r="http://schemas.openxmlformats.org/officeDocument/2006/relationships" xmlns:p="http://schemas.openxmlformats.org/presentationml/2006/main">
+  <p:cSld>
+    <p:spTree>
+      <p:nvGrpSpPr>
+        <p:cNvPr id="1" name=""/>
+        <p:cNvGrpSpPr/>
+        <p:nvPr/>
+      </p:nvGrpSpPr>
+      <p:grpSpPr>
+        <a:xfrm>
+          <a:off x="0" y="0"/>
+          <a:ext cx="0" cy="0"/>
+          <a:chOff x="0" y="0"/>
+          <a:chExt cx="0" cy="0"/>
+        </a:xfrm>
+      </p:grpSpPr>
+      <p:sp>
+        <p:nvSpPr>
+          <p:cNvPr id="2" name="Slide Image Placeholder 1"/>
+          <p:cNvSpPr>
+            <a:spLocks noGrp="1" noRot="1" noChangeAspect="1"/>
+          </p:cNvSpPr>
+          <p:nvPr>
+            <p:ph type="sldImg"/>
+          </p:nvPr>
+        </p:nvSpPr>
+        <p:spPr/>
+      </p:sp>
+      <p:sp>
+        <p:nvSpPr>
+          <p:cNvPr id="3" name="Notes Placeholder 2"/>
+          <p:cNvSpPr>
+            <a:spLocks noGrp="1"/>
+          </p:cNvSpPr>
+          <p:nvPr>
+            <p:ph type="body" idx="1"/>
+          </p:nvPr>
+        </p:nvSpPr>
+        <p:spPr/>
+        <p:txBody>
+          <a:bodyPr/>
+          <a:lstStyle/>
+          <a:p>
+            <a:endParaRPr lang="en-GB" dirty="0"/>
+          </a:p>
+        </p:txBody>
+      </p:sp>
+      <p:sp>
+        <p:nvSpPr>
+          <p:cNvPr id="4" name="Slide Number Placeholder 3"/>
+          <p:cNvSpPr>
+            <a:spLocks noGrp="1"/>
+          </p:cNvSpPr>
+          <p:nvPr>
+            <p:ph type="sldNum" sz="quarter" idx="10"/>
+          </p:nvPr>
+        </p:nvSpPr>
+        <p:spPr/>
+        <p:txBody>
+          <a:bodyPr/>
+          <a:lstStyle/>
+          <a:p>
+            <a:fld id="{F9FE1E78-BF79-4B81-BC92-5B601D8D92F9}" type="slidenum">
+              <a:rPr lang="en-GB" smtClean="0"/>
+              <a:t>18</a:t>
+            </a:fld>
+            <a:endParaRPr lang="en-GB"/>
+          </a:p>
+        </p:txBody>
+      </p:sp>
+    </p:spTree>
+    <p:extLst>
+      <p:ext uri="{BB962C8B-B14F-4D97-AF65-F5344CB8AC3E}">
+        <p14:creationId xmlns:p14="http://schemas.microsoft.com/office/powerpoint/2010/main" val="2481961933"/>
+      </p:ext>
+    </p:extLst>
+  </p:cSld>
+  <p:clrMapOvr>
+    <a:masterClrMapping/>
+  </p:clrMapOvr>
+</p:notes>
+</file>
+
 <file path=ppt/notesSlides/notesSlide2.xml><?xml version="1.0" encoding="utf-8"?>
 <p:notes xmlns:a="http://schemas.openxmlformats.org/drawingml/2006/main" xmlns:r="http://schemas.openxmlformats.org/officeDocument/2006/relationships" xmlns:p="http://schemas.openxmlformats.org/presentationml/2006/main">
   <p:cSld>
@@ -1747,7 +2026,7 @@
           <a:p>
             <a:fld id="{5FFCCEB8-80C3-44AA-83D7-DF78E6311A10}" type="datetimeFigureOut">
               <a:rPr lang="en-GB" smtClean="0"/>
-              <a:t>07/08/2015</a:t>
+              <a:t>08/08/2015</a:t>
             </a:fld>
             <a:endParaRPr lang="en-GB"/>
           </a:p>
@@ -1917,7 +2196,7 @@
           <a:p>
             <a:fld id="{5FFCCEB8-80C3-44AA-83D7-DF78E6311A10}" type="datetimeFigureOut">
               <a:rPr lang="en-GB" smtClean="0"/>
-              <a:t>07/08/2015</a:t>
+              <a:t>08/08/2015</a:t>
             </a:fld>
             <a:endParaRPr lang="en-GB"/>
           </a:p>
@@ -2097,7 +2376,7 @@
           <a:p>
             <a:fld id="{5FFCCEB8-80C3-44AA-83D7-DF78E6311A10}" type="datetimeFigureOut">
               <a:rPr lang="en-GB" smtClean="0"/>
-              <a:t>07/08/2015</a:t>
+              <a:t>08/08/2015</a:t>
             </a:fld>
             <a:endParaRPr lang="en-GB"/>
           </a:p>
@@ -2267,7 +2546,7 @@
           <a:p>
             <a:fld id="{5FFCCEB8-80C3-44AA-83D7-DF78E6311A10}" type="datetimeFigureOut">
               <a:rPr lang="en-GB" smtClean="0"/>
-              <a:t>07/08/2015</a:t>
+              <a:t>08/08/2015</a:t>
             </a:fld>
             <a:endParaRPr lang="en-GB"/>
           </a:p>
@@ -2513,7 +2792,7 @@
           <a:p>
             <a:fld id="{5FFCCEB8-80C3-44AA-83D7-DF78E6311A10}" type="datetimeFigureOut">
               <a:rPr lang="en-GB" smtClean="0"/>
-              <a:t>07/08/2015</a:t>
+              <a:t>08/08/2015</a:t>
             </a:fld>
             <a:endParaRPr lang="en-GB"/>
           </a:p>
@@ -2745,7 +3024,7 @@
           <a:p>
             <a:fld id="{5FFCCEB8-80C3-44AA-83D7-DF78E6311A10}" type="datetimeFigureOut">
               <a:rPr lang="en-GB" smtClean="0"/>
-              <a:t>07/08/2015</a:t>
+              <a:t>08/08/2015</a:t>
             </a:fld>
             <a:endParaRPr lang="en-GB"/>
           </a:p>
@@ -3112,7 +3391,7 @@
           <a:p>
             <a:fld id="{5FFCCEB8-80C3-44AA-83D7-DF78E6311A10}" type="datetimeFigureOut">
               <a:rPr lang="en-GB" smtClean="0"/>
-              <a:t>07/08/2015</a:t>
+              <a:t>08/08/2015</a:t>
             </a:fld>
             <a:endParaRPr lang="en-GB"/>
           </a:p>
@@ -3230,7 +3509,7 @@
           <a:p>
             <a:fld id="{5FFCCEB8-80C3-44AA-83D7-DF78E6311A10}" type="datetimeFigureOut">
               <a:rPr lang="en-GB" smtClean="0"/>
-              <a:t>07/08/2015</a:t>
+              <a:t>08/08/2015</a:t>
             </a:fld>
             <a:endParaRPr lang="en-GB"/>
           </a:p>
@@ -3325,7 +3604,7 @@
           <a:p>
             <a:fld id="{5FFCCEB8-80C3-44AA-83D7-DF78E6311A10}" type="datetimeFigureOut">
               <a:rPr lang="en-GB" smtClean="0"/>
-              <a:t>07/08/2015</a:t>
+              <a:t>08/08/2015</a:t>
             </a:fld>
             <a:endParaRPr lang="en-GB"/>
           </a:p>
@@ -3602,7 +3881,7 @@
           <a:p>
             <a:fld id="{5FFCCEB8-80C3-44AA-83D7-DF78E6311A10}" type="datetimeFigureOut">
               <a:rPr lang="en-GB" smtClean="0"/>
-              <a:t>07/08/2015</a:t>
+              <a:t>08/08/2015</a:t>
             </a:fld>
             <a:endParaRPr lang="en-GB"/>
           </a:p>
@@ -3859,7 +4138,7 @@
           <a:p>
             <a:fld id="{5FFCCEB8-80C3-44AA-83D7-DF78E6311A10}" type="datetimeFigureOut">
               <a:rPr lang="en-GB" smtClean="0"/>
-              <a:t>07/08/2015</a:t>
+              <a:t>08/08/2015</a:t>
             </a:fld>
             <a:endParaRPr lang="en-GB"/>
           </a:p>
@@ -4072,7 +4351,7 @@
           <a:p>
             <a:fld id="{5FFCCEB8-80C3-44AA-83D7-DF78E6311A10}" type="datetimeFigureOut">
               <a:rPr lang="en-GB" smtClean="0"/>
-              <a:t>07/08/2015</a:t>
+              <a:t>08/08/2015</a:t>
             </a:fld>
             <a:endParaRPr lang="en-GB"/>
           </a:p>
@@ -7158,11 +7437,7 @@
             <a:pPr algn="ctr"/>
             <a:r>
               <a:rPr lang="en-GB" dirty="0" smtClean="0"/>
-              <a:t>72.0</a:t>
-            </a:r>
-            <a:r>
-              <a:rPr lang="en-GB" dirty="0" smtClean="0"/>
-              <a:t>%</a:t>
+              <a:t>72.0%</a:t>
             </a:r>
             <a:endParaRPr lang="en-GB" dirty="0"/>
           </a:p>
@@ -7221,17 +7496,12 @@
               <a:rPr lang="en-GB" dirty="0" smtClean="0"/>
               <a:t>CD19+</a:t>
             </a:r>
-            <a:endParaRPr lang="en-GB" dirty="0" smtClean="0"/>
           </a:p>
           <a:p>
             <a:pPr algn="ctr"/>
             <a:r>
               <a:rPr lang="en-GB" dirty="0" smtClean="0"/>
-              <a:t>5.06</a:t>
-            </a:r>
-            <a:r>
-              <a:rPr lang="en-GB" dirty="0" smtClean="0"/>
-              <a:t>%</a:t>
+              <a:t>5.06%</a:t>
             </a:r>
             <a:endParaRPr lang="en-GB" dirty="0"/>
           </a:p>
@@ -7288,23 +7558,14 @@
             <a:pPr algn="ctr"/>
             <a:r>
               <a:rPr lang="en-GB" dirty="0" smtClean="0"/>
-              <a:t>RAG</a:t>
-            </a:r>
+              <a:t>RAG+</a:t>
+            </a:r>
+          </a:p>
+          <a:p>
+            <a:pPr algn="ctr"/>
             <a:r>
               <a:rPr lang="en-GB" dirty="0" smtClean="0"/>
-              <a:t>+</a:t>
-            </a:r>
-            <a:endParaRPr lang="en-GB" dirty="0" smtClean="0"/>
-          </a:p>
-          <a:p>
-            <a:pPr algn="ctr"/>
-            <a:r>
-              <a:rPr lang="en-GB" dirty="0" smtClean="0"/>
-              <a:t>39.1</a:t>
-            </a:r>
-            <a:r>
-              <a:rPr lang="en-GB" dirty="0" smtClean="0"/>
-              <a:t>%</a:t>
+              <a:t>39.1%</a:t>
             </a:r>
             <a:endParaRPr lang="en-GB" dirty="0"/>
           </a:p>
@@ -7736,7 +7997,6 @@
               <a:rPr lang="en-GB" dirty="0" smtClean="0"/>
               <a:t>CD19+</a:t>
             </a:r>
-            <a:endParaRPr lang="en-GB" dirty="0" smtClean="0"/>
           </a:p>
           <a:p>
             <a:pPr algn="ctr"/>
@@ -7775,13 +8035,8 @@
             <a:pPr algn="ctr"/>
             <a:r>
               <a:rPr lang="en-GB" dirty="0" smtClean="0"/>
-              <a:t>RAG</a:t>
-            </a:r>
-            <a:r>
-              <a:rPr lang="en-GB" dirty="0" smtClean="0"/>
-              <a:t>+</a:t>
-            </a:r>
-            <a:endParaRPr lang="en-GB" dirty="0" smtClean="0"/>
+              <a:t>RAG+</a:t>
+            </a:r>
           </a:p>
           <a:p>
             <a:pPr algn="ctr"/>
@@ -8061,6 +8316,904 @@
     <p:extLst>
       <p:ext uri="{BB962C8B-B14F-4D97-AF65-F5344CB8AC3E}">
         <p14:creationId xmlns:p14="http://schemas.microsoft.com/office/powerpoint/2010/main" val="704057349"/>
+      </p:ext>
+    </p:extLst>
+  </p:cSld>
+  <p:clrMapOvr>
+    <a:masterClrMapping/>
+  </p:clrMapOvr>
+</p:sld>
+</file>
+
+<file path=ppt/slides/slide16.xml><?xml version="1.0" encoding="utf-8"?>
+<p:sld xmlns:a="http://schemas.openxmlformats.org/drawingml/2006/main" xmlns:r="http://schemas.openxmlformats.org/officeDocument/2006/relationships" xmlns:p="http://schemas.openxmlformats.org/presentationml/2006/main">
+  <p:cSld>
+    <p:spTree>
+      <p:nvGrpSpPr>
+        <p:cNvPr id="1" name=""/>
+        <p:cNvGrpSpPr/>
+        <p:nvPr/>
+      </p:nvGrpSpPr>
+      <p:grpSpPr>
+        <a:xfrm>
+          <a:off x="0" y="0"/>
+          <a:ext cx="0" cy="0"/>
+          <a:chOff x="0" y="0"/>
+          <a:chExt cx="0" cy="0"/>
+        </a:xfrm>
+      </p:grpSpPr>
+      <p:graphicFrame>
+        <p:nvGraphicFramePr>
+          <p:cNvPr id="2" name="Table 1"/>
+          <p:cNvGraphicFramePr>
+            <a:graphicFrameLocks noGrp="1"/>
+          </p:cNvGraphicFramePr>
+          <p:nvPr>
+            <p:extLst>
+              <p:ext uri="{D42A27DB-BD31-4B8C-83A1-F6EECF244321}">
+                <p14:modId xmlns:p14="http://schemas.microsoft.com/office/powerpoint/2010/main" val="3629064132"/>
+              </p:ext>
+            </p:extLst>
+          </p:nvPr>
+        </p:nvGraphicFramePr>
+        <p:xfrm>
+          <a:off x="199512" y="1099784"/>
+          <a:ext cx="10415840" cy="1842922"/>
+        </p:xfrm>
+        <a:graphic>
+          <a:graphicData uri="http://schemas.openxmlformats.org/drawingml/2006/table">
+            <a:tbl>
+              <a:tblPr firstRow="1" bandRow="1">
+                <a:tableStyleId>{5C22544A-7EE6-4342-B048-85BDC9FD1C3A}</a:tableStyleId>
+              </a:tblPr>
+              <a:tblGrid>
+                <a:gridCol w="1041584"/>
+                <a:gridCol w="1041584"/>
+                <a:gridCol w="1041584"/>
+                <a:gridCol w="1041584"/>
+                <a:gridCol w="1041584"/>
+                <a:gridCol w="1041584"/>
+                <a:gridCol w="1041584"/>
+                <a:gridCol w="1041584"/>
+                <a:gridCol w="1041584"/>
+                <a:gridCol w="1041584"/>
+              </a:tblGrid>
+              <a:tr h="1017564">
+                <a:tc>
+                  <a:txBody>
+                    <a:bodyPr/>
+                    <a:lstStyle/>
+                    <a:p>
+                      <a:r>
+                        <a:rPr lang="en-GB" sz="1400" dirty="0" smtClean="0"/>
+                        <a:t>Fraction</a:t>
+                      </a:r>
+                      <a:endParaRPr lang="en-GB" sz="1400" dirty="0"/>
+                    </a:p>
+                  </a:txBody>
+                  <a:tcPr/>
+                </a:tc>
+                <a:tc>
+                  <a:txBody>
+                    <a:bodyPr/>
+                    <a:lstStyle/>
+                    <a:p>
+                      <a:r>
+                        <a:rPr lang="en-GB" sz="1400" dirty="0" smtClean="0"/>
+                        <a:t>Number</a:t>
+                      </a:r>
+                      <a:r>
+                        <a:rPr lang="en-GB" sz="1400" baseline="0" dirty="0" smtClean="0"/>
+                        <a:t> of Cells</a:t>
+                      </a:r>
+                      <a:endParaRPr lang="en-GB" sz="1400" dirty="0"/>
+                    </a:p>
+                  </a:txBody>
+                  <a:tcPr/>
+                </a:tc>
+                <a:tc>
+                  <a:txBody>
+                    <a:bodyPr/>
+                    <a:lstStyle/>
+                    <a:p>
+                      <a:r>
+                        <a:rPr lang="en-GB" sz="1400" dirty="0" smtClean="0"/>
+                        <a:t>%</a:t>
+                      </a:r>
+                      <a:r>
+                        <a:rPr lang="en-GB" sz="1400" baseline="0" dirty="0" smtClean="0"/>
+                        <a:t> B220+</a:t>
+                      </a:r>
+                      <a:endParaRPr lang="en-GB" sz="1400" dirty="0"/>
+                    </a:p>
+                  </a:txBody>
+                  <a:tcPr/>
+                </a:tc>
+                <a:tc>
+                  <a:txBody>
+                    <a:bodyPr/>
+                    <a:lstStyle/>
+                    <a:p>
+                      <a:r>
+                        <a:rPr lang="en-GB" sz="1400" dirty="0" smtClean="0"/>
+                        <a:t>% GFP+ of B220+</a:t>
+                      </a:r>
+                      <a:endParaRPr lang="en-GB" sz="1400" dirty="0"/>
+                    </a:p>
+                  </a:txBody>
+                  <a:tcPr/>
+                </a:tc>
+                <a:tc>
+                  <a:txBody>
+                    <a:bodyPr/>
+                    <a:lstStyle/>
+                    <a:p>
+                      <a:r>
+                        <a:rPr lang="en-GB" sz="1400" dirty="0" smtClean="0"/>
+                        <a:t>Number</a:t>
+                      </a:r>
+                      <a:r>
+                        <a:rPr lang="en-GB" sz="1400" baseline="0" dirty="0" smtClean="0"/>
+                        <a:t> B220+</a:t>
+                      </a:r>
+                      <a:endParaRPr lang="en-GB" sz="1400" dirty="0"/>
+                    </a:p>
+                  </a:txBody>
+                  <a:tcPr/>
+                </a:tc>
+                <a:tc>
+                  <a:txBody>
+                    <a:bodyPr/>
+                    <a:lstStyle/>
+                    <a:p>
+                      <a:r>
+                        <a:rPr lang="en-GB" sz="1400" dirty="0" smtClean="0"/>
+                        <a:t>Number of B220+</a:t>
+                      </a:r>
+                      <a:r>
+                        <a:rPr lang="en-GB" sz="1400" baseline="0" dirty="0" smtClean="0"/>
+                        <a:t> GFP</a:t>
+                      </a:r>
+                      <a:r>
+                        <a:rPr lang="en-GB" sz="1400" dirty="0" smtClean="0"/>
+                        <a:t>+</a:t>
+                      </a:r>
+                      <a:endParaRPr lang="en-GB" sz="1400" dirty="0"/>
+                    </a:p>
+                  </a:txBody>
+                  <a:tcPr/>
+                </a:tc>
+                <a:tc>
+                  <a:txBody>
+                    <a:bodyPr/>
+                    <a:lstStyle/>
+                    <a:p>
+                      <a:r>
+                        <a:rPr lang="en-GB" sz="1400" dirty="0" smtClean="0"/>
+                        <a:t>% B220+ IgM+</a:t>
+                      </a:r>
+                      <a:endParaRPr lang="en-GB" sz="1400" dirty="0"/>
+                    </a:p>
+                  </a:txBody>
+                  <a:tcPr/>
+                </a:tc>
+                <a:tc>
+                  <a:txBody>
+                    <a:bodyPr/>
+                    <a:lstStyle/>
+                    <a:p>
+                      <a:r>
+                        <a:rPr lang="en-GB" sz="1400" baseline="0" dirty="0" smtClean="0"/>
+                        <a:t>% GFP+ of B220+ IgM+</a:t>
+                      </a:r>
+                      <a:endParaRPr lang="en-GB" sz="1400" dirty="0"/>
+                    </a:p>
+                  </a:txBody>
+                  <a:tcPr/>
+                </a:tc>
+                <a:tc>
+                  <a:txBody>
+                    <a:bodyPr/>
+                    <a:lstStyle/>
+                    <a:p>
+                      <a:r>
+                        <a:rPr lang="en-GB" sz="1400" dirty="0" smtClean="0"/>
+                        <a:t>Number B220+IgM+</a:t>
+                      </a:r>
+                      <a:endParaRPr lang="en-GB" sz="1400" dirty="0"/>
+                    </a:p>
+                  </a:txBody>
+                  <a:tcPr/>
+                </a:tc>
+                <a:tc>
+                  <a:txBody>
+                    <a:bodyPr/>
+                    <a:lstStyle/>
+                    <a:p>
+                      <a:r>
+                        <a:rPr lang="en-GB" sz="1400" dirty="0" smtClean="0"/>
+                        <a:t>Number</a:t>
+                      </a:r>
+                      <a:r>
+                        <a:rPr lang="en-GB" sz="1400" baseline="0" dirty="0" smtClean="0"/>
+                        <a:t> of B220+ IgM+ GFP+</a:t>
+                      </a:r>
+                      <a:endParaRPr lang="en-GB" sz="1400" dirty="0"/>
+                    </a:p>
+                  </a:txBody>
+                  <a:tcPr/>
+                </a:tc>
+              </a:tr>
+              <a:tr h="412679">
+                <a:tc>
+                  <a:txBody>
+                    <a:bodyPr/>
+                    <a:lstStyle/>
+                    <a:p>
+                      <a:r>
+                        <a:rPr lang="en-GB" sz="1400" dirty="0" smtClean="0"/>
+                        <a:t>CD19+</a:t>
+                      </a:r>
+                      <a:endParaRPr lang="en-GB" sz="1400" dirty="0"/>
+                    </a:p>
+                  </a:txBody>
+                  <a:tcPr/>
+                </a:tc>
+                <a:tc>
+                  <a:txBody>
+                    <a:bodyPr/>
+                    <a:lstStyle/>
+                    <a:p>
+                      <a:r>
+                        <a:rPr lang="en-GB" sz="1400" dirty="0" smtClean="0"/>
+                        <a:t>1.01 x 10</a:t>
+                      </a:r>
+                      <a:r>
+                        <a:rPr lang="en-GB" sz="1400" baseline="30000" dirty="0" smtClean="0"/>
+                        <a:t>7</a:t>
+                      </a:r>
+                      <a:endParaRPr lang="en-GB" sz="1400" dirty="0"/>
+                    </a:p>
+                  </a:txBody>
+                  <a:tcPr/>
+                </a:tc>
+                <a:tc>
+                  <a:txBody>
+                    <a:bodyPr/>
+                    <a:lstStyle/>
+                    <a:p>
+                      <a:r>
+                        <a:rPr lang="en-GB" sz="1400" dirty="0" smtClean="0"/>
+                        <a:t>5.42</a:t>
+                      </a:r>
+                      <a:endParaRPr lang="en-GB" sz="1400" dirty="0"/>
+                    </a:p>
+                  </a:txBody>
+                  <a:tcPr/>
+                </a:tc>
+                <a:tc>
+                  <a:txBody>
+                    <a:bodyPr/>
+                    <a:lstStyle/>
+                    <a:p>
+                      <a:r>
+                        <a:rPr lang="en-GB" sz="1400" dirty="0" smtClean="0"/>
+                        <a:t>24.3</a:t>
+                      </a:r>
+                      <a:endParaRPr lang="en-GB" sz="1400" dirty="0"/>
+                    </a:p>
+                  </a:txBody>
+                  <a:tcPr/>
+                </a:tc>
+                <a:tc>
+                  <a:txBody>
+                    <a:bodyPr/>
+                    <a:lstStyle/>
+                    <a:p>
+                      <a:r>
+                        <a:rPr lang="en-GB" sz="1400" dirty="0" smtClean="0"/>
+                        <a:t>434686</a:t>
+                      </a:r>
+                      <a:endParaRPr lang="en-GB" sz="1400" dirty="0"/>
+                    </a:p>
+                  </a:txBody>
+                  <a:tcPr/>
+                </a:tc>
+                <a:tc>
+                  <a:txBody>
+                    <a:bodyPr/>
+                    <a:lstStyle/>
+                    <a:p>
+                      <a:r>
+                        <a:rPr lang="en-GB" sz="1400" dirty="0" smtClean="0"/>
+                        <a:t>105629</a:t>
+                      </a:r>
+                      <a:endParaRPr lang="en-GB" sz="1400" dirty="0"/>
+                    </a:p>
+                  </a:txBody>
+                  <a:tcPr/>
+                </a:tc>
+                <a:tc>
+                  <a:txBody>
+                    <a:bodyPr/>
+                    <a:lstStyle/>
+                    <a:p>
+                      <a:r>
+                        <a:rPr lang="en-GB" sz="1400" dirty="0" smtClean="0"/>
+                        <a:t>4.78</a:t>
+                      </a:r>
+                      <a:endParaRPr lang="en-GB" sz="1400" dirty="0"/>
+                    </a:p>
+                  </a:txBody>
+                  <a:tcPr/>
+                </a:tc>
+                <a:tc>
+                  <a:txBody>
+                    <a:bodyPr/>
+                    <a:lstStyle/>
+                    <a:p>
+                      <a:r>
+                        <a:rPr lang="en-GB" sz="1400" dirty="0" smtClean="0"/>
+                        <a:t>24.6</a:t>
+                      </a:r>
+                      <a:endParaRPr lang="en-GB" sz="1400" dirty="0"/>
+                    </a:p>
+                  </a:txBody>
+                  <a:tcPr/>
+                </a:tc>
+                <a:tc>
+                  <a:txBody>
+                    <a:bodyPr/>
+                    <a:lstStyle/>
+                    <a:p>
+                      <a:r>
+                        <a:rPr lang="en-GB" sz="1400" dirty="0" smtClean="0"/>
+                        <a:t>383358</a:t>
+                      </a:r>
+                      <a:endParaRPr lang="en-GB" sz="1400" dirty="0"/>
+                    </a:p>
+                  </a:txBody>
+                  <a:tcPr/>
+                </a:tc>
+                <a:tc>
+                  <a:txBody>
+                    <a:bodyPr/>
+                    <a:lstStyle/>
+                    <a:p>
+                      <a:r>
+                        <a:rPr lang="en-GB" sz="1400" dirty="0" smtClean="0"/>
+                        <a:t>94306</a:t>
+                      </a:r>
+                      <a:endParaRPr lang="en-GB" sz="1400" dirty="0"/>
+                    </a:p>
+                  </a:txBody>
+                  <a:tcPr/>
+                </a:tc>
+              </a:tr>
+              <a:tr h="412679">
+                <a:tc>
+                  <a:txBody>
+                    <a:bodyPr/>
+                    <a:lstStyle/>
+                    <a:p>
+                      <a:r>
+                        <a:rPr lang="en-GB" sz="1400" dirty="0" smtClean="0"/>
+                        <a:t>CD19-</a:t>
+                      </a:r>
+                      <a:endParaRPr lang="en-GB" sz="1400" dirty="0"/>
+                    </a:p>
+                  </a:txBody>
+                  <a:tcPr/>
+                </a:tc>
+                <a:tc>
+                  <a:txBody>
+                    <a:bodyPr/>
+                    <a:lstStyle/>
+                    <a:p>
+                      <a:r>
+                        <a:rPr lang="en-GB" sz="1400" dirty="0" smtClean="0"/>
+                        <a:t>2.59 x 10</a:t>
+                      </a:r>
+                      <a:r>
+                        <a:rPr lang="en-GB" sz="1400" baseline="30000" dirty="0" smtClean="0"/>
+                        <a:t>7</a:t>
+                      </a:r>
+                      <a:endParaRPr lang="en-GB" sz="1400" dirty="0"/>
+                    </a:p>
+                  </a:txBody>
+                  <a:tcPr/>
+                </a:tc>
+                <a:tc>
+                  <a:txBody>
+                    <a:bodyPr/>
+                    <a:lstStyle/>
+                    <a:p>
+                      <a:r>
+                        <a:rPr lang="en-GB" sz="1400" dirty="0" smtClean="0"/>
+                        <a:t>0.161</a:t>
+                      </a:r>
+                      <a:endParaRPr lang="en-GB" sz="1400" dirty="0"/>
+                    </a:p>
+                  </a:txBody>
+                  <a:tcPr/>
+                </a:tc>
+                <a:tc>
+                  <a:txBody>
+                    <a:bodyPr/>
+                    <a:lstStyle/>
+                    <a:p>
+                      <a:r>
+                        <a:rPr lang="en-GB" sz="1400" dirty="0" smtClean="0"/>
+                        <a:t>33</a:t>
+                      </a:r>
+                      <a:endParaRPr lang="en-GB" sz="1400" dirty="0"/>
+                    </a:p>
+                  </a:txBody>
+                  <a:tcPr/>
+                </a:tc>
+                <a:tc>
+                  <a:txBody>
+                    <a:bodyPr/>
+                    <a:lstStyle/>
+                    <a:p>
+                      <a:r>
+                        <a:rPr lang="en-GB" sz="1400" dirty="0" smtClean="0"/>
+                        <a:t>34219</a:t>
+                      </a:r>
+                      <a:endParaRPr lang="en-GB" sz="1400" dirty="0"/>
+                    </a:p>
+                  </a:txBody>
+                  <a:tcPr/>
+                </a:tc>
+                <a:tc>
+                  <a:txBody>
+                    <a:bodyPr/>
+                    <a:lstStyle/>
+                    <a:p>
+                      <a:r>
+                        <a:rPr lang="en-GB" sz="1400" dirty="0" smtClean="0"/>
+                        <a:t>11292</a:t>
+                      </a:r>
+                      <a:endParaRPr lang="en-GB" sz="1400" dirty="0"/>
+                    </a:p>
+                  </a:txBody>
+                  <a:tcPr/>
+                </a:tc>
+                <a:tc>
+                  <a:txBody>
+                    <a:bodyPr/>
+                    <a:lstStyle/>
+                    <a:p>
+                      <a:r>
+                        <a:rPr lang="en-GB" sz="1400" dirty="0" smtClean="0"/>
+                        <a:t>0.002</a:t>
+                      </a:r>
+                      <a:endParaRPr lang="en-GB" sz="1400" dirty="0"/>
+                    </a:p>
+                  </a:txBody>
+                  <a:tcPr/>
+                </a:tc>
+                <a:tc>
+                  <a:txBody>
+                    <a:bodyPr/>
+                    <a:lstStyle/>
+                    <a:p>
+                      <a:r>
+                        <a:rPr lang="en-GB" sz="1400" dirty="0" smtClean="0"/>
+                        <a:t>0</a:t>
+                      </a:r>
+                      <a:endParaRPr lang="en-GB" sz="1400" dirty="0"/>
+                    </a:p>
+                  </a:txBody>
+                  <a:tcPr/>
+                </a:tc>
+                <a:tc>
+                  <a:txBody>
+                    <a:bodyPr/>
+                    <a:lstStyle/>
+                    <a:p>
+                      <a:r>
+                        <a:rPr lang="en-GB" sz="1400" dirty="0" smtClean="0"/>
+                        <a:t>425</a:t>
+                      </a:r>
+                      <a:endParaRPr lang="en-GB" sz="1400" dirty="0"/>
+                    </a:p>
+                  </a:txBody>
+                  <a:tcPr/>
+                </a:tc>
+                <a:tc>
+                  <a:txBody>
+                    <a:bodyPr/>
+                    <a:lstStyle/>
+                    <a:p>
+                      <a:r>
+                        <a:rPr lang="en-GB" sz="1400" dirty="0" smtClean="0"/>
+                        <a:t>0</a:t>
+                      </a:r>
+                      <a:endParaRPr lang="en-GB" sz="1400" dirty="0"/>
+                    </a:p>
+                  </a:txBody>
+                  <a:tcPr/>
+                </a:tc>
+              </a:tr>
+            </a:tbl>
+          </a:graphicData>
+        </a:graphic>
+      </p:graphicFrame>
+    </p:spTree>
+    <p:extLst>
+      <p:ext uri="{BB962C8B-B14F-4D97-AF65-F5344CB8AC3E}">
+        <p14:creationId xmlns:p14="http://schemas.microsoft.com/office/powerpoint/2010/main" val="708740347"/>
+      </p:ext>
+    </p:extLst>
+  </p:cSld>
+  <p:clrMapOvr>
+    <a:masterClrMapping/>
+  </p:clrMapOvr>
+</p:sld>
+</file>
+
+<file path=ppt/slides/slide17.xml><?xml version="1.0" encoding="utf-8"?>
+<p:sld xmlns:a="http://schemas.openxmlformats.org/drawingml/2006/main" xmlns:r="http://schemas.openxmlformats.org/officeDocument/2006/relationships" xmlns:p="http://schemas.openxmlformats.org/presentationml/2006/main">
+  <p:cSld>
+    <p:spTree>
+      <p:nvGrpSpPr>
+        <p:cNvPr id="1" name=""/>
+        <p:cNvGrpSpPr/>
+        <p:nvPr/>
+      </p:nvGrpSpPr>
+      <p:grpSpPr>
+        <a:xfrm>
+          <a:off x="0" y="0"/>
+          <a:ext cx="0" cy="0"/>
+          <a:chOff x="0" y="0"/>
+          <a:chExt cx="0" cy="0"/>
+        </a:xfrm>
+      </p:grpSpPr>
+      <p:graphicFrame>
+        <p:nvGraphicFramePr>
+          <p:cNvPr id="2" name="Table 1"/>
+          <p:cNvGraphicFramePr>
+            <a:graphicFrameLocks noGrp="1"/>
+          </p:cNvGraphicFramePr>
+          <p:nvPr>
+            <p:extLst>
+              <p:ext uri="{D42A27DB-BD31-4B8C-83A1-F6EECF244321}">
+                <p14:modId xmlns:p14="http://schemas.microsoft.com/office/powerpoint/2010/main" val="849167663"/>
+              </p:ext>
+            </p:extLst>
+          </p:nvPr>
+        </p:nvGraphicFramePr>
+        <p:xfrm>
+          <a:off x="1799958" y="1099784"/>
+          <a:ext cx="7859430" cy="1842922"/>
+        </p:xfrm>
+        <a:graphic>
+          <a:graphicData uri="http://schemas.openxmlformats.org/drawingml/2006/table">
+            <a:tbl>
+              <a:tblPr firstRow="1" bandRow="1">
+                <a:tableStyleId>{5C22544A-7EE6-4342-B048-85BDC9FD1C3A}</a:tableStyleId>
+              </a:tblPr>
+              <a:tblGrid>
+                <a:gridCol w="1309905"/>
+                <a:gridCol w="1309905"/>
+                <a:gridCol w="1309905"/>
+                <a:gridCol w="1309905"/>
+                <a:gridCol w="1309905"/>
+                <a:gridCol w="1309905"/>
+              </a:tblGrid>
+              <a:tr h="1017564">
+                <a:tc>
+                  <a:txBody>
+                    <a:bodyPr/>
+                    <a:lstStyle/>
+                    <a:p>
+                      <a:r>
+                        <a:rPr lang="en-GB" sz="1800" dirty="0" smtClean="0"/>
+                        <a:t>Fraction</a:t>
+                      </a:r>
+                      <a:endParaRPr lang="en-GB" sz="1800" dirty="0"/>
+                    </a:p>
+                  </a:txBody>
+                  <a:tcPr/>
+                </a:tc>
+                <a:tc>
+                  <a:txBody>
+                    <a:bodyPr/>
+                    <a:lstStyle/>
+                    <a:p>
+                      <a:r>
+                        <a:rPr lang="en-GB" sz="1800" dirty="0" smtClean="0"/>
+                        <a:t>Number</a:t>
+                      </a:r>
+                      <a:r>
+                        <a:rPr lang="en-GB" sz="1800" baseline="0" dirty="0" smtClean="0"/>
+                        <a:t> of Cells</a:t>
+                      </a:r>
+                      <a:endParaRPr lang="en-GB" sz="1800" dirty="0"/>
+                    </a:p>
+                  </a:txBody>
+                  <a:tcPr/>
+                </a:tc>
+                <a:tc>
+                  <a:txBody>
+                    <a:bodyPr/>
+                    <a:lstStyle/>
+                    <a:p>
+                      <a:r>
+                        <a:rPr lang="en-GB" sz="1800" dirty="0" smtClean="0"/>
+                        <a:t>% B220+</a:t>
+                      </a:r>
+                      <a:endParaRPr lang="en-GB" sz="1800" dirty="0"/>
+                    </a:p>
+                  </a:txBody>
+                  <a:tcPr/>
+                </a:tc>
+                <a:tc>
+                  <a:txBody>
+                    <a:bodyPr/>
+                    <a:lstStyle/>
+                    <a:p>
+                      <a:r>
+                        <a:rPr lang="en-GB" sz="1800" dirty="0" smtClean="0"/>
+                        <a:t>% B220+ IgM+</a:t>
+                      </a:r>
+                      <a:endParaRPr lang="en-GB" sz="1800" dirty="0"/>
+                    </a:p>
+                  </a:txBody>
+                  <a:tcPr/>
+                </a:tc>
+                <a:tc>
+                  <a:txBody>
+                    <a:bodyPr/>
+                    <a:lstStyle/>
+                    <a:p>
+                      <a:r>
+                        <a:rPr lang="en-GB" sz="1800" dirty="0" smtClean="0"/>
+                        <a:t>Number</a:t>
+                      </a:r>
+                      <a:r>
+                        <a:rPr lang="en-GB" sz="1800" baseline="0" dirty="0" smtClean="0"/>
+                        <a:t> B220+</a:t>
+                      </a:r>
+                      <a:endParaRPr lang="en-GB" sz="1800" dirty="0"/>
+                    </a:p>
+                  </a:txBody>
+                  <a:tcPr/>
+                </a:tc>
+                <a:tc>
+                  <a:txBody>
+                    <a:bodyPr/>
+                    <a:lstStyle/>
+                    <a:p>
+                      <a:r>
+                        <a:rPr lang="en-GB" sz="1800" dirty="0" smtClean="0"/>
+                        <a:t>Number B220+IgM+</a:t>
+                      </a:r>
+                      <a:endParaRPr lang="en-GB" sz="1800" dirty="0"/>
+                    </a:p>
+                  </a:txBody>
+                  <a:tcPr/>
+                </a:tc>
+              </a:tr>
+              <a:tr h="412679">
+                <a:tc>
+                  <a:txBody>
+                    <a:bodyPr/>
+                    <a:lstStyle/>
+                    <a:p>
+                      <a:r>
+                        <a:rPr lang="en-GB" sz="1800" dirty="0" smtClean="0"/>
+                        <a:t>CD19+</a:t>
+                      </a:r>
+                      <a:endParaRPr lang="en-GB" sz="1800" dirty="0"/>
+                    </a:p>
+                  </a:txBody>
+                  <a:tcPr/>
+                </a:tc>
+                <a:tc>
+                  <a:txBody>
+                    <a:bodyPr/>
+                    <a:lstStyle/>
+                    <a:p>
+                      <a:r>
+                        <a:rPr lang="en-GB" sz="1800" dirty="0" smtClean="0"/>
+                        <a:t>1.3 x 10</a:t>
+                      </a:r>
+                      <a:r>
+                        <a:rPr lang="en-GB" sz="1800" baseline="30000" dirty="0" smtClean="0"/>
+                        <a:t>5</a:t>
+                      </a:r>
+                      <a:endParaRPr lang="en-GB" sz="1800" dirty="0"/>
+                    </a:p>
+                  </a:txBody>
+                  <a:tcPr/>
+                </a:tc>
+                <a:tc>
+                  <a:txBody>
+                    <a:bodyPr/>
+                    <a:lstStyle/>
+                    <a:p>
+                      <a:r>
+                        <a:rPr lang="en-GB" sz="1800" dirty="0" smtClean="0"/>
+                        <a:t>2.86</a:t>
+                      </a:r>
+                      <a:endParaRPr lang="en-GB" sz="1800" dirty="0"/>
+                    </a:p>
+                  </a:txBody>
+                  <a:tcPr/>
+                </a:tc>
+                <a:tc>
+                  <a:txBody>
+                    <a:bodyPr/>
+                    <a:lstStyle/>
+                    <a:p>
+                      <a:r>
+                        <a:rPr lang="en-GB" sz="1800" dirty="0" smtClean="0"/>
+                        <a:t>2.37</a:t>
+                      </a:r>
+                      <a:endParaRPr lang="en-GB" sz="1800" dirty="0"/>
+                    </a:p>
+                  </a:txBody>
+                  <a:tcPr/>
+                </a:tc>
+                <a:tc>
+                  <a:txBody>
+                    <a:bodyPr/>
+                    <a:lstStyle/>
+                    <a:p>
+                      <a:r>
+                        <a:rPr lang="en-GB" sz="1800" dirty="0" smtClean="0"/>
+                        <a:t>2743</a:t>
+                      </a:r>
+                      <a:endParaRPr lang="en-GB" sz="1800" dirty="0"/>
+                    </a:p>
+                  </a:txBody>
+                  <a:tcPr/>
+                </a:tc>
+                <a:tc>
+                  <a:txBody>
+                    <a:bodyPr/>
+                    <a:lstStyle/>
+                    <a:p>
+                      <a:r>
+                        <a:rPr lang="en-GB" sz="1800" dirty="0" smtClean="0"/>
+                        <a:t>2273</a:t>
+                      </a:r>
+                      <a:endParaRPr lang="en-GB" sz="1800" dirty="0"/>
+                    </a:p>
+                  </a:txBody>
+                  <a:tcPr/>
+                </a:tc>
+              </a:tr>
+              <a:tr h="412679">
+                <a:tc>
+                  <a:txBody>
+                    <a:bodyPr/>
+                    <a:lstStyle/>
+                    <a:p>
+                      <a:r>
+                        <a:rPr lang="en-GB" sz="1800" dirty="0" smtClean="0"/>
+                        <a:t>CD19-</a:t>
+                      </a:r>
+                      <a:endParaRPr lang="en-GB" sz="1800" dirty="0"/>
+                    </a:p>
+                  </a:txBody>
+                  <a:tcPr/>
+                </a:tc>
+                <a:tc>
+                  <a:txBody>
+                    <a:bodyPr/>
+                    <a:lstStyle/>
+                    <a:p>
+                      <a:r>
+                        <a:rPr lang="en-GB" sz="1800" dirty="0" smtClean="0"/>
+                        <a:t>3.67 x 10</a:t>
+                      </a:r>
+                      <a:r>
+                        <a:rPr lang="en-GB" sz="1800" baseline="30000" dirty="0" smtClean="0"/>
+                        <a:t>7</a:t>
+                      </a:r>
+                      <a:endParaRPr lang="en-GB" sz="1800" dirty="0"/>
+                    </a:p>
+                  </a:txBody>
+                  <a:tcPr/>
+                </a:tc>
+                <a:tc>
+                  <a:txBody>
+                    <a:bodyPr/>
+                    <a:lstStyle/>
+                    <a:p>
+                      <a:r>
+                        <a:rPr lang="en-GB" sz="1800" dirty="0" smtClean="0"/>
+                        <a:t>0.151</a:t>
+                      </a:r>
+                      <a:endParaRPr lang="en-GB" sz="1800" dirty="0"/>
+                    </a:p>
+                  </a:txBody>
+                  <a:tcPr/>
+                </a:tc>
+                <a:tc>
+                  <a:txBody>
+                    <a:bodyPr/>
+                    <a:lstStyle/>
+                    <a:p>
+                      <a:r>
+                        <a:rPr lang="en-GB" sz="1800" dirty="0" smtClean="0"/>
+                        <a:t>0.005</a:t>
+                      </a:r>
+                      <a:endParaRPr lang="en-GB" sz="1800" dirty="0"/>
+                    </a:p>
+                  </a:txBody>
+                  <a:tcPr/>
+                </a:tc>
+                <a:tc>
+                  <a:txBody>
+                    <a:bodyPr/>
+                    <a:lstStyle/>
+                    <a:p>
+                      <a:r>
+                        <a:rPr lang="en-GB" sz="1800" dirty="0" smtClean="0"/>
+                        <a:t>42920</a:t>
+                      </a:r>
+                      <a:endParaRPr lang="en-GB" sz="1800" dirty="0"/>
+                    </a:p>
+                  </a:txBody>
+                  <a:tcPr/>
+                </a:tc>
+                <a:tc>
+                  <a:txBody>
+                    <a:bodyPr/>
+                    <a:lstStyle/>
+                    <a:p>
+                      <a:r>
+                        <a:rPr lang="en-GB" sz="1800" dirty="0" smtClean="0"/>
+                        <a:t>1421</a:t>
+                      </a:r>
+                      <a:endParaRPr lang="en-GB" sz="1800" dirty="0"/>
+                    </a:p>
+                  </a:txBody>
+                  <a:tcPr/>
+                </a:tc>
+              </a:tr>
+            </a:tbl>
+          </a:graphicData>
+        </a:graphic>
+      </p:graphicFrame>
+    </p:spTree>
+    <p:extLst>
+      <p:ext uri="{BB962C8B-B14F-4D97-AF65-F5344CB8AC3E}">
+        <p14:creationId xmlns:p14="http://schemas.microsoft.com/office/powerpoint/2010/main" val="68358455"/>
+      </p:ext>
+    </p:extLst>
+  </p:cSld>
+  <p:clrMapOvr>
+    <a:masterClrMapping/>
+  </p:clrMapOvr>
+</p:sld>
+</file>
+
+<file path=ppt/slides/slide18.xml><?xml version="1.0" encoding="utf-8"?>
+<p:sld xmlns:a="http://schemas.openxmlformats.org/drawingml/2006/main" xmlns:r="http://schemas.openxmlformats.org/officeDocument/2006/relationships" xmlns:p="http://schemas.openxmlformats.org/presentationml/2006/main">
+  <p:cSld>
+    <p:spTree>
+      <p:nvGrpSpPr>
+        <p:cNvPr id="1" name=""/>
+        <p:cNvGrpSpPr/>
+        <p:nvPr/>
+      </p:nvGrpSpPr>
+      <p:grpSpPr>
+        <a:xfrm>
+          <a:off x="0" y="0"/>
+          <a:ext cx="0" cy="0"/>
+          <a:chOff x="0" y="0"/>
+          <a:chExt cx="0" cy="0"/>
+        </a:xfrm>
+      </p:grpSpPr>
+    </p:spTree>
+    <p:extLst>
+      <p:ext uri="{BB962C8B-B14F-4D97-AF65-F5344CB8AC3E}">
+        <p14:creationId xmlns:p14="http://schemas.microsoft.com/office/powerpoint/2010/main" val="4264736029"/>
       </p:ext>
     </p:extLst>
   </p:cSld>
@@ -8470,7 +9623,6 @@
               <a:rPr lang="en-GB" sz="1700" dirty="0" smtClean="0"/>
               <a:t>RAG+</a:t>
             </a:r>
-            <a:endParaRPr lang="en-GB" sz="1700" dirty="0" smtClean="0"/>
           </a:p>
           <a:p>
             <a:pPr algn="ctr"/>
@@ -8516,11 +9668,7 @@
             <a:pPr algn="ctr"/>
             <a:r>
               <a:rPr lang="en-GB" dirty="0" smtClean="0"/>
-              <a:t>5.06</a:t>
-            </a:r>
-            <a:r>
-              <a:rPr lang="en-GB" dirty="0" smtClean="0"/>
-              <a:t>%</a:t>
+              <a:t>5.06%</a:t>
             </a:r>
             <a:endParaRPr lang="en-GB" dirty="0"/>
           </a:p>
@@ -9307,6 +10455,46 @@
           </a:fontRef>
         </p:style>
       </p:cxnSp>
+      <p:sp>
+        <p:nvSpPr>
+          <p:cNvPr id="14" name="TextBox 13"/>
+          <p:cNvSpPr txBox="1"/>
+          <p:nvPr/>
+        </p:nvSpPr>
+        <p:spPr>
+          <a:xfrm>
+            <a:off x="4535081" y="1565568"/>
+            <a:ext cx="758541" cy="646331"/>
+          </a:xfrm>
+          <a:prstGeom prst="rect">
+            <a:avLst/>
+          </a:prstGeom>
+          <a:solidFill>
+            <a:schemeClr val="bg1"/>
+          </a:solidFill>
+        </p:spPr>
+        <p:txBody>
+          <a:bodyPr wrap="none" rtlCol="0">
+            <a:spAutoFit/>
+          </a:bodyPr>
+          <a:lstStyle/>
+          <a:p>
+            <a:pPr algn="ctr"/>
+            <a:r>
+              <a:rPr lang="en-GB" dirty="0" smtClean="0"/>
+              <a:t>+</a:t>
+            </a:r>
+          </a:p>
+          <a:p>
+            <a:pPr algn="ctr"/>
+            <a:r>
+              <a:rPr lang="en-GB" dirty="0" smtClean="0"/>
+              <a:t>80.5%</a:t>
+            </a:r>
+            <a:endParaRPr lang="en-GB" dirty="0"/>
+          </a:p>
+        </p:txBody>
+      </p:sp>
     </p:spTree>
     <p:extLst>
       <p:ext uri="{BB962C8B-B14F-4D97-AF65-F5344CB8AC3E}">

--- a/Figures/Powerpoints/3 plots.pptx
+++ b/Figures/Powerpoints/3 plots.pptx
@@ -5,7 +5,7 @@
     <p:sldMasterId id="2147483672" r:id="rId1"/>
   </p:sldMasterIdLst>
   <p:notesMasterIdLst>
-    <p:notesMasterId r:id="rId20"/>
+    <p:notesMasterId r:id="rId21"/>
   </p:notesMasterIdLst>
   <p:sldIdLst>
     <p:sldId id="256" r:id="rId2"/>
@@ -19,13 +19,14 @@
     <p:sldId id="265" r:id="rId10"/>
     <p:sldId id="266" r:id="rId11"/>
     <p:sldId id="268" r:id="rId12"/>
-    <p:sldId id="269" r:id="rId13"/>
-    <p:sldId id="270" r:id="rId14"/>
-    <p:sldId id="271" r:id="rId15"/>
-    <p:sldId id="272" r:id="rId16"/>
-    <p:sldId id="273" r:id="rId17"/>
-    <p:sldId id="274" r:id="rId18"/>
-    <p:sldId id="275" r:id="rId19"/>
+    <p:sldId id="276" r:id="rId13"/>
+    <p:sldId id="269" r:id="rId14"/>
+    <p:sldId id="270" r:id="rId15"/>
+    <p:sldId id="271" r:id="rId16"/>
+    <p:sldId id="272" r:id="rId17"/>
+    <p:sldId id="273" r:id="rId18"/>
+    <p:sldId id="274" r:id="rId19"/>
+    <p:sldId id="275" r:id="rId20"/>
   </p:sldIdLst>
   <p:sldSz cx="10799763" cy="3959225"/>
   <p:notesSz cx="6858000" cy="9144000"/>
@@ -126,7 +127,18 @@
   </p:defaultTextStyle>
   <p:extLst>
     <p:ext uri="{EFAFB233-063F-42B5-8137-9DF3F51BA10A}">
-      <p15:sldGuideLst xmlns:p15="http://schemas.microsoft.com/office/powerpoint/2012/main"/>
+      <p15:sldGuideLst xmlns:p15="http://schemas.microsoft.com/office/powerpoint/2012/main">
+        <p15:guide id="1" orient="horz" pos="1247" userDrawn="1">
+          <p15:clr>
+            <a:srgbClr val="A4A3A4"/>
+          </p15:clr>
+        </p15:guide>
+        <p15:guide id="2" pos="3401" userDrawn="1">
+          <p15:clr>
+            <a:srgbClr val="A4A3A4"/>
+          </p15:clr>
+        </p15:guide>
+      </p15:sldGuideLst>
     </p:ext>
   </p:extLst>
 </p:presentation>
@@ -214,7 +226,7 @@
           <a:p>
             <a:fld id="{32F7D83B-ADDA-4ECB-B692-7302BE334C8B}" type="datetimeFigureOut">
               <a:rPr lang="en-GB" smtClean="0"/>
-              <a:t>08/08/2015</a:t>
+              <a:t>30/08/2015</a:t>
             </a:fld>
             <a:endParaRPr lang="en-GB"/>
           </a:p>
@@ -616,13 +628,7 @@
           <a:p>
             <a:r>
               <a:rPr lang="en-GB" dirty="0" smtClean="0"/>
-              <a:t>Mature B cell increases pro B cells</a:t>
-            </a:r>
-          </a:p>
-          <a:p>
-            <a:r>
-              <a:rPr lang="en-GB" dirty="0" smtClean="0"/>
-              <a:t>B6 (2), NOD (8), KO (5)</a:t>
+              <a:t>BM</a:t>
             </a:r>
             <a:endParaRPr lang="en-GB" dirty="0"/>
           </a:p>
@@ -654,7 +660,7 @@
     </p:spTree>
     <p:extLst>
       <p:ext uri="{BB962C8B-B14F-4D97-AF65-F5344CB8AC3E}">
-        <p14:creationId xmlns:p14="http://schemas.microsoft.com/office/powerpoint/2010/main" val="2779991501"/>
+        <p14:creationId xmlns:p14="http://schemas.microsoft.com/office/powerpoint/2010/main" val="1144880246"/>
       </p:ext>
     </p:extLst>
   </p:cSld>
@@ -708,29 +714,16 @@
           <a:bodyPr/>
           <a:lstStyle/>
           <a:p>
-            <a:pPr marL="0" marR="0" indent="0" algn="l" defTabSz="914400" rtl="0" eaLnBrk="1" fontAlgn="auto" latinLnBrk="0" hangingPunct="1">
-              <a:lnSpc>
-                <a:spcPct val="100000"/>
-              </a:lnSpc>
-              <a:spcBef>
-                <a:spcPts val="0"/>
-              </a:spcBef>
-              <a:spcAft>
-                <a:spcPts val="0"/>
-              </a:spcAft>
-              <a:buClrTx/>
-              <a:buSzTx/>
-              <a:buFontTx/>
-              <a:buNone/>
-              <a:tabLst/>
-              <a:defRPr/>
-            </a:pPr>
             <a:r>
               <a:rPr lang="en-GB" dirty="0" smtClean="0"/>
-              <a:t>Thymus 1 20150722 24.10.14</a:t>
-            </a:r>
-          </a:p>
-          <a:p>
+              <a:t>Mature B cell increases pro B cells</a:t>
+            </a:r>
+          </a:p>
+          <a:p>
+            <a:r>
+              <a:rPr lang="en-GB" dirty="0" smtClean="0"/>
+              <a:t>B6 (2), NOD (8), KO (5)</a:t>
+            </a:r>
             <a:endParaRPr lang="en-GB" dirty="0"/>
           </a:p>
         </p:txBody>
@@ -752,7 +745,7 @@
           <a:p>
             <a:fld id="{F9FE1E78-BF79-4B81-BC92-5B601D8D92F9}" type="slidenum">
               <a:rPr lang="en-GB" smtClean="0"/>
-              <a:t>14</a:t>
+              <a:t>13</a:t>
             </a:fld>
             <a:endParaRPr lang="en-GB"/>
           </a:p>
@@ -761,7 +754,7 @@
     </p:spTree>
     <p:extLst>
       <p:ext uri="{BB962C8B-B14F-4D97-AF65-F5344CB8AC3E}">
-        <p14:creationId xmlns:p14="http://schemas.microsoft.com/office/powerpoint/2010/main" val="745065316"/>
+        <p14:creationId xmlns:p14="http://schemas.microsoft.com/office/powerpoint/2010/main" val="2779991501"/>
       </p:ext>
     </p:extLst>
   </p:cSld>
@@ -834,7 +827,7 @@
             </a:pPr>
             <a:r>
               <a:rPr lang="en-GB" dirty="0" smtClean="0"/>
-              <a:t>BM 1 20150722 24.10.14</a:t>
+              <a:t>Thymus 1 20150722 24.10.14</a:t>
             </a:r>
           </a:p>
           <a:p>
@@ -868,7 +861,7 @@
     </p:spTree>
     <p:extLst>
       <p:ext uri="{BB962C8B-B14F-4D97-AF65-F5344CB8AC3E}">
-        <p14:creationId xmlns:p14="http://schemas.microsoft.com/office/powerpoint/2010/main" val="419691917"/>
+        <p14:creationId xmlns:p14="http://schemas.microsoft.com/office/powerpoint/2010/main" val="745065316"/>
       </p:ext>
     </p:extLst>
   </p:cSld>
@@ -922,20 +915,29 @@
           <a:bodyPr/>
           <a:lstStyle/>
           <a:p>
+            <a:pPr marL="0" marR="0" indent="0" algn="l" defTabSz="914400" rtl="0" eaLnBrk="1" fontAlgn="auto" latinLnBrk="0" hangingPunct="1">
+              <a:lnSpc>
+                <a:spcPct val="100000"/>
+              </a:lnSpc>
+              <a:spcBef>
+                <a:spcPts val="0"/>
+              </a:spcBef>
+              <a:spcAft>
+                <a:spcPts val="0"/>
+              </a:spcAft>
+              <a:buClrTx/>
+              <a:buSzTx/>
+              <a:buFontTx/>
+              <a:buNone/>
+              <a:tabLst/>
+              <a:defRPr/>
+            </a:pPr>
             <a:r>
               <a:rPr lang="en-GB" dirty="0" smtClean="0"/>
-              <a:t>GFP </a:t>
-            </a:r>
-            <a:r>
-              <a:rPr lang="en-GB" dirty="0" smtClean="0">
-                <a:sym typeface="Wingdings" panose="05000000000000000000" pitchFamily="2" charset="2"/>
-              </a:rPr>
-              <a:t></a:t>
-            </a:r>
-            <a:r>
-              <a:rPr lang="en-GB" dirty="0" smtClean="0"/>
-              <a:t> WT</a:t>
-            </a:r>
+              <a:t>BM 1 20150722 24.10.14</a:t>
+            </a:r>
+          </a:p>
+          <a:p>
             <a:endParaRPr lang="en-GB" dirty="0"/>
           </a:p>
         </p:txBody>
@@ -966,7 +968,7 @@
     </p:spTree>
     <p:extLst>
       <p:ext uri="{BB962C8B-B14F-4D97-AF65-F5344CB8AC3E}">
-        <p14:creationId xmlns:p14="http://schemas.microsoft.com/office/powerpoint/2010/main" val="1154455101"/>
+        <p14:creationId xmlns:p14="http://schemas.microsoft.com/office/powerpoint/2010/main" val="419691917"/>
       </p:ext>
     </p:extLst>
   </p:cSld>
@@ -1022,13 +1024,17 @@
           <a:p>
             <a:r>
               <a:rPr lang="en-GB" dirty="0" smtClean="0"/>
-              <a:t>NOD </a:t>
+              <a:t>GFP </a:t>
             </a:r>
             <a:r>
               <a:rPr lang="en-GB" dirty="0" smtClean="0">
                 <a:sym typeface="Wingdings" panose="05000000000000000000" pitchFamily="2" charset="2"/>
               </a:rPr>
-              <a:t> KO</a:t>
+              <a:t></a:t>
+            </a:r>
+            <a:r>
+              <a:rPr lang="en-GB" dirty="0" smtClean="0"/>
+              <a:t> WT</a:t>
             </a:r>
             <a:endParaRPr lang="en-GB" dirty="0"/>
           </a:p>
@@ -1060,7 +1066,7 @@
     </p:spTree>
     <p:extLst>
       <p:ext uri="{BB962C8B-B14F-4D97-AF65-F5344CB8AC3E}">
-        <p14:creationId xmlns:p14="http://schemas.microsoft.com/office/powerpoint/2010/main" val="924632535"/>
+        <p14:creationId xmlns:p14="http://schemas.microsoft.com/office/powerpoint/2010/main" val="1154455101"/>
       </p:ext>
     </p:extLst>
   </p:cSld>
@@ -1114,6 +1120,16 @@
           <a:bodyPr/>
           <a:lstStyle/>
           <a:p>
+            <a:r>
+              <a:rPr lang="en-GB" dirty="0" smtClean="0"/>
+              <a:t>NOD </a:t>
+            </a:r>
+            <a:r>
+              <a:rPr lang="en-GB" dirty="0" smtClean="0">
+                <a:sym typeface="Wingdings" panose="05000000000000000000" pitchFamily="2" charset="2"/>
+              </a:rPr>
+              <a:t> KO</a:t>
+            </a:r>
             <a:endParaRPr lang="en-GB" dirty="0"/>
           </a:p>
         </p:txBody>
@@ -1136,6 +1152,90 @@
             <a:fld id="{F9FE1E78-BF79-4B81-BC92-5B601D8D92F9}" type="slidenum">
               <a:rPr lang="en-GB" smtClean="0"/>
               <a:t>18</a:t>
+            </a:fld>
+            <a:endParaRPr lang="en-GB"/>
+          </a:p>
+        </p:txBody>
+      </p:sp>
+    </p:spTree>
+    <p:extLst>
+      <p:ext uri="{BB962C8B-B14F-4D97-AF65-F5344CB8AC3E}">
+        <p14:creationId xmlns:p14="http://schemas.microsoft.com/office/powerpoint/2010/main" val="924632535"/>
+      </p:ext>
+    </p:extLst>
+  </p:cSld>
+  <p:clrMapOvr>
+    <a:masterClrMapping/>
+  </p:clrMapOvr>
+</p:notes>
+</file>
+
+<file path=ppt/notesSlides/notesSlide16.xml><?xml version="1.0" encoding="utf-8"?>
+<p:notes xmlns:a="http://schemas.openxmlformats.org/drawingml/2006/main" xmlns:r="http://schemas.openxmlformats.org/officeDocument/2006/relationships" xmlns:p="http://schemas.openxmlformats.org/presentationml/2006/main">
+  <p:cSld>
+    <p:spTree>
+      <p:nvGrpSpPr>
+        <p:cNvPr id="1" name=""/>
+        <p:cNvGrpSpPr/>
+        <p:nvPr/>
+      </p:nvGrpSpPr>
+      <p:grpSpPr>
+        <a:xfrm>
+          <a:off x="0" y="0"/>
+          <a:ext cx="0" cy="0"/>
+          <a:chOff x="0" y="0"/>
+          <a:chExt cx="0" cy="0"/>
+        </a:xfrm>
+      </p:grpSpPr>
+      <p:sp>
+        <p:nvSpPr>
+          <p:cNvPr id="2" name="Slide Image Placeholder 1"/>
+          <p:cNvSpPr>
+            <a:spLocks noGrp="1" noRot="1" noChangeAspect="1"/>
+          </p:cNvSpPr>
+          <p:nvPr>
+            <p:ph type="sldImg"/>
+          </p:nvPr>
+        </p:nvSpPr>
+        <p:spPr/>
+      </p:sp>
+      <p:sp>
+        <p:nvSpPr>
+          <p:cNvPr id="3" name="Notes Placeholder 2"/>
+          <p:cNvSpPr>
+            <a:spLocks noGrp="1"/>
+          </p:cNvSpPr>
+          <p:nvPr>
+            <p:ph type="body" idx="1"/>
+          </p:nvPr>
+        </p:nvSpPr>
+        <p:spPr/>
+        <p:txBody>
+          <a:bodyPr/>
+          <a:lstStyle/>
+          <a:p>
+            <a:endParaRPr lang="en-GB" dirty="0"/>
+          </a:p>
+        </p:txBody>
+      </p:sp>
+      <p:sp>
+        <p:nvSpPr>
+          <p:cNvPr id="4" name="Slide Number Placeholder 3"/>
+          <p:cNvSpPr>
+            <a:spLocks noGrp="1"/>
+          </p:cNvSpPr>
+          <p:nvPr>
+            <p:ph type="sldNum" sz="quarter" idx="10"/>
+          </p:nvPr>
+        </p:nvSpPr>
+        <p:spPr/>
+        <p:txBody>
+          <a:bodyPr/>
+          <a:lstStyle/>
+          <a:p>
+            <a:fld id="{F9FE1E78-BF79-4B81-BC92-5B601D8D92F9}" type="slidenum">
+              <a:rPr lang="en-GB" smtClean="0"/>
+              <a:t>19</a:t>
             </a:fld>
             <a:endParaRPr lang="en-GB"/>
           </a:p>
@@ -2026,7 +2126,7 @@
           <a:p>
             <a:fld id="{5FFCCEB8-80C3-44AA-83D7-DF78E6311A10}" type="datetimeFigureOut">
               <a:rPr lang="en-GB" smtClean="0"/>
-              <a:t>08/08/2015</a:t>
+              <a:t>30/08/2015</a:t>
             </a:fld>
             <a:endParaRPr lang="en-GB"/>
           </a:p>
@@ -2196,7 +2296,7 @@
           <a:p>
             <a:fld id="{5FFCCEB8-80C3-44AA-83D7-DF78E6311A10}" type="datetimeFigureOut">
               <a:rPr lang="en-GB" smtClean="0"/>
-              <a:t>08/08/2015</a:t>
+              <a:t>30/08/2015</a:t>
             </a:fld>
             <a:endParaRPr lang="en-GB"/>
           </a:p>
@@ -2376,7 +2476,7 @@
           <a:p>
             <a:fld id="{5FFCCEB8-80C3-44AA-83D7-DF78E6311A10}" type="datetimeFigureOut">
               <a:rPr lang="en-GB" smtClean="0"/>
-              <a:t>08/08/2015</a:t>
+              <a:t>30/08/2015</a:t>
             </a:fld>
             <a:endParaRPr lang="en-GB"/>
           </a:p>
@@ -2546,7 +2646,7 @@
           <a:p>
             <a:fld id="{5FFCCEB8-80C3-44AA-83D7-DF78E6311A10}" type="datetimeFigureOut">
               <a:rPr lang="en-GB" smtClean="0"/>
-              <a:t>08/08/2015</a:t>
+              <a:t>30/08/2015</a:t>
             </a:fld>
             <a:endParaRPr lang="en-GB"/>
           </a:p>
@@ -2792,7 +2892,7 @@
           <a:p>
             <a:fld id="{5FFCCEB8-80C3-44AA-83D7-DF78E6311A10}" type="datetimeFigureOut">
               <a:rPr lang="en-GB" smtClean="0"/>
-              <a:t>08/08/2015</a:t>
+              <a:t>30/08/2015</a:t>
             </a:fld>
             <a:endParaRPr lang="en-GB"/>
           </a:p>
@@ -3024,7 +3124,7 @@
           <a:p>
             <a:fld id="{5FFCCEB8-80C3-44AA-83D7-DF78E6311A10}" type="datetimeFigureOut">
               <a:rPr lang="en-GB" smtClean="0"/>
-              <a:t>08/08/2015</a:t>
+              <a:t>30/08/2015</a:t>
             </a:fld>
             <a:endParaRPr lang="en-GB"/>
           </a:p>
@@ -3391,7 +3491,7 @@
           <a:p>
             <a:fld id="{5FFCCEB8-80C3-44AA-83D7-DF78E6311A10}" type="datetimeFigureOut">
               <a:rPr lang="en-GB" smtClean="0"/>
-              <a:t>08/08/2015</a:t>
+              <a:t>30/08/2015</a:t>
             </a:fld>
             <a:endParaRPr lang="en-GB"/>
           </a:p>
@@ -3509,7 +3609,7 @@
           <a:p>
             <a:fld id="{5FFCCEB8-80C3-44AA-83D7-DF78E6311A10}" type="datetimeFigureOut">
               <a:rPr lang="en-GB" smtClean="0"/>
-              <a:t>08/08/2015</a:t>
+              <a:t>30/08/2015</a:t>
             </a:fld>
             <a:endParaRPr lang="en-GB"/>
           </a:p>
@@ -3604,7 +3704,7 @@
           <a:p>
             <a:fld id="{5FFCCEB8-80C3-44AA-83D7-DF78E6311A10}" type="datetimeFigureOut">
               <a:rPr lang="en-GB" smtClean="0"/>
-              <a:t>08/08/2015</a:t>
+              <a:t>30/08/2015</a:t>
             </a:fld>
             <a:endParaRPr lang="en-GB"/>
           </a:p>
@@ -3881,7 +3981,7 @@
           <a:p>
             <a:fld id="{5FFCCEB8-80C3-44AA-83D7-DF78E6311A10}" type="datetimeFigureOut">
               <a:rPr lang="en-GB" smtClean="0"/>
-              <a:t>08/08/2015</a:t>
+              <a:t>30/08/2015</a:t>
             </a:fld>
             <a:endParaRPr lang="en-GB"/>
           </a:p>
@@ -4138,7 +4238,7 @@
           <a:p>
             <a:fld id="{5FFCCEB8-80C3-44AA-83D7-DF78E6311A10}" type="datetimeFigureOut">
               <a:rPr lang="en-GB" smtClean="0"/>
-              <a:t>08/08/2015</a:t>
+              <a:t>30/08/2015</a:t>
             </a:fld>
             <a:endParaRPr lang="en-GB"/>
           </a:p>
@@ -4351,7 +4451,7 @@
           <a:p>
             <a:fld id="{5FFCCEB8-80C3-44AA-83D7-DF78E6311A10}" type="datetimeFigureOut">
               <a:rPr lang="en-GB" smtClean="0"/>
-              <a:t>08/08/2015</a:t>
+              <a:t>30/08/2015</a:t>
             </a:fld>
             <a:endParaRPr lang="en-GB"/>
           </a:p>
@@ -4923,8 +5023,9 @@
             <a:pPr algn="ctr"/>
             <a:r>
               <a:rPr lang="en-GB" dirty="0" smtClean="0"/>
-              <a:t>RAG-</a:t>
-            </a:r>
+              <a:t>GFP-</a:t>
+            </a:r>
+            <a:endParaRPr lang="en-GB" dirty="0" smtClean="0"/>
           </a:p>
           <a:p>
             <a:pPr algn="ctr"/>
@@ -4944,8 +5045,8 @@
         </p:nvSpPr>
         <p:spPr>
           <a:xfrm>
-            <a:off x="1625465" y="798019"/>
-            <a:ext cx="814005" cy="646331"/>
+            <a:off x="1641463" y="798019"/>
+            <a:ext cx="782010" cy="646331"/>
           </a:xfrm>
           <a:prstGeom prst="rect">
             <a:avLst/>
@@ -4963,7 +5064,7 @@
             <a:pPr algn="ctr"/>
             <a:r>
               <a:rPr lang="en-GB" dirty="0" err="1" smtClean="0"/>
-              <a:t>RAG</a:t>
+              <a:t>GFP</a:t>
             </a:r>
             <a:r>
               <a:rPr lang="en-GB" baseline="30000" dirty="0" err="1" smtClean="0"/>
@@ -4989,8 +5090,8 @@
         </p:nvSpPr>
         <p:spPr>
           <a:xfrm>
-            <a:off x="2348027" y="798018"/>
-            <a:ext cx="854658" cy="646331"/>
+            <a:off x="2364025" y="798018"/>
+            <a:ext cx="822661" cy="646331"/>
           </a:xfrm>
           <a:prstGeom prst="rect">
             <a:avLst/>
@@ -5008,7 +5109,7 @@
             <a:pPr algn="ctr"/>
             <a:r>
               <a:rPr lang="en-GB" dirty="0" err="1" smtClean="0"/>
-              <a:t>RAG</a:t>
+              <a:t>GFP</a:t>
             </a:r>
             <a:r>
               <a:rPr lang="en-GB" baseline="30000" dirty="0" err="1" smtClean="0"/>
@@ -5053,8 +5154,9 @@
             <a:pPr algn="ctr"/>
             <a:r>
               <a:rPr lang="en-GB" dirty="0" smtClean="0"/>
-              <a:t>RAG-</a:t>
-            </a:r>
+              <a:t>GFP-</a:t>
+            </a:r>
+            <a:endParaRPr lang="en-GB" dirty="0" smtClean="0"/>
           </a:p>
           <a:p>
             <a:pPr algn="ctr"/>
@@ -5074,8 +5176,8 @@
         </p:nvSpPr>
         <p:spPr>
           <a:xfrm>
-            <a:off x="5152832" y="809105"/>
-            <a:ext cx="814005" cy="646331"/>
+            <a:off x="5168830" y="809105"/>
+            <a:ext cx="782010" cy="646331"/>
           </a:xfrm>
           <a:prstGeom prst="rect">
             <a:avLst/>
@@ -5093,7 +5195,7 @@
             <a:pPr algn="ctr"/>
             <a:r>
               <a:rPr lang="en-GB" dirty="0" err="1" smtClean="0"/>
-              <a:t>RAG</a:t>
+              <a:t>GFP</a:t>
             </a:r>
             <a:r>
               <a:rPr lang="en-GB" baseline="30000" dirty="0" err="1" smtClean="0"/>
@@ -5119,8 +5221,8 @@
         </p:nvSpPr>
         <p:spPr>
           <a:xfrm>
-            <a:off x="5966837" y="809105"/>
-            <a:ext cx="854658" cy="646331"/>
+            <a:off x="5899705" y="809105"/>
+            <a:ext cx="822661" cy="646331"/>
           </a:xfrm>
           <a:prstGeom prst="rect">
             <a:avLst/>
@@ -5138,7 +5240,7 @@
             <a:pPr algn="ctr"/>
             <a:r>
               <a:rPr lang="en-GB" dirty="0" err="1" smtClean="0"/>
-              <a:t>RAG</a:t>
+              <a:t>GFP</a:t>
             </a:r>
             <a:r>
               <a:rPr lang="en-GB" baseline="30000" dirty="0" err="1" smtClean="0"/>
@@ -5183,8 +5285,9 @@
             <a:pPr algn="ctr"/>
             <a:r>
               <a:rPr lang="en-GB" dirty="0" smtClean="0"/>
-              <a:t>RAG-</a:t>
-            </a:r>
+              <a:t>GFP-</a:t>
+            </a:r>
+            <a:endParaRPr lang="en-GB" dirty="0" smtClean="0"/>
           </a:p>
           <a:p>
             <a:pPr algn="ctr"/>
@@ -5204,8 +5307,8 @@
         </p:nvSpPr>
         <p:spPr>
           <a:xfrm>
-            <a:off x="8683666" y="809451"/>
-            <a:ext cx="814005" cy="646331"/>
+            <a:off x="8699664" y="809451"/>
+            <a:ext cx="782010" cy="646331"/>
           </a:xfrm>
           <a:prstGeom prst="rect">
             <a:avLst/>
@@ -5223,7 +5326,7 @@
             <a:pPr algn="ctr"/>
             <a:r>
               <a:rPr lang="en-GB" dirty="0" err="1" smtClean="0"/>
-              <a:t>RAG</a:t>
+              <a:t>GFP</a:t>
             </a:r>
             <a:r>
               <a:rPr lang="en-GB" baseline="30000" dirty="0" err="1" smtClean="0"/>
@@ -5249,8 +5352,8 @@
         </p:nvSpPr>
         <p:spPr>
           <a:xfrm>
-            <a:off x="9487220" y="809451"/>
-            <a:ext cx="875561" cy="646331"/>
+            <a:off x="9405603" y="809451"/>
+            <a:ext cx="822661" cy="646331"/>
           </a:xfrm>
           <a:prstGeom prst="rect">
             <a:avLst/>
@@ -5268,7 +5371,7 @@
             <a:pPr algn="ctr"/>
             <a:r>
               <a:rPr lang="en-GB" dirty="0" err="1" smtClean="0"/>
-              <a:t>RAG</a:t>
+              <a:t>GFP</a:t>
             </a:r>
             <a:r>
               <a:rPr lang="en-GB" baseline="30000" dirty="0" err="1" smtClean="0"/>
@@ -5408,7 +5511,7 @@
           <a:p>
             <a:r>
               <a:rPr lang="en-GB" sz="2400" dirty="0" smtClean="0"/>
-              <a:t>RAG</a:t>
+              <a:t>GFP</a:t>
             </a:r>
             <a:endParaRPr lang="en-GB" sz="2400" dirty="0"/>
           </a:p>
@@ -5440,7 +5543,7 @@
           <a:p>
             <a:r>
               <a:rPr lang="en-GB" sz="2400" dirty="0" smtClean="0"/>
-              <a:t>RAG</a:t>
+              <a:t>GFP</a:t>
             </a:r>
             <a:endParaRPr lang="en-GB" sz="2400" dirty="0"/>
           </a:p>
@@ -5472,7 +5575,7 @@
           <a:p>
             <a:r>
               <a:rPr lang="en-GB" sz="2400" dirty="0" smtClean="0"/>
-              <a:t>RAG</a:t>
+              <a:t>GFP</a:t>
             </a:r>
             <a:endParaRPr lang="en-GB" sz="2400" dirty="0"/>
           </a:p>
@@ -5701,8 +5804,9 @@
             <a:pPr algn="ctr"/>
             <a:r>
               <a:rPr lang="en-GB" dirty="0" smtClean="0"/>
-              <a:t>RAG-</a:t>
-            </a:r>
+              <a:t>GFP-</a:t>
+            </a:r>
+            <a:endParaRPr lang="en-GB" dirty="0" smtClean="0"/>
           </a:p>
           <a:p>
             <a:pPr algn="ctr"/>
@@ -5722,8 +5826,8 @@
         </p:nvSpPr>
         <p:spPr>
           <a:xfrm>
-            <a:off x="1625465" y="798019"/>
-            <a:ext cx="814005" cy="646331"/>
+            <a:off x="1641463" y="798019"/>
+            <a:ext cx="782010" cy="646331"/>
           </a:xfrm>
           <a:prstGeom prst="rect">
             <a:avLst/>
@@ -5741,7 +5845,7 @@
             <a:pPr algn="ctr"/>
             <a:r>
               <a:rPr lang="en-GB" dirty="0" err="1" smtClean="0"/>
-              <a:t>RAG</a:t>
+              <a:t>GFP</a:t>
             </a:r>
             <a:r>
               <a:rPr lang="en-GB" baseline="30000" dirty="0" err="1" smtClean="0"/>
@@ -5767,8 +5871,8 @@
         </p:nvSpPr>
         <p:spPr>
           <a:xfrm>
-            <a:off x="2348027" y="798018"/>
-            <a:ext cx="854658" cy="646331"/>
+            <a:off x="2364025" y="798018"/>
+            <a:ext cx="822661" cy="646331"/>
           </a:xfrm>
           <a:prstGeom prst="rect">
             <a:avLst/>
@@ -5786,7 +5890,7 @@
             <a:pPr algn="ctr"/>
             <a:r>
               <a:rPr lang="en-GB" dirty="0" err="1" smtClean="0"/>
-              <a:t>RAG</a:t>
+              <a:t>GFP</a:t>
             </a:r>
             <a:r>
               <a:rPr lang="en-GB" baseline="30000" dirty="0" err="1" smtClean="0"/>
@@ -5831,8 +5935,9 @@
             <a:pPr algn="ctr"/>
             <a:r>
               <a:rPr lang="en-GB" dirty="0" smtClean="0"/>
-              <a:t>RAG-</a:t>
-            </a:r>
+              <a:t>GFP-</a:t>
+            </a:r>
+            <a:endParaRPr lang="en-GB" dirty="0" smtClean="0"/>
           </a:p>
           <a:p>
             <a:pPr algn="ctr"/>
@@ -5852,8 +5957,8 @@
         </p:nvSpPr>
         <p:spPr>
           <a:xfrm>
-            <a:off x="5152832" y="809105"/>
-            <a:ext cx="814005" cy="646331"/>
+            <a:off x="5168830" y="809105"/>
+            <a:ext cx="782010" cy="646331"/>
           </a:xfrm>
           <a:prstGeom prst="rect">
             <a:avLst/>
@@ -5871,7 +5976,7 @@
             <a:pPr algn="ctr"/>
             <a:r>
               <a:rPr lang="en-GB" dirty="0" err="1" smtClean="0"/>
-              <a:t>RAG</a:t>
+              <a:t>GFP</a:t>
             </a:r>
             <a:r>
               <a:rPr lang="en-GB" baseline="30000" dirty="0" err="1" smtClean="0"/>
@@ -5897,8 +6002,8 @@
         </p:nvSpPr>
         <p:spPr>
           <a:xfrm>
-            <a:off x="5966837" y="809105"/>
-            <a:ext cx="854658" cy="646331"/>
+            <a:off x="5866454" y="809105"/>
+            <a:ext cx="822661" cy="646331"/>
           </a:xfrm>
           <a:prstGeom prst="rect">
             <a:avLst/>
@@ -5916,7 +6021,7 @@
             <a:pPr algn="ctr"/>
             <a:r>
               <a:rPr lang="en-GB" dirty="0" err="1" smtClean="0"/>
-              <a:t>RAG</a:t>
+              <a:t>GFP</a:t>
             </a:r>
             <a:r>
               <a:rPr lang="en-GB" baseline="30000" dirty="0" err="1" smtClean="0"/>
@@ -5961,8 +6066,9 @@
             <a:pPr algn="ctr"/>
             <a:r>
               <a:rPr lang="en-GB" dirty="0" smtClean="0"/>
-              <a:t>RAG-</a:t>
-            </a:r>
+              <a:t>GFP-</a:t>
+            </a:r>
+            <a:endParaRPr lang="en-GB" dirty="0" smtClean="0"/>
           </a:p>
           <a:p>
             <a:pPr algn="ctr"/>
@@ -5982,8 +6088,8 @@
         </p:nvSpPr>
         <p:spPr>
           <a:xfrm>
-            <a:off x="8691979" y="809451"/>
-            <a:ext cx="814005" cy="646331"/>
+            <a:off x="8707977" y="809451"/>
+            <a:ext cx="782010" cy="646331"/>
           </a:xfrm>
           <a:prstGeom prst="rect">
             <a:avLst/>
@@ -6001,7 +6107,7 @@
             <a:pPr algn="ctr"/>
             <a:r>
               <a:rPr lang="en-GB" dirty="0" err="1" smtClean="0"/>
-              <a:t>RAG</a:t>
+              <a:t>GFP</a:t>
             </a:r>
             <a:r>
               <a:rPr lang="en-GB" baseline="30000" dirty="0" err="1" smtClean="0"/>
@@ -6027,8 +6133,8 @@
         </p:nvSpPr>
         <p:spPr>
           <a:xfrm>
-            <a:off x="9495533" y="809451"/>
-            <a:ext cx="875561" cy="646331"/>
+            <a:off x="9405607" y="809451"/>
+            <a:ext cx="822661" cy="646331"/>
           </a:xfrm>
           <a:prstGeom prst="rect">
             <a:avLst/>
@@ -6046,7 +6152,7 @@
             <a:pPr algn="ctr"/>
             <a:r>
               <a:rPr lang="en-GB" dirty="0" err="1" smtClean="0"/>
-              <a:t>RAG</a:t>
+              <a:t>GFP</a:t>
             </a:r>
             <a:r>
               <a:rPr lang="en-GB" baseline="30000" dirty="0" err="1" smtClean="0"/>
@@ -6186,7 +6292,7 @@
           <a:p>
             <a:r>
               <a:rPr lang="en-GB" sz="2400" dirty="0" smtClean="0"/>
-              <a:t>RAG</a:t>
+              <a:t>GFP</a:t>
             </a:r>
             <a:endParaRPr lang="en-GB" sz="2400" dirty="0"/>
           </a:p>
@@ -6218,7 +6324,7 @@
           <a:p>
             <a:r>
               <a:rPr lang="en-GB" sz="2400" dirty="0" smtClean="0"/>
-              <a:t>RAG</a:t>
+              <a:t>GFP</a:t>
             </a:r>
             <a:endParaRPr lang="en-GB" sz="2400" dirty="0"/>
           </a:p>
@@ -6250,7 +6356,7 @@
           <a:p>
             <a:r>
               <a:rPr lang="en-GB" sz="2400" dirty="0" smtClean="0"/>
-              <a:t>RAG</a:t>
+              <a:t>GFP</a:t>
             </a:r>
             <a:endParaRPr lang="en-GB" sz="2400" dirty="0"/>
           </a:p>
@@ -6396,7 +6502,7 @@
         </p:blipFill>
         <p:spPr>
           <a:xfrm>
-            <a:off x="99752" y="260090"/>
+            <a:off x="3646488" y="160338"/>
             <a:ext cx="3505200" cy="3638550"/>
           </a:xfrm>
           <a:prstGeom prst="rect">
@@ -6404,46 +6510,6 @@
           </a:prstGeom>
         </p:spPr>
       </p:pic>
-      <p:sp>
-        <p:nvSpPr>
-          <p:cNvPr id="3" name="TextBox 2"/>
-          <p:cNvSpPr txBox="1"/>
-          <p:nvPr/>
-        </p:nvSpPr>
-        <p:spPr>
-          <a:xfrm>
-            <a:off x="968378" y="1155473"/>
-            <a:ext cx="800220" cy="646331"/>
-          </a:xfrm>
-          <a:prstGeom prst="rect">
-            <a:avLst/>
-          </a:prstGeom>
-          <a:solidFill>
-            <a:schemeClr val="bg1"/>
-          </a:solidFill>
-        </p:spPr>
-        <p:txBody>
-          <a:bodyPr wrap="none" rtlCol="0">
-            <a:spAutoFit/>
-          </a:bodyPr>
-          <a:lstStyle/>
-          <a:p>
-            <a:pPr algn="ctr"/>
-            <a:r>
-              <a:rPr lang="en-GB" dirty="0" smtClean="0"/>
-              <a:t>CD19+</a:t>
-            </a:r>
-          </a:p>
-          <a:p>
-            <a:pPr algn="ctr"/>
-            <a:r>
-              <a:rPr lang="en-GB" dirty="0" smtClean="0"/>
-              <a:t>3.43%</a:t>
-            </a:r>
-            <a:endParaRPr lang="en-GB" dirty="0"/>
-          </a:p>
-        </p:txBody>
-      </p:sp>
       <p:pic>
         <p:nvPicPr>
           <p:cNvPr id="4" name="Picture 3"/>
@@ -6460,7 +6526,7 @@
         </p:blipFill>
         <p:spPr>
           <a:xfrm>
-            <a:off x="7122001" y="260090"/>
+            <a:off x="141288" y="160338"/>
             <a:ext cx="3505200" cy="3638550"/>
           </a:xfrm>
           <a:prstGeom prst="rect">
@@ -6468,177 +6534,9 @@
           </a:prstGeom>
         </p:spPr>
       </p:pic>
-      <p:sp>
-        <p:nvSpPr>
-          <p:cNvPr id="5" name="TextBox 4"/>
-          <p:cNvSpPr txBox="1"/>
-          <p:nvPr/>
-        </p:nvSpPr>
-        <p:spPr>
-          <a:xfrm>
-            <a:off x="7987091" y="1155473"/>
-            <a:ext cx="800220" cy="646331"/>
-          </a:xfrm>
-          <a:prstGeom prst="rect">
-            <a:avLst/>
-          </a:prstGeom>
-          <a:solidFill>
-            <a:schemeClr val="bg1"/>
-          </a:solidFill>
-        </p:spPr>
-        <p:txBody>
-          <a:bodyPr wrap="none" rtlCol="0">
-            <a:spAutoFit/>
-          </a:bodyPr>
-          <a:lstStyle/>
-          <a:p>
-            <a:pPr algn="ctr"/>
-            <a:r>
-              <a:rPr lang="en-GB" dirty="0" smtClean="0"/>
-              <a:t>CD19+</a:t>
-            </a:r>
-          </a:p>
-          <a:p>
-            <a:pPr algn="ctr"/>
-            <a:r>
-              <a:rPr lang="en-GB" dirty="0" smtClean="0"/>
-              <a:t>1.24%</a:t>
-            </a:r>
-            <a:endParaRPr lang="en-GB" dirty="0"/>
-          </a:p>
-        </p:txBody>
-      </p:sp>
-      <p:sp>
-        <p:nvSpPr>
-          <p:cNvPr id="6" name="TextBox 5"/>
-          <p:cNvSpPr txBox="1"/>
-          <p:nvPr/>
-        </p:nvSpPr>
-        <p:spPr>
-          <a:xfrm rot="16200000">
-            <a:off x="-707645" y="1840948"/>
-            <a:ext cx="2176216" cy="461665"/>
-          </a:xfrm>
-          <a:prstGeom prst="rect">
-            <a:avLst/>
-          </a:prstGeom>
-          <a:solidFill>
-            <a:schemeClr val="bg1"/>
-          </a:solidFill>
-        </p:spPr>
-        <p:txBody>
-          <a:bodyPr wrap="square" rtlCol="0">
-            <a:spAutoFit/>
-          </a:bodyPr>
-          <a:lstStyle/>
-          <a:p>
-            <a:r>
-              <a:rPr lang="en-GB" sz="2400" dirty="0" smtClean="0"/>
-              <a:t>CD19</a:t>
-            </a:r>
-            <a:endParaRPr lang="en-GB" sz="2400" dirty="0"/>
-          </a:p>
-        </p:txBody>
-      </p:sp>
-      <p:sp>
-        <p:nvSpPr>
-          <p:cNvPr id="7" name="TextBox 6"/>
-          <p:cNvSpPr txBox="1"/>
-          <p:nvPr/>
-        </p:nvSpPr>
-        <p:spPr>
-          <a:xfrm>
-            <a:off x="894241" y="3344487"/>
-            <a:ext cx="1652697" cy="461665"/>
-          </a:xfrm>
-          <a:prstGeom prst="rect">
-            <a:avLst/>
-          </a:prstGeom>
-          <a:solidFill>
-            <a:schemeClr val="bg1"/>
-          </a:solidFill>
-        </p:spPr>
-        <p:txBody>
-          <a:bodyPr wrap="none" rtlCol="0">
-            <a:spAutoFit/>
-          </a:bodyPr>
-          <a:lstStyle/>
-          <a:p>
-            <a:r>
-              <a:rPr lang="en-GB" sz="2400" dirty="0" smtClean="0"/>
-              <a:t>Side Scatter</a:t>
-            </a:r>
-            <a:endParaRPr lang="en-GB" sz="2400" dirty="0"/>
-          </a:p>
-        </p:txBody>
-      </p:sp>
-      <p:sp>
-        <p:nvSpPr>
-          <p:cNvPr id="8" name="TextBox 7"/>
-          <p:cNvSpPr txBox="1"/>
-          <p:nvPr/>
-        </p:nvSpPr>
-        <p:spPr>
-          <a:xfrm rot="16200000">
-            <a:off x="6314604" y="1840948"/>
-            <a:ext cx="2176216" cy="461665"/>
-          </a:xfrm>
-          <a:prstGeom prst="rect">
-            <a:avLst/>
-          </a:prstGeom>
-          <a:solidFill>
-            <a:schemeClr val="bg1"/>
-          </a:solidFill>
-        </p:spPr>
-        <p:txBody>
-          <a:bodyPr wrap="square" rtlCol="0">
-            <a:spAutoFit/>
-          </a:bodyPr>
-          <a:lstStyle/>
-          <a:p>
-            <a:r>
-              <a:rPr lang="en-GB" sz="2400" dirty="0" smtClean="0"/>
-              <a:t>CD19</a:t>
-            </a:r>
-            <a:endParaRPr lang="en-GB" sz="2400" dirty="0"/>
-          </a:p>
-        </p:txBody>
-      </p:sp>
-      <p:sp>
-        <p:nvSpPr>
-          <p:cNvPr id="9" name="TextBox 8"/>
-          <p:cNvSpPr txBox="1"/>
-          <p:nvPr/>
-        </p:nvSpPr>
-        <p:spPr>
-          <a:xfrm>
-            <a:off x="7916490" y="3344487"/>
-            <a:ext cx="1652697" cy="461665"/>
-          </a:xfrm>
-          <a:prstGeom prst="rect">
-            <a:avLst/>
-          </a:prstGeom>
-          <a:solidFill>
-            <a:schemeClr val="bg1"/>
-          </a:solidFill>
-        </p:spPr>
-        <p:txBody>
-          <a:bodyPr wrap="none" rtlCol="0">
-            <a:spAutoFit/>
-          </a:bodyPr>
-          <a:lstStyle/>
-          <a:p>
-            <a:r>
-              <a:rPr lang="en-GB" sz="2400" dirty="0" smtClean="0"/>
-              <a:t>Side Scatter</a:t>
-            </a:r>
-            <a:endParaRPr lang="en-GB" sz="2400" dirty="0"/>
-          </a:p>
-        </p:txBody>
-      </p:sp>
       <p:pic>
         <p:nvPicPr>
-          <p:cNvPr id="11" name="Picture 10"/>
+          <p:cNvPr id="5" name="Picture 4"/>
           <p:cNvPicPr>
             <a:picLocks noChangeAspect="1"/>
           </p:cNvPicPr>
@@ -6652,7 +6550,7 @@
         </p:blipFill>
         <p:spPr>
           <a:xfrm>
-            <a:off x="3610877" y="260090"/>
+            <a:off x="7151688" y="160338"/>
             <a:ext cx="3505200" cy="3638550"/>
           </a:xfrm>
           <a:prstGeom prst="rect">
@@ -6662,85 +6560,13 @@
       </p:pic>
       <p:sp>
         <p:nvSpPr>
-          <p:cNvPr id="12" name="TextBox 11"/>
-          <p:cNvSpPr txBox="1"/>
-          <p:nvPr/>
-        </p:nvSpPr>
-        <p:spPr>
-          <a:xfrm>
-            <a:off x="4471566" y="1155473"/>
-            <a:ext cx="800220" cy="646331"/>
-          </a:xfrm>
-          <a:prstGeom prst="rect">
-            <a:avLst/>
-          </a:prstGeom>
-          <a:solidFill>
-            <a:schemeClr val="bg1"/>
-          </a:solidFill>
-        </p:spPr>
-        <p:txBody>
-          <a:bodyPr wrap="none" rtlCol="0">
-            <a:spAutoFit/>
-          </a:bodyPr>
-          <a:lstStyle/>
-          <a:p>
-            <a:pPr algn="ctr"/>
-            <a:r>
-              <a:rPr lang="en-GB" dirty="0" smtClean="0"/>
-              <a:t>CD19+</a:t>
-            </a:r>
-          </a:p>
-          <a:p>
-            <a:pPr algn="ctr"/>
-            <a:r>
-              <a:rPr lang="en-GB" dirty="0" smtClean="0"/>
-              <a:t>3.48%</a:t>
-            </a:r>
-            <a:endParaRPr lang="en-GB" dirty="0"/>
-          </a:p>
-        </p:txBody>
-      </p:sp>
-      <p:sp>
-        <p:nvSpPr>
-          <p:cNvPr id="13" name="TextBox 12"/>
+          <p:cNvPr id="6" name="TextBox 5"/>
           <p:cNvSpPr txBox="1"/>
           <p:nvPr/>
         </p:nvSpPr>
         <p:spPr>
           <a:xfrm rot="16200000">
-            <a:off x="2809404" y="1840947"/>
-            <a:ext cx="2176216" cy="461665"/>
-          </a:xfrm>
-          <a:prstGeom prst="rect">
-            <a:avLst/>
-          </a:prstGeom>
-          <a:solidFill>
-            <a:schemeClr val="bg1"/>
-          </a:solidFill>
-        </p:spPr>
-        <p:txBody>
-          <a:bodyPr wrap="square" rtlCol="0">
-            <a:spAutoFit/>
-          </a:bodyPr>
-          <a:lstStyle/>
-          <a:p>
-            <a:r>
-              <a:rPr lang="en-GB" sz="2400" dirty="0" smtClean="0"/>
-              <a:t>CD19</a:t>
-            </a:r>
-            <a:endParaRPr lang="en-GB" sz="2400" dirty="0"/>
-          </a:p>
-        </p:txBody>
-      </p:sp>
-      <p:sp>
-        <p:nvSpPr>
-          <p:cNvPr id="14" name="TextBox 13"/>
-          <p:cNvSpPr txBox="1"/>
-          <p:nvPr/>
-        </p:nvSpPr>
-        <p:spPr>
-          <a:xfrm>
-            <a:off x="4411290" y="3344486"/>
+            <a:off x="-457590" y="2059265"/>
             <a:ext cx="1652697" cy="461665"/>
           </a:xfrm>
           <a:prstGeom prst="rect">
@@ -6766,19 +6592,275 @@
       </p:sp>
       <p:sp>
         <p:nvSpPr>
+          <p:cNvPr id="7" name="TextBox 6"/>
+          <p:cNvSpPr txBox="1"/>
+          <p:nvPr/>
+        </p:nvSpPr>
+        <p:spPr>
+          <a:xfrm rot="16200000">
+            <a:off x="3050607" y="2017700"/>
+            <a:ext cx="1652697" cy="461665"/>
+          </a:xfrm>
+          <a:prstGeom prst="rect">
+            <a:avLst/>
+          </a:prstGeom>
+          <a:solidFill>
+            <a:schemeClr val="bg1"/>
+          </a:solidFill>
+        </p:spPr>
+        <p:txBody>
+          <a:bodyPr wrap="none" rtlCol="0">
+            <a:spAutoFit/>
+          </a:bodyPr>
+          <a:lstStyle/>
+          <a:p>
+            <a:r>
+              <a:rPr lang="en-GB" sz="2400" dirty="0" smtClean="0"/>
+              <a:t>Side Scatter</a:t>
+            </a:r>
+            <a:endParaRPr lang="en-GB" sz="2400" dirty="0"/>
+          </a:p>
+        </p:txBody>
+      </p:sp>
+      <p:sp>
+        <p:nvSpPr>
+          <p:cNvPr id="8" name="TextBox 7"/>
+          <p:cNvSpPr txBox="1"/>
+          <p:nvPr/>
+        </p:nvSpPr>
+        <p:spPr>
+          <a:xfrm rot="16200000">
+            <a:off x="6526869" y="2059265"/>
+            <a:ext cx="1652697" cy="461665"/>
+          </a:xfrm>
+          <a:prstGeom prst="rect">
+            <a:avLst/>
+          </a:prstGeom>
+          <a:solidFill>
+            <a:schemeClr val="bg1"/>
+          </a:solidFill>
+        </p:spPr>
+        <p:txBody>
+          <a:bodyPr wrap="none" rtlCol="0">
+            <a:spAutoFit/>
+          </a:bodyPr>
+          <a:lstStyle/>
+          <a:p>
+            <a:r>
+              <a:rPr lang="en-GB" sz="2400" dirty="0" smtClean="0"/>
+              <a:t>Side Scatter</a:t>
+            </a:r>
+            <a:endParaRPr lang="en-GB" sz="2400" dirty="0"/>
+          </a:p>
+        </p:txBody>
+      </p:sp>
+      <p:sp>
+        <p:nvSpPr>
+          <p:cNvPr id="9" name="TextBox 8"/>
+          <p:cNvSpPr txBox="1"/>
+          <p:nvPr/>
+        </p:nvSpPr>
+        <p:spPr>
+          <a:xfrm>
+            <a:off x="931022" y="3341719"/>
+            <a:ext cx="2402382" cy="461665"/>
+          </a:xfrm>
+          <a:prstGeom prst="rect">
+            <a:avLst/>
+          </a:prstGeom>
+          <a:solidFill>
+            <a:schemeClr val="bg1"/>
+          </a:solidFill>
+        </p:spPr>
+        <p:txBody>
+          <a:bodyPr wrap="square" rtlCol="0">
+            <a:spAutoFit/>
+          </a:bodyPr>
+          <a:lstStyle/>
+          <a:p>
+            <a:r>
+              <a:rPr lang="en-GB" sz="2400" dirty="0" smtClean="0"/>
+              <a:t>GFP</a:t>
+            </a:r>
+            <a:endParaRPr lang="en-GB" sz="2400" dirty="0"/>
+          </a:p>
+        </p:txBody>
+      </p:sp>
+      <p:sp>
+        <p:nvSpPr>
+          <p:cNvPr id="10" name="TextBox 9"/>
+          <p:cNvSpPr txBox="1"/>
+          <p:nvPr/>
+        </p:nvSpPr>
+        <p:spPr>
+          <a:xfrm>
+            <a:off x="4444535" y="3341719"/>
+            <a:ext cx="2189020" cy="461665"/>
+          </a:xfrm>
+          <a:prstGeom prst="rect">
+            <a:avLst/>
+          </a:prstGeom>
+          <a:solidFill>
+            <a:schemeClr val="bg1"/>
+          </a:solidFill>
+        </p:spPr>
+        <p:txBody>
+          <a:bodyPr wrap="square" rtlCol="0">
+            <a:spAutoFit/>
+          </a:bodyPr>
+          <a:lstStyle/>
+          <a:p>
+            <a:r>
+              <a:rPr lang="en-GB" sz="2400" dirty="0" smtClean="0"/>
+              <a:t>GFP</a:t>
+            </a:r>
+            <a:endParaRPr lang="en-GB" sz="2400" dirty="0"/>
+          </a:p>
+        </p:txBody>
+      </p:sp>
+      <p:sp>
+        <p:nvSpPr>
+          <p:cNvPr id="11" name="TextBox 10"/>
+          <p:cNvSpPr txBox="1"/>
+          <p:nvPr/>
+        </p:nvSpPr>
+        <p:spPr>
+          <a:xfrm>
+            <a:off x="7924796" y="3346187"/>
+            <a:ext cx="1965431" cy="461665"/>
+          </a:xfrm>
+          <a:prstGeom prst="rect">
+            <a:avLst/>
+          </a:prstGeom>
+          <a:solidFill>
+            <a:schemeClr val="bg1"/>
+          </a:solidFill>
+        </p:spPr>
+        <p:txBody>
+          <a:bodyPr wrap="square" rtlCol="0">
+            <a:spAutoFit/>
+          </a:bodyPr>
+          <a:lstStyle/>
+          <a:p>
+            <a:r>
+              <a:rPr lang="en-GB" sz="2400" dirty="0" smtClean="0"/>
+              <a:t>GFP</a:t>
+            </a:r>
+            <a:endParaRPr lang="en-GB" sz="2400" dirty="0"/>
+          </a:p>
+        </p:txBody>
+      </p:sp>
+      <p:sp>
+        <p:nvSpPr>
+          <p:cNvPr id="12" name="TextBox 11"/>
+          <p:cNvSpPr txBox="1"/>
+          <p:nvPr/>
+        </p:nvSpPr>
+        <p:spPr>
+          <a:xfrm>
+            <a:off x="1380182" y="99753"/>
+            <a:ext cx="940322" cy="369332"/>
+          </a:xfrm>
+          <a:prstGeom prst="rect">
+            <a:avLst/>
+          </a:prstGeom>
+          <a:noFill/>
+        </p:spPr>
+        <p:txBody>
+          <a:bodyPr wrap="none" rtlCol="0">
+            <a:spAutoFit/>
+          </a:bodyPr>
+          <a:lstStyle/>
+          <a:p>
+            <a:r>
+              <a:rPr lang="en-GB" dirty="0" smtClean="0"/>
+              <a:t>4 weeks</a:t>
+            </a:r>
+            <a:endParaRPr lang="en-GB" dirty="0"/>
+          </a:p>
+        </p:txBody>
+      </p:sp>
+      <p:sp>
+        <p:nvSpPr>
+          <p:cNvPr id="13" name="TextBox 12"/>
+          <p:cNvSpPr txBox="1"/>
+          <p:nvPr/>
+        </p:nvSpPr>
+        <p:spPr>
+          <a:xfrm>
+            <a:off x="5068884" y="99753"/>
+            <a:ext cx="940322" cy="369332"/>
+          </a:xfrm>
+          <a:prstGeom prst="rect">
+            <a:avLst/>
+          </a:prstGeom>
+          <a:noFill/>
+        </p:spPr>
+        <p:txBody>
+          <a:bodyPr wrap="none" rtlCol="0">
+            <a:spAutoFit/>
+          </a:bodyPr>
+          <a:lstStyle/>
+          <a:p>
+            <a:r>
+              <a:rPr lang="en-GB" dirty="0"/>
+              <a:t>7</a:t>
+            </a:r>
+            <a:r>
+              <a:rPr lang="en-GB" dirty="0" smtClean="0"/>
+              <a:t> weeks</a:t>
+            </a:r>
+            <a:endParaRPr lang="en-GB" dirty="0"/>
+          </a:p>
+        </p:txBody>
+      </p:sp>
+      <p:sp>
+        <p:nvSpPr>
+          <p:cNvPr id="14" name="TextBox 13"/>
+          <p:cNvSpPr txBox="1"/>
+          <p:nvPr/>
+        </p:nvSpPr>
+        <p:spPr>
+          <a:xfrm>
+            <a:off x="8520432" y="99753"/>
+            <a:ext cx="1057341" cy="369332"/>
+          </a:xfrm>
+          <a:prstGeom prst="rect">
+            <a:avLst/>
+          </a:prstGeom>
+          <a:noFill/>
+        </p:spPr>
+        <p:txBody>
+          <a:bodyPr wrap="none" rtlCol="0">
+            <a:spAutoFit/>
+          </a:bodyPr>
+          <a:lstStyle/>
+          <a:p>
+            <a:r>
+              <a:rPr lang="en-GB" dirty="0" smtClean="0"/>
+              <a:t>11 weeks</a:t>
+            </a:r>
+            <a:endParaRPr lang="en-GB" dirty="0"/>
+          </a:p>
+        </p:txBody>
+      </p:sp>
+      <p:sp>
+        <p:nvSpPr>
           <p:cNvPr id="15" name="TextBox 14"/>
           <p:cNvSpPr txBox="1"/>
           <p:nvPr/>
         </p:nvSpPr>
         <p:spPr>
           <a:xfrm>
-            <a:off x="1638992" y="182255"/>
-            <a:ext cx="426720" cy="369332"/>
-          </a:xfrm>
-          <a:prstGeom prst="rect">
-            <a:avLst/>
-          </a:prstGeom>
-          <a:noFill/>
+            <a:off x="980902" y="723203"/>
+            <a:ext cx="758541" cy="646331"/>
+          </a:xfrm>
+          <a:prstGeom prst="rect">
+            <a:avLst/>
+          </a:prstGeom>
+          <a:solidFill>
+            <a:schemeClr val="bg1"/>
+          </a:solidFill>
         </p:spPr>
         <p:txBody>
           <a:bodyPr wrap="none" rtlCol="0">
@@ -6786,9 +6868,22 @@
           </a:bodyPr>
           <a:lstStyle/>
           <a:p>
+            <a:pPr algn="ctr"/>
             <a:r>
               <a:rPr lang="en-GB" dirty="0" smtClean="0"/>
-              <a:t>B6</a:t>
+              <a:t>GFP</a:t>
+            </a:r>
+            <a:r>
+              <a:rPr lang="en-GB" dirty="0" smtClean="0"/>
+              <a:t>-</a:t>
+            </a:r>
+            <a:endParaRPr lang="en-GB" dirty="0" smtClean="0"/>
+          </a:p>
+          <a:p>
+            <a:pPr algn="ctr"/>
+            <a:r>
+              <a:rPr lang="en-GB" dirty="0" smtClean="0"/>
+              <a:t>9.00%</a:t>
             </a:r>
             <a:endParaRPr lang="en-GB" dirty="0"/>
           </a:p>
@@ -6802,13 +6897,15 @@
         </p:nvSpPr>
         <p:spPr>
           <a:xfrm>
-            <a:off x="4863981" y="182255"/>
-            <a:ext cx="998991" cy="369332"/>
-          </a:xfrm>
-          <a:prstGeom prst="rect">
-            <a:avLst/>
-          </a:prstGeom>
-          <a:noFill/>
+            <a:off x="1666402" y="723202"/>
+            <a:ext cx="782010" cy="646331"/>
+          </a:xfrm>
+          <a:prstGeom prst="rect">
+            <a:avLst/>
+          </a:prstGeom>
+          <a:solidFill>
+            <a:schemeClr val="bg1"/>
+          </a:solidFill>
         </p:spPr>
         <p:txBody>
           <a:bodyPr wrap="none" rtlCol="0">
@@ -6816,9 +6913,26 @@
           </a:bodyPr>
           <a:lstStyle/>
           <a:p>
+            <a:pPr algn="ctr"/>
+            <a:r>
+              <a:rPr lang="en-GB" dirty="0" err="1" smtClean="0"/>
+              <a:t>GFP</a:t>
+            </a:r>
+            <a:r>
+              <a:rPr lang="en-GB" baseline="30000" dirty="0" err="1" smtClean="0"/>
+              <a:t>low</a:t>
+            </a:r>
+            <a:endParaRPr lang="en-GB" baseline="30000" dirty="0" smtClean="0"/>
+          </a:p>
+          <a:p>
+            <a:pPr algn="ctr"/>
             <a:r>
               <a:rPr lang="en-GB" dirty="0" smtClean="0"/>
-              <a:t>NOD WT</a:t>
+              <a:t>26.0</a:t>
+            </a:r>
+            <a:r>
+              <a:rPr lang="en-GB" dirty="0" smtClean="0"/>
+              <a:t>%</a:t>
             </a:r>
             <a:endParaRPr lang="en-GB" dirty="0"/>
           </a:p>
@@ -6832,13 +6946,15 @@
         </p:nvSpPr>
         <p:spPr>
           <a:xfrm>
-            <a:off x="8403029" y="176889"/>
-            <a:ext cx="943143" cy="369332"/>
-          </a:xfrm>
-          <a:prstGeom prst="rect">
-            <a:avLst/>
-          </a:prstGeom>
-          <a:noFill/>
+            <a:off x="2388964" y="723201"/>
+            <a:ext cx="822661" cy="646331"/>
+          </a:xfrm>
+          <a:prstGeom prst="rect">
+            <a:avLst/>
+          </a:prstGeom>
+          <a:solidFill>
+            <a:schemeClr val="bg1"/>
+          </a:solidFill>
         </p:spPr>
         <p:txBody>
           <a:bodyPr wrap="none" rtlCol="0">
@@ -6846,9 +6962,316 @@
           </a:bodyPr>
           <a:lstStyle/>
           <a:p>
+            <a:pPr algn="ctr"/>
+            <a:r>
+              <a:rPr lang="en-GB" dirty="0" err="1" smtClean="0"/>
+              <a:t>GFP</a:t>
+            </a:r>
+            <a:r>
+              <a:rPr lang="en-GB" baseline="30000" dirty="0" err="1" smtClean="0"/>
+              <a:t>high</a:t>
+            </a:r>
+            <a:endParaRPr lang="en-GB" baseline="30000" dirty="0" smtClean="0"/>
+          </a:p>
+          <a:p>
+            <a:pPr algn="ctr"/>
             <a:r>
               <a:rPr lang="en-GB" dirty="0" smtClean="0"/>
-              <a:t>NOD KO</a:t>
+              <a:t>58.8</a:t>
+            </a:r>
+            <a:r>
+              <a:rPr lang="en-GB" dirty="0" smtClean="0"/>
+              <a:t>%</a:t>
+            </a:r>
+            <a:endParaRPr lang="en-GB" dirty="0"/>
+          </a:p>
+        </p:txBody>
+      </p:sp>
+      <p:sp>
+        <p:nvSpPr>
+          <p:cNvPr id="18" name="TextBox 17"/>
+          <p:cNvSpPr txBox="1"/>
+          <p:nvPr/>
+        </p:nvSpPr>
+        <p:spPr>
+          <a:xfrm>
+            <a:off x="4500291" y="734288"/>
+            <a:ext cx="758541" cy="646331"/>
+          </a:xfrm>
+          <a:prstGeom prst="rect">
+            <a:avLst/>
+          </a:prstGeom>
+          <a:solidFill>
+            <a:schemeClr val="bg1"/>
+          </a:solidFill>
+        </p:spPr>
+        <p:txBody>
+          <a:bodyPr wrap="none" rtlCol="0">
+            <a:spAutoFit/>
+          </a:bodyPr>
+          <a:lstStyle/>
+          <a:p>
+            <a:pPr algn="ctr"/>
+            <a:r>
+              <a:rPr lang="en-GB" dirty="0" smtClean="0"/>
+              <a:t>GFP</a:t>
+            </a:r>
+            <a:r>
+              <a:rPr lang="en-GB" dirty="0" smtClean="0"/>
+              <a:t>-</a:t>
+            </a:r>
+            <a:endParaRPr lang="en-GB" dirty="0" smtClean="0"/>
+          </a:p>
+          <a:p>
+            <a:pPr algn="ctr"/>
+            <a:r>
+              <a:rPr lang="en-GB" dirty="0" smtClean="0"/>
+              <a:t>9.58</a:t>
+            </a:r>
+            <a:r>
+              <a:rPr lang="en-GB" dirty="0" smtClean="0"/>
+              <a:t>%</a:t>
+            </a:r>
+            <a:endParaRPr lang="en-GB" dirty="0"/>
+          </a:p>
+        </p:txBody>
+      </p:sp>
+      <p:sp>
+        <p:nvSpPr>
+          <p:cNvPr id="19" name="TextBox 18"/>
+          <p:cNvSpPr txBox="1"/>
+          <p:nvPr/>
+        </p:nvSpPr>
+        <p:spPr>
+          <a:xfrm>
+            <a:off x="5202082" y="734288"/>
+            <a:ext cx="782010" cy="646331"/>
+          </a:xfrm>
+          <a:prstGeom prst="rect">
+            <a:avLst/>
+          </a:prstGeom>
+          <a:solidFill>
+            <a:schemeClr val="bg1"/>
+          </a:solidFill>
+        </p:spPr>
+        <p:txBody>
+          <a:bodyPr wrap="none" rtlCol="0">
+            <a:spAutoFit/>
+          </a:bodyPr>
+          <a:lstStyle/>
+          <a:p>
+            <a:pPr algn="ctr"/>
+            <a:r>
+              <a:rPr lang="en-GB" dirty="0" err="1" smtClean="0"/>
+              <a:t>GFP</a:t>
+            </a:r>
+            <a:r>
+              <a:rPr lang="en-GB" baseline="30000" dirty="0" err="1" smtClean="0"/>
+              <a:t>low</a:t>
+            </a:r>
+            <a:endParaRPr lang="en-GB" baseline="30000" dirty="0" smtClean="0"/>
+          </a:p>
+          <a:p>
+            <a:pPr algn="ctr"/>
+            <a:r>
+              <a:rPr lang="en-GB" dirty="0" smtClean="0"/>
+              <a:t>11.6</a:t>
+            </a:r>
+            <a:r>
+              <a:rPr lang="en-GB" dirty="0" smtClean="0"/>
+              <a:t>%</a:t>
+            </a:r>
+            <a:endParaRPr lang="en-GB" dirty="0"/>
+          </a:p>
+        </p:txBody>
+      </p:sp>
+      <p:sp>
+        <p:nvSpPr>
+          <p:cNvPr id="20" name="TextBox 19"/>
+          <p:cNvSpPr txBox="1"/>
+          <p:nvPr/>
+        </p:nvSpPr>
+        <p:spPr>
+          <a:xfrm>
+            <a:off x="5932957" y="734288"/>
+            <a:ext cx="822661" cy="646331"/>
+          </a:xfrm>
+          <a:prstGeom prst="rect">
+            <a:avLst/>
+          </a:prstGeom>
+          <a:solidFill>
+            <a:schemeClr val="bg1"/>
+          </a:solidFill>
+        </p:spPr>
+        <p:txBody>
+          <a:bodyPr wrap="none" rtlCol="0">
+            <a:spAutoFit/>
+          </a:bodyPr>
+          <a:lstStyle/>
+          <a:p>
+            <a:pPr algn="ctr"/>
+            <a:r>
+              <a:rPr lang="en-GB" dirty="0" err="1" smtClean="0"/>
+              <a:t>GFP</a:t>
+            </a:r>
+            <a:r>
+              <a:rPr lang="en-GB" baseline="30000" dirty="0" err="1" smtClean="0"/>
+              <a:t>high</a:t>
+            </a:r>
+            <a:endParaRPr lang="en-GB" baseline="30000" dirty="0" smtClean="0"/>
+          </a:p>
+          <a:p>
+            <a:pPr algn="ctr"/>
+            <a:r>
+              <a:rPr lang="en-GB" dirty="0" smtClean="0"/>
+              <a:t>75.4</a:t>
+            </a:r>
+            <a:r>
+              <a:rPr lang="en-GB" dirty="0" smtClean="0"/>
+              <a:t>%</a:t>
+            </a:r>
+            <a:endParaRPr lang="en-GB" dirty="0"/>
+          </a:p>
+        </p:txBody>
+      </p:sp>
+      <p:sp>
+        <p:nvSpPr>
+          <p:cNvPr id="21" name="TextBox 20"/>
+          <p:cNvSpPr txBox="1"/>
+          <p:nvPr/>
+        </p:nvSpPr>
+        <p:spPr>
+          <a:xfrm>
+            <a:off x="7997873" y="734634"/>
+            <a:ext cx="758541" cy="646331"/>
+          </a:xfrm>
+          <a:prstGeom prst="rect">
+            <a:avLst/>
+          </a:prstGeom>
+          <a:solidFill>
+            <a:schemeClr val="bg1"/>
+          </a:solidFill>
+        </p:spPr>
+        <p:txBody>
+          <a:bodyPr wrap="none" rtlCol="0">
+            <a:spAutoFit/>
+          </a:bodyPr>
+          <a:lstStyle/>
+          <a:p>
+            <a:pPr algn="ctr"/>
+            <a:r>
+              <a:rPr lang="en-GB" dirty="0" smtClean="0"/>
+              <a:t>GFP-</a:t>
+            </a:r>
+            <a:endParaRPr lang="en-GB" dirty="0" smtClean="0"/>
+          </a:p>
+          <a:p>
+            <a:pPr algn="ctr"/>
+            <a:r>
+              <a:rPr lang="en-GB" dirty="0" smtClean="0"/>
+              <a:t>5.68</a:t>
+            </a:r>
+            <a:r>
+              <a:rPr lang="en-GB" dirty="0" smtClean="0"/>
+              <a:t>%</a:t>
+            </a:r>
+            <a:endParaRPr lang="en-GB" dirty="0"/>
+          </a:p>
+        </p:txBody>
+      </p:sp>
+      <p:sp>
+        <p:nvSpPr>
+          <p:cNvPr id="22" name="TextBox 21"/>
+          <p:cNvSpPr txBox="1"/>
+          <p:nvPr/>
+        </p:nvSpPr>
+        <p:spPr>
+          <a:xfrm>
+            <a:off x="8699664" y="734634"/>
+            <a:ext cx="782010" cy="646331"/>
+          </a:xfrm>
+          <a:prstGeom prst="rect">
+            <a:avLst/>
+          </a:prstGeom>
+          <a:solidFill>
+            <a:schemeClr val="bg1"/>
+          </a:solidFill>
+        </p:spPr>
+        <p:txBody>
+          <a:bodyPr wrap="none" rtlCol="0">
+            <a:spAutoFit/>
+          </a:bodyPr>
+          <a:lstStyle/>
+          <a:p>
+            <a:pPr algn="ctr"/>
+            <a:r>
+              <a:rPr lang="en-GB" dirty="0" err="1" smtClean="0"/>
+              <a:t>GFP</a:t>
+            </a:r>
+            <a:r>
+              <a:rPr lang="en-GB" baseline="30000" dirty="0" err="1" smtClean="0"/>
+              <a:t>low</a:t>
+            </a:r>
+            <a:endParaRPr lang="en-GB" baseline="30000" dirty="0" smtClean="0"/>
+          </a:p>
+          <a:p>
+            <a:pPr algn="ctr"/>
+            <a:r>
+              <a:rPr lang="en-GB" dirty="0" smtClean="0"/>
+              <a:t>35.2</a:t>
+            </a:r>
+            <a:r>
+              <a:rPr lang="en-GB" dirty="0" smtClean="0"/>
+              <a:t>%</a:t>
+            </a:r>
+            <a:endParaRPr lang="en-GB" dirty="0"/>
+          </a:p>
+        </p:txBody>
+      </p:sp>
+      <p:sp>
+        <p:nvSpPr>
+          <p:cNvPr id="23" name="TextBox 22"/>
+          <p:cNvSpPr txBox="1"/>
+          <p:nvPr/>
+        </p:nvSpPr>
+        <p:spPr>
+          <a:xfrm>
+            <a:off x="9430540" y="734634"/>
+            <a:ext cx="822661" cy="646331"/>
+          </a:xfrm>
+          <a:prstGeom prst="rect">
+            <a:avLst/>
+          </a:prstGeom>
+          <a:solidFill>
+            <a:schemeClr val="bg1"/>
+          </a:solidFill>
+        </p:spPr>
+        <p:txBody>
+          <a:bodyPr wrap="none" rtlCol="0">
+            <a:spAutoFit/>
+          </a:bodyPr>
+          <a:lstStyle/>
+          <a:p>
+            <a:pPr algn="ctr"/>
+            <a:r>
+              <a:rPr lang="en-GB" dirty="0" err="1" smtClean="0"/>
+              <a:t>GFP</a:t>
+            </a:r>
+            <a:r>
+              <a:rPr lang="en-GB" baseline="30000" dirty="0" err="1" smtClean="0"/>
+              <a:t>high</a:t>
+            </a:r>
+            <a:endParaRPr lang="en-GB" baseline="30000" dirty="0" smtClean="0"/>
+          </a:p>
+          <a:p>
+            <a:pPr algn="ctr"/>
+            <a:r>
+              <a:rPr lang="en-GB" dirty="0" smtClean="0"/>
+              <a:t>50.0</a:t>
+            </a:r>
+            <a:r>
+              <a:rPr lang="en-GB" dirty="0" smtClean="0"/>
+              <a:t>%</a:t>
             </a:r>
             <a:endParaRPr lang="en-GB" dirty="0"/>
           </a:p>
@@ -6857,7 +7280,7 @@
     </p:spTree>
     <p:extLst>
       <p:ext uri="{BB962C8B-B14F-4D97-AF65-F5344CB8AC3E}">
-        <p14:creationId xmlns:p14="http://schemas.microsoft.com/office/powerpoint/2010/main" val="724265835"/>
+        <p14:creationId xmlns:p14="http://schemas.microsoft.com/office/powerpoint/2010/main" val="287093948"/>
       </p:ext>
     </p:extLst>
   </p:cSld>
@@ -6886,71 +7309,7 @@
       </p:grpSpPr>
       <p:pic>
         <p:nvPicPr>
-          <p:cNvPr id="4" name="Picture 3"/>
-          <p:cNvPicPr>
-            <a:picLocks noChangeAspect="1"/>
-          </p:cNvPicPr>
-          <p:nvPr/>
-        </p:nvPicPr>
-        <p:blipFill>
-          <a:blip r:embed="rId2"/>
-          <a:stretch>
-            <a:fillRect/>
-          </a:stretch>
-        </p:blipFill>
-        <p:spPr>
-          <a:xfrm>
-            <a:off x="7124773" y="254171"/>
-            <a:ext cx="3505200" cy="3638550"/>
-          </a:xfrm>
-          <a:prstGeom prst="rect">
-            <a:avLst/>
-          </a:prstGeom>
-        </p:spPr>
-      </p:pic>
-      <p:sp>
-        <p:nvSpPr>
-          <p:cNvPr id="5" name="TextBox 4"/>
-          <p:cNvSpPr txBox="1"/>
-          <p:nvPr/>
-        </p:nvSpPr>
-        <p:spPr>
-          <a:xfrm>
-            <a:off x="7978778" y="1188723"/>
-            <a:ext cx="800220" cy="646331"/>
-          </a:xfrm>
-          <a:prstGeom prst="rect">
-            <a:avLst/>
-          </a:prstGeom>
-          <a:solidFill>
-            <a:schemeClr val="bg1"/>
-          </a:solidFill>
-        </p:spPr>
-        <p:txBody>
-          <a:bodyPr wrap="none" rtlCol="0">
-            <a:spAutoFit/>
-          </a:bodyPr>
-          <a:lstStyle/>
-          <a:p>
-            <a:pPr algn="ctr"/>
-            <a:r>
-              <a:rPr lang="en-GB" dirty="0" smtClean="0"/>
-              <a:t>CD43+</a:t>
-            </a:r>
-          </a:p>
-          <a:p>
-            <a:pPr algn="ctr"/>
-            <a:r>
-              <a:rPr lang="en-GB" dirty="0" smtClean="0"/>
-              <a:t>82.7%</a:t>
-            </a:r>
-            <a:endParaRPr lang="en-GB" dirty="0"/>
-          </a:p>
-        </p:txBody>
-      </p:sp>
-      <p:pic>
-        <p:nvPicPr>
-          <p:cNvPr id="6" name="Picture 5"/>
+          <p:cNvPr id="2" name="Picture 1"/>
           <p:cNvPicPr>
             <a:picLocks noChangeAspect="1"/>
           </p:cNvPicPr>
@@ -6964,7 +7323,7 @@
         </p:blipFill>
         <p:spPr>
           <a:xfrm>
-            <a:off x="97746" y="254171"/>
+            <a:off x="99752" y="260090"/>
             <a:ext cx="3505200" cy="3638550"/>
           </a:xfrm>
           <a:prstGeom prst="rect">
@@ -6974,13 +7333,13 @@
       </p:pic>
       <p:sp>
         <p:nvSpPr>
-          <p:cNvPr id="7" name="TextBox 6"/>
-          <p:cNvSpPr txBox="1"/>
-          <p:nvPr/>
-        </p:nvSpPr>
-        <p:spPr>
-          <a:xfrm>
-            <a:off x="957294" y="1188722"/>
+          <p:cNvPr id="3" name="TextBox 2"/>
+          <p:cNvSpPr txBox="1"/>
+          <p:nvPr/>
+        </p:nvSpPr>
+        <p:spPr>
+          <a:xfrm>
+            <a:off x="968378" y="1155473"/>
             <a:ext cx="800220" cy="646331"/>
           </a:xfrm>
           <a:prstGeom prst="rect">
@@ -6999,14 +7358,14 @@
             <a:pPr algn="ctr"/>
             <a:r>
               <a:rPr lang="en-GB" dirty="0" smtClean="0"/>
-              <a:t>CD43+</a:t>
+              <a:t>CD19+</a:t>
             </a:r>
           </a:p>
           <a:p>
             <a:pPr algn="ctr"/>
             <a:r>
               <a:rPr lang="en-GB" dirty="0" smtClean="0"/>
-              <a:t>13.4%</a:t>
+              <a:t>3.43%</a:t>
             </a:r>
             <a:endParaRPr lang="en-GB" dirty="0"/>
           </a:p>
@@ -7014,7 +7373,7 @@
       </p:sp>
       <p:pic>
         <p:nvPicPr>
-          <p:cNvPr id="8" name="Picture 7"/>
+          <p:cNvPr id="4" name="Picture 3"/>
           <p:cNvPicPr>
             <a:picLocks noChangeAspect="1"/>
           </p:cNvPicPr>
@@ -7028,7 +7387,7 @@
         </p:blipFill>
         <p:spPr>
           <a:xfrm>
-            <a:off x="3647281" y="254171"/>
+            <a:off x="7122001" y="260090"/>
             <a:ext cx="3505200" cy="3638550"/>
           </a:xfrm>
           <a:prstGeom prst="rect">
@@ -7038,13 +7397,13 @@
       </p:pic>
       <p:sp>
         <p:nvSpPr>
-          <p:cNvPr id="9" name="TextBox 8"/>
-          <p:cNvSpPr txBox="1"/>
-          <p:nvPr/>
-        </p:nvSpPr>
-        <p:spPr>
-          <a:xfrm>
-            <a:off x="4506830" y="1188721"/>
+          <p:cNvPr id="5" name="TextBox 4"/>
+          <p:cNvSpPr txBox="1"/>
+          <p:nvPr/>
+        </p:nvSpPr>
+        <p:spPr>
+          <a:xfrm>
+            <a:off x="7987091" y="1155473"/>
             <a:ext cx="800220" cy="646331"/>
           </a:xfrm>
           <a:prstGeom prst="rect">
@@ -7063,14 +7422,14 @@
             <a:pPr algn="ctr"/>
             <a:r>
               <a:rPr lang="en-GB" dirty="0" smtClean="0"/>
-              <a:t>CD43+</a:t>
+              <a:t>CD19+</a:t>
             </a:r>
           </a:p>
           <a:p>
             <a:pPr algn="ctr"/>
             <a:r>
               <a:rPr lang="en-GB" dirty="0" smtClean="0"/>
-              <a:t>80.5%</a:t>
+              <a:t>1.24%</a:t>
             </a:r>
             <a:endParaRPr lang="en-GB" dirty="0"/>
           </a:p>
@@ -7078,97 +7437,7 @@
       </p:sp>
       <p:sp>
         <p:nvSpPr>
-          <p:cNvPr id="10" name="TextBox 9"/>
-          <p:cNvSpPr txBox="1"/>
-          <p:nvPr/>
-        </p:nvSpPr>
-        <p:spPr>
-          <a:xfrm>
-            <a:off x="1638992" y="182255"/>
-            <a:ext cx="426720" cy="369332"/>
-          </a:xfrm>
-          <a:prstGeom prst="rect">
-            <a:avLst/>
-          </a:prstGeom>
-          <a:noFill/>
-        </p:spPr>
-        <p:txBody>
-          <a:bodyPr wrap="none" rtlCol="0">
-            <a:spAutoFit/>
-          </a:bodyPr>
-          <a:lstStyle/>
-          <a:p>
-            <a:r>
-              <a:rPr lang="en-GB" dirty="0" smtClean="0"/>
-              <a:t>B6</a:t>
-            </a:r>
-            <a:endParaRPr lang="en-GB" dirty="0"/>
-          </a:p>
-        </p:txBody>
-      </p:sp>
-      <p:sp>
-        <p:nvSpPr>
-          <p:cNvPr id="11" name="TextBox 10"/>
-          <p:cNvSpPr txBox="1"/>
-          <p:nvPr/>
-        </p:nvSpPr>
-        <p:spPr>
-          <a:xfrm>
-            <a:off x="4863981" y="182255"/>
-            <a:ext cx="998991" cy="369332"/>
-          </a:xfrm>
-          <a:prstGeom prst="rect">
-            <a:avLst/>
-          </a:prstGeom>
-          <a:noFill/>
-        </p:spPr>
-        <p:txBody>
-          <a:bodyPr wrap="none" rtlCol="0">
-            <a:spAutoFit/>
-          </a:bodyPr>
-          <a:lstStyle/>
-          <a:p>
-            <a:r>
-              <a:rPr lang="en-GB" dirty="0" smtClean="0"/>
-              <a:t>NOD WT</a:t>
-            </a:r>
-            <a:endParaRPr lang="en-GB" dirty="0"/>
-          </a:p>
-        </p:txBody>
-      </p:sp>
-      <p:sp>
-        <p:nvSpPr>
-          <p:cNvPr id="12" name="TextBox 11"/>
-          <p:cNvSpPr txBox="1"/>
-          <p:nvPr/>
-        </p:nvSpPr>
-        <p:spPr>
-          <a:xfrm>
-            <a:off x="8403029" y="176889"/>
-            <a:ext cx="943143" cy="369332"/>
-          </a:xfrm>
-          <a:prstGeom prst="rect">
-            <a:avLst/>
-          </a:prstGeom>
-          <a:noFill/>
-        </p:spPr>
-        <p:txBody>
-          <a:bodyPr wrap="none" rtlCol="0">
-            <a:spAutoFit/>
-          </a:bodyPr>
-          <a:lstStyle/>
-          <a:p>
-            <a:r>
-              <a:rPr lang="en-GB" dirty="0" smtClean="0"/>
-              <a:t>NOD KO</a:t>
-            </a:r>
-            <a:endParaRPr lang="en-GB" dirty="0"/>
-          </a:p>
-        </p:txBody>
-      </p:sp>
-      <p:sp>
-        <p:nvSpPr>
-          <p:cNvPr id="13" name="TextBox 12"/>
+          <p:cNvPr id="6" name="TextBox 5"/>
           <p:cNvSpPr txBox="1"/>
           <p:nvPr/>
         </p:nvSpPr>
@@ -7192,7 +7461,7 @@
           <a:p>
             <a:r>
               <a:rPr lang="en-GB" sz="2400" dirty="0" smtClean="0"/>
-              <a:t>CD43</a:t>
+              <a:t>CD19</a:t>
             </a:r>
             <a:endParaRPr lang="en-GB" sz="2400" dirty="0"/>
           </a:p>
@@ -7200,7 +7469,7 @@
       </p:sp>
       <p:sp>
         <p:nvSpPr>
-          <p:cNvPr id="14" name="TextBox 13"/>
+          <p:cNvPr id="7" name="TextBox 6"/>
           <p:cNvSpPr txBox="1"/>
           <p:nvPr/>
         </p:nvSpPr>
@@ -7232,7 +7501,7 @@
       </p:sp>
       <p:sp>
         <p:nvSpPr>
-          <p:cNvPr id="15" name="TextBox 14"/>
+          <p:cNvPr id="8" name="TextBox 7"/>
           <p:cNvSpPr txBox="1"/>
           <p:nvPr/>
         </p:nvSpPr>
@@ -7256,7 +7525,7 @@
           <a:p>
             <a:r>
               <a:rPr lang="en-GB" sz="2400" dirty="0" smtClean="0"/>
-              <a:t>CD43</a:t>
+              <a:t>CD19</a:t>
             </a:r>
             <a:endParaRPr lang="en-GB" sz="2400" dirty="0"/>
           </a:p>
@@ -7264,7 +7533,7 @@
       </p:sp>
       <p:sp>
         <p:nvSpPr>
-          <p:cNvPr id="16" name="TextBox 15"/>
+          <p:cNvPr id="9" name="TextBox 8"/>
           <p:cNvSpPr txBox="1"/>
           <p:nvPr/>
         </p:nvSpPr>
@@ -7294,9 +7563,73 @@
           </a:p>
         </p:txBody>
       </p:sp>
-      <p:sp>
-        <p:nvSpPr>
-          <p:cNvPr id="17" name="TextBox 16"/>
+      <p:pic>
+        <p:nvPicPr>
+          <p:cNvPr id="11" name="Picture 10"/>
+          <p:cNvPicPr>
+            <a:picLocks noChangeAspect="1"/>
+          </p:cNvPicPr>
+          <p:nvPr/>
+        </p:nvPicPr>
+        <p:blipFill>
+          <a:blip r:embed="rId5"/>
+          <a:stretch>
+            <a:fillRect/>
+          </a:stretch>
+        </p:blipFill>
+        <p:spPr>
+          <a:xfrm>
+            <a:off x="3610877" y="260090"/>
+            <a:ext cx="3505200" cy="3638550"/>
+          </a:xfrm>
+          <a:prstGeom prst="rect">
+            <a:avLst/>
+          </a:prstGeom>
+        </p:spPr>
+      </p:pic>
+      <p:sp>
+        <p:nvSpPr>
+          <p:cNvPr id="12" name="TextBox 11"/>
+          <p:cNvSpPr txBox="1"/>
+          <p:nvPr/>
+        </p:nvSpPr>
+        <p:spPr>
+          <a:xfrm>
+            <a:off x="4471566" y="1155473"/>
+            <a:ext cx="800220" cy="646331"/>
+          </a:xfrm>
+          <a:prstGeom prst="rect">
+            <a:avLst/>
+          </a:prstGeom>
+          <a:solidFill>
+            <a:schemeClr val="bg1"/>
+          </a:solidFill>
+        </p:spPr>
+        <p:txBody>
+          <a:bodyPr wrap="none" rtlCol="0">
+            <a:spAutoFit/>
+          </a:bodyPr>
+          <a:lstStyle/>
+          <a:p>
+            <a:pPr algn="ctr"/>
+            <a:r>
+              <a:rPr lang="en-GB" dirty="0" smtClean="0"/>
+              <a:t>CD19+</a:t>
+            </a:r>
+          </a:p>
+          <a:p>
+            <a:pPr algn="ctr"/>
+            <a:r>
+              <a:rPr lang="en-GB" dirty="0" smtClean="0"/>
+              <a:t>3.48%</a:t>
+            </a:r>
+            <a:endParaRPr lang="en-GB" dirty="0"/>
+          </a:p>
+        </p:txBody>
+      </p:sp>
+      <p:sp>
+        <p:nvSpPr>
+          <p:cNvPr id="13" name="TextBox 12"/>
           <p:cNvSpPr txBox="1"/>
           <p:nvPr/>
         </p:nvSpPr>
@@ -7320,7 +7653,7 @@
           <a:p>
             <a:r>
               <a:rPr lang="en-GB" sz="2400" dirty="0" smtClean="0"/>
-              <a:t>CD43</a:t>
+              <a:t>CD19</a:t>
             </a:r>
             <a:endParaRPr lang="en-GB" sz="2400" dirty="0"/>
           </a:p>
@@ -7328,7 +7661,7 @@
       </p:sp>
       <p:sp>
         <p:nvSpPr>
-          <p:cNvPr id="18" name="TextBox 17"/>
+          <p:cNvPr id="14" name="TextBox 13"/>
           <p:cNvSpPr txBox="1"/>
           <p:nvPr/>
         </p:nvSpPr>
@@ -7355,13 +7688,103 @@
               <a:t>Side Scatter</a:t>
             </a:r>
             <a:endParaRPr lang="en-GB" sz="2400" dirty="0"/>
+          </a:p>
+        </p:txBody>
+      </p:sp>
+      <p:sp>
+        <p:nvSpPr>
+          <p:cNvPr id="15" name="TextBox 14"/>
+          <p:cNvSpPr txBox="1"/>
+          <p:nvPr/>
+        </p:nvSpPr>
+        <p:spPr>
+          <a:xfrm>
+            <a:off x="1638992" y="182255"/>
+            <a:ext cx="426720" cy="369332"/>
+          </a:xfrm>
+          <a:prstGeom prst="rect">
+            <a:avLst/>
+          </a:prstGeom>
+          <a:noFill/>
+        </p:spPr>
+        <p:txBody>
+          <a:bodyPr wrap="none" rtlCol="0">
+            <a:spAutoFit/>
+          </a:bodyPr>
+          <a:lstStyle/>
+          <a:p>
+            <a:r>
+              <a:rPr lang="en-GB" dirty="0" smtClean="0"/>
+              <a:t>B6</a:t>
+            </a:r>
+            <a:endParaRPr lang="en-GB" dirty="0"/>
+          </a:p>
+        </p:txBody>
+      </p:sp>
+      <p:sp>
+        <p:nvSpPr>
+          <p:cNvPr id="16" name="TextBox 15"/>
+          <p:cNvSpPr txBox="1"/>
+          <p:nvPr/>
+        </p:nvSpPr>
+        <p:spPr>
+          <a:xfrm>
+            <a:off x="4863981" y="182255"/>
+            <a:ext cx="998991" cy="369332"/>
+          </a:xfrm>
+          <a:prstGeom prst="rect">
+            <a:avLst/>
+          </a:prstGeom>
+          <a:noFill/>
+        </p:spPr>
+        <p:txBody>
+          <a:bodyPr wrap="none" rtlCol="0">
+            <a:spAutoFit/>
+          </a:bodyPr>
+          <a:lstStyle/>
+          <a:p>
+            <a:r>
+              <a:rPr lang="en-GB" dirty="0" smtClean="0"/>
+              <a:t>NOD WT</a:t>
+            </a:r>
+            <a:endParaRPr lang="en-GB" dirty="0"/>
+          </a:p>
+        </p:txBody>
+      </p:sp>
+      <p:sp>
+        <p:nvSpPr>
+          <p:cNvPr id="17" name="TextBox 16"/>
+          <p:cNvSpPr txBox="1"/>
+          <p:nvPr/>
+        </p:nvSpPr>
+        <p:spPr>
+          <a:xfrm>
+            <a:off x="8403029" y="176889"/>
+            <a:ext cx="943143" cy="369332"/>
+          </a:xfrm>
+          <a:prstGeom prst="rect">
+            <a:avLst/>
+          </a:prstGeom>
+          <a:noFill/>
+        </p:spPr>
+        <p:txBody>
+          <a:bodyPr wrap="none" rtlCol="0">
+            <a:spAutoFit/>
+          </a:bodyPr>
+          <a:lstStyle/>
+          <a:p>
+            <a:r>
+              <a:rPr lang="en-GB" dirty="0" smtClean="0"/>
+              <a:t>NOD KO</a:t>
+            </a:r>
+            <a:endParaRPr lang="en-GB" dirty="0"/>
           </a:p>
         </p:txBody>
       </p:sp>
     </p:spTree>
     <p:extLst>
       <p:ext uri="{BB962C8B-B14F-4D97-AF65-F5344CB8AC3E}">
-        <p14:creationId xmlns:p14="http://schemas.microsoft.com/office/powerpoint/2010/main" val="973265494"/>
+        <p14:creationId xmlns:p14="http://schemas.microsoft.com/office/powerpoint/2010/main" val="724265835"/>
       </p:ext>
     </p:extLst>
   </p:cSld>
@@ -7390,6 +7813,510 @@
       </p:grpSpPr>
       <p:pic>
         <p:nvPicPr>
+          <p:cNvPr id="4" name="Picture 3"/>
+          <p:cNvPicPr>
+            <a:picLocks noChangeAspect="1"/>
+          </p:cNvPicPr>
+          <p:nvPr/>
+        </p:nvPicPr>
+        <p:blipFill>
+          <a:blip r:embed="rId2"/>
+          <a:stretch>
+            <a:fillRect/>
+          </a:stretch>
+        </p:blipFill>
+        <p:spPr>
+          <a:xfrm>
+            <a:off x="7124773" y="254171"/>
+            <a:ext cx="3505200" cy="3638550"/>
+          </a:xfrm>
+          <a:prstGeom prst="rect">
+            <a:avLst/>
+          </a:prstGeom>
+        </p:spPr>
+      </p:pic>
+      <p:sp>
+        <p:nvSpPr>
+          <p:cNvPr id="5" name="TextBox 4"/>
+          <p:cNvSpPr txBox="1"/>
+          <p:nvPr/>
+        </p:nvSpPr>
+        <p:spPr>
+          <a:xfrm>
+            <a:off x="7978778" y="1188723"/>
+            <a:ext cx="800220" cy="646331"/>
+          </a:xfrm>
+          <a:prstGeom prst="rect">
+            <a:avLst/>
+          </a:prstGeom>
+          <a:solidFill>
+            <a:schemeClr val="bg1"/>
+          </a:solidFill>
+        </p:spPr>
+        <p:txBody>
+          <a:bodyPr wrap="none" rtlCol="0">
+            <a:spAutoFit/>
+          </a:bodyPr>
+          <a:lstStyle/>
+          <a:p>
+            <a:pPr algn="ctr"/>
+            <a:r>
+              <a:rPr lang="en-GB" dirty="0" smtClean="0"/>
+              <a:t>CD43+</a:t>
+            </a:r>
+          </a:p>
+          <a:p>
+            <a:pPr algn="ctr"/>
+            <a:r>
+              <a:rPr lang="en-GB" dirty="0" smtClean="0"/>
+              <a:t>82.7%</a:t>
+            </a:r>
+            <a:endParaRPr lang="en-GB" dirty="0"/>
+          </a:p>
+        </p:txBody>
+      </p:sp>
+      <p:pic>
+        <p:nvPicPr>
+          <p:cNvPr id="6" name="Picture 5"/>
+          <p:cNvPicPr>
+            <a:picLocks noChangeAspect="1"/>
+          </p:cNvPicPr>
+          <p:nvPr/>
+        </p:nvPicPr>
+        <p:blipFill>
+          <a:blip r:embed="rId3"/>
+          <a:stretch>
+            <a:fillRect/>
+          </a:stretch>
+        </p:blipFill>
+        <p:spPr>
+          <a:xfrm>
+            <a:off x="97746" y="254171"/>
+            <a:ext cx="3505200" cy="3638550"/>
+          </a:xfrm>
+          <a:prstGeom prst="rect">
+            <a:avLst/>
+          </a:prstGeom>
+        </p:spPr>
+      </p:pic>
+      <p:sp>
+        <p:nvSpPr>
+          <p:cNvPr id="7" name="TextBox 6"/>
+          <p:cNvSpPr txBox="1"/>
+          <p:nvPr/>
+        </p:nvSpPr>
+        <p:spPr>
+          <a:xfrm>
+            <a:off x="957294" y="1188722"/>
+            <a:ext cx="800220" cy="646331"/>
+          </a:xfrm>
+          <a:prstGeom prst="rect">
+            <a:avLst/>
+          </a:prstGeom>
+          <a:solidFill>
+            <a:schemeClr val="bg1"/>
+          </a:solidFill>
+        </p:spPr>
+        <p:txBody>
+          <a:bodyPr wrap="none" rtlCol="0">
+            <a:spAutoFit/>
+          </a:bodyPr>
+          <a:lstStyle/>
+          <a:p>
+            <a:pPr algn="ctr"/>
+            <a:r>
+              <a:rPr lang="en-GB" dirty="0" smtClean="0"/>
+              <a:t>CD43+</a:t>
+            </a:r>
+          </a:p>
+          <a:p>
+            <a:pPr algn="ctr"/>
+            <a:r>
+              <a:rPr lang="en-GB" dirty="0" smtClean="0"/>
+              <a:t>13.4%</a:t>
+            </a:r>
+            <a:endParaRPr lang="en-GB" dirty="0"/>
+          </a:p>
+        </p:txBody>
+      </p:sp>
+      <p:pic>
+        <p:nvPicPr>
+          <p:cNvPr id="8" name="Picture 7"/>
+          <p:cNvPicPr>
+            <a:picLocks noChangeAspect="1"/>
+          </p:cNvPicPr>
+          <p:nvPr/>
+        </p:nvPicPr>
+        <p:blipFill>
+          <a:blip r:embed="rId4"/>
+          <a:stretch>
+            <a:fillRect/>
+          </a:stretch>
+        </p:blipFill>
+        <p:spPr>
+          <a:xfrm>
+            <a:off x="3647281" y="254171"/>
+            <a:ext cx="3505200" cy="3638550"/>
+          </a:xfrm>
+          <a:prstGeom prst="rect">
+            <a:avLst/>
+          </a:prstGeom>
+        </p:spPr>
+      </p:pic>
+      <p:sp>
+        <p:nvSpPr>
+          <p:cNvPr id="9" name="TextBox 8"/>
+          <p:cNvSpPr txBox="1"/>
+          <p:nvPr/>
+        </p:nvSpPr>
+        <p:spPr>
+          <a:xfrm>
+            <a:off x="4506830" y="1188721"/>
+            <a:ext cx="800220" cy="646331"/>
+          </a:xfrm>
+          <a:prstGeom prst="rect">
+            <a:avLst/>
+          </a:prstGeom>
+          <a:solidFill>
+            <a:schemeClr val="bg1"/>
+          </a:solidFill>
+        </p:spPr>
+        <p:txBody>
+          <a:bodyPr wrap="none" rtlCol="0">
+            <a:spAutoFit/>
+          </a:bodyPr>
+          <a:lstStyle/>
+          <a:p>
+            <a:pPr algn="ctr"/>
+            <a:r>
+              <a:rPr lang="en-GB" dirty="0" smtClean="0"/>
+              <a:t>CD43+</a:t>
+            </a:r>
+          </a:p>
+          <a:p>
+            <a:pPr algn="ctr"/>
+            <a:r>
+              <a:rPr lang="en-GB" dirty="0" smtClean="0"/>
+              <a:t>80.5%</a:t>
+            </a:r>
+            <a:endParaRPr lang="en-GB" dirty="0"/>
+          </a:p>
+        </p:txBody>
+      </p:sp>
+      <p:sp>
+        <p:nvSpPr>
+          <p:cNvPr id="10" name="TextBox 9"/>
+          <p:cNvSpPr txBox="1"/>
+          <p:nvPr/>
+        </p:nvSpPr>
+        <p:spPr>
+          <a:xfrm>
+            <a:off x="1638992" y="182255"/>
+            <a:ext cx="426720" cy="369332"/>
+          </a:xfrm>
+          <a:prstGeom prst="rect">
+            <a:avLst/>
+          </a:prstGeom>
+          <a:noFill/>
+        </p:spPr>
+        <p:txBody>
+          <a:bodyPr wrap="none" rtlCol="0">
+            <a:spAutoFit/>
+          </a:bodyPr>
+          <a:lstStyle/>
+          <a:p>
+            <a:r>
+              <a:rPr lang="en-GB" dirty="0" smtClean="0"/>
+              <a:t>B6</a:t>
+            </a:r>
+            <a:endParaRPr lang="en-GB" dirty="0"/>
+          </a:p>
+        </p:txBody>
+      </p:sp>
+      <p:sp>
+        <p:nvSpPr>
+          <p:cNvPr id="11" name="TextBox 10"/>
+          <p:cNvSpPr txBox="1"/>
+          <p:nvPr/>
+        </p:nvSpPr>
+        <p:spPr>
+          <a:xfrm>
+            <a:off x="4863981" y="182255"/>
+            <a:ext cx="998991" cy="369332"/>
+          </a:xfrm>
+          <a:prstGeom prst="rect">
+            <a:avLst/>
+          </a:prstGeom>
+          <a:noFill/>
+        </p:spPr>
+        <p:txBody>
+          <a:bodyPr wrap="none" rtlCol="0">
+            <a:spAutoFit/>
+          </a:bodyPr>
+          <a:lstStyle/>
+          <a:p>
+            <a:r>
+              <a:rPr lang="en-GB" dirty="0" smtClean="0"/>
+              <a:t>NOD WT</a:t>
+            </a:r>
+            <a:endParaRPr lang="en-GB" dirty="0"/>
+          </a:p>
+        </p:txBody>
+      </p:sp>
+      <p:sp>
+        <p:nvSpPr>
+          <p:cNvPr id="12" name="TextBox 11"/>
+          <p:cNvSpPr txBox="1"/>
+          <p:nvPr/>
+        </p:nvSpPr>
+        <p:spPr>
+          <a:xfrm>
+            <a:off x="8403029" y="176889"/>
+            <a:ext cx="943143" cy="369332"/>
+          </a:xfrm>
+          <a:prstGeom prst="rect">
+            <a:avLst/>
+          </a:prstGeom>
+          <a:noFill/>
+        </p:spPr>
+        <p:txBody>
+          <a:bodyPr wrap="none" rtlCol="0">
+            <a:spAutoFit/>
+          </a:bodyPr>
+          <a:lstStyle/>
+          <a:p>
+            <a:r>
+              <a:rPr lang="en-GB" dirty="0" smtClean="0"/>
+              <a:t>NOD KO</a:t>
+            </a:r>
+            <a:endParaRPr lang="en-GB" dirty="0"/>
+          </a:p>
+        </p:txBody>
+      </p:sp>
+      <p:sp>
+        <p:nvSpPr>
+          <p:cNvPr id="13" name="TextBox 12"/>
+          <p:cNvSpPr txBox="1"/>
+          <p:nvPr/>
+        </p:nvSpPr>
+        <p:spPr>
+          <a:xfrm rot="16200000">
+            <a:off x="-707645" y="1840948"/>
+            <a:ext cx="2176216" cy="461665"/>
+          </a:xfrm>
+          <a:prstGeom prst="rect">
+            <a:avLst/>
+          </a:prstGeom>
+          <a:solidFill>
+            <a:schemeClr val="bg1"/>
+          </a:solidFill>
+        </p:spPr>
+        <p:txBody>
+          <a:bodyPr wrap="square" rtlCol="0">
+            <a:spAutoFit/>
+          </a:bodyPr>
+          <a:lstStyle/>
+          <a:p>
+            <a:r>
+              <a:rPr lang="en-GB" sz="2400" dirty="0" smtClean="0"/>
+              <a:t>CD43</a:t>
+            </a:r>
+            <a:endParaRPr lang="en-GB" sz="2400" dirty="0"/>
+          </a:p>
+        </p:txBody>
+      </p:sp>
+      <p:sp>
+        <p:nvSpPr>
+          <p:cNvPr id="14" name="TextBox 13"/>
+          <p:cNvSpPr txBox="1"/>
+          <p:nvPr/>
+        </p:nvSpPr>
+        <p:spPr>
+          <a:xfrm>
+            <a:off x="894241" y="3344487"/>
+            <a:ext cx="1652697" cy="461665"/>
+          </a:xfrm>
+          <a:prstGeom prst="rect">
+            <a:avLst/>
+          </a:prstGeom>
+          <a:solidFill>
+            <a:schemeClr val="bg1"/>
+          </a:solidFill>
+        </p:spPr>
+        <p:txBody>
+          <a:bodyPr wrap="none" rtlCol="0">
+            <a:spAutoFit/>
+          </a:bodyPr>
+          <a:lstStyle/>
+          <a:p>
+            <a:r>
+              <a:rPr lang="en-GB" sz="2400" dirty="0" smtClean="0"/>
+              <a:t>Side Scatter</a:t>
+            </a:r>
+            <a:endParaRPr lang="en-GB" sz="2400" dirty="0"/>
+          </a:p>
+        </p:txBody>
+      </p:sp>
+      <p:sp>
+        <p:nvSpPr>
+          <p:cNvPr id="15" name="TextBox 14"/>
+          <p:cNvSpPr txBox="1"/>
+          <p:nvPr/>
+        </p:nvSpPr>
+        <p:spPr>
+          <a:xfrm rot="16200000">
+            <a:off x="6314604" y="1840948"/>
+            <a:ext cx="2176216" cy="461665"/>
+          </a:xfrm>
+          <a:prstGeom prst="rect">
+            <a:avLst/>
+          </a:prstGeom>
+          <a:solidFill>
+            <a:schemeClr val="bg1"/>
+          </a:solidFill>
+        </p:spPr>
+        <p:txBody>
+          <a:bodyPr wrap="square" rtlCol="0">
+            <a:spAutoFit/>
+          </a:bodyPr>
+          <a:lstStyle/>
+          <a:p>
+            <a:r>
+              <a:rPr lang="en-GB" sz="2400" dirty="0" smtClean="0"/>
+              <a:t>CD43</a:t>
+            </a:r>
+            <a:endParaRPr lang="en-GB" sz="2400" dirty="0"/>
+          </a:p>
+        </p:txBody>
+      </p:sp>
+      <p:sp>
+        <p:nvSpPr>
+          <p:cNvPr id="16" name="TextBox 15"/>
+          <p:cNvSpPr txBox="1"/>
+          <p:nvPr/>
+        </p:nvSpPr>
+        <p:spPr>
+          <a:xfrm>
+            <a:off x="7916490" y="3344487"/>
+            <a:ext cx="1652697" cy="461665"/>
+          </a:xfrm>
+          <a:prstGeom prst="rect">
+            <a:avLst/>
+          </a:prstGeom>
+          <a:solidFill>
+            <a:schemeClr val="bg1"/>
+          </a:solidFill>
+        </p:spPr>
+        <p:txBody>
+          <a:bodyPr wrap="none" rtlCol="0">
+            <a:spAutoFit/>
+          </a:bodyPr>
+          <a:lstStyle/>
+          <a:p>
+            <a:r>
+              <a:rPr lang="en-GB" sz="2400" dirty="0" smtClean="0"/>
+              <a:t>Side Scatter</a:t>
+            </a:r>
+            <a:endParaRPr lang="en-GB" sz="2400" dirty="0"/>
+          </a:p>
+        </p:txBody>
+      </p:sp>
+      <p:sp>
+        <p:nvSpPr>
+          <p:cNvPr id="17" name="TextBox 16"/>
+          <p:cNvSpPr txBox="1"/>
+          <p:nvPr/>
+        </p:nvSpPr>
+        <p:spPr>
+          <a:xfrm rot="16200000">
+            <a:off x="2809404" y="1840947"/>
+            <a:ext cx="2176216" cy="461665"/>
+          </a:xfrm>
+          <a:prstGeom prst="rect">
+            <a:avLst/>
+          </a:prstGeom>
+          <a:solidFill>
+            <a:schemeClr val="bg1"/>
+          </a:solidFill>
+        </p:spPr>
+        <p:txBody>
+          <a:bodyPr wrap="square" rtlCol="0">
+            <a:spAutoFit/>
+          </a:bodyPr>
+          <a:lstStyle/>
+          <a:p>
+            <a:r>
+              <a:rPr lang="en-GB" sz="2400" dirty="0" smtClean="0"/>
+              <a:t>CD43</a:t>
+            </a:r>
+            <a:endParaRPr lang="en-GB" sz="2400" dirty="0"/>
+          </a:p>
+        </p:txBody>
+      </p:sp>
+      <p:sp>
+        <p:nvSpPr>
+          <p:cNvPr id="18" name="TextBox 17"/>
+          <p:cNvSpPr txBox="1"/>
+          <p:nvPr/>
+        </p:nvSpPr>
+        <p:spPr>
+          <a:xfrm>
+            <a:off x="4411290" y="3344486"/>
+            <a:ext cx="1652697" cy="461665"/>
+          </a:xfrm>
+          <a:prstGeom prst="rect">
+            <a:avLst/>
+          </a:prstGeom>
+          <a:solidFill>
+            <a:schemeClr val="bg1"/>
+          </a:solidFill>
+        </p:spPr>
+        <p:txBody>
+          <a:bodyPr wrap="none" rtlCol="0">
+            <a:spAutoFit/>
+          </a:bodyPr>
+          <a:lstStyle/>
+          <a:p>
+            <a:r>
+              <a:rPr lang="en-GB" sz="2400" dirty="0" smtClean="0"/>
+              <a:t>Side Scatter</a:t>
+            </a:r>
+            <a:endParaRPr lang="en-GB" sz="2400" dirty="0"/>
+          </a:p>
+        </p:txBody>
+      </p:sp>
+    </p:spTree>
+    <p:extLst>
+      <p:ext uri="{BB962C8B-B14F-4D97-AF65-F5344CB8AC3E}">
+        <p14:creationId xmlns:p14="http://schemas.microsoft.com/office/powerpoint/2010/main" val="973265494"/>
+      </p:ext>
+    </p:extLst>
+  </p:cSld>
+  <p:clrMapOvr>
+    <a:masterClrMapping/>
+  </p:clrMapOvr>
+</p:sld>
+</file>
+
+<file path=ppt/slides/slide15.xml><?xml version="1.0" encoding="utf-8"?>
+<p:sld xmlns:a="http://schemas.openxmlformats.org/drawingml/2006/main" xmlns:r="http://schemas.openxmlformats.org/officeDocument/2006/relationships" xmlns:p="http://schemas.openxmlformats.org/presentationml/2006/main">
+  <p:cSld>
+    <p:spTree>
+      <p:nvGrpSpPr>
+        <p:cNvPr id="1" name=""/>
+        <p:cNvGrpSpPr/>
+        <p:nvPr/>
+      </p:nvGrpSpPr>
+      <p:grpSpPr>
+        <a:xfrm>
+          <a:off x="0" y="0"/>
+          <a:ext cx="0" cy="0"/>
+          <a:chOff x="0" y="0"/>
+          <a:chExt cx="0" cy="0"/>
+        </a:xfrm>
+      </p:grpSpPr>
+      <p:pic>
+        <p:nvPicPr>
           <p:cNvPr id="2" name="Picture 1"/>
           <p:cNvPicPr>
             <a:picLocks noChangeAspect="1"/>
@@ -7848,7 +8775,7 @@
 </p:sld>
 </file>
 
-<file path=ppt/slides/slide15.xml><?xml version="1.0" encoding="utf-8"?>
+<file path=ppt/slides/slide16.xml><?xml version="1.0" encoding="utf-8"?>
 <p:sld xmlns:a="http://schemas.openxmlformats.org/drawingml/2006/main" xmlns:r="http://schemas.openxmlformats.org/officeDocument/2006/relationships" xmlns:p="http://schemas.openxmlformats.org/presentationml/2006/main">
   <p:cSld>
     <p:spTree>
@@ -8325,7 +9252,7 @@
 </p:sld>
 </file>
 
-<file path=ppt/slides/slide16.xml><?xml version="1.0" encoding="utf-8"?>
+<file path=ppt/slides/slide17.xml><?xml version="1.0" encoding="utf-8"?>
 <p:sld xmlns:a="http://schemas.openxmlformats.org/drawingml/2006/main" xmlns:r="http://schemas.openxmlformats.org/officeDocument/2006/relationships" xmlns:p="http://schemas.openxmlformats.org/presentationml/2006/main">
   <p:cSld>
     <p:spTree>
@@ -8853,7 +9780,7 @@
 </p:sld>
 </file>
 
-<file path=ppt/slides/slide17.xml><?xml version="1.0" encoding="utf-8"?>
+<file path=ppt/slides/slide18.xml><?xml version="1.0" encoding="utf-8"?>
 <p:sld xmlns:a="http://schemas.openxmlformats.org/drawingml/2006/main" xmlns:r="http://schemas.openxmlformats.org/officeDocument/2006/relationships" xmlns:p="http://schemas.openxmlformats.org/presentationml/2006/main">
   <p:cSld>
     <p:spTree>
@@ -9193,7 +10120,7 @@
 </p:sld>
 </file>
 
-<file path=ppt/slides/slide18.xml><?xml version="1.0" encoding="utf-8"?>
+<file path=ppt/slides/slide19.xml><?xml version="1.0" encoding="utf-8"?>
 <p:sld xmlns:a="http://schemas.openxmlformats.org/drawingml/2006/main" xmlns:r="http://schemas.openxmlformats.org/officeDocument/2006/relationships" xmlns:p="http://schemas.openxmlformats.org/presentationml/2006/main">
   <p:cSld>
     <p:spTree>

--- a/Figures/Powerpoints/3 plots.pptx
+++ b/Figures/Powerpoints/3 plots.pptx
@@ -226,7 +226,7 @@
           <a:p>
             <a:fld id="{32F7D83B-ADDA-4ECB-B692-7302BE334C8B}" type="datetimeFigureOut">
               <a:rPr lang="en-GB" smtClean="0"/>
-              <a:t>30/08/2015</a:t>
+              <a:t>06/09/2015</a:t>
             </a:fld>
             <a:endParaRPr lang="en-GB"/>
           </a:p>
@@ -2126,7 +2126,7 @@
           <a:p>
             <a:fld id="{5FFCCEB8-80C3-44AA-83D7-DF78E6311A10}" type="datetimeFigureOut">
               <a:rPr lang="en-GB" smtClean="0"/>
-              <a:t>30/08/2015</a:t>
+              <a:t>06/09/2015</a:t>
             </a:fld>
             <a:endParaRPr lang="en-GB"/>
           </a:p>
@@ -2296,7 +2296,7 @@
           <a:p>
             <a:fld id="{5FFCCEB8-80C3-44AA-83D7-DF78E6311A10}" type="datetimeFigureOut">
               <a:rPr lang="en-GB" smtClean="0"/>
-              <a:t>30/08/2015</a:t>
+              <a:t>06/09/2015</a:t>
             </a:fld>
             <a:endParaRPr lang="en-GB"/>
           </a:p>
@@ -2476,7 +2476,7 @@
           <a:p>
             <a:fld id="{5FFCCEB8-80C3-44AA-83D7-DF78E6311A10}" type="datetimeFigureOut">
               <a:rPr lang="en-GB" smtClean="0"/>
-              <a:t>30/08/2015</a:t>
+              <a:t>06/09/2015</a:t>
             </a:fld>
             <a:endParaRPr lang="en-GB"/>
           </a:p>
@@ -2646,7 +2646,7 @@
           <a:p>
             <a:fld id="{5FFCCEB8-80C3-44AA-83D7-DF78E6311A10}" type="datetimeFigureOut">
               <a:rPr lang="en-GB" smtClean="0"/>
-              <a:t>30/08/2015</a:t>
+              <a:t>06/09/2015</a:t>
             </a:fld>
             <a:endParaRPr lang="en-GB"/>
           </a:p>
@@ -2892,7 +2892,7 @@
           <a:p>
             <a:fld id="{5FFCCEB8-80C3-44AA-83D7-DF78E6311A10}" type="datetimeFigureOut">
               <a:rPr lang="en-GB" smtClean="0"/>
-              <a:t>30/08/2015</a:t>
+              <a:t>06/09/2015</a:t>
             </a:fld>
             <a:endParaRPr lang="en-GB"/>
           </a:p>
@@ -3124,7 +3124,7 @@
           <a:p>
             <a:fld id="{5FFCCEB8-80C3-44AA-83D7-DF78E6311A10}" type="datetimeFigureOut">
               <a:rPr lang="en-GB" smtClean="0"/>
-              <a:t>30/08/2015</a:t>
+              <a:t>06/09/2015</a:t>
             </a:fld>
             <a:endParaRPr lang="en-GB"/>
           </a:p>
@@ -3491,7 +3491,7 @@
           <a:p>
             <a:fld id="{5FFCCEB8-80C3-44AA-83D7-DF78E6311A10}" type="datetimeFigureOut">
               <a:rPr lang="en-GB" smtClean="0"/>
-              <a:t>30/08/2015</a:t>
+              <a:t>06/09/2015</a:t>
             </a:fld>
             <a:endParaRPr lang="en-GB"/>
           </a:p>
@@ -3609,7 +3609,7 @@
           <a:p>
             <a:fld id="{5FFCCEB8-80C3-44AA-83D7-DF78E6311A10}" type="datetimeFigureOut">
               <a:rPr lang="en-GB" smtClean="0"/>
-              <a:t>30/08/2015</a:t>
+              <a:t>06/09/2015</a:t>
             </a:fld>
             <a:endParaRPr lang="en-GB"/>
           </a:p>
@@ -3704,7 +3704,7 @@
           <a:p>
             <a:fld id="{5FFCCEB8-80C3-44AA-83D7-DF78E6311A10}" type="datetimeFigureOut">
               <a:rPr lang="en-GB" smtClean="0"/>
-              <a:t>30/08/2015</a:t>
+              <a:t>06/09/2015</a:t>
             </a:fld>
             <a:endParaRPr lang="en-GB"/>
           </a:p>
@@ -3981,7 +3981,7 @@
           <a:p>
             <a:fld id="{5FFCCEB8-80C3-44AA-83D7-DF78E6311A10}" type="datetimeFigureOut">
               <a:rPr lang="en-GB" smtClean="0"/>
-              <a:t>30/08/2015</a:t>
+              <a:t>06/09/2015</a:t>
             </a:fld>
             <a:endParaRPr lang="en-GB"/>
           </a:p>
@@ -4238,7 +4238,7 @@
           <a:p>
             <a:fld id="{5FFCCEB8-80C3-44AA-83D7-DF78E6311A10}" type="datetimeFigureOut">
               <a:rPr lang="en-GB" smtClean="0"/>
-              <a:t>30/08/2015</a:t>
+              <a:t>06/09/2015</a:t>
             </a:fld>
             <a:endParaRPr lang="en-GB"/>
           </a:p>
@@ -4451,7 +4451,7 @@
           <a:p>
             <a:fld id="{5FFCCEB8-80C3-44AA-83D7-DF78E6311A10}" type="datetimeFigureOut">
               <a:rPr lang="en-GB" smtClean="0"/>
-              <a:t>30/08/2015</a:t>
+              <a:t>06/09/2015</a:t>
             </a:fld>
             <a:endParaRPr lang="en-GB"/>
           </a:p>
@@ -5025,7 +5025,6 @@
               <a:rPr lang="en-GB" dirty="0" smtClean="0"/>
               <a:t>GFP-</a:t>
             </a:r>
-            <a:endParaRPr lang="en-GB" dirty="0" smtClean="0"/>
           </a:p>
           <a:p>
             <a:pPr algn="ctr"/>
@@ -5156,7 +5155,6 @@
               <a:rPr lang="en-GB" dirty="0" smtClean="0"/>
               <a:t>GFP-</a:t>
             </a:r>
-            <a:endParaRPr lang="en-GB" dirty="0" smtClean="0"/>
           </a:p>
           <a:p>
             <a:pPr algn="ctr"/>
@@ -5287,7 +5285,6 @@
               <a:rPr lang="en-GB" dirty="0" smtClean="0"/>
               <a:t>GFP-</a:t>
             </a:r>
-            <a:endParaRPr lang="en-GB" dirty="0" smtClean="0"/>
           </a:p>
           <a:p>
             <a:pPr algn="ctr"/>
@@ -5806,7 +5803,6 @@
               <a:rPr lang="en-GB" dirty="0" smtClean="0"/>
               <a:t>GFP-</a:t>
             </a:r>
-            <a:endParaRPr lang="en-GB" dirty="0" smtClean="0"/>
           </a:p>
           <a:p>
             <a:pPr algn="ctr"/>
@@ -5937,7 +5933,6 @@
               <a:rPr lang="en-GB" dirty="0" smtClean="0"/>
               <a:t>GFP-</a:t>
             </a:r>
-            <a:endParaRPr lang="en-GB" dirty="0" smtClean="0"/>
           </a:p>
           <a:p>
             <a:pPr algn="ctr"/>
@@ -6068,7 +6063,6 @@
               <a:rPr lang="en-GB" dirty="0" smtClean="0"/>
               <a:t>GFP-</a:t>
             </a:r>
-            <a:endParaRPr lang="en-GB" dirty="0" smtClean="0"/>
           </a:p>
           <a:p>
             <a:pPr algn="ctr"/>
@@ -6871,13 +6865,8 @@
             <a:pPr algn="ctr"/>
             <a:r>
               <a:rPr lang="en-GB" dirty="0" smtClean="0"/>
-              <a:t>GFP</a:t>
-            </a:r>
-            <a:r>
-              <a:rPr lang="en-GB" dirty="0" smtClean="0"/>
-              <a:t>-</a:t>
-            </a:r>
-            <a:endParaRPr lang="en-GB" dirty="0" smtClean="0"/>
+              <a:t>GFP-</a:t>
+            </a:r>
           </a:p>
           <a:p>
             <a:pPr algn="ctr"/>
@@ -6928,11 +6917,7 @@
             <a:pPr algn="ctr"/>
             <a:r>
               <a:rPr lang="en-GB" dirty="0" smtClean="0"/>
-              <a:t>26.0</a:t>
-            </a:r>
-            <a:r>
-              <a:rPr lang="en-GB" dirty="0" smtClean="0"/>
-              <a:t>%</a:t>
+              <a:t>26.0%</a:t>
             </a:r>
             <a:endParaRPr lang="en-GB" dirty="0"/>
           </a:p>
@@ -6977,11 +6962,7 @@
             <a:pPr algn="ctr"/>
             <a:r>
               <a:rPr lang="en-GB" dirty="0" smtClean="0"/>
-              <a:t>58.8</a:t>
-            </a:r>
-            <a:r>
-              <a:rPr lang="en-GB" dirty="0" smtClean="0"/>
-              <a:t>%</a:t>
+              <a:t>58.8%</a:t>
             </a:r>
             <a:endParaRPr lang="en-GB" dirty="0"/>
           </a:p>
@@ -7014,23 +6995,14 @@
             <a:pPr algn="ctr"/>
             <a:r>
               <a:rPr lang="en-GB" dirty="0" smtClean="0"/>
-              <a:t>GFP</a:t>
-            </a:r>
+              <a:t>GFP-</a:t>
+            </a:r>
+          </a:p>
+          <a:p>
+            <a:pPr algn="ctr"/>
             <a:r>
               <a:rPr lang="en-GB" dirty="0" smtClean="0"/>
-              <a:t>-</a:t>
-            </a:r>
-            <a:endParaRPr lang="en-GB" dirty="0" smtClean="0"/>
-          </a:p>
-          <a:p>
-            <a:pPr algn="ctr"/>
-            <a:r>
-              <a:rPr lang="en-GB" dirty="0" smtClean="0"/>
-              <a:t>9.58</a:t>
-            </a:r>
-            <a:r>
-              <a:rPr lang="en-GB" dirty="0" smtClean="0"/>
-              <a:t>%</a:t>
+              <a:t>9.58%</a:t>
             </a:r>
             <a:endParaRPr lang="en-GB" dirty="0"/>
           </a:p>
@@ -7075,11 +7047,7 @@
             <a:pPr algn="ctr"/>
             <a:r>
               <a:rPr lang="en-GB" dirty="0" smtClean="0"/>
-              <a:t>11.6</a:t>
-            </a:r>
-            <a:r>
-              <a:rPr lang="en-GB" dirty="0" smtClean="0"/>
-              <a:t>%</a:t>
+              <a:t>11.6%</a:t>
             </a:r>
             <a:endParaRPr lang="en-GB" dirty="0"/>
           </a:p>
@@ -7124,11 +7092,7 @@
             <a:pPr algn="ctr"/>
             <a:r>
               <a:rPr lang="en-GB" dirty="0" smtClean="0"/>
-              <a:t>75.4</a:t>
-            </a:r>
-            <a:r>
-              <a:rPr lang="en-GB" dirty="0" smtClean="0"/>
-              <a:t>%</a:t>
+              <a:t>75.4%</a:t>
             </a:r>
             <a:endParaRPr lang="en-GB" dirty="0"/>
           </a:p>
@@ -7163,17 +7127,12 @@
               <a:rPr lang="en-GB" dirty="0" smtClean="0"/>
               <a:t>GFP-</a:t>
             </a:r>
-            <a:endParaRPr lang="en-GB" dirty="0" smtClean="0"/>
           </a:p>
           <a:p>
             <a:pPr algn="ctr"/>
             <a:r>
               <a:rPr lang="en-GB" dirty="0" smtClean="0"/>
-              <a:t>5.68</a:t>
-            </a:r>
-            <a:r>
-              <a:rPr lang="en-GB" dirty="0" smtClean="0"/>
-              <a:t>%</a:t>
+              <a:t>5.68%</a:t>
             </a:r>
             <a:endParaRPr lang="en-GB" dirty="0"/>
           </a:p>
@@ -7218,11 +7177,7 @@
             <a:pPr algn="ctr"/>
             <a:r>
               <a:rPr lang="en-GB" dirty="0" smtClean="0"/>
-              <a:t>35.2</a:t>
-            </a:r>
-            <a:r>
-              <a:rPr lang="en-GB" dirty="0" smtClean="0"/>
-              <a:t>%</a:t>
+              <a:t>35.2%</a:t>
             </a:r>
             <a:endParaRPr lang="en-GB" dirty="0"/>
           </a:p>
@@ -7267,11 +7222,7 @@
             <a:pPr algn="ctr"/>
             <a:r>
               <a:rPr lang="en-GB" dirty="0" smtClean="0"/>
-              <a:t>50.0</a:t>
-            </a:r>
-            <a:r>
-              <a:rPr lang="en-GB" dirty="0" smtClean="0"/>
-              <a:t>%</a:t>
+              <a:t>50.0%</a:t>
             </a:r>
             <a:endParaRPr lang="en-GB" dirty="0"/>
           </a:p>
@@ -10137,6 +10088,360 @@
           <a:chExt cx="0" cy="0"/>
         </a:xfrm>
       </p:grpSpPr>
+      <p:pic>
+        <p:nvPicPr>
+          <p:cNvPr id="14" name="Picture 13"/>
+          <p:cNvPicPr>
+            <a:picLocks noChangeAspect="1"/>
+          </p:cNvPicPr>
+          <p:nvPr/>
+        </p:nvPicPr>
+        <p:blipFill>
+          <a:blip r:embed="rId3"/>
+          <a:stretch>
+            <a:fillRect/>
+          </a:stretch>
+        </p:blipFill>
+        <p:spPr>
+          <a:xfrm>
+            <a:off x="194731" y="160338"/>
+            <a:ext cx="3505200" cy="3638550"/>
+          </a:xfrm>
+          <a:prstGeom prst="rect">
+            <a:avLst/>
+          </a:prstGeom>
+        </p:spPr>
+      </p:pic>
+      <p:pic>
+        <p:nvPicPr>
+          <p:cNvPr id="3" name="Picture 2"/>
+          <p:cNvPicPr>
+            <a:picLocks noChangeAspect="1"/>
+          </p:cNvPicPr>
+          <p:nvPr/>
+        </p:nvPicPr>
+        <p:blipFill>
+          <a:blip r:embed="rId4"/>
+          <a:stretch>
+            <a:fillRect/>
+          </a:stretch>
+        </p:blipFill>
+        <p:spPr>
+          <a:xfrm>
+            <a:off x="3646488" y="160338"/>
+            <a:ext cx="3505200" cy="3638550"/>
+          </a:xfrm>
+          <a:prstGeom prst="rect">
+            <a:avLst/>
+          </a:prstGeom>
+        </p:spPr>
+      </p:pic>
+      <p:pic>
+        <p:nvPicPr>
+          <p:cNvPr id="4" name="Picture 3"/>
+          <p:cNvPicPr>
+            <a:picLocks noChangeAspect="1"/>
+          </p:cNvPicPr>
+          <p:nvPr/>
+        </p:nvPicPr>
+        <p:blipFill>
+          <a:blip r:embed="rId5"/>
+          <a:stretch>
+            <a:fillRect/>
+          </a:stretch>
+        </p:blipFill>
+        <p:spPr>
+          <a:xfrm>
+            <a:off x="7151688" y="160338"/>
+            <a:ext cx="3505200" cy="3638550"/>
+          </a:xfrm>
+          <a:prstGeom prst="rect">
+            <a:avLst/>
+          </a:prstGeom>
+        </p:spPr>
+      </p:pic>
+      <p:sp>
+        <p:nvSpPr>
+          <p:cNvPr id="5" name="TextBox 4"/>
+          <p:cNvSpPr txBox="1"/>
+          <p:nvPr/>
+        </p:nvSpPr>
+        <p:spPr>
+          <a:xfrm rot="16200000">
+            <a:off x="-674393" y="1749505"/>
+            <a:ext cx="2176216" cy="461665"/>
+          </a:xfrm>
+          <a:prstGeom prst="rect">
+            <a:avLst/>
+          </a:prstGeom>
+          <a:solidFill>
+            <a:schemeClr val="bg1"/>
+          </a:solidFill>
+        </p:spPr>
+        <p:txBody>
+          <a:bodyPr wrap="square" rtlCol="0">
+            <a:spAutoFit/>
+          </a:bodyPr>
+          <a:lstStyle/>
+          <a:p>
+            <a:r>
+              <a:rPr lang="en-GB" sz="2400" dirty="0" smtClean="0"/>
+              <a:t>IgM</a:t>
+            </a:r>
+            <a:endParaRPr lang="en-GB" sz="2400" dirty="0"/>
+          </a:p>
+        </p:txBody>
+      </p:sp>
+      <p:sp>
+        <p:nvSpPr>
+          <p:cNvPr id="6" name="TextBox 5"/>
+          <p:cNvSpPr txBox="1"/>
+          <p:nvPr/>
+        </p:nvSpPr>
+        <p:spPr>
+          <a:xfrm>
+            <a:off x="927493" y="3253044"/>
+            <a:ext cx="2272907" cy="461665"/>
+          </a:xfrm>
+          <a:prstGeom prst="rect">
+            <a:avLst/>
+          </a:prstGeom>
+          <a:solidFill>
+            <a:schemeClr val="bg1"/>
+          </a:solidFill>
+        </p:spPr>
+        <p:txBody>
+          <a:bodyPr wrap="square" rtlCol="0">
+            <a:spAutoFit/>
+          </a:bodyPr>
+          <a:lstStyle/>
+          <a:p>
+            <a:r>
+              <a:rPr lang="en-GB" sz="2400" dirty="0" smtClean="0"/>
+              <a:t>CD43</a:t>
+            </a:r>
+            <a:endParaRPr lang="en-GB" sz="2400" dirty="0"/>
+          </a:p>
+        </p:txBody>
+      </p:sp>
+      <p:sp>
+        <p:nvSpPr>
+          <p:cNvPr id="7" name="TextBox 6"/>
+          <p:cNvSpPr txBox="1"/>
+          <p:nvPr/>
+        </p:nvSpPr>
+        <p:spPr>
+          <a:xfrm rot="16200000">
+            <a:off x="6347856" y="1749505"/>
+            <a:ext cx="2176216" cy="461665"/>
+          </a:xfrm>
+          <a:prstGeom prst="rect">
+            <a:avLst/>
+          </a:prstGeom>
+          <a:solidFill>
+            <a:schemeClr val="bg1"/>
+          </a:solidFill>
+        </p:spPr>
+        <p:txBody>
+          <a:bodyPr wrap="square" rtlCol="0">
+            <a:spAutoFit/>
+          </a:bodyPr>
+          <a:lstStyle/>
+          <a:p>
+            <a:r>
+              <a:rPr lang="en-GB" sz="2400" dirty="0" smtClean="0"/>
+              <a:t>IgM</a:t>
+            </a:r>
+            <a:endParaRPr lang="en-GB" sz="2400" dirty="0"/>
+          </a:p>
+        </p:txBody>
+      </p:sp>
+      <p:sp>
+        <p:nvSpPr>
+          <p:cNvPr id="8" name="TextBox 7"/>
+          <p:cNvSpPr txBox="1"/>
+          <p:nvPr/>
+        </p:nvSpPr>
+        <p:spPr>
+          <a:xfrm>
+            <a:off x="7949742" y="3253044"/>
+            <a:ext cx="2008905" cy="461665"/>
+          </a:xfrm>
+          <a:prstGeom prst="rect">
+            <a:avLst/>
+          </a:prstGeom>
+          <a:solidFill>
+            <a:schemeClr val="bg1"/>
+          </a:solidFill>
+        </p:spPr>
+        <p:txBody>
+          <a:bodyPr wrap="square" rtlCol="0">
+            <a:spAutoFit/>
+          </a:bodyPr>
+          <a:lstStyle/>
+          <a:p>
+            <a:r>
+              <a:rPr lang="en-GB" sz="2400" dirty="0" smtClean="0"/>
+              <a:t>CD43</a:t>
+            </a:r>
+            <a:endParaRPr lang="en-GB" sz="2400" dirty="0"/>
+          </a:p>
+        </p:txBody>
+      </p:sp>
+      <p:sp>
+        <p:nvSpPr>
+          <p:cNvPr id="9" name="TextBox 8"/>
+          <p:cNvSpPr txBox="1"/>
+          <p:nvPr/>
+        </p:nvSpPr>
+        <p:spPr>
+          <a:xfrm rot="16200000">
+            <a:off x="2842656" y="1749504"/>
+            <a:ext cx="2176216" cy="461665"/>
+          </a:xfrm>
+          <a:prstGeom prst="rect">
+            <a:avLst/>
+          </a:prstGeom>
+          <a:solidFill>
+            <a:schemeClr val="bg1"/>
+          </a:solidFill>
+        </p:spPr>
+        <p:txBody>
+          <a:bodyPr wrap="square" rtlCol="0">
+            <a:spAutoFit/>
+          </a:bodyPr>
+          <a:lstStyle/>
+          <a:p>
+            <a:r>
+              <a:rPr lang="en-GB" sz="2400" dirty="0" smtClean="0"/>
+              <a:t>IgM</a:t>
+            </a:r>
+            <a:endParaRPr lang="en-GB" sz="2400" dirty="0"/>
+          </a:p>
+        </p:txBody>
+      </p:sp>
+      <p:sp>
+        <p:nvSpPr>
+          <p:cNvPr id="10" name="TextBox 9"/>
+          <p:cNvSpPr txBox="1"/>
+          <p:nvPr/>
+        </p:nvSpPr>
+        <p:spPr>
+          <a:xfrm>
+            <a:off x="4444542" y="3253043"/>
+            <a:ext cx="2261058" cy="461665"/>
+          </a:xfrm>
+          <a:prstGeom prst="rect">
+            <a:avLst/>
+          </a:prstGeom>
+          <a:solidFill>
+            <a:schemeClr val="bg1"/>
+          </a:solidFill>
+        </p:spPr>
+        <p:txBody>
+          <a:bodyPr wrap="square" rtlCol="0">
+            <a:spAutoFit/>
+          </a:bodyPr>
+          <a:lstStyle/>
+          <a:p>
+            <a:r>
+              <a:rPr lang="en-GB" sz="2400" dirty="0" smtClean="0"/>
+              <a:t>CD43</a:t>
+            </a:r>
+            <a:endParaRPr lang="en-GB" sz="2400" dirty="0"/>
+          </a:p>
+        </p:txBody>
+      </p:sp>
+      <p:sp>
+        <p:nvSpPr>
+          <p:cNvPr id="11" name="TextBox 10"/>
+          <p:cNvSpPr txBox="1"/>
+          <p:nvPr/>
+        </p:nvSpPr>
+        <p:spPr>
+          <a:xfrm>
+            <a:off x="1672244" y="90812"/>
+            <a:ext cx="426720" cy="369332"/>
+          </a:xfrm>
+          <a:prstGeom prst="rect">
+            <a:avLst/>
+          </a:prstGeom>
+          <a:noFill/>
+        </p:spPr>
+        <p:txBody>
+          <a:bodyPr wrap="none" rtlCol="0">
+            <a:spAutoFit/>
+          </a:bodyPr>
+          <a:lstStyle/>
+          <a:p>
+            <a:r>
+              <a:rPr lang="en-GB" dirty="0" smtClean="0"/>
+              <a:t>B6</a:t>
+            </a:r>
+            <a:endParaRPr lang="en-GB" dirty="0"/>
+          </a:p>
+        </p:txBody>
+      </p:sp>
+      <p:sp>
+        <p:nvSpPr>
+          <p:cNvPr id="12" name="TextBox 11"/>
+          <p:cNvSpPr txBox="1"/>
+          <p:nvPr/>
+        </p:nvSpPr>
+        <p:spPr>
+          <a:xfrm>
+            <a:off x="4897233" y="90812"/>
+            <a:ext cx="998991" cy="369332"/>
+          </a:xfrm>
+          <a:prstGeom prst="rect">
+            <a:avLst/>
+          </a:prstGeom>
+          <a:noFill/>
+        </p:spPr>
+        <p:txBody>
+          <a:bodyPr wrap="none" rtlCol="0">
+            <a:spAutoFit/>
+          </a:bodyPr>
+          <a:lstStyle/>
+          <a:p>
+            <a:r>
+              <a:rPr lang="en-GB" dirty="0" smtClean="0"/>
+              <a:t>NOD WT</a:t>
+            </a:r>
+            <a:endParaRPr lang="en-GB" dirty="0"/>
+          </a:p>
+        </p:txBody>
+      </p:sp>
+      <p:sp>
+        <p:nvSpPr>
+          <p:cNvPr id="13" name="TextBox 12"/>
+          <p:cNvSpPr txBox="1"/>
+          <p:nvPr/>
+        </p:nvSpPr>
+        <p:spPr>
+          <a:xfrm>
+            <a:off x="8436281" y="85446"/>
+            <a:ext cx="943143" cy="369332"/>
+          </a:xfrm>
+          <a:prstGeom prst="rect">
+            <a:avLst/>
+          </a:prstGeom>
+          <a:noFill/>
+        </p:spPr>
+        <p:txBody>
+          <a:bodyPr wrap="none" rtlCol="0">
+            <a:spAutoFit/>
+          </a:bodyPr>
+          <a:lstStyle/>
+          <a:p>
+            <a:r>
+              <a:rPr lang="en-GB" dirty="0" smtClean="0"/>
+              <a:t>NOD KO</a:t>
+            </a:r>
+            <a:endParaRPr lang="en-GB" dirty="0"/>
+          </a:p>
+        </p:txBody>
+      </p:sp>
     </p:spTree>
     <p:extLst>
       <p:ext uri="{BB962C8B-B14F-4D97-AF65-F5344CB8AC3E}">

--- a/Figures/Powerpoints/3 plots.pptx
+++ b/Figures/Powerpoints/3 plots.pptx
@@ -5,7 +5,7 @@
     <p:sldMasterId id="2147483672" r:id="rId1"/>
   </p:sldMasterIdLst>
   <p:notesMasterIdLst>
-    <p:notesMasterId r:id="rId21"/>
+    <p:notesMasterId r:id="rId22"/>
   </p:notesMasterIdLst>
   <p:sldIdLst>
     <p:sldId id="256" r:id="rId2"/>
@@ -27,6 +27,7 @@
     <p:sldId id="273" r:id="rId18"/>
     <p:sldId id="274" r:id="rId19"/>
     <p:sldId id="275" r:id="rId20"/>
+    <p:sldId id="277" r:id="rId21"/>
   </p:sldIdLst>
   <p:sldSz cx="10799763" cy="3959225"/>
   <p:notesSz cx="6858000" cy="9144000"/>
@@ -226,7 +227,7 @@
           <a:p>
             <a:fld id="{32F7D83B-ADDA-4ECB-B692-7302BE334C8B}" type="datetimeFigureOut">
               <a:rPr lang="en-GB" smtClean="0"/>
-              <a:t>06/09/2015</a:t>
+              <a:t>07/09/2015</a:t>
             </a:fld>
             <a:endParaRPr lang="en-GB"/>
           </a:p>
@@ -2126,7 +2127,7 @@
           <a:p>
             <a:fld id="{5FFCCEB8-80C3-44AA-83D7-DF78E6311A10}" type="datetimeFigureOut">
               <a:rPr lang="en-GB" smtClean="0"/>
-              <a:t>06/09/2015</a:t>
+              <a:t>07/09/2015</a:t>
             </a:fld>
             <a:endParaRPr lang="en-GB"/>
           </a:p>
@@ -2296,7 +2297,7 @@
           <a:p>
             <a:fld id="{5FFCCEB8-80C3-44AA-83D7-DF78E6311A10}" type="datetimeFigureOut">
               <a:rPr lang="en-GB" smtClean="0"/>
-              <a:t>06/09/2015</a:t>
+              <a:t>07/09/2015</a:t>
             </a:fld>
             <a:endParaRPr lang="en-GB"/>
           </a:p>
@@ -2476,7 +2477,7 @@
           <a:p>
             <a:fld id="{5FFCCEB8-80C3-44AA-83D7-DF78E6311A10}" type="datetimeFigureOut">
               <a:rPr lang="en-GB" smtClean="0"/>
-              <a:t>06/09/2015</a:t>
+              <a:t>07/09/2015</a:t>
             </a:fld>
             <a:endParaRPr lang="en-GB"/>
           </a:p>
@@ -2646,7 +2647,7 @@
           <a:p>
             <a:fld id="{5FFCCEB8-80C3-44AA-83D7-DF78E6311A10}" type="datetimeFigureOut">
               <a:rPr lang="en-GB" smtClean="0"/>
-              <a:t>06/09/2015</a:t>
+              <a:t>07/09/2015</a:t>
             </a:fld>
             <a:endParaRPr lang="en-GB"/>
           </a:p>
@@ -2892,7 +2893,7 @@
           <a:p>
             <a:fld id="{5FFCCEB8-80C3-44AA-83D7-DF78E6311A10}" type="datetimeFigureOut">
               <a:rPr lang="en-GB" smtClean="0"/>
-              <a:t>06/09/2015</a:t>
+              <a:t>07/09/2015</a:t>
             </a:fld>
             <a:endParaRPr lang="en-GB"/>
           </a:p>
@@ -3124,7 +3125,7 @@
           <a:p>
             <a:fld id="{5FFCCEB8-80C3-44AA-83D7-DF78E6311A10}" type="datetimeFigureOut">
               <a:rPr lang="en-GB" smtClean="0"/>
-              <a:t>06/09/2015</a:t>
+              <a:t>07/09/2015</a:t>
             </a:fld>
             <a:endParaRPr lang="en-GB"/>
           </a:p>
@@ -3491,7 +3492,7 @@
           <a:p>
             <a:fld id="{5FFCCEB8-80C3-44AA-83D7-DF78E6311A10}" type="datetimeFigureOut">
               <a:rPr lang="en-GB" smtClean="0"/>
-              <a:t>06/09/2015</a:t>
+              <a:t>07/09/2015</a:t>
             </a:fld>
             <a:endParaRPr lang="en-GB"/>
           </a:p>
@@ -3609,7 +3610,7 @@
           <a:p>
             <a:fld id="{5FFCCEB8-80C3-44AA-83D7-DF78E6311A10}" type="datetimeFigureOut">
               <a:rPr lang="en-GB" smtClean="0"/>
-              <a:t>06/09/2015</a:t>
+              <a:t>07/09/2015</a:t>
             </a:fld>
             <a:endParaRPr lang="en-GB"/>
           </a:p>
@@ -3704,7 +3705,7 @@
           <a:p>
             <a:fld id="{5FFCCEB8-80C3-44AA-83D7-DF78E6311A10}" type="datetimeFigureOut">
               <a:rPr lang="en-GB" smtClean="0"/>
-              <a:t>06/09/2015</a:t>
+              <a:t>07/09/2015</a:t>
             </a:fld>
             <a:endParaRPr lang="en-GB"/>
           </a:p>
@@ -3981,7 +3982,7 @@
           <a:p>
             <a:fld id="{5FFCCEB8-80C3-44AA-83D7-DF78E6311A10}" type="datetimeFigureOut">
               <a:rPr lang="en-GB" smtClean="0"/>
-              <a:t>06/09/2015</a:t>
+              <a:t>07/09/2015</a:t>
             </a:fld>
             <a:endParaRPr lang="en-GB"/>
           </a:p>
@@ -4238,7 +4239,7 @@
           <a:p>
             <a:fld id="{5FFCCEB8-80C3-44AA-83D7-DF78E6311A10}" type="datetimeFigureOut">
               <a:rPr lang="en-GB" smtClean="0"/>
-              <a:t>06/09/2015</a:t>
+              <a:t>07/09/2015</a:t>
             </a:fld>
             <a:endParaRPr lang="en-GB"/>
           </a:p>
@@ -4451,7 +4452,7 @@
           <a:p>
             <a:fld id="{5FFCCEB8-80C3-44AA-83D7-DF78E6311A10}" type="datetimeFigureOut">
               <a:rPr lang="en-GB" smtClean="0"/>
-              <a:t>06/09/2015</a:t>
+              <a:t>07/09/2015</a:t>
             </a:fld>
             <a:endParaRPr lang="en-GB"/>
           </a:p>
@@ -10919,6 +10920,144 @@
 </p:sld>
 </file>
 
+<file path=ppt/slides/slide20.xml><?xml version="1.0" encoding="utf-8"?>
+<p:sld xmlns:a="http://schemas.openxmlformats.org/drawingml/2006/main" xmlns:r="http://schemas.openxmlformats.org/officeDocument/2006/relationships" xmlns:p="http://schemas.openxmlformats.org/presentationml/2006/main">
+  <p:cSld>
+    <p:spTree>
+      <p:nvGrpSpPr>
+        <p:cNvPr id="1" name=""/>
+        <p:cNvGrpSpPr/>
+        <p:nvPr/>
+      </p:nvGrpSpPr>
+      <p:grpSpPr>
+        <a:xfrm>
+          <a:off x="0" y="0"/>
+          <a:ext cx="0" cy="0"/>
+          <a:chOff x="0" y="0"/>
+          <a:chExt cx="0" cy="0"/>
+        </a:xfrm>
+      </p:grpSpPr>
+      <p:pic>
+        <p:nvPicPr>
+          <p:cNvPr id="2" name="Picture 1"/>
+          <p:cNvPicPr>
+            <a:picLocks noChangeAspect="1"/>
+          </p:cNvPicPr>
+          <p:nvPr/>
+        </p:nvPicPr>
+        <p:blipFill>
+          <a:blip r:embed="rId2"/>
+          <a:stretch>
+            <a:fillRect/>
+          </a:stretch>
+        </p:blipFill>
+        <p:spPr>
+          <a:xfrm>
+            <a:off x="142081" y="160337"/>
+            <a:ext cx="3505200" cy="3638550"/>
+          </a:xfrm>
+          <a:prstGeom prst="rect">
+            <a:avLst/>
+          </a:prstGeom>
+        </p:spPr>
+      </p:pic>
+      <p:sp>
+        <p:nvSpPr>
+          <p:cNvPr id="3" name="TextBox 2"/>
+          <p:cNvSpPr txBox="1"/>
+          <p:nvPr/>
+        </p:nvSpPr>
+        <p:spPr>
+          <a:xfrm>
+            <a:off x="2543695" y="521916"/>
+            <a:ext cx="875561" cy="369332"/>
+          </a:xfrm>
+          <a:prstGeom prst="rect">
+            <a:avLst/>
+          </a:prstGeom>
+          <a:noFill/>
+        </p:spPr>
+        <p:txBody>
+          <a:bodyPr wrap="none" rtlCol="0">
+            <a:spAutoFit/>
+          </a:bodyPr>
+          <a:lstStyle/>
+          <a:p>
+            <a:r>
+              <a:rPr lang="en-GB" dirty="0" smtClean="0"/>
+              <a:t>0.670%</a:t>
+            </a:r>
+            <a:endParaRPr lang="en-GB" dirty="0"/>
+          </a:p>
+        </p:txBody>
+      </p:sp>
+      <p:pic>
+        <p:nvPicPr>
+          <p:cNvPr id="4" name="Picture 3"/>
+          <p:cNvPicPr>
+            <a:picLocks noChangeAspect="1"/>
+          </p:cNvPicPr>
+          <p:nvPr/>
+        </p:nvPicPr>
+        <p:blipFill>
+          <a:blip r:embed="rId3"/>
+          <a:stretch>
+            <a:fillRect/>
+          </a:stretch>
+        </p:blipFill>
+        <p:spPr>
+          <a:xfrm>
+            <a:off x="3647281" y="160337"/>
+            <a:ext cx="3505200" cy="3638550"/>
+          </a:xfrm>
+          <a:prstGeom prst="rect">
+            <a:avLst/>
+          </a:prstGeom>
+        </p:spPr>
+      </p:pic>
+      <p:sp>
+        <p:nvSpPr>
+          <p:cNvPr id="5" name="TextBox 4"/>
+          <p:cNvSpPr txBox="1"/>
+          <p:nvPr/>
+        </p:nvSpPr>
+        <p:spPr>
+          <a:xfrm>
+            <a:off x="6048895" y="521916"/>
+            <a:ext cx="875561" cy="369332"/>
+          </a:xfrm>
+          <a:prstGeom prst="rect">
+            <a:avLst/>
+          </a:prstGeom>
+          <a:noFill/>
+        </p:spPr>
+        <p:txBody>
+          <a:bodyPr wrap="none" rtlCol="0">
+            <a:spAutoFit/>
+          </a:bodyPr>
+          <a:lstStyle/>
+          <a:p>
+            <a:r>
+              <a:rPr lang="en-GB" dirty="0" smtClean="0"/>
+              <a:t>0.009%</a:t>
+            </a:r>
+            <a:endParaRPr lang="en-GB" dirty="0"/>
+          </a:p>
+        </p:txBody>
+      </p:sp>
+    </p:spTree>
+    <p:extLst>
+      <p:ext uri="{BB962C8B-B14F-4D97-AF65-F5344CB8AC3E}">
+        <p14:creationId xmlns:p14="http://schemas.microsoft.com/office/powerpoint/2010/main" val="2560592260"/>
+      </p:ext>
+    </p:extLst>
+  </p:cSld>
+  <p:clrMapOvr>
+    <a:masterClrMapping/>
+  </p:clrMapOvr>
+</p:sld>
+</file>
+
 <file path=ppt/slides/slide3.xml><?xml version="1.0" encoding="utf-8"?>
 <p:sld xmlns:a="http://schemas.openxmlformats.org/drawingml/2006/main" xmlns:r="http://schemas.openxmlformats.org/officeDocument/2006/relationships" xmlns:p="http://schemas.openxmlformats.org/presentationml/2006/main">
   <p:cSld>

--- a/Figures/Powerpoints/3 plots.pptx
+++ b/Figures/Powerpoints/3 plots.pptx
@@ -227,7 +227,7 @@
           <a:p>
             <a:fld id="{32F7D83B-ADDA-4ECB-B692-7302BE334C8B}" type="datetimeFigureOut">
               <a:rPr lang="en-GB" smtClean="0"/>
-              <a:t>07/09/2015</a:t>
+              <a:t>08/09/2015</a:t>
             </a:fld>
             <a:endParaRPr lang="en-GB"/>
           </a:p>
@@ -2127,7 +2127,7 @@
           <a:p>
             <a:fld id="{5FFCCEB8-80C3-44AA-83D7-DF78E6311A10}" type="datetimeFigureOut">
               <a:rPr lang="en-GB" smtClean="0"/>
-              <a:t>07/09/2015</a:t>
+              <a:t>08/09/2015</a:t>
             </a:fld>
             <a:endParaRPr lang="en-GB"/>
           </a:p>
@@ -2297,7 +2297,7 @@
           <a:p>
             <a:fld id="{5FFCCEB8-80C3-44AA-83D7-DF78E6311A10}" type="datetimeFigureOut">
               <a:rPr lang="en-GB" smtClean="0"/>
-              <a:t>07/09/2015</a:t>
+              <a:t>08/09/2015</a:t>
             </a:fld>
             <a:endParaRPr lang="en-GB"/>
           </a:p>
@@ -2477,7 +2477,7 @@
           <a:p>
             <a:fld id="{5FFCCEB8-80C3-44AA-83D7-DF78E6311A10}" type="datetimeFigureOut">
               <a:rPr lang="en-GB" smtClean="0"/>
-              <a:t>07/09/2015</a:t>
+              <a:t>08/09/2015</a:t>
             </a:fld>
             <a:endParaRPr lang="en-GB"/>
           </a:p>
@@ -2647,7 +2647,7 @@
           <a:p>
             <a:fld id="{5FFCCEB8-80C3-44AA-83D7-DF78E6311A10}" type="datetimeFigureOut">
               <a:rPr lang="en-GB" smtClean="0"/>
-              <a:t>07/09/2015</a:t>
+              <a:t>08/09/2015</a:t>
             </a:fld>
             <a:endParaRPr lang="en-GB"/>
           </a:p>
@@ -2893,7 +2893,7 @@
           <a:p>
             <a:fld id="{5FFCCEB8-80C3-44AA-83D7-DF78E6311A10}" type="datetimeFigureOut">
               <a:rPr lang="en-GB" smtClean="0"/>
-              <a:t>07/09/2015</a:t>
+              <a:t>08/09/2015</a:t>
             </a:fld>
             <a:endParaRPr lang="en-GB"/>
           </a:p>
@@ -3125,7 +3125,7 @@
           <a:p>
             <a:fld id="{5FFCCEB8-80C3-44AA-83D7-DF78E6311A10}" type="datetimeFigureOut">
               <a:rPr lang="en-GB" smtClean="0"/>
-              <a:t>07/09/2015</a:t>
+              <a:t>08/09/2015</a:t>
             </a:fld>
             <a:endParaRPr lang="en-GB"/>
           </a:p>
@@ -3492,7 +3492,7 @@
           <a:p>
             <a:fld id="{5FFCCEB8-80C3-44AA-83D7-DF78E6311A10}" type="datetimeFigureOut">
               <a:rPr lang="en-GB" smtClean="0"/>
-              <a:t>07/09/2015</a:t>
+              <a:t>08/09/2015</a:t>
             </a:fld>
             <a:endParaRPr lang="en-GB"/>
           </a:p>
@@ -3610,7 +3610,7 @@
           <a:p>
             <a:fld id="{5FFCCEB8-80C3-44AA-83D7-DF78E6311A10}" type="datetimeFigureOut">
               <a:rPr lang="en-GB" smtClean="0"/>
-              <a:t>07/09/2015</a:t>
+              <a:t>08/09/2015</a:t>
             </a:fld>
             <a:endParaRPr lang="en-GB"/>
           </a:p>
@@ -3705,7 +3705,7 @@
           <a:p>
             <a:fld id="{5FFCCEB8-80C3-44AA-83D7-DF78E6311A10}" type="datetimeFigureOut">
               <a:rPr lang="en-GB" smtClean="0"/>
-              <a:t>07/09/2015</a:t>
+              <a:t>08/09/2015</a:t>
             </a:fld>
             <a:endParaRPr lang="en-GB"/>
           </a:p>
@@ -3982,7 +3982,7 @@
           <a:p>
             <a:fld id="{5FFCCEB8-80C3-44AA-83D7-DF78E6311A10}" type="datetimeFigureOut">
               <a:rPr lang="en-GB" smtClean="0"/>
-              <a:t>07/09/2015</a:t>
+              <a:t>08/09/2015</a:t>
             </a:fld>
             <a:endParaRPr lang="en-GB"/>
           </a:p>
@@ -4239,7 +4239,7 @@
           <a:p>
             <a:fld id="{5FFCCEB8-80C3-44AA-83D7-DF78E6311A10}" type="datetimeFigureOut">
               <a:rPr lang="en-GB" smtClean="0"/>
-              <a:t>07/09/2015</a:t>
+              <a:t>08/09/2015</a:t>
             </a:fld>
             <a:endParaRPr lang="en-GB"/>
           </a:p>
@@ -4452,7 +4452,7 @@
           <a:p>
             <a:fld id="{5FFCCEB8-80C3-44AA-83D7-DF78E6311A10}" type="datetimeFigureOut">
               <a:rPr lang="en-GB" smtClean="0"/>
-              <a:t>07/09/2015</a:t>
+              <a:t>08/09/2015</a:t>
             </a:fld>
             <a:endParaRPr lang="en-GB"/>
           </a:p>

--- a/Figures/Powerpoints/3 plots.pptx
+++ b/Figures/Powerpoints/3 plots.pptx
@@ -227,7 +227,7 @@
           <a:p>
             <a:fld id="{32F7D83B-ADDA-4ECB-B692-7302BE334C8B}" type="datetimeFigureOut">
               <a:rPr lang="en-GB" smtClean="0"/>
-              <a:t>08/09/2015</a:t>
+              <a:t>24/09/2015</a:t>
             </a:fld>
             <a:endParaRPr lang="en-GB"/>
           </a:p>
@@ -2127,7 +2127,7 @@
           <a:p>
             <a:fld id="{5FFCCEB8-80C3-44AA-83D7-DF78E6311A10}" type="datetimeFigureOut">
               <a:rPr lang="en-GB" smtClean="0"/>
-              <a:t>08/09/2015</a:t>
+              <a:t>24/09/2015</a:t>
             </a:fld>
             <a:endParaRPr lang="en-GB"/>
           </a:p>
@@ -2297,7 +2297,7 @@
           <a:p>
             <a:fld id="{5FFCCEB8-80C3-44AA-83D7-DF78E6311A10}" type="datetimeFigureOut">
               <a:rPr lang="en-GB" smtClean="0"/>
-              <a:t>08/09/2015</a:t>
+              <a:t>24/09/2015</a:t>
             </a:fld>
             <a:endParaRPr lang="en-GB"/>
           </a:p>
@@ -2477,7 +2477,7 @@
           <a:p>
             <a:fld id="{5FFCCEB8-80C3-44AA-83D7-DF78E6311A10}" type="datetimeFigureOut">
               <a:rPr lang="en-GB" smtClean="0"/>
-              <a:t>08/09/2015</a:t>
+              <a:t>24/09/2015</a:t>
             </a:fld>
             <a:endParaRPr lang="en-GB"/>
           </a:p>
@@ -2647,7 +2647,7 @@
           <a:p>
             <a:fld id="{5FFCCEB8-80C3-44AA-83D7-DF78E6311A10}" type="datetimeFigureOut">
               <a:rPr lang="en-GB" smtClean="0"/>
-              <a:t>08/09/2015</a:t>
+              <a:t>24/09/2015</a:t>
             </a:fld>
             <a:endParaRPr lang="en-GB"/>
           </a:p>
@@ -2893,7 +2893,7 @@
           <a:p>
             <a:fld id="{5FFCCEB8-80C3-44AA-83D7-DF78E6311A10}" type="datetimeFigureOut">
               <a:rPr lang="en-GB" smtClean="0"/>
-              <a:t>08/09/2015</a:t>
+              <a:t>24/09/2015</a:t>
             </a:fld>
             <a:endParaRPr lang="en-GB"/>
           </a:p>
@@ -3125,7 +3125,7 @@
           <a:p>
             <a:fld id="{5FFCCEB8-80C3-44AA-83D7-DF78E6311A10}" type="datetimeFigureOut">
               <a:rPr lang="en-GB" smtClean="0"/>
-              <a:t>08/09/2015</a:t>
+              <a:t>24/09/2015</a:t>
             </a:fld>
             <a:endParaRPr lang="en-GB"/>
           </a:p>
@@ -3492,7 +3492,7 @@
           <a:p>
             <a:fld id="{5FFCCEB8-80C3-44AA-83D7-DF78E6311A10}" type="datetimeFigureOut">
               <a:rPr lang="en-GB" smtClean="0"/>
-              <a:t>08/09/2015</a:t>
+              <a:t>24/09/2015</a:t>
             </a:fld>
             <a:endParaRPr lang="en-GB"/>
           </a:p>
@@ -3610,7 +3610,7 @@
           <a:p>
             <a:fld id="{5FFCCEB8-80C3-44AA-83D7-DF78E6311A10}" type="datetimeFigureOut">
               <a:rPr lang="en-GB" smtClean="0"/>
-              <a:t>08/09/2015</a:t>
+              <a:t>24/09/2015</a:t>
             </a:fld>
             <a:endParaRPr lang="en-GB"/>
           </a:p>
@@ -3705,7 +3705,7 @@
           <a:p>
             <a:fld id="{5FFCCEB8-80C3-44AA-83D7-DF78E6311A10}" type="datetimeFigureOut">
               <a:rPr lang="en-GB" smtClean="0"/>
-              <a:t>08/09/2015</a:t>
+              <a:t>24/09/2015</a:t>
             </a:fld>
             <a:endParaRPr lang="en-GB"/>
           </a:p>
@@ -3982,7 +3982,7 @@
           <a:p>
             <a:fld id="{5FFCCEB8-80C3-44AA-83D7-DF78E6311A10}" type="datetimeFigureOut">
               <a:rPr lang="en-GB" smtClean="0"/>
-              <a:t>08/09/2015</a:t>
+              <a:t>24/09/2015</a:t>
             </a:fld>
             <a:endParaRPr lang="en-GB"/>
           </a:p>
@@ -4239,7 +4239,7 @@
           <a:p>
             <a:fld id="{5FFCCEB8-80C3-44AA-83D7-DF78E6311A10}" type="datetimeFigureOut">
               <a:rPr lang="en-GB" smtClean="0"/>
-              <a:t>08/09/2015</a:t>
+              <a:t>24/09/2015</a:t>
             </a:fld>
             <a:endParaRPr lang="en-GB"/>
           </a:p>
@@ -4452,7 +4452,7 @@
           <a:p>
             <a:fld id="{5FFCCEB8-80C3-44AA-83D7-DF78E6311A10}" type="datetimeFigureOut">
               <a:rPr lang="en-GB" smtClean="0"/>
-              <a:t>08/09/2015</a:t>
+              <a:t>24/09/2015</a:t>
             </a:fld>
             <a:endParaRPr lang="en-GB"/>
           </a:p>
@@ -7682,7 +7682,7 @@
         <p:spPr>
           <a:xfrm>
             <a:off x="4863981" y="182255"/>
-            <a:ext cx="998991" cy="369332"/>
+            <a:ext cx="1269899" cy="461665"/>
           </a:xfrm>
           <a:prstGeom prst="rect">
             <a:avLst/>
@@ -7696,10 +7696,10 @@
           <a:lstStyle/>
           <a:p>
             <a:r>
-              <a:rPr lang="en-GB" dirty="0" smtClean="0"/>
+              <a:rPr lang="en-GB" sz="2400" dirty="0" smtClean="0"/>
               <a:t>NOD WT</a:t>
             </a:r>
-            <a:endParaRPr lang="en-GB" dirty="0"/>
+            <a:endParaRPr lang="en-GB" sz="2400" dirty="0"/>
           </a:p>
         </p:txBody>
       </p:sp>
